--- a/Project2/Reports/BIOS6623_Project2_FinalPresentation.pptx
+++ b/Project2/Reports/BIOS6623_Project2_FinalPresentation.pptx
@@ -10,8 +10,9 @@
     <p:sldId id="258" r:id="rId4"/>
     <p:sldId id="259" r:id="rId5"/>
     <p:sldId id="260" r:id="rId6"/>
-    <p:sldId id="261" r:id="rId7"/>
-    <p:sldId id="262" r:id="rId8"/>
+    <p:sldId id="262" r:id="rId7"/>
+    <p:sldId id="261" r:id="rId8"/>
+    <p:sldId id="263" r:id="rId9"/>
   </p:sldIdLst>
   <p:sldSz cx="12192000" cy="6858000"/>
   <p:notesSz cx="6858000" cy="9144000"/>
@@ -110,6 +111,11 @@
       </a:defRPr>
     </a:lvl9pPr>
   </p:defaultTextStyle>
+  <p:extLst>
+    <p:ext uri="{EFAFB233-063F-42B5-8137-9DF3F51BA10A}">
+      <p15:sldGuideLst xmlns:p15="http://schemas.microsoft.com/office/powerpoint/2012/main"/>
+    </p:ext>
+  </p:extLst>
 </p:presentation>
 </file>
 
@@ -2987,7 +2993,11 @@
           <a:p>
             <a:r>
               <a:rPr lang="en-US" dirty="0" smtClean="0"/>
-              <a:t>Project 2: Final Report</a:t>
+              <a:t>Project 2: </a:t>
+            </a:r>
+            <a:r>
+              <a:rPr lang="en-US" dirty="0" smtClean="0"/>
+              <a:t>VA Hospital Mortality Rates</a:t>
             </a:r>
             <a:endParaRPr lang="en-US" dirty="0"/>
           </a:p>
@@ -3063,7 +3073,11 @@
           <a:p>
             <a:r>
               <a:rPr lang="en-US" dirty="0" smtClean="0"/>
-              <a:t>Research Question/Hypotheses</a:t>
+              <a:t>Research </a:t>
+            </a:r>
+            <a:r>
+              <a:rPr lang="en-US" dirty="0" smtClean="0"/>
+              <a:t>Question</a:t>
             </a:r>
             <a:endParaRPr lang="en-US" dirty="0"/>
           </a:p>
@@ -3084,7 +3098,46 @@
           <a:bodyPr/>
           <a:lstStyle/>
           <a:p>
-            <a:endParaRPr lang="en-US"/>
+            <a:r>
+              <a:rPr lang="en-US" dirty="0" smtClean="0"/>
+              <a:t>Primary:</a:t>
+            </a:r>
+          </a:p>
+          <a:p>
+            <a:pPr lvl="1"/>
+            <a:r>
+              <a:rPr lang="en-US" dirty="0" smtClean="0"/>
+              <a:t>What are the predicted mortality rates for each VA hospital?</a:t>
+            </a:r>
+          </a:p>
+          <a:p>
+            <a:pPr lvl="1"/>
+            <a:r>
+              <a:rPr lang="en-US" dirty="0" smtClean="0"/>
+              <a:t>What is the variation associated with each predicted mortality rate?</a:t>
+            </a:r>
+          </a:p>
+          <a:p>
+            <a:endParaRPr lang="en-US" dirty="0"/>
+          </a:p>
+          <a:p>
+            <a:r>
+              <a:rPr lang="en-US" dirty="0" smtClean="0"/>
+              <a:t>Secondary:</a:t>
+            </a:r>
+          </a:p>
+          <a:p>
+            <a:pPr lvl="1"/>
+            <a:r>
+              <a:rPr lang="en-US" dirty="0" smtClean="0"/>
+              <a:t>Is albumin associated with mortality rates?</a:t>
+            </a:r>
+          </a:p>
+          <a:p>
+            <a:endParaRPr lang="en-US" dirty="0" smtClean="0"/>
+          </a:p>
+          <a:p>
+            <a:endParaRPr lang="en-US" dirty="0" smtClean="0"/>
           </a:p>
         </p:txBody>
       </p:sp>
@@ -3141,22 +3194,4801 @@
           </a:p>
         </p:txBody>
       </p:sp>
+      <p:graphicFrame>
+        <p:nvGraphicFramePr>
+          <p:cNvPr id="5" name="Table 4"/>
+          <p:cNvGraphicFramePr>
+            <a:graphicFrameLocks noGrp="1"/>
+          </p:cNvGraphicFramePr>
+          <p:nvPr>
+            <p:extLst>
+              <p:ext uri="{D42A27DB-BD31-4B8C-83A1-F6EECF244321}">
+                <p14:modId xmlns:p14="http://schemas.microsoft.com/office/powerpoint/2010/main" val="2346440809"/>
+              </p:ext>
+            </p:extLst>
+          </p:nvPr>
+        </p:nvGraphicFramePr>
+        <p:xfrm>
+          <a:off x="1571331" y="1617890"/>
+          <a:ext cx="4524669" cy="4351347"/>
+        </p:xfrm>
+        <a:graphic>
+          <a:graphicData uri="http://schemas.openxmlformats.org/drawingml/2006/table">
+            <a:tbl>
+              <a:tblPr firstRow="1" firstCol="1" bandRow="1"/>
+              <a:tblGrid>
+                <a:gridCol w="1670437">
+                  <a:extLst>
+                    <a:ext uri="{9D8B030D-6E8A-4147-A177-3AD203B41FA5}">
+                      <a16:colId xmlns:a16="http://schemas.microsoft.com/office/drawing/2014/main" val="2017391571"/>
+                    </a:ext>
+                  </a:extLst>
+                </a:gridCol>
+                <a:gridCol w="885796">
+                  <a:extLst>
+                    <a:ext uri="{9D8B030D-6E8A-4147-A177-3AD203B41FA5}">
+                      <a16:colId xmlns:a16="http://schemas.microsoft.com/office/drawing/2014/main" val="3744022502"/>
+                    </a:ext>
+                  </a:extLst>
+                </a:gridCol>
+                <a:gridCol w="935007">
+                  <a:extLst>
+                    <a:ext uri="{9D8B030D-6E8A-4147-A177-3AD203B41FA5}">
+                      <a16:colId xmlns:a16="http://schemas.microsoft.com/office/drawing/2014/main" val="3785710641"/>
+                    </a:ext>
+                  </a:extLst>
+                </a:gridCol>
+                <a:gridCol w="1033429">
+                  <a:extLst>
+                    <a:ext uri="{9D8B030D-6E8A-4147-A177-3AD203B41FA5}">
+                      <a16:colId xmlns:a16="http://schemas.microsoft.com/office/drawing/2014/main" val="4147533477"/>
+                    </a:ext>
+                  </a:extLst>
+                </a:gridCol>
+              </a:tblGrid>
+              <a:tr h="189189">
+                <a:tc gridSpan="4">
+                  <a:txBody>
+                    <a:bodyPr/>
+                    <a:lstStyle/>
+                    <a:p>
+                      <a:pPr marL="0" marR="0" algn="ctr">
+                        <a:spcBef>
+                          <a:spcPts val="0"/>
+                        </a:spcBef>
+                        <a:spcAft>
+                          <a:spcPts val="0"/>
+                        </a:spcAft>
+                      </a:pPr>
+                      <a:r>
+                        <a:rPr lang="en-US" sz="1000" b="1">
+                          <a:solidFill>
+                            <a:srgbClr val="000000"/>
+                          </a:solidFill>
+                          <a:effectLst/>
+                          <a:latin typeface="Times New Roman" panose="02020603050405020304" pitchFamily="18" charset="0"/>
+                          <a:ea typeface="Times New Roman" panose="02020603050405020304" pitchFamily="18" charset="0"/>
+                          <a:cs typeface="Times New Roman" panose="02020603050405020304" pitchFamily="18" charset="0"/>
+                        </a:rPr>
+                        <a:t>Table One: Demographics</a:t>
+                      </a:r>
+                      <a:endParaRPr lang="en-US" sz="900">
+                        <a:effectLst/>
+                        <a:latin typeface="Times New Roman" panose="02020603050405020304" pitchFamily="18" charset="0"/>
+                        <a:ea typeface="Calibri" panose="020F0502020204030204" pitchFamily="34" charset="0"/>
+                        <a:cs typeface="Times New Roman" panose="02020603050405020304" pitchFamily="18" charset="0"/>
+                      </a:endParaRPr>
+                    </a:p>
+                  </a:txBody>
+                  <a:tcPr marL="59053" marR="59053" marT="0" marB="0">
+                    <a:lnL>
+                      <a:noFill/>
+                    </a:lnL>
+                    <a:lnR>
+                      <a:noFill/>
+                    </a:lnR>
+                    <a:lnT>
+                      <a:noFill/>
+                    </a:lnT>
+                    <a:lnB w="19050" cap="flat" cmpd="dbl" algn="ctr">
+                      <a:solidFill>
+                        <a:srgbClr val="000000"/>
+                      </a:solidFill>
+                      <a:prstDash val="solid"/>
+                      <a:round/>
+                      <a:headEnd type="none" w="med" len="med"/>
+                      <a:tailEnd type="none" w="med" len="med"/>
+                    </a:lnB>
+                  </a:tcPr>
+                </a:tc>
+                <a:tc hMerge="1">
+                  <a:txBody>
+                    <a:bodyPr/>
+                    <a:lstStyle/>
+                    <a:p>
+                      <a:endParaRPr lang="en-US"/>
+                    </a:p>
+                  </a:txBody>
+                  <a:tcPr/>
+                </a:tc>
+                <a:tc hMerge="1">
+                  <a:txBody>
+                    <a:bodyPr/>
+                    <a:lstStyle/>
+                    <a:p>
+                      <a:endParaRPr lang="en-US"/>
+                    </a:p>
+                  </a:txBody>
+                  <a:tcPr/>
+                </a:tc>
+                <a:tc hMerge="1">
+                  <a:txBody>
+                    <a:bodyPr/>
+                    <a:lstStyle/>
+                    <a:p>
+                      <a:endParaRPr lang="en-US"/>
+                    </a:p>
+                  </a:txBody>
+                  <a:tcPr/>
+                </a:tc>
+                <a:extLst>
+                  <a:ext uri="{0D108BD9-81ED-4DB2-BD59-A6C34878D82A}">
+                    <a16:rowId xmlns:a16="http://schemas.microsoft.com/office/drawing/2014/main" val="3664354491"/>
+                  </a:ext>
+                </a:extLst>
+              </a:tr>
+              <a:tr h="189189">
+                <a:tc>
+                  <a:txBody>
+                    <a:bodyPr/>
+                    <a:lstStyle/>
+                    <a:p>
+                      <a:pPr marL="0" marR="0" algn="ctr">
+                        <a:spcBef>
+                          <a:spcPts val="0"/>
+                        </a:spcBef>
+                        <a:spcAft>
+                          <a:spcPts val="0"/>
+                        </a:spcAft>
+                      </a:pPr>
+                      <a:r>
+                        <a:rPr lang="en-US" sz="1000" b="1">
+                          <a:solidFill>
+                            <a:srgbClr val="000000"/>
+                          </a:solidFill>
+                          <a:effectLst/>
+                          <a:latin typeface="Times New Roman" panose="02020603050405020304" pitchFamily="18" charset="0"/>
+                          <a:ea typeface="Times New Roman" panose="02020603050405020304" pitchFamily="18" charset="0"/>
+                          <a:cs typeface="Times New Roman" panose="02020603050405020304" pitchFamily="18" charset="0"/>
+                        </a:rPr>
+                        <a:t>Variable</a:t>
+                      </a:r>
+                      <a:endParaRPr lang="en-US" sz="900">
+                        <a:effectLst/>
+                        <a:latin typeface="Times New Roman" panose="02020603050405020304" pitchFamily="18" charset="0"/>
+                        <a:ea typeface="Calibri" panose="020F0502020204030204" pitchFamily="34" charset="0"/>
+                        <a:cs typeface="Times New Roman" panose="02020603050405020304" pitchFamily="18" charset="0"/>
+                      </a:endParaRPr>
+                    </a:p>
+                  </a:txBody>
+                  <a:tcPr marL="59053" marR="59053" marT="0" marB="0">
+                    <a:lnL>
+                      <a:noFill/>
+                    </a:lnL>
+                    <a:lnR>
+                      <a:noFill/>
+                    </a:lnR>
+                    <a:lnT w="19050" cap="flat" cmpd="dbl" algn="ctr">
+                      <a:solidFill>
+                        <a:srgbClr val="000000"/>
+                      </a:solidFill>
+                      <a:prstDash val="solid"/>
+                      <a:round/>
+                      <a:headEnd type="none" w="med" len="med"/>
+                      <a:tailEnd type="none" w="med" len="med"/>
+                    </a:lnT>
+                    <a:lnB w="12700" cap="flat" cmpd="sng" algn="ctr">
+                      <a:solidFill>
+                        <a:srgbClr val="000000"/>
+                      </a:solidFill>
+                      <a:prstDash val="solid"/>
+                      <a:round/>
+                      <a:headEnd type="none" w="med" len="med"/>
+                      <a:tailEnd type="none" w="med" len="med"/>
+                    </a:lnB>
+                  </a:tcPr>
+                </a:tc>
+                <a:tc>
+                  <a:txBody>
+                    <a:bodyPr/>
+                    <a:lstStyle/>
+                    <a:p>
+                      <a:pPr marL="0" marR="0" algn="ctr">
+                        <a:spcBef>
+                          <a:spcPts val="0"/>
+                        </a:spcBef>
+                        <a:spcAft>
+                          <a:spcPts val="0"/>
+                        </a:spcAft>
+                      </a:pPr>
+                      <a:r>
+                        <a:rPr lang="en-US" sz="1000" b="1">
+                          <a:solidFill>
+                            <a:srgbClr val="000000"/>
+                          </a:solidFill>
+                          <a:effectLst/>
+                          <a:latin typeface="Times New Roman" panose="02020603050405020304" pitchFamily="18" charset="0"/>
+                          <a:ea typeface="Times New Roman" panose="02020603050405020304" pitchFamily="18" charset="0"/>
+                          <a:cs typeface="Times New Roman" panose="02020603050405020304" pitchFamily="18" charset="0"/>
+                        </a:rPr>
+                        <a:t>All Patients</a:t>
+                      </a:r>
+                      <a:endParaRPr lang="en-US" sz="900">
+                        <a:effectLst/>
+                        <a:latin typeface="Times New Roman" panose="02020603050405020304" pitchFamily="18" charset="0"/>
+                        <a:ea typeface="Calibri" panose="020F0502020204030204" pitchFamily="34" charset="0"/>
+                        <a:cs typeface="Times New Roman" panose="02020603050405020304" pitchFamily="18" charset="0"/>
+                      </a:endParaRPr>
+                    </a:p>
+                  </a:txBody>
+                  <a:tcPr marL="59053" marR="59053" marT="0" marB="0">
+                    <a:lnL>
+                      <a:noFill/>
+                    </a:lnL>
+                    <a:lnR>
+                      <a:noFill/>
+                    </a:lnR>
+                    <a:lnT w="19050" cap="flat" cmpd="dbl" algn="ctr">
+                      <a:solidFill>
+                        <a:srgbClr val="000000"/>
+                      </a:solidFill>
+                      <a:prstDash val="solid"/>
+                      <a:round/>
+                      <a:headEnd type="none" w="med" len="med"/>
+                      <a:tailEnd type="none" w="med" len="med"/>
+                    </a:lnT>
+                    <a:lnB w="12700" cap="flat" cmpd="sng" algn="ctr">
+                      <a:solidFill>
+                        <a:srgbClr val="000000"/>
+                      </a:solidFill>
+                      <a:prstDash val="solid"/>
+                      <a:round/>
+                      <a:headEnd type="none" w="med" len="med"/>
+                      <a:tailEnd type="none" w="med" len="med"/>
+                    </a:lnB>
+                  </a:tcPr>
+                </a:tc>
+                <a:tc>
+                  <a:txBody>
+                    <a:bodyPr/>
+                    <a:lstStyle/>
+                    <a:p>
+                      <a:pPr marL="0" marR="0" algn="ctr">
+                        <a:spcBef>
+                          <a:spcPts val="0"/>
+                        </a:spcBef>
+                        <a:spcAft>
+                          <a:spcPts val="0"/>
+                        </a:spcAft>
+                      </a:pPr>
+                      <a:r>
+                        <a:rPr lang="en-US" sz="1000" b="1">
+                          <a:solidFill>
+                            <a:srgbClr val="000000"/>
+                          </a:solidFill>
+                          <a:effectLst/>
+                          <a:latin typeface="Times New Roman" panose="02020603050405020304" pitchFamily="18" charset="0"/>
+                          <a:ea typeface="Times New Roman" panose="02020603050405020304" pitchFamily="18" charset="0"/>
+                          <a:cs typeface="Times New Roman" panose="02020603050405020304" pitchFamily="18" charset="0"/>
+                        </a:rPr>
+                        <a:t>Drug Users</a:t>
+                      </a:r>
+                      <a:endParaRPr lang="en-US" sz="900">
+                        <a:effectLst/>
+                        <a:latin typeface="Times New Roman" panose="02020603050405020304" pitchFamily="18" charset="0"/>
+                        <a:ea typeface="Calibri" panose="020F0502020204030204" pitchFamily="34" charset="0"/>
+                        <a:cs typeface="Times New Roman" panose="02020603050405020304" pitchFamily="18" charset="0"/>
+                      </a:endParaRPr>
+                    </a:p>
+                  </a:txBody>
+                  <a:tcPr marL="59053" marR="59053" marT="0" marB="0">
+                    <a:lnL>
+                      <a:noFill/>
+                    </a:lnL>
+                    <a:lnR>
+                      <a:noFill/>
+                    </a:lnR>
+                    <a:lnT w="19050" cap="flat" cmpd="dbl" algn="ctr">
+                      <a:solidFill>
+                        <a:srgbClr val="000000"/>
+                      </a:solidFill>
+                      <a:prstDash val="solid"/>
+                      <a:round/>
+                      <a:headEnd type="none" w="med" len="med"/>
+                      <a:tailEnd type="none" w="med" len="med"/>
+                    </a:lnT>
+                    <a:lnB w="12700" cap="flat" cmpd="sng" algn="ctr">
+                      <a:solidFill>
+                        <a:srgbClr val="000000"/>
+                      </a:solidFill>
+                      <a:prstDash val="solid"/>
+                      <a:round/>
+                      <a:headEnd type="none" w="med" len="med"/>
+                      <a:tailEnd type="none" w="med" len="med"/>
+                    </a:lnB>
+                  </a:tcPr>
+                </a:tc>
+                <a:tc>
+                  <a:txBody>
+                    <a:bodyPr/>
+                    <a:lstStyle/>
+                    <a:p>
+                      <a:pPr marL="0" marR="0" algn="ctr">
+                        <a:spcBef>
+                          <a:spcPts val="0"/>
+                        </a:spcBef>
+                        <a:spcAft>
+                          <a:spcPts val="0"/>
+                        </a:spcAft>
+                      </a:pPr>
+                      <a:r>
+                        <a:rPr lang="en-US" sz="1000" b="1">
+                          <a:solidFill>
+                            <a:srgbClr val="000000"/>
+                          </a:solidFill>
+                          <a:effectLst/>
+                          <a:latin typeface="Times New Roman" panose="02020603050405020304" pitchFamily="18" charset="0"/>
+                          <a:ea typeface="Times New Roman" panose="02020603050405020304" pitchFamily="18" charset="0"/>
+                          <a:cs typeface="Times New Roman" panose="02020603050405020304" pitchFamily="18" charset="0"/>
+                        </a:rPr>
+                        <a:t>Not Drug Users</a:t>
+                      </a:r>
+                      <a:endParaRPr lang="en-US" sz="900">
+                        <a:effectLst/>
+                        <a:latin typeface="Times New Roman" panose="02020603050405020304" pitchFamily="18" charset="0"/>
+                        <a:ea typeface="Calibri" panose="020F0502020204030204" pitchFamily="34" charset="0"/>
+                        <a:cs typeface="Times New Roman" panose="02020603050405020304" pitchFamily="18" charset="0"/>
+                      </a:endParaRPr>
+                    </a:p>
+                  </a:txBody>
+                  <a:tcPr marL="59053" marR="59053" marT="0" marB="0">
+                    <a:lnL>
+                      <a:noFill/>
+                    </a:lnL>
+                    <a:lnR>
+                      <a:noFill/>
+                    </a:lnR>
+                    <a:lnT w="19050" cap="flat" cmpd="dbl" algn="ctr">
+                      <a:solidFill>
+                        <a:srgbClr val="000000"/>
+                      </a:solidFill>
+                      <a:prstDash val="solid"/>
+                      <a:round/>
+                      <a:headEnd type="none" w="med" len="med"/>
+                      <a:tailEnd type="none" w="med" len="med"/>
+                    </a:lnT>
+                    <a:lnB w="12700" cap="flat" cmpd="sng" algn="ctr">
+                      <a:solidFill>
+                        <a:srgbClr val="000000"/>
+                      </a:solidFill>
+                      <a:prstDash val="solid"/>
+                      <a:round/>
+                      <a:headEnd type="none" w="med" len="med"/>
+                      <a:tailEnd type="none" w="med" len="med"/>
+                    </a:lnB>
+                  </a:tcPr>
+                </a:tc>
+                <a:extLst>
+                  <a:ext uri="{0D108BD9-81ED-4DB2-BD59-A6C34878D82A}">
+                    <a16:rowId xmlns:a16="http://schemas.microsoft.com/office/drawing/2014/main" val="2980154677"/>
+                  </a:ext>
+                </a:extLst>
+              </a:tr>
+              <a:tr h="189189">
+                <a:tc>
+                  <a:txBody>
+                    <a:bodyPr/>
+                    <a:lstStyle/>
+                    <a:p>
+                      <a:pPr marL="0" marR="0">
+                        <a:spcBef>
+                          <a:spcPts val="0"/>
+                        </a:spcBef>
+                        <a:spcAft>
+                          <a:spcPts val="0"/>
+                        </a:spcAft>
+                      </a:pPr>
+                      <a:r>
+                        <a:rPr lang="en-US" sz="900" b="1">
+                          <a:solidFill>
+                            <a:srgbClr val="000000"/>
+                          </a:solidFill>
+                          <a:effectLst/>
+                          <a:latin typeface="Times New Roman" panose="02020603050405020304" pitchFamily="18" charset="0"/>
+                          <a:ea typeface="Times New Roman" panose="02020603050405020304" pitchFamily="18" charset="0"/>
+                          <a:cs typeface="Times New Roman" panose="02020603050405020304" pitchFamily="18" charset="0"/>
+                        </a:rPr>
+                        <a:t>N</a:t>
+                      </a:r>
+                      <a:endParaRPr lang="en-US" sz="900">
+                        <a:effectLst/>
+                        <a:latin typeface="Times New Roman" panose="02020603050405020304" pitchFamily="18" charset="0"/>
+                        <a:ea typeface="Calibri" panose="020F0502020204030204" pitchFamily="34" charset="0"/>
+                        <a:cs typeface="Times New Roman" panose="02020603050405020304" pitchFamily="18" charset="0"/>
+                      </a:endParaRPr>
+                    </a:p>
+                  </a:txBody>
+                  <a:tcPr marL="59053" marR="59053" marT="0" marB="0" anchor="ctr">
+                    <a:lnL>
+                      <a:noFill/>
+                    </a:lnL>
+                    <a:lnR>
+                      <a:noFill/>
+                    </a:lnR>
+                    <a:lnT w="12700" cap="flat" cmpd="sng" algn="ctr">
+                      <a:solidFill>
+                        <a:srgbClr val="000000"/>
+                      </a:solidFill>
+                      <a:prstDash val="solid"/>
+                      <a:round/>
+                      <a:headEnd type="none" w="med" len="med"/>
+                      <a:tailEnd type="none" w="med" len="med"/>
+                    </a:lnT>
+                    <a:lnB>
+                      <a:noFill/>
+                    </a:lnB>
+                  </a:tcPr>
+                </a:tc>
+                <a:tc>
+                  <a:txBody>
+                    <a:bodyPr/>
+                    <a:lstStyle/>
+                    <a:p>
+                      <a:pPr marL="0" marR="0" algn="ctr">
+                        <a:spcBef>
+                          <a:spcPts val="0"/>
+                        </a:spcBef>
+                        <a:spcAft>
+                          <a:spcPts val="0"/>
+                        </a:spcAft>
+                      </a:pPr>
+                      <a:r>
+                        <a:rPr lang="en-US" sz="900">
+                          <a:solidFill>
+                            <a:srgbClr val="000000"/>
+                          </a:solidFill>
+                          <a:effectLst/>
+                          <a:latin typeface="Times New Roman" panose="02020603050405020304" pitchFamily="18" charset="0"/>
+                          <a:ea typeface="Calibri" panose="020F0502020204030204" pitchFamily="34" charset="0"/>
+                          <a:cs typeface="Times New Roman" panose="02020603050405020304" pitchFamily="18" charset="0"/>
+                        </a:rPr>
+                        <a:t>476</a:t>
+                      </a:r>
+                      <a:endParaRPr lang="en-US" sz="900">
+                        <a:effectLst/>
+                        <a:latin typeface="Times New Roman" panose="02020603050405020304" pitchFamily="18" charset="0"/>
+                        <a:ea typeface="Calibri" panose="020F0502020204030204" pitchFamily="34" charset="0"/>
+                        <a:cs typeface="Times New Roman" panose="02020603050405020304" pitchFamily="18" charset="0"/>
+                      </a:endParaRPr>
+                    </a:p>
+                  </a:txBody>
+                  <a:tcPr marL="59053" marR="59053" marT="0" marB="0" anchor="ctr">
+                    <a:lnL>
+                      <a:noFill/>
+                    </a:lnL>
+                    <a:lnR>
+                      <a:noFill/>
+                    </a:lnR>
+                    <a:lnT w="12700" cap="flat" cmpd="sng" algn="ctr">
+                      <a:solidFill>
+                        <a:srgbClr val="000000"/>
+                      </a:solidFill>
+                      <a:prstDash val="solid"/>
+                      <a:round/>
+                      <a:headEnd type="none" w="med" len="med"/>
+                      <a:tailEnd type="none" w="med" len="med"/>
+                    </a:lnT>
+                    <a:lnB>
+                      <a:noFill/>
+                    </a:lnB>
+                  </a:tcPr>
+                </a:tc>
+                <a:tc>
+                  <a:txBody>
+                    <a:bodyPr/>
+                    <a:lstStyle/>
+                    <a:p>
+                      <a:pPr marL="0" marR="0" algn="ctr">
+                        <a:spcBef>
+                          <a:spcPts val="0"/>
+                        </a:spcBef>
+                        <a:spcAft>
+                          <a:spcPts val="0"/>
+                        </a:spcAft>
+                      </a:pPr>
+                      <a:r>
+                        <a:rPr lang="en-US" sz="900">
+                          <a:solidFill>
+                            <a:srgbClr val="000000"/>
+                          </a:solidFill>
+                          <a:effectLst/>
+                          <a:latin typeface="Times New Roman" panose="02020603050405020304" pitchFamily="18" charset="0"/>
+                          <a:ea typeface="Calibri" panose="020F0502020204030204" pitchFamily="34" charset="0"/>
+                          <a:cs typeface="Times New Roman" panose="02020603050405020304" pitchFamily="18" charset="0"/>
+                        </a:rPr>
+                        <a:t>39</a:t>
+                      </a:r>
+                      <a:endParaRPr lang="en-US" sz="900">
+                        <a:effectLst/>
+                        <a:latin typeface="Times New Roman" panose="02020603050405020304" pitchFamily="18" charset="0"/>
+                        <a:ea typeface="Calibri" panose="020F0502020204030204" pitchFamily="34" charset="0"/>
+                        <a:cs typeface="Times New Roman" panose="02020603050405020304" pitchFamily="18" charset="0"/>
+                      </a:endParaRPr>
+                    </a:p>
+                  </a:txBody>
+                  <a:tcPr marL="59053" marR="59053" marT="0" marB="0" anchor="ctr">
+                    <a:lnL>
+                      <a:noFill/>
+                    </a:lnL>
+                    <a:lnR>
+                      <a:noFill/>
+                    </a:lnR>
+                    <a:lnT w="12700" cap="flat" cmpd="sng" algn="ctr">
+                      <a:solidFill>
+                        <a:srgbClr val="000000"/>
+                      </a:solidFill>
+                      <a:prstDash val="solid"/>
+                      <a:round/>
+                      <a:headEnd type="none" w="med" len="med"/>
+                      <a:tailEnd type="none" w="med" len="med"/>
+                    </a:lnT>
+                    <a:lnB>
+                      <a:noFill/>
+                    </a:lnB>
+                  </a:tcPr>
+                </a:tc>
+                <a:tc>
+                  <a:txBody>
+                    <a:bodyPr/>
+                    <a:lstStyle/>
+                    <a:p>
+                      <a:pPr marL="0" marR="0" algn="ctr">
+                        <a:spcBef>
+                          <a:spcPts val="0"/>
+                        </a:spcBef>
+                        <a:spcAft>
+                          <a:spcPts val="0"/>
+                        </a:spcAft>
+                      </a:pPr>
+                      <a:r>
+                        <a:rPr lang="en-US" sz="900">
+                          <a:solidFill>
+                            <a:srgbClr val="000000"/>
+                          </a:solidFill>
+                          <a:effectLst/>
+                          <a:latin typeface="Times New Roman" panose="02020603050405020304" pitchFamily="18" charset="0"/>
+                          <a:ea typeface="Calibri" panose="020F0502020204030204" pitchFamily="34" charset="0"/>
+                          <a:cs typeface="Times New Roman" panose="02020603050405020304" pitchFamily="18" charset="0"/>
+                        </a:rPr>
+                        <a:t>437</a:t>
+                      </a:r>
+                      <a:endParaRPr lang="en-US" sz="900">
+                        <a:effectLst/>
+                        <a:latin typeface="Times New Roman" panose="02020603050405020304" pitchFamily="18" charset="0"/>
+                        <a:ea typeface="Calibri" panose="020F0502020204030204" pitchFamily="34" charset="0"/>
+                        <a:cs typeface="Times New Roman" panose="02020603050405020304" pitchFamily="18" charset="0"/>
+                      </a:endParaRPr>
+                    </a:p>
+                  </a:txBody>
+                  <a:tcPr marL="59053" marR="59053" marT="0" marB="0" anchor="ctr">
+                    <a:lnL>
+                      <a:noFill/>
+                    </a:lnL>
+                    <a:lnR>
+                      <a:noFill/>
+                    </a:lnR>
+                    <a:lnT w="12700" cap="flat" cmpd="sng" algn="ctr">
+                      <a:solidFill>
+                        <a:srgbClr val="000000"/>
+                      </a:solidFill>
+                      <a:prstDash val="solid"/>
+                      <a:round/>
+                      <a:headEnd type="none" w="med" len="med"/>
+                      <a:tailEnd type="none" w="med" len="med"/>
+                    </a:lnT>
+                    <a:lnB>
+                      <a:noFill/>
+                    </a:lnB>
+                  </a:tcPr>
+                </a:tc>
+                <a:extLst>
+                  <a:ext uri="{0D108BD9-81ED-4DB2-BD59-A6C34878D82A}">
+                    <a16:rowId xmlns:a16="http://schemas.microsoft.com/office/drawing/2014/main" val="4284832274"/>
+                  </a:ext>
+                </a:extLst>
+              </a:tr>
+              <a:tr h="189189">
+                <a:tc>
+                  <a:txBody>
+                    <a:bodyPr/>
+                    <a:lstStyle/>
+                    <a:p>
+                      <a:pPr marL="0" marR="0">
+                        <a:spcBef>
+                          <a:spcPts val="0"/>
+                        </a:spcBef>
+                        <a:spcAft>
+                          <a:spcPts val="0"/>
+                        </a:spcAft>
+                      </a:pPr>
+                      <a:r>
+                        <a:rPr lang="en-US" sz="900" b="1">
+                          <a:solidFill>
+                            <a:srgbClr val="000000"/>
+                          </a:solidFill>
+                          <a:effectLst/>
+                          <a:latin typeface="Times New Roman" panose="02020603050405020304" pitchFamily="18" charset="0"/>
+                          <a:ea typeface="Times New Roman" panose="02020603050405020304" pitchFamily="18" charset="0"/>
+                          <a:cs typeface="Times New Roman" panose="02020603050405020304" pitchFamily="18" charset="0"/>
+                        </a:rPr>
+                        <a:t>Age </a:t>
+                      </a:r>
+                      <a:r>
+                        <a:rPr lang="en-US" sz="900">
+                          <a:solidFill>
+                            <a:srgbClr val="000000"/>
+                          </a:solidFill>
+                          <a:effectLst/>
+                          <a:latin typeface="Times New Roman" panose="02020603050405020304" pitchFamily="18" charset="0"/>
+                          <a:ea typeface="Times New Roman" panose="02020603050405020304" pitchFamily="18" charset="0"/>
+                          <a:cs typeface="Times New Roman" panose="02020603050405020304" pitchFamily="18" charset="0"/>
+                        </a:rPr>
+                        <a:t>(mean ± sd)</a:t>
+                      </a:r>
+                      <a:endParaRPr lang="en-US" sz="900">
+                        <a:effectLst/>
+                        <a:latin typeface="Times New Roman" panose="02020603050405020304" pitchFamily="18" charset="0"/>
+                        <a:ea typeface="Calibri" panose="020F0502020204030204" pitchFamily="34" charset="0"/>
+                        <a:cs typeface="Times New Roman" panose="02020603050405020304" pitchFamily="18" charset="0"/>
+                      </a:endParaRPr>
+                    </a:p>
+                  </a:txBody>
+                  <a:tcPr marL="59053" marR="59053" marT="0" marB="0" anchor="ctr">
+                    <a:lnL>
+                      <a:noFill/>
+                    </a:lnL>
+                    <a:lnR>
+                      <a:noFill/>
+                    </a:lnR>
+                    <a:lnT>
+                      <a:noFill/>
+                    </a:lnT>
+                    <a:lnB>
+                      <a:noFill/>
+                    </a:lnB>
+                  </a:tcPr>
+                </a:tc>
+                <a:tc>
+                  <a:txBody>
+                    <a:bodyPr/>
+                    <a:lstStyle/>
+                    <a:p>
+                      <a:pPr marL="0" marR="0" algn="ctr">
+                        <a:spcBef>
+                          <a:spcPts val="0"/>
+                        </a:spcBef>
+                        <a:spcAft>
+                          <a:spcPts val="0"/>
+                        </a:spcAft>
+                      </a:pPr>
+                      <a:r>
+                        <a:rPr lang="en-US" sz="900">
+                          <a:solidFill>
+                            <a:srgbClr val="000000"/>
+                          </a:solidFill>
+                          <a:effectLst/>
+                          <a:latin typeface="Times New Roman" panose="02020603050405020304" pitchFamily="18" charset="0"/>
+                          <a:ea typeface="Calibri" panose="020F0502020204030204" pitchFamily="34" charset="0"/>
+                          <a:cs typeface="Times New Roman" panose="02020603050405020304" pitchFamily="18" charset="0"/>
+                        </a:rPr>
+                        <a:t>43.26 ± 8.72</a:t>
+                      </a:r>
+                      <a:endParaRPr lang="en-US" sz="900">
+                        <a:effectLst/>
+                        <a:latin typeface="Times New Roman" panose="02020603050405020304" pitchFamily="18" charset="0"/>
+                        <a:ea typeface="Calibri" panose="020F0502020204030204" pitchFamily="34" charset="0"/>
+                        <a:cs typeface="Times New Roman" panose="02020603050405020304" pitchFamily="18" charset="0"/>
+                      </a:endParaRPr>
+                    </a:p>
+                  </a:txBody>
+                  <a:tcPr marL="59053" marR="59053" marT="0" marB="0" anchor="ctr">
+                    <a:lnL>
+                      <a:noFill/>
+                    </a:lnL>
+                    <a:lnR>
+                      <a:noFill/>
+                    </a:lnR>
+                    <a:lnT>
+                      <a:noFill/>
+                    </a:lnT>
+                    <a:lnB>
+                      <a:noFill/>
+                    </a:lnB>
+                  </a:tcPr>
+                </a:tc>
+                <a:tc>
+                  <a:txBody>
+                    <a:bodyPr/>
+                    <a:lstStyle/>
+                    <a:p>
+                      <a:pPr marL="0" marR="0" algn="ctr">
+                        <a:spcBef>
+                          <a:spcPts val="0"/>
+                        </a:spcBef>
+                        <a:spcAft>
+                          <a:spcPts val="0"/>
+                        </a:spcAft>
+                      </a:pPr>
+                      <a:r>
+                        <a:rPr lang="en-US" sz="900">
+                          <a:solidFill>
+                            <a:srgbClr val="000000"/>
+                          </a:solidFill>
+                          <a:effectLst/>
+                          <a:latin typeface="Times New Roman" panose="02020603050405020304" pitchFamily="18" charset="0"/>
+                          <a:ea typeface="Calibri" panose="020F0502020204030204" pitchFamily="34" charset="0"/>
+                          <a:cs typeface="Times New Roman" panose="02020603050405020304" pitchFamily="18" charset="0"/>
+                        </a:rPr>
+                        <a:t>44.62 ± 9.49</a:t>
+                      </a:r>
+                      <a:endParaRPr lang="en-US" sz="900">
+                        <a:effectLst/>
+                        <a:latin typeface="Times New Roman" panose="02020603050405020304" pitchFamily="18" charset="0"/>
+                        <a:ea typeface="Calibri" panose="020F0502020204030204" pitchFamily="34" charset="0"/>
+                        <a:cs typeface="Times New Roman" panose="02020603050405020304" pitchFamily="18" charset="0"/>
+                      </a:endParaRPr>
+                    </a:p>
+                  </a:txBody>
+                  <a:tcPr marL="59053" marR="59053" marT="0" marB="0" anchor="ctr">
+                    <a:lnL>
+                      <a:noFill/>
+                    </a:lnL>
+                    <a:lnR>
+                      <a:noFill/>
+                    </a:lnR>
+                    <a:lnT>
+                      <a:noFill/>
+                    </a:lnT>
+                    <a:lnB>
+                      <a:noFill/>
+                    </a:lnB>
+                  </a:tcPr>
+                </a:tc>
+                <a:tc>
+                  <a:txBody>
+                    <a:bodyPr/>
+                    <a:lstStyle/>
+                    <a:p>
+                      <a:pPr marL="0" marR="0" algn="ctr">
+                        <a:spcBef>
+                          <a:spcPts val="0"/>
+                        </a:spcBef>
+                        <a:spcAft>
+                          <a:spcPts val="0"/>
+                        </a:spcAft>
+                      </a:pPr>
+                      <a:r>
+                        <a:rPr lang="en-US" sz="900">
+                          <a:solidFill>
+                            <a:srgbClr val="000000"/>
+                          </a:solidFill>
+                          <a:effectLst/>
+                          <a:latin typeface="Times New Roman" panose="02020603050405020304" pitchFamily="18" charset="0"/>
+                          <a:ea typeface="Calibri" panose="020F0502020204030204" pitchFamily="34" charset="0"/>
+                          <a:cs typeface="Times New Roman" panose="02020603050405020304" pitchFamily="18" charset="0"/>
+                        </a:rPr>
+                        <a:t>43.14 ± 8.65</a:t>
+                      </a:r>
+                      <a:endParaRPr lang="en-US" sz="900">
+                        <a:effectLst/>
+                        <a:latin typeface="Times New Roman" panose="02020603050405020304" pitchFamily="18" charset="0"/>
+                        <a:ea typeface="Calibri" panose="020F0502020204030204" pitchFamily="34" charset="0"/>
+                        <a:cs typeface="Times New Roman" panose="02020603050405020304" pitchFamily="18" charset="0"/>
+                      </a:endParaRPr>
+                    </a:p>
+                  </a:txBody>
+                  <a:tcPr marL="59053" marR="59053" marT="0" marB="0" anchor="ctr">
+                    <a:lnL>
+                      <a:noFill/>
+                    </a:lnL>
+                    <a:lnR>
+                      <a:noFill/>
+                    </a:lnR>
+                    <a:lnT>
+                      <a:noFill/>
+                    </a:lnT>
+                    <a:lnB>
+                      <a:noFill/>
+                    </a:lnB>
+                  </a:tcPr>
+                </a:tc>
+                <a:extLst>
+                  <a:ext uri="{0D108BD9-81ED-4DB2-BD59-A6C34878D82A}">
+                    <a16:rowId xmlns:a16="http://schemas.microsoft.com/office/drawing/2014/main" val="511894749"/>
+                  </a:ext>
+                </a:extLst>
+              </a:tr>
+              <a:tr h="189189">
+                <a:tc>
+                  <a:txBody>
+                    <a:bodyPr/>
+                    <a:lstStyle/>
+                    <a:p>
+                      <a:pPr marL="0" marR="0">
+                        <a:spcBef>
+                          <a:spcPts val="0"/>
+                        </a:spcBef>
+                        <a:spcAft>
+                          <a:spcPts val="0"/>
+                        </a:spcAft>
+                      </a:pPr>
+                      <a:r>
+                        <a:rPr lang="en-US" sz="900" b="1">
+                          <a:solidFill>
+                            <a:srgbClr val="000000"/>
+                          </a:solidFill>
+                          <a:effectLst/>
+                          <a:latin typeface="Times New Roman" panose="02020603050405020304" pitchFamily="18" charset="0"/>
+                          <a:ea typeface="Times New Roman" panose="02020603050405020304" pitchFamily="18" charset="0"/>
+                          <a:cs typeface="Times New Roman" panose="02020603050405020304" pitchFamily="18" charset="0"/>
+                        </a:rPr>
+                        <a:t>BMI </a:t>
+                      </a:r>
+                      <a:r>
+                        <a:rPr lang="en-US" sz="900">
+                          <a:solidFill>
+                            <a:srgbClr val="000000"/>
+                          </a:solidFill>
+                          <a:effectLst/>
+                          <a:latin typeface="Times New Roman" panose="02020603050405020304" pitchFamily="18" charset="0"/>
+                          <a:ea typeface="Times New Roman" panose="02020603050405020304" pitchFamily="18" charset="0"/>
+                          <a:cs typeface="Times New Roman" panose="02020603050405020304" pitchFamily="18" charset="0"/>
+                        </a:rPr>
+                        <a:t>(mean ± sd)</a:t>
+                      </a:r>
+                      <a:endParaRPr lang="en-US" sz="900">
+                        <a:effectLst/>
+                        <a:latin typeface="Times New Roman" panose="02020603050405020304" pitchFamily="18" charset="0"/>
+                        <a:ea typeface="Calibri" panose="020F0502020204030204" pitchFamily="34" charset="0"/>
+                        <a:cs typeface="Times New Roman" panose="02020603050405020304" pitchFamily="18" charset="0"/>
+                      </a:endParaRPr>
+                    </a:p>
+                  </a:txBody>
+                  <a:tcPr marL="59053" marR="59053" marT="0" marB="0" anchor="ctr">
+                    <a:lnL>
+                      <a:noFill/>
+                    </a:lnL>
+                    <a:lnR>
+                      <a:noFill/>
+                    </a:lnR>
+                    <a:lnT>
+                      <a:noFill/>
+                    </a:lnT>
+                    <a:lnB>
+                      <a:noFill/>
+                    </a:lnB>
+                  </a:tcPr>
+                </a:tc>
+                <a:tc>
+                  <a:txBody>
+                    <a:bodyPr/>
+                    <a:lstStyle/>
+                    <a:p>
+                      <a:pPr marL="0" marR="0" algn="ctr">
+                        <a:spcBef>
+                          <a:spcPts val="0"/>
+                        </a:spcBef>
+                        <a:spcAft>
+                          <a:spcPts val="0"/>
+                        </a:spcAft>
+                      </a:pPr>
+                      <a:r>
+                        <a:rPr lang="en-US" sz="900">
+                          <a:solidFill>
+                            <a:srgbClr val="000000"/>
+                          </a:solidFill>
+                          <a:effectLst/>
+                          <a:latin typeface="Times New Roman" panose="02020603050405020304" pitchFamily="18" charset="0"/>
+                          <a:ea typeface="Calibri" panose="020F0502020204030204" pitchFamily="34" charset="0"/>
+                          <a:cs typeface="Times New Roman" panose="02020603050405020304" pitchFamily="18" charset="0"/>
+                        </a:rPr>
+                        <a:t>25.21 ± 4.34</a:t>
+                      </a:r>
+                      <a:endParaRPr lang="en-US" sz="900">
+                        <a:effectLst/>
+                        <a:latin typeface="Times New Roman" panose="02020603050405020304" pitchFamily="18" charset="0"/>
+                        <a:ea typeface="Calibri" panose="020F0502020204030204" pitchFamily="34" charset="0"/>
+                        <a:cs typeface="Times New Roman" panose="02020603050405020304" pitchFamily="18" charset="0"/>
+                      </a:endParaRPr>
+                    </a:p>
+                  </a:txBody>
+                  <a:tcPr marL="59053" marR="59053" marT="0" marB="0" anchor="ctr">
+                    <a:lnL>
+                      <a:noFill/>
+                    </a:lnL>
+                    <a:lnR>
+                      <a:noFill/>
+                    </a:lnR>
+                    <a:lnT>
+                      <a:noFill/>
+                    </a:lnT>
+                    <a:lnB>
+                      <a:noFill/>
+                    </a:lnB>
+                  </a:tcPr>
+                </a:tc>
+                <a:tc>
+                  <a:txBody>
+                    <a:bodyPr/>
+                    <a:lstStyle/>
+                    <a:p>
+                      <a:pPr marL="0" marR="0" algn="ctr">
+                        <a:spcBef>
+                          <a:spcPts val="0"/>
+                        </a:spcBef>
+                        <a:spcAft>
+                          <a:spcPts val="0"/>
+                        </a:spcAft>
+                      </a:pPr>
+                      <a:r>
+                        <a:rPr lang="en-US" sz="900">
+                          <a:solidFill>
+                            <a:srgbClr val="000000"/>
+                          </a:solidFill>
+                          <a:effectLst/>
+                          <a:latin typeface="Times New Roman" panose="02020603050405020304" pitchFamily="18" charset="0"/>
+                          <a:ea typeface="Calibri" panose="020F0502020204030204" pitchFamily="34" charset="0"/>
+                          <a:cs typeface="Times New Roman" panose="02020603050405020304" pitchFamily="18" charset="0"/>
+                        </a:rPr>
+                        <a:t>23.62 ± 3.45</a:t>
+                      </a:r>
+                      <a:endParaRPr lang="en-US" sz="900">
+                        <a:effectLst/>
+                        <a:latin typeface="Times New Roman" panose="02020603050405020304" pitchFamily="18" charset="0"/>
+                        <a:ea typeface="Calibri" panose="020F0502020204030204" pitchFamily="34" charset="0"/>
+                        <a:cs typeface="Times New Roman" panose="02020603050405020304" pitchFamily="18" charset="0"/>
+                      </a:endParaRPr>
+                    </a:p>
+                  </a:txBody>
+                  <a:tcPr marL="59053" marR="59053" marT="0" marB="0" anchor="ctr">
+                    <a:lnL>
+                      <a:noFill/>
+                    </a:lnL>
+                    <a:lnR>
+                      <a:noFill/>
+                    </a:lnR>
+                    <a:lnT>
+                      <a:noFill/>
+                    </a:lnT>
+                    <a:lnB>
+                      <a:noFill/>
+                    </a:lnB>
+                  </a:tcPr>
+                </a:tc>
+                <a:tc>
+                  <a:txBody>
+                    <a:bodyPr/>
+                    <a:lstStyle/>
+                    <a:p>
+                      <a:pPr marL="0" marR="0" algn="ctr">
+                        <a:spcBef>
+                          <a:spcPts val="0"/>
+                        </a:spcBef>
+                        <a:spcAft>
+                          <a:spcPts val="0"/>
+                        </a:spcAft>
+                      </a:pPr>
+                      <a:r>
+                        <a:rPr lang="en-US" sz="900">
+                          <a:solidFill>
+                            <a:srgbClr val="000000"/>
+                          </a:solidFill>
+                          <a:effectLst/>
+                          <a:latin typeface="Times New Roman" panose="02020603050405020304" pitchFamily="18" charset="0"/>
+                          <a:ea typeface="Calibri" panose="020F0502020204030204" pitchFamily="34" charset="0"/>
+                          <a:cs typeface="Times New Roman" panose="02020603050405020304" pitchFamily="18" charset="0"/>
+                        </a:rPr>
+                        <a:t>25.34 ± 4.39</a:t>
+                      </a:r>
+                      <a:endParaRPr lang="en-US" sz="900">
+                        <a:effectLst/>
+                        <a:latin typeface="Times New Roman" panose="02020603050405020304" pitchFamily="18" charset="0"/>
+                        <a:ea typeface="Calibri" panose="020F0502020204030204" pitchFamily="34" charset="0"/>
+                        <a:cs typeface="Times New Roman" panose="02020603050405020304" pitchFamily="18" charset="0"/>
+                      </a:endParaRPr>
+                    </a:p>
+                  </a:txBody>
+                  <a:tcPr marL="59053" marR="59053" marT="0" marB="0" anchor="ctr">
+                    <a:lnL>
+                      <a:noFill/>
+                    </a:lnL>
+                    <a:lnR>
+                      <a:noFill/>
+                    </a:lnR>
+                    <a:lnT>
+                      <a:noFill/>
+                    </a:lnT>
+                    <a:lnB>
+                      <a:noFill/>
+                    </a:lnB>
+                  </a:tcPr>
+                </a:tc>
+                <a:extLst>
+                  <a:ext uri="{0D108BD9-81ED-4DB2-BD59-A6C34878D82A}">
+                    <a16:rowId xmlns:a16="http://schemas.microsoft.com/office/drawing/2014/main" val="1531545185"/>
+                  </a:ext>
+                </a:extLst>
+              </a:tr>
+              <a:tr h="189189">
+                <a:tc>
+                  <a:txBody>
+                    <a:bodyPr/>
+                    <a:lstStyle/>
+                    <a:p>
+                      <a:pPr marL="0" marR="0">
+                        <a:spcBef>
+                          <a:spcPts val="0"/>
+                        </a:spcBef>
+                        <a:spcAft>
+                          <a:spcPts val="0"/>
+                        </a:spcAft>
+                      </a:pPr>
+                      <a:r>
+                        <a:rPr lang="en-US" sz="900" b="1">
+                          <a:solidFill>
+                            <a:srgbClr val="000000"/>
+                          </a:solidFill>
+                          <a:effectLst/>
+                          <a:latin typeface="Times New Roman" panose="02020603050405020304" pitchFamily="18" charset="0"/>
+                          <a:ea typeface="Times New Roman" panose="02020603050405020304" pitchFamily="18" charset="0"/>
+                          <a:cs typeface="Times New Roman" panose="02020603050405020304" pitchFamily="18" charset="0"/>
+                        </a:rPr>
+                        <a:t>Race </a:t>
+                      </a:r>
+                      <a:r>
+                        <a:rPr lang="en-US" sz="900">
+                          <a:solidFill>
+                            <a:srgbClr val="000000"/>
+                          </a:solidFill>
+                          <a:effectLst/>
+                          <a:latin typeface="Times New Roman" panose="02020603050405020304" pitchFamily="18" charset="0"/>
+                          <a:ea typeface="Times New Roman" panose="02020603050405020304" pitchFamily="18" charset="0"/>
+                          <a:cs typeface="Times New Roman" panose="02020603050405020304" pitchFamily="18" charset="0"/>
+                        </a:rPr>
+                        <a:t>(% (n))</a:t>
+                      </a:r>
+                      <a:endParaRPr lang="en-US" sz="900">
+                        <a:effectLst/>
+                        <a:latin typeface="Times New Roman" panose="02020603050405020304" pitchFamily="18" charset="0"/>
+                        <a:ea typeface="Calibri" panose="020F0502020204030204" pitchFamily="34" charset="0"/>
+                        <a:cs typeface="Times New Roman" panose="02020603050405020304" pitchFamily="18" charset="0"/>
+                      </a:endParaRPr>
+                    </a:p>
+                  </a:txBody>
+                  <a:tcPr marL="59053" marR="59053" marT="0" marB="0" anchor="ctr">
+                    <a:lnL>
+                      <a:noFill/>
+                    </a:lnL>
+                    <a:lnR>
+                      <a:noFill/>
+                    </a:lnR>
+                    <a:lnT>
+                      <a:noFill/>
+                    </a:lnT>
+                    <a:lnB>
+                      <a:noFill/>
+                    </a:lnB>
+                  </a:tcPr>
+                </a:tc>
+                <a:tc>
+                  <a:txBody>
+                    <a:bodyPr/>
+                    <a:lstStyle/>
+                    <a:p>
+                      <a:pPr marL="0" marR="0" algn="ctr">
+                        <a:spcBef>
+                          <a:spcPts val="0"/>
+                        </a:spcBef>
+                        <a:spcAft>
+                          <a:spcPts val="0"/>
+                        </a:spcAft>
+                      </a:pPr>
+                      <a:r>
+                        <a:rPr lang="en-US" sz="900">
+                          <a:solidFill>
+                            <a:srgbClr val="000000"/>
+                          </a:solidFill>
+                          <a:effectLst/>
+                          <a:latin typeface="Times New Roman" panose="02020603050405020304" pitchFamily="18" charset="0"/>
+                          <a:ea typeface="Calibri" panose="020F0502020204030204" pitchFamily="34" charset="0"/>
+                          <a:cs typeface="Times New Roman" panose="02020603050405020304" pitchFamily="18" charset="0"/>
+                        </a:rPr>
+                        <a:t> </a:t>
+                      </a:r>
+                      <a:endParaRPr lang="en-US" sz="900">
+                        <a:effectLst/>
+                        <a:latin typeface="Times New Roman" panose="02020603050405020304" pitchFamily="18" charset="0"/>
+                        <a:ea typeface="Calibri" panose="020F0502020204030204" pitchFamily="34" charset="0"/>
+                        <a:cs typeface="Times New Roman" panose="02020603050405020304" pitchFamily="18" charset="0"/>
+                      </a:endParaRPr>
+                    </a:p>
+                  </a:txBody>
+                  <a:tcPr marL="59053" marR="59053" marT="0" marB="0" anchor="ctr">
+                    <a:lnL>
+                      <a:noFill/>
+                    </a:lnL>
+                    <a:lnR>
+                      <a:noFill/>
+                    </a:lnR>
+                    <a:lnT>
+                      <a:noFill/>
+                    </a:lnT>
+                    <a:lnB>
+                      <a:noFill/>
+                    </a:lnB>
+                  </a:tcPr>
+                </a:tc>
+                <a:tc>
+                  <a:txBody>
+                    <a:bodyPr/>
+                    <a:lstStyle/>
+                    <a:p>
+                      <a:pPr marL="0" marR="0" algn="ctr">
+                        <a:spcBef>
+                          <a:spcPts val="0"/>
+                        </a:spcBef>
+                        <a:spcAft>
+                          <a:spcPts val="0"/>
+                        </a:spcAft>
+                      </a:pPr>
+                      <a:r>
+                        <a:rPr lang="en-US" sz="900">
+                          <a:solidFill>
+                            <a:srgbClr val="000000"/>
+                          </a:solidFill>
+                          <a:effectLst/>
+                          <a:latin typeface="Times New Roman" panose="02020603050405020304" pitchFamily="18" charset="0"/>
+                          <a:ea typeface="Calibri" panose="020F0502020204030204" pitchFamily="34" charset="0"/>
+                          <a:cs typeface="Times New Roman" panose="02020603050405020304" pitchFamily="18" charset="0"/>
+                        </a:rPr>
+                        <a:t> </a:t>
+                      </a:r>
+                      <a:endParaRPr lang="en-US" sz="900">
+                        <a:effectLst/>
+                        <a:latin typeface="Times New Roman" panose="02020603050405020304" pitchFamily="18" charset="0"/>
+                        <a:ea typeface="Calibri" panose="020F0502020204030204" pitchFamily="34" charset="0"/>
+                        <a:cs typeface="Times New Roman" panose="02020603050405020304" pitchFamily="18" charset="0"/>
+                      </a:endParaRPr>
+                    </a:p>
+                  </a:txBody>
+                  <a:tcPr marL="59053" marR="59053" marT="0" marB="0" anchor="ctr">
+                    <a:lnL>
+                      <a:noFill/>
+                    </a:lnL>
+                    <a:lnR>
+                      <a:noFill/>
+                    </a:lnR>
+                    <a:lnT>
+                      <a:noFill/>
+                    </a:lnT>
+                    <a:lnB>
+                      <a:noFill/>
+                    </a:lnB>
+                  </a:tcPr>
+                </a:tc>
+                <a:tc>
+                  <a:txBody>
+                    <a:bodyPr/>
+                    <a:lstStyle/>
+                    <a:p>
+                      <a:pPr marL="0" marR="0" algn="ctr">
+                        <a:spcBef>
+                          <a:spcPts val="0"/>
+                        </a:spcBef>
+                        <a:spcAft>
+                          <a:spcPts val="0"/>
+                        </a:spcAft>
+                      </a:pPr>
+                      <a:r>
+                        <a:rPr lang="en-US" sz="900">
+                          <a:solidFill>
+                            <a:srgbClr val="000000"/>
+                          </a:solidFill>
+                          <a:effectLst/>
+                          <a:latin typeface="Times New Roman" panose="02020603050405020304" pitchFamily="18" charset="0"/>
+                          <a:ea typeface="Calibri" panose="020F0502020204030204" pitchFamily="34" charset="0"/>
+                          <a:cs typeface="Times New Roman" panose="02020603050405020304" pitchFamily="18" charset="0"/>
+                        </a:rPr>
+                        <a:t> </a:t>
+                      </a:r>
+                      <a:endParaRPr lang="en-US" sz="900">
+                        <a:effectLst/>
+                        <a:latin typeface="Times New Roman" panose="02020603050405020304" pitchFamily="18" charset="0"/>
+                        <a:ea typeface="Calibri" panose="020F0502020204030204" pitchFamily="34" charset="0"/>
+                        <a:cs typeface="Times New Roman" panose="02020603050405020304" pitchFamily="18" charset="0"/>
+                      </a:endParaRPr>
+                    </a:p>
+                  </a:txBody>
+                  <a:tcPr marL="59053" marR="59053" marT="0" marB="0" anchor="ctr">
+                    <a:lnL>
+                      <a:noFill/>
+                    </a:lnL>
+                    <a:lnR>
+                      <a:noFill/>
+                    </a:lnR>
+                    <a:lnT>
+                      <a:noFill/>
+                    </a:lnT>
+                    <a:lnB>
+                      <a:noFill/>
+                    </a:lnB>
+                  </a:tcPr>
+                </a:tc>
+                <a:extLst>
+                  <a:ext uri="{0D108BD9-81ED-4DB2-BD59-A6C34878D82A}">
+                    <a16:rowId xmlns:a16="http://schemas.microsoft.com/office/drawing/2014/main" val="2702552292"/>
+                  </a:ext>
+                </a:extLst>
+              </a:tr>
+              <a:tr h="189189">
+                <a:tc>
+                  <a:txBody>
+                    <a:bodyPr/>
+                    <a:lstStyle/>
+                    <a:p>
+                      <a:pPr marL="0" marR="0">
+                        <a:spcBef>
+                          <a:spcPts val="0"/>
+                        </a:spcBef>
+                        <a:spcAft>
+                          <a:spcPts val="0"/>
+                        </a:spcAft>
+                      </a:pPr>
+                      <a:r>
+                        <a:rPr lang="en-US" sz="900">
+                          <a:solidFill>
+                            <a:srgbClr val="000000"/>
+                          </a:solidFill>
+                          <a:effectLst/>
+                          <a:latin typeface="Times New Roman" panose="02020603050405020304" pitchFamily="18" charset="0"/>
+                          <a:ea typeface="Times New Roman" panose="02020603050405020304" pitchFamily="18" charset="0"/>
+                          <a:cs typeface="Times New Roman" panose="02020603050405020304" pitchFamily="18" charset="0"/>
+                        </a:rPr>
+                        <a:t>   White</a:t>
+                      </a:r>
+                      <a:endParaRPr lang="en-US" sz="900">
+                        <a:effectLst/>
+                        <a:latin typeface="Times New Roman" panose="02020603050405020304" pitchFamily="18" charset="0"/>
+                        <a:ea typeface="Calibri" panose="020F0502020204030204" pitchFamily="34" charset="0"/>
+                        <a:cs typeface="Times New Roman" panose="02020603050405020304" pitchFamily="18" charset="0"/>
+                      </a:endParaRPr>
+                    </a:p>
+                  </a:txBody>
+                  <a:tcPr marL="59053" marR="59053" marT="0" marB="0" anchor="ctr">
+                    <a:lnL>
+                      <a:noFill/>
+                    </a:lnL>
+                    <a:lnR>
+                      <a:noFill/>
+                    </a:lnR>
+                    <a:lnT>
+                      <a:noFill/>
+                    </a:lnT>
+                    <a:lnB>
+                      <a:noFill/>
+                    </a:lnB>
+                  </a:tcPr>
+                </a:tc>
+                <a:tc>
+                  <a:txBody>
+                    <a:bodyPr/>
+                    <a:lstStyle/>
+                    <a:p>
+                      <a:pPr marL="0" marR="0" algn="ctr">
+                        <a:spcBef>
+                          <a:spcPts val="0"/>
+                        </a:spcBef>
+                        <a:spcAft>
+                          <a:spcPts val="0"/>
+                        </a:spcAft>
+                      </a:pPr>
+                      <a:r>
+                        <a:rPr lang="en-US" sz="900">
+                          <a:solidFill>
+                            <a:srgbClr val="000000"/>
+                          </a:solidFill>
+                          <a:effectLst/>
+                          <a:latin typeface="Times New Roman" panose="02020603050405020304" pitchFamily="18" charset="0"/>
+                          <a:ea typeface="Calibri" panose="020F0502020204030204" pitchFamily="34" charset="0"/>
+                          <a:cs typeface="Times New Roman" panose="02020603050405020304" pitchFamily="18" charset="0"/>
+                        </a:rPr>
+                        <a:t>62.61 (298)</a:t>
+                      </a:r>
+                      <a:endParaRPr lang="en-US" sz="900">
+                        <a:effectLst/>
+                        <a:latin typeface="Times New Roman" panose="02020603050405020304" pitchFamily="18" charset="0"/>
+                        <a:ea typeface="Calibri" panose="020F0502020204030204" pitchFamily="34" charset="0"/>
+                        <a:cs typeface="Times New Roman" panose="02020603050405020304" pitchFamily="18" charset="0"/>
+                      </a:endParaRPr>
+                    </a:p>
+                  </a:txBody>
+                  <a:tcPr marL="59053" marR="59053" marT="0" marB="0" anchor="ctr">
+                    <a:lnL>
+                      <a:noFill/>
+                    </a:lnL>
+                    <a:lnR>
+                      <a:noFill/>
+                    </a:lnR>
+                    <a:lnT>
+                      <a:noFill/>
+                    </a:lnT>
+                    <a:lnB>
+                      <a:noFill/>
+                    </a:lnB>
+                  </a:tcPr>
+                </a:tc>
+                <a:tc>
+                  <a:txBody>
+                    <a:bodyPr/>
+                    <a:lstStyle/>
+                    <a:p>
+                      <a:pPr marL="0" marR="0" algn="ctr">
+                        <a:spcBef>
+                          <a:spcPts val="0"/>
+                        </a:spcBef>
+                        <a:spcAft>
+                          <a:spcPts val="0"/>
+                        </a:spcAft>
+                      </a:pPr>
+                      <a:r>
+                        <a:rPr lang="en-US" sz="900">
+                          <a:solidFill>
+                            <a:srgbClr val="000000"/>
+                          </a:solidFill>
+                          <a:effectLst/>
+                          <a:latin typeface="Times New Roman" panose="02020603050405020304" pitchFamily="18" charset="0"/>
+                          <a:ea typeface="Calibri" panose="020F0502020204030204" pitchFamily="34" charset="0"/>
+                          <a:cs typeface="Times New Roman" panose="02020603050405020304" pitchFamily="18" charset="0"/>
+                        </a:rPr>
+                        <a:t>48.72 (19)</a:t>
+                      </a:r>
+                      <a:endParaRPr lang="en-US" sz="900">
+                        <a:effectLst/>
+                        <a:latin typeface="Times New Roman" panose="02020603050405020304" pitchFamily="18" charset="0"/>
+                        <a:ea typeface="Calibri" panose="020F0502020204030204" pitchFamily="34" charset="0"/>
+                        <a:cs typeface="Times New Roman" panose="02020603050405020304" pitchFamily="18" charset="0"/>
+                      </a:endParaRPr>
+                    </a:p>
+                  </a:txBody>
+                  <a:tcPr marL="59053" marR="59053" marT="0" marB="0" anchor="ctr">
+                    <a:lnL>
+                      <a:noFill/>
+                    </a:lnL>
+                    <a:lnR>
+                      <a:noFill/>
+                    </a:lnR>
+                    <a:lnT>
+                      <a:noFill/>
+                    </a:lnT>
+                    <a:lnB>
+                      <a:noFill/>
+                    </a:lnB>
+                  </a:tcPr>
+                </a:tc>
+                <a:tc>
+                  <a:txBody>
+                    <a:bodyPr/>
+                    <a:lstStyle/>
+                    <a:p>
+                      <a:pPr marL="0" marR="0" algn="ctr">
+                        <a:spcBef>
+                          <a:spcPts val="0"/>
+                        </a:spcBef>
+                        <a:spcAft>
+                          <a:spcPts val="0"/>
+                        </a:spcAft>
+                      </a:pPr>
+                      <a:r>
+                        <a:rPr lang="en-US" sz="900">
+                          <a:solidFill>
+                            <a:srgbClr val="000000"/>
+                          </a:solidFill>
+                          <a:effectLst/>
+                          <a:latin typeface="Times New Roman" panose="02020603050405020304" pitchFamily="18" charset="0"/>
+                          <a:ea typeface="Calibri" panose="020F0502020204030204" pitchFamily="34" charset="0"/>
+                          <a:cs typeface="Times New Roman" panose="02020603050405020304" pitchFamily="18" charset="0"/>
+                        </a:rPr>
+                        <a:t>63.84 (279)</a:t>
+                      </a:r>
+                      <a:endParaRPr lang="en-US" sz="900">
+                        <a:effectLst/>
+                        <a:latin typeface="Times New Roman" panose="02020603050405020304" pitchFamily="18" charset="0"/>
+                        <a:ea typeface="Calibri" panose="020F0502020204030204" pitchFamily="34" charset="0"/>
+                        <a:cs typeface="Times New Roman" panose="02020603050405020304" pitchFamily="18" charset="0"/>
+                      </a:endParaRPr>
+                    </a:p>
+                  </a:txBody>
+                  <a:tcPr marL="59053" marR="59053" marT="0" marB="0" anchor="ctr">
+                    <a:lnL>
+                      <a:noFill/>
+                    </a:lnL>
+                    <a:lnR>
+                      <a:noFill/>
+                    </a:lnR>
+                    <a:lnT>
+                      <a:noFill/>
+                    </a:lnT>
+                    <a:lnB>
+                      <a:noFill/>
+                    </a:lnB>
+                  </a:tcPr>
+                </a:tc>
+                <a:extLst>
+                  <a:ext uri="{0D108BD9-81ED-4DB2-BD59-A6C34878D82A}">
+                    <a16:rowId xmlns:a16="http://schemas.microsoft.com/office/drawing/2014/main" val="629509915"/>
+                  </a:ext>
+                </a:extLst>
+              </a:tr>
+              <a:tr h="189189">
+                <a:tc>
+                  <a:txBody>
+                    <a:bodyPr/>
+                    <a:lstStyle/>
+                    <a:p>
+                      <a:pPr marL="0" marR="0">
+                        <a:spcBef>
+                          <a:spcPts val="0"/>
+                        </a:spcBef>
+                        <a:spcAft>
+                          <a:spcPts val="0"/>
+                        </a:spcAft>
+                      </a:pPr>
+                      <a:r>
+                        <a:rPr lang="en-US" sz="900">
+                          <a:solidFill>
+                            <a:srgbClr val="000000"/>
+                          </a:solidFill>
+                          <a:effectLst/>
+                          <a:latin typeface="Times New Roman" panose="02020603050405020304" pitchFamily="18" charset="0"/>
+                          <a:ea typeface="Times New Roman" panose="02020603050405020304" pitchFamily="18" charset="0"/>
+                          <a:cs typeface="Times New Roman" panose="02020603050405020304" pitchFamily="18" charset="0"/>
+                        </a:rPr>
+                        <a:t>   Non-White</a:t>
+                      </a:r>
+                      <a:endParaRPr lang="en-US" sz="900">
+                        <a:effectLst/>
+                        <a:latin typeface="Times New Roman" panose="02020603050405020304" pitchFamily="18" charset="0"/>
+                        <a:ea typeface="Calibri" panose="020F0502020204030204" pitchFamily="34" charset="0"/>
+                        <a:cs typeface="Times New Roman" panose="02020603050405020304" pitchFamily="18" charset="0"/>
+                      </a:endParaRPr>
+                    </a:p>
+                  </a:txBody>
+                  <a:tcPr marL="59053" marR="59053" marT="0" marB="0" anchor="ctr">
+                    <a:lnL>
+                      <a:noFill/>
+                    </a:lnL>
+                    <a:lnR>
+                      <a:noFill/>
+                    </a:lnR>
+                    <a:lnT>
+                      <a:noFill/>
+                    </a:lnT>
+                    <a:lnB>
+                      <a:noFill/>
+                    </a:lnB>
+                  </a:tcPr>
+                </a:tc>
+                <a:tc>
+                  <a:txBody>
+                    <a:bodyPr/>
+                    <a:lstStyle/>
+                    <a:p>
+                      <a:pPr marL="0" marR="0" algn="ctr">
+                        <a:spcBef>
+                          <a:spcPts val="0"/>
+                        </a:spcBef>
+                        <a:spcAft>
+                          <a:spcPts val="0"/>
+                        </a:spcAft>
+                      </a:pPr>
+                      <a:r>
+                        <a:rPr lang="en-US" sz="900">
+                          <a:solidFill>
+                            <a:srgbClr val="000000"/>
+                          </a:solidFill>
+                          <a:effectLst/>
+                          <a:latin typeface="Times New Roman" panose="02020603050405020304" pitchFamily="18" charset="0"/>
+                          <a:ea typeface="Calibri" panose="020F0502020204030204" pitchFamily="34" charset="0"/>
+                          <a:cs typeface="Times New Roman" panose="02020603050405020304" pitchFamily="18" charset="0"/>
+                        </a:rPr>
+                        <a:t>37.39 (178)</a:t>
+                      </a:r>
+                      <a:endParaRPr lang="en-US" sz="900">
+                        <a:effectLst/>
+                        <a:latin typeface="Times New Roman" panose="02020603050405020304" pitchFamily="18" charset="0"/>
+                        <a:ea typeface="Calibri" panose="020F0502020204030204" pitchFamily="34" charset="0"/>
+                        <a:cs typeface="Times New Roman" panose="02020603050405020304" pitchFamily="18" charset="0"/>
+                      </a:endParaRPr>
+                    </a:p>
+                  </a:txBody>
+                  <a:tcPr marL="59053" marR="59053" marT="0" marB="0" anchor="ctr">
+                    <a:lnL>
+                      <a:noFill/>
+                    </a:lnL>
+                    <a:lnR>
+                      <a:noFill/>
+                    </a:lnR>
+                    <a:lnT>
+                      <a:noFill/>
+                    </a:lnT>
+                    <a:lnB>
+                      <a:noFill/>
+                    </a:lnB>
+                  </a:tcPr>
+                </a:tc>
+                <a:tc>
+                  <a:txBody>
+                    <a:bodyPr/>
+                    <a:lstStyle/>
+                    <a:p>
+                      <a:pPr marL="0" marR="0" algn="ctr">
+                        <a:spcBef>
+                          <a:spcPts val="0"/>
+                        </a:spcBef>
+                        <a:spcAft>
+                          <a:spcPts val="0"/>
+                        </a:spcAft>
+                      </a:pPr>
+                      <a:r>
+                        <a:rPr lang="en-US" sz="900">
+                          <a:solidFill>
+                            <a:srgbClr val="000000"/>
+                          </a:solidFill>
+                          <a:effectLst/>
+                          <a:latin typeface="Times New Roman" panose="02020603050405020304" pitchFamily="18" charset="0"/>
+                          <a:ea typeface="Calibri" panose="020F0502020204030204" pitchFamily="34" charset="0"/>
+                          <a:cs typeface="Times New Roman" panose="02020603050405020304" pitchFamily="18" charset="0"/>
+                        </a:rPr>
+                        <a:t>51.28 (20)</a:t>
+                      </a:r>
+                      <a:endParaRPr lang="en-US" sz="900">
+                        <a:effectLst/>
+                        <a:latin typeface="Times New Roman" panose="02020603050405020304" pitchFamily="18" charset="0"/>
+                        <a:ea typeface="Calibri" panose="020F0502020204030204" pitchFamily="34" charset="0"/>
+                        <a:cs typeface="Times New Roman" panose="02020603050405020304" pitchFamily="18" charset="0"/>
+                      </a:endParaRPr>
+                    </a:p>
+                  </a:txBody>
+                  <a:tcPr marL="59053" marR="59053" marT="0" marB="0" anchor="ctr">
+                    <a:lnL>
+                      <a:noFill/>
+                    </a:lnL>
+                    <a:lnR>
+                      <a:noFill/>
+                    </a:lnR>
+                    <a:lnT>
+                      <a:noFill/>
+                    </a:lnT>
+                    <a:lnB>
+                      <a:noFill/>
+                    </a:lnB>
+                  </a:tcPr>
+                </a:tc>
+                <a:tc>
+                  <a:txBody>
+                    <a:bodyPr/>
+                    <a:lstStyle/>
+                    <a:p>
+                      <a:pPr marL="0" marR="0" algn="ctr">
+                        <a:spcBef>
+                          <a:spcPts val="0"/>
+                        </a:spcBef>
+                        <a:spcAft>
+                          <a:spcPts val="0"/>
+                        </a:spcAft>
+                      </a:pPr>
+                      <a:r>
+                        <a:rPr lang="en-US" sz="900">
+                          <a:solidFill>
+                            <a:srgbClr val="000000"/>
+                          </a:solidFill>
+                          <a:effectLst/>
+                          <a:latin typeface="Times New Roman" panose="02020603050405020304" pitchFamily="18" charset="0"/>
+                          <a:ea typeface="Calibri" panose="020F0502020204030204" pitchFamily="34" charset="0"/>
+                          <a:cs typeface="Times New Roman" panose="02020603050405020304" pitchFamily="18" charset="0"/>
+                        </a:rPr>
+                        <a:t>36.16 (158)</a:t>
+                      </a:r>
+                      <a:endParaRPr lang="en-US" sz="900">
+                        <a:effectLst/>
+                        <a:latin typeface="Times New Roman" panose="02020603050405020304" pitchFamily="18" charset="0"/>
+                        <a:ea typeface="Calibri" panose="020F0502020204030204" pitchFamily="34" charset="0"/>
+                        <a:cs typeface="Times New Roman" panose="02020603050405020304" pitchFamily="18" charset="0"/>
+                      </a:endParaRPr>
+                    </a:p>
+                  </a:txBody>
+                  <a:tcPr marL="59053" marR="59053" marT="0" marB="0" anchor="ctr">
+                    <a:lnL>
+                      <a:noFill/>
+                    </a:lnL>
+                    <a:lnR>
+                      <a:noFill/>
+                    </a:lnR>
+                    <a:lnT>
+                      <a:noFill/>
+                    </a:lnT>
+                    <a:lnB>
+                      <a:noFill/>
+                    </a:lnB>
+                  </a:tcPr>
+                </a:tc>
+                <a:extLst>
+                  <a:ext uri="{0D108BD9-81ED-4DB2-BD59-A6C34878D82A}">
+                    <a16:rowId xmlns:a16="http://schemas.microsoft.com/office/drawing/2014/main" val="1954093313"/>
+                  </a:ext>
+                </a:extLst>
+              </a:tr>
+              <a:tr h="189189">
+                <a:tc>
+                  <a:txBody>
+                    <a:bodyPr/>
+                    <a:lstStyle/>
+                    <a:p>
+                      <a:pPr marL="0" marR="0">
+                        <a:spcBef>
+                          <a:spcPts val="0"/>
+                        </a:spcBef>
+                        <a:spcAft>
+                          <a:spcPts val="0"/>
+                        </a:spcAft>
+                      </a:pPr>
+                      <a:r>
+                        <a:rPr lang="en-US" sz="900" b="1">
+                          <a:solidFill>
+                            <a:srgbClr val="000000"/>
+                          </a:solidFill>
+                          <a:effectLst/>
+                          <a:latin typeface="Times New Roman" panose="02020603050405020304" pitchFamily="18" charset="0"/>
+                          <a:ea typeface="Times New Roman" panose="02020603050405020304" pitchFamily="18" charset="0"/>
+                          <a:cs typeface="Times New Roman" panose="02020603050405020304" pitchFamily="18" charset="0"/>
+                        </a:rPr>
+                        <a:t>Marijuana Use </a:t>
+                      </a:r>
+                      <a:r>
+                        <a:rPr lang="en-US" sz="900">
+                          <a:solidFill>
+                            <a:srgbClr val="000000"/>
+                          </a:solidFill>
+                          <a:effectLst/>
+                          <a:latin typeface="Times New Roman" panose="02020603050405020304" pitchFamily="18" charset="0"/>
+                          <a:ea typeface="Times New Roman" panose="02020603050405020304" pitchFamily="18" charset="0"/>
+                          <a:cs typeface="Times New Roman" panose="02020603050405020304" pitchFamily="18" charset="0"/>
+                        </a:rPr>
+                        <a:t>(% (n))</a:t>
+                      </a:r>
+                      <a:endParaRPr lang="en-US" sz="900">
+                        <a:effectLst/>
+                        <a:latin typeface="Times New Roman" panose="02020603050405020304" pitchFamily="18" charset="0"/>
+                        <a:ea typeface="Calibri" panose="020F0502020204030204" pitchFamily="34" charset="0"/>
+                        <a:cs typeface="Times New Roman" panose="02020603050405020304" pitchFamily="18" charset="0"/>
+                      </a:endParaRPr>
+                    </a:p>
+                  </a:txBody>
+                  <a:tcPr marL="59053" marR="59053" marT="0" marB="0" anchor="ctr">
+                    <a:lnL>
+                      <a:noFill/>
+                    </a:lnL>
+                    <a:lnR>
+                      <a:noFill/>
+                    </a:lnR>
+                    <a:lnT>
+                      <a:noFill/>
+                    </a:lnT>
+                    <a:lnB>
+                      <a:noFill/>
+                    </a:lnB>
+                  </a:tcPr>
+                </a:tc>
+                <a:tc>
+                  <a:txBody>
+                    <a:bodyPr/>
+                    <a:lstStyle/>
+                    <a:p>
+                      <a:pPr marL="0" marR="0" algn="ctr">
+                        <a:spcBef>
+                          <a:spcPts val="0"/>
+                        </a:spcBef>
+                        <a:spcAft>
+                          <a:spcPts val="0"/>
+                        </a:spcAft>
+                      </a:pPr>
+                      <a:r>
+                        <a:rPr lang="en-US" sz="900">
+                          <a:solidFill>
+                            <a:srgbClr val="000000"/>
+                          </a:solidFill>
+                          <a:effectLst/>
+                          <a:latin typeface="Times New Roman" panose="02020603050405020304" pitchFamily="18" charset="0"/>
+                          <a:ea typeface="Calibri" panose="020F0502020204030204" pitchFamily="34" charset="0"/>
+                          <a:cs typeface="Times New Roman" panose="02020603050405020304" pitchFamily="18" charset="0"/>
+                        </a:rPr>
+                        <a:t>40.76 (194)</a:t>
+                      </a:r>
+                      <a:endParaRPr lang="en-US" sz="900">
+                        <a:effectLst/>
+                        <a:latin typeface="Times New Roman" panose="02020603050405020304" pitchFamily="18" charset="0"/>
+                        <a:ea typeface="Calibri" panose="020F0502020204030204" pitchFamily="34" charset="0"/>
+                        <a:cs typeface="Times New Roman" panose="02020603050405020304" pitchFamily="18" charset="0"/>
+                      </a:endParaRPr>
+                    </a:p>
+                  </a:txBody>
+                  <a:tcPr marL="59053" marR="59053" marT="0" marB="0" anchor="ctr">
+                    <a:lnL>
+                      <a:noFill/>
+                    </a:lnL>
+                    <a:lnR>
+                      <a:noFill/>
+                    </a:lnR>
+                    <a:lnT>
+                      <a:noFill/>
+                    </a:lnT>
+                    <a:lnB>
+                      <a:noFill/>
+                    </a:lnB>
+                  </a:tcPr>
+                </a:tc>
+                <a:tc>
+                  <a:txBody>
+                    <a:bodyPr/>
+                    <a:lstStyle/>
+                    <a:p>
+                      <a:pPr marL="0" marR="0" algn="ctr">
+                        <a:spcBef>
+                          <a:spcPts val="0"/>
+                        </a:spcBef>
+                        <a:spcAft>
+                          <a:spcPts val="0"/>
+                        </a:spcAft>
+                      </a:pPr>
+                      <a:r>
+                        <a:rPr lang="en-US" sz="900">
+                          <a:solidFill>
+                            <a:srgbClr val="000000"/>
+                          </a:solidFill>
+                          <a:effectLst/>
+                          <a:latin typeface="Times New Roman" panose="02020603050405020304" pitchFamily="18" charset="0"/>
+                          <a:ea typeface="Calibri" panose="020F0502020204030204" pitchFamily="34" charset="0"/>
+                          <a:cs typeface="Times New Roman" panose="02020603050405020304" pitchFamily="18" charset="0"/>
+                        </a:rPr>
+                        <a:t>30.77 (12)</a:t>
+                      </a:r>
+                      <a:endParaRPr lang="en-US" sz="900">
+                        <a:effectLst/>
+                        <a:latin typeface="Times New Roman" panose="02020603050405020304" pitchFamily="18" charset="0"/>
+                        <a:ea typeface="Calibri" panose="020F0502020204030204" pitchFamily="34" charset="0"/>
+                        <a:cs typeface="Times New Roman" panose="02020603050405020304" pitchFamily="18" charset="0"/>
+                      </a:endParaRPr>
+                    </a:p>
+                  </a:txBody>
+                  <a:tcPr marL="59053" marR="59053" marT="0" marB="0" anchor="ctr">
+                    <a:lnL>
+                      <a:noFill/>
+                    </a:lnL>
+                    <a:lnR>
+                      <a:noFill/>
+                    </a:lnR>
+                    <a:lnT>
+                      <a:noFill/>
+                    </a:lnT>
+                    <a:lnB>
+                      <a:noFill/>
+                    </a:lnB>
+                  </a:tcPr>
+                </a:tc>
+                <a:tc>
+                  <a:txBody>
+                    <a:bodyPr/>
+                    <a:lstStyle/>
+                    <a:p>
+                      <a:pPr marL="0" marR="0" algn="ctr">
+                        <a:spcBef>
+                          <a:spcPts val="0"/>
+                        </a:spcBef>
+                        <a:spcAft>
+                          <a:spcPts val="0"/>
+                        </a:spcAft>
+                      </a:pPr>
+                      <a:r>
+                        <a:rPr lang="en-US" sz="900">
+                          <a:solidFill>
+                            <a:srgbClr val="000000"/>
+                          </a:solidFill>
+                          <a:effectLst/>
+                          <a:latin typeface="Times New Roman" panose="02020603050405020304" pitchFamily="18" charset="0"/>
+                          <a:ea typeface="Calibri" panose="020F0502020204030204" pitchFamily="34" charset="0"/>
+                          <a:cs typeface="Times New Roman" panose="02020603050405020304" pitchFamily="18" charset="0"/>
+                        </a:rPr>
+                        <a:t>41.65 (182)</a:t>
+                      </a:r>
+                      <a:endParaRPr lang="en-US" sz="900">
+                        <a:effectLst/>
+                        <a:latin typeface="Times New Roman" panose="02020603050405020304" pitchFamily="18" charset="0"/>
+                        <a:ea typeface="Calibri" panose="020F0502020204030204" pitchFamily="34" charset="0"/>
+                        <a:cs typeface="Times New Roman" panose="02020603050405020304" pitchFamily="18" charset="0"/>
+                      </a:endParaRPr>
+                    </a:p>
+                  </a:txBody>
+                  <a:tcPr marL="59053" marR="59053" marT="0" marB="0" anchor="ctr">
+                    <a:lnL>
+                      <a:noFill/>
+                    </a:lnL>
+                    <a:lnR>
+                      <a:noFill/>
+                    </a:lnR>
+                    <a:lnT>
+                      <a:noFill/>
+                    </a:lnT>
+                    <a:lnB>
+                      <a:noFill/>
+                    </a:lnB>
+                  </a:tcPr>
+                </a:tc>
+                <a:extLst>
+                  <a:ext uri="{0D108BD9-81ED-4DB2-BD59-A6C34878D82A}">
+                    <a16:rowId xmlns:a16="http://schemas.microsoft.com/office/drawing/2014/main" val="1755631276"/>
+                  </a:ext>
+                </a:extLst>
+              </a:tr>
+              <a:tr h="189189">
+                <a:tc>
+                  <a:txBody>
+                    <a:bodyPr/>
+                    <a:lstStyle/>
+                    <a:p>
+                      <a:pPr marL="0" marR="0">
+                        <a:spcBef>
+                          <a:spcPts val="0"/>
+                        </a:spcBef>
+                        <a:spcAft>
+                          <a:spcPts val="0"/>
+                        </a:spcAft>
+                      </a:pPr>
+                      <a:r>
+                        <a:rPr lang="en-US" sz="900" b="1">
+                          <a:solidFill>
+                            <a:srgbClr val="000000"/>
+                          </a:solidFill>
+                          <a:effectLst/>
+                          <a:latin typeface="Times New Roman" panose="02020603050405020304" pitchFamily="18" charset="0"/>
+                          <a:ea typeface="Times New Roman" panose="02020603050405020304" pitchFamily="18" charset="0"/>
+                          <a:cs typeface="Times New Roman" panose="02020603050405020304" pitchFamily="18" charset="0"/>
+                        </a:rPr>
+                        <a:t>Income </a:t>
+                      </a:r>
+                      <a:r>
+                        <a:rPr lang="en-US" sz="900">
+                          <a:solidFill>
+                            <a:srgbClr val="000000"/>
+                          </a:solidFill>
+                          <a:effectLst/>
+                          <a:latin typeface="Times New Roman" panose="02020603050405020304" pitchFamily="18" charset="0"/>
+                          <a:ea typeface="Times New Roman" panose="02020603050405020304" pitchFamily="18" charset="0"/>
+                          <a:cs typeface="Times New Roman" panose="02020603050405020304" pitchFamily="18" charset="0"/>
+                        </a:rPr>
+                        <a:t>(% (n))</a:t>
+                      </a:r>
+                      <a:endParaRPr lang="en-US" sz="900">
+                        <a:effectLst/>
+                        <a:latin typeface="Times New Roman" panose="02020603050405020304" pitchFamily="18" charset="0"/>
+                        <a:ea typeface="Calibri" panose="020F0502020204030204" pitchFamily="34" charset="0"/>
+                        <a:cs typeface="Times New Roman" panose="02020603050405020304" pitchFamily="18" charset="0"/>
+                      </a:endParaRPr>
+                    </a:p>
+                  </a:txBody>
+                  <a:tcPr marL="59053" marR="59053" marT="0" marB="0" anchor="ctr">
+                    <a:lnL>
+                      <a:noFill/>
+                    </a:lnL>
+                    <a:lnR>
+                      <a:noFill/>
+                    </a:lnR>
+                    <a:lnT>
+                      <a:noFill/>
+                    </a:lnT>
+                    <a:lnB>
+                      <a:noFill/>
+                    </a:lnB>
+                  </a:tcPr>
+                </a:tc>
+                <a:tc>
+                  <a:txBody>
+                    <a:bodyPr/>
+                    <a:lstStyle/>
+                    <a:p>
+                      <a:pPr marL="0" marR="0" algn="ctr">
+                        <a:spcBef>
+                          <a:spcPts val="0"/>
+                        </a:spcBef>
+                        <a:spcAft>
+                          <a:spcPts val="0"/>
+                        </a:spcAft>
+                      </a:pPr>
+                      <a:r>
+                        <a:rPr lang="en-US" sz="900">
+                          <a:solidFill>
+                            <a:srgbClr val="000000"/>
+                          </a:solidFill>
+                          <a:effectLst/>
+                          <a:latin typeface="Times New Roman" panose="02020603050405020304" pitchFamily="18" charset="0"/>
+                          <a:ea typeface="Calibri" panose="020F0502020204030204" pitchFamily="34" charset="0"/>
+                          <a:cs typeface="Times New Roman" panose="02020603050405020304" pitchFamily="18" charset="0"/>
+                        </a:rPr>
+                        <a:t> </a:t>
+                      </a:r>
+                      <a:endParaRPr lang="en-US" sz="900">
+                        <a:effectLst/>
+                        <a:latin typeface="Times New Roman" panose="02020603050405020304" pitchFamily="18" charset="0"/>
+                        <a:ea typeface="Calibri" panose="020F0502020204030204" pitchFamily="34" charset="0"/>
+                        <a:cs typeface="Times New Roman" panose="02020603050405020304" pitchFamily="18" charset="0"/>
+                      </a:endParaRPr>
+                    </a:p>
+                  </a:txBody>
+                  <a:tcPr marL="59053" marR="59053" marT="0" marB="0" anchor="ctr">
+                    <a:lnL>
+                      <a:noFill/>
+                    </a:lnL>
+                    <a:lnR>
+                      <a:noFill/>
+                    </a:lnR>
+                    <a:lnT>
+                      <a:noFill/>
+                    </a:lnT>
+                    <a:lnB>
+                      <a:noFill/>
+                    </a:lnB>
+                  </a:tcPr>
+                </a:tc>
+                <a:tc>
+                  <a:txBody>
+                    <a:bodyPr/>
+                    <a:lstStyle/>
+                    <a:p>
+                      <a:pPr marL="0" marR="0" algn="ctr">
+                        <a:spcBef>
+                          <a:spcPts val="0"/>
+                        </a:spcBef>
+                        <a:spcAft>
+                          <a:spcPts val="0"/>
+                        </a:spcAft>
+                      </a:pPr>
+                      <a:r>
+                        <a:rPr lang="en-US" sz="900">
+                          <a:solidFill>
+                            <a:srgbClr val="000000"/>
+                          </a:solidFill>
+                          <a:effectLst/>
+                          <a:latin typeface="Times New Roman" panose="02020603050405020304" pitchFamily="18" charset="0"/>
+                          <a:ea typeface="Calibri" panose="020F0502020204030204" pitchFamily="34" charset="0"/>
+                          <a:cs typeface="Times New Roman" panose="02020603050405020304" pitchFamily="18" charset="0"/>
+                        </a:rPr>
+                        <a:t> </a:t>
+                      </a:r>
+                      <a:endParaRPr lang="en-US" sz="900">
+                        <a:effectLst/>
+                        <a:latin typeface="Times New Roman" panose="02020603050405020304" pitchFamily="18" charset="0"/>
+                        <a:ea typeface="Calibri" panose="020F0502020204030204" pitchFamily="34" charset="0"/>
+                        <a:cs typeface="Times New Roman" panose="02020603050405020304" pitchFamily="18" charset="0"/>
+                      </a:endParaRPr>
+                    </a:p>
+                  </a:txBody>
+                  <a:tcPr marL="59053" marR="59053" marT="0" marB="0" anchor="ctr">
+                    <a:lnL>
+                      <a:noFill/>
+                    </a:lnL>
+                    <a:lnR>
+                      <a:noFill/>
+                    </a:lnR>
+                    <a:lnT>
+                      <a:noFill/>
+                    </a:lnT>
+                    <a:lnB>
+                      <a:noFill/>
+                    </a:lnB>
+                  </a:tcPr>
+                </a:tc>
+                <a:tc>
+                  <a:txBody>
+                    <a:bodyPr/>
+                    <a:lstStyle/>
+                    <a:p>
+                      <a:pPr marL="0" marR="0" algn="ctr">
+                        <a:spcBef>
+                          <a:spcPts val="0"/>
+                        </a:spcBef>
+                        <a:spcAft>
+                          <a:spcPts val="0"/>
+                        </a:spcAft>
+                      </a:pPr>
+                      <a:r>
+                        <a:rPr lang="en-US" sz="900">
+                          <a:solidFill>
+                            <a:srgbClr val="000000"/>
+                          </a:solidFill>
+                          <a:effectLst/>
+                          <a:latin typeface="Times New Roman" panose="02020603050405020304" pitchFamily="18" charset="0"/>
+                          <a:ea typeface="Calibri" panose="020F0502020204030204" pitchFamily="34" charset="0"/>
+                          <a:cs typeface="Times New Roman" panose="02020603050405020304" pitchFamily="18" charset="0"/>
+                        </a:rPr>
+                        <a:t> </a:t>
+                      </a:r>
+                      <a:endParaRPr lang="en-US" sz="900">
+                        <a:effectLst/>
+                        <a:latin typeface="Times New Roman" panose="02020603050405020304" pitchFamily="18" charset="0"/>
+                        <a:ea typeface="Calibri" panose="020F0502020204030204" pitchFamily="34" charset="0"/>
+                        <a:cs typeface="Times New Roman" panose="02020603050405020304" pitchFamily="18" charset="0"/>
+                      </a:endParaRPr>
+                    </a:p>
+                  </a:txBody>
+                  <a:tcPr marL="59053" marR="59053" marT="0" marB="0" anchor="ctr">
+                    <a:lnL>
+                      <a:noFill/>
+                    </a:lnL>
+                    <a:lnR>
+                      <a:noFill/>
+                    </a:lnR>
+                    <a:lnT>
+                      <a:noFill/>
+                    </a:lnT>
+                    <a:lnB>
+                      <a:noFill/>
+                    </a:lnB>
+                  </a:tcPr>
+                </a:tc>
+                <a:extLst>
+                  <a:ext uri="{0D108BD9-81ED-4DB2-BD59-A6C34878D82A}">
+                    <a16:rowId xmlns:a16="http://schemas.microsoft.com/office/drawing/2014/main" val="2197083856"/>
+                  </a:ext>
+                </a:extLst>
+              </a:tr>
+              <a:tr h="189189">
+                <a:tc>
+                  <a:txBody>
+                    <a:bodyPr/>
+                    <a:lstStyle/>
+                    <a:p>
+                      <a:pPr marL="0" marR="0">
+                        <a:spcBef>
+                          <a:spcPts val="0"/>
+                        </a:spcBef>
+                        <a:spcAft>
+                          <a:spcPts val="0"/>
+                        </a:spcAft>
+                      </a:pPr>
+                      <a:r>
+                        <a:rPr lang="en-US" sz="900">
+                          <a:solidFill>
+                            <a:srgbClr val="000000"/>
+                          </a:solidFill>
+                          <a:effectLst/>
+                          <a:latin typeface="Times New Roman" panose="02020603050405020304" pitchFamily="18" charset="0"/>
+                          <a:ea typeface="Times New Roman" panose="02020603050405020304" pitchFamily="18" charset="0"/>
+                          <a:cs typeface="Times New Roman" panose="02020603050405020304" pitchFamily="18" charset="0"/>
+                        </a:rPr>
+                        <a:t>   &lt;10000</a:t>
+                      </a:r>
+                      <a:endParaRPr lang="en-US" sz="900">
+                        <a:effectLst/>
+                        <a:latin typeface="Times New Roman" panose="02020603050405020304" pitchFamily="18" charset="0"/>
+                        <a:ea typeface="Calibri" panose="020F0502020204030204" pitchFamily="34" charset="0"/>
+                        <a:cs typeface="Times New Roman" panose="02020603050405020304" pitchFamily="18" charset="0"/>
+                      </a:endParaRPr>
+                    </a:p>
+                  </a:txBody>
+                  <a:tcPr marL="59053" marR="59053" marT="0" marB="0" anchor="ctr">
+                    <a:lnL>
+                      <a:noFill/>
+                    </a:lnL>
+                    <a:lnR>
+                      <a:noFill/>
+                    </a:lnR>
+                    <a:lnT>
+                      <a:noFill/>
+                    </a:lnT>
+                    <a:lnB>
+                      <a:noFill/>
+                    </a:lnB>
+                  </a:tcPr>
+                </a:tc>
+                <a:tc>
+                  <a:txBody>
+                    <a:bodyPr/>
+                    <a:lstStyle/>
+                    <a:p>
+                      <a:pPr marL="0" marR="0" algn="ctr">
+                        <a:spcBef>
+                          <a:spcPts val="0"/>
+                        </a:spcBef>
+                        <a:spcAft>
+                          <a:spcPts val="0"/>
+                        </a:spcAft>
+                      </a:pPr>
+                      <a:r>
+                        <a:rPr lang="en-US" sz="900">
+                          <a:solidFill>
+                            <a:srgbClr val="000000"/>
+                          </a:solidFill>
+                          <a:effectLst/>
+                          <a:latin typeface="Times New Roman" panose="02020603050405020304" pitchFamily="18" charset="0"/>
+                          <a:ea typeface="Calibri" panose="020F0502020204030204" pitchFamily="34" charset="0"/>
+                          <a:cs typeface="Times New Roman" panose="02020603050405020304" pitchFamily="18" charset="0"/>
+                        </a:rPr>
+                        <a:t>21.57 (99)</a:t>
+                      </a:r>
+                      <a:endParaRPr lang="en-US" sz="900">
+                        <a:effectLst/>
+                        <a:latin typeface="Times New Roman" panose="02020603050405020304" pitchFamily="18" charset="0"/>
+                        <a:ea typeface="Calibri" panose="020F0502020204030204" pitchFamily="34" charset="0"/>
+                        <a:cs typeface="Times New Roman" panose="02020603050405020304" pitchFamily="18" charset="0"/>
+                      </a:endParaRPr>
+                    </a:p>
+                  </a:txBody>
+                  <a:tcPr marL="59053" marR="59053" marT="0" marB="0" anchor="ctr">
+                    <a:lnL>
+                      <a:noFill/>
+                    </a:lnL>
+                    <a:lnR>
+                      <a:noFill/>
+                    </a:lnR>
+                    <a:lnT>
+                      <a:noFill/>
+                    </a:lnT>
+                    <a:lnB>
+                      <a:noFill/>
+                    </a:lnB>
+                  </a:tcPr>
+                </a:tc>
+                <a:tc>
+                  <a:txBody>
+                    <a:bodyPr/>
+                    <a:lstStyle/>
+                    <a:p>
+                      <a:pPr marL="0" marR="0" algn="ctr">
+                        <a:spcBef>
+                          <a:spcPts val="0"/>
+                        </a:spcBef>
+                        <a:spcAft>
+                          <a:spcPts val="0"/>
+                        </a:spcAft>
+                      </a:pPr>
+                      <a:r>
+                        <a:rPr lang="en-US" sz="900">
+                          <a:solidFill>
+                            <a:srgbClr val="000000"/>
+                          </a:solidFill>
+                          <a:effectLst/>
+                          <a:latin typeface="Times New Roman" panose="02020603050405020304" pitchFamily="18" charset="0"/>
+                          <a:ea typeface="Calibri" panose="020F0502020204030204" pitchFamily="34" charset="0"/>
+                          <a:cs typeface="Times New Roman" panose="02020603050405020304" pitchFamily="18" charset="0"/>
+                        </a:rPr>
+                        <a:t>35.9 (14)</a:t>
+                      </a:r>
+                      <a:endParaRPr lang="en-US" sz="900">
+                        <a:effectLst/>
+                        <a:latin typeface="Times New Roman" panose="02020603050405020304" pitchFamily="18" charset="0"/>
+                        <a:ea typeface="Calibri" panose="020F0502020204030204" pitchFamily="34" charset="0"/>
+                        <a:cs typeface="Times New Roman" panose="02020603050405020304" pitchFamily="18" charset="0"/>
+                      </a:endParaRPr>
+                    </a:p>
+                  </a:txBody>
+                  <a:tcPr marL="59053" marR="59053" marT="0" marB="0" anchor="ctr">
+                    <a:lnL>
+                      <a:noFill/>
+                    </a:lnL>
+                    <a:lnR>
+                      <a:noFill/>
+                    </a:lnR>
+                    <a:lnT>
+                      <a:noFill/>
+                    </a:lnT>
+                    <a:lnB>
+                      <a:noFill/>
+                    </a:lnB>
+                  </a:tcPr>
+                </a:tc>
+                <a:tc>
+                  <a:txBody>
+                    <a:bodyPr/>
+                    <a:lstStyle/>
+                    <a:p>
+                      <a:pPr marL="0" marR="0" algn="ctr">
+                        <a:spcBef>
+                          <a:spcPts val="0"/>
+                        </a:spcBef>
+                        <a:spcAft>
+                          <a:spcPts val="0"/>
+                        </a:spcAft>
+                      </a:pPr>
+                      <a:r>
+                        <a:rPr lang="en-US" sz="900">
+                          <a:solidFill>
+                            <a:srgbClr val="000000"/>
+                          </a:solidFill>
+                          <a:effectLst/>
+                          <a:latin typeface="Times New Roman" panose="02020603050405020304" pitchFamily="18" charset="0"/>
+                          <a:ea typeface="Calibri" panose="020F0502020204030204" pitchFamily="34" charset="0"/>
+                          <a:cs typeface="Times New Roman" panose="02020603050405020304" pitchFamily="18" charset="0"/>
+                        </a:rPr>
+                        <a:t>20.24 (85)</a:t>
+                      </a:r>
+                      <a:endParaRPr lang="en-US" sz="900">
+                        <a:effectLst/>
+                        <a:latin typeface="Times New Roman" panose="02020603050405020304" pitchFamily="18" charset="0"/>
+                        <a:ea typeface="Calibri" panose="020F0502020204030204" pitchFamily="34" charset="0"/>
+                        <a:cs typeface="Times New Roman" panose="02020603050405020304" pitchFamily="18" charset="0"/>
+                      </a:endParaRPr>
+                    </a:p>
+                  </a:txBody>
+                  <a:tcPr marL="59053" marR="59053" marT="0" marB="0" anchor="ctr">
+                    <a:lnL>
+                      <a:noFill/>
+                    </a:lnL>
+                    <a:lnR>
+                      <a:noFill/>
+                    </a:lnR>
+                    <a:lnT>
+                      <a:noFill/>
+                    </a:lnT>
+                    <a:lnB>
+                      <a:noFill/>
+                    </a:lnB>
+                  </a:tcPr>
+                </a:tc>
+                <a:extLst>
+                  <a:ext uri="{0D108BD9-81ED-4DB2-BD59-A6C34878D82A}">
+                    <a16:rowId xmlns:a16="http://schemas.microsoft.com/office/drawing/2014/main" val="4237239968"/>
+                  </a:ext>
+                </a:extLst>
+              </a:tr>
+              <a:tr h="189189">
+                <a:tc>
+                  <a:txBody>
+                    <a:bodyPr/>
+                    <a:lstStyle/>
+                    <a:p>
+                      <a:pPr marL="0" marR="0">
+                        <a:spcBef>
+                          <a:spcPts val="0"/>
+                        </a:spcBef>
+                        <a:spcAft>
+                          <a:spcPts val="0"/>
+                        </a:spcAft>
+                      </a:pPr>
+                      <a:r>
+                        <a:rPr lang="en-US" sz="900">
+                          <a:solidFill>
+                            <a:srgbClr val="000000"/>
+                          </a:solidFill>
+                          <a:effectLst/>
+                          <a:latin typeface="Times New Roman" panose="02020603050405020304" pitchFamily="18" charset="0"/>
+                          <a:ea typeface="Times New Roman" panose="02020603050405020304" pitchFamily="18" charset="0"/>
+                          <a:cs typeface="Times New Roman" panose="02020603050405020304" pitchFamily="18" charset="0"/>
+                        </a:rPr>
+                        <a:t>   10000-39999</a:t>
+                      </a:r>
+                      <a:endParaRPr lang="en-US" sz="900">
+                        <a:effectLst/>
+                        <a:latin typeface="Times New Roman" panose="02020603050405020304" pitchFamily="18" charset="0"/>
+                        <a:ea typeface="Calibri" panose="020F0502020204030204" pitchFamily="34" charset="0"/>
+                        <a:cs typeface="Times New Roman" panose="02020603050405020304" pitchFamily="18" charset="0"/>
+                      </a:endParaRPr>
+                    </a:p>
+                  </a:txBody>
+                  <a:tcPr marL="59053" marR="59053" marT="0" marB="0" anchor="ctr">
+                    <a:lnL>
+                      <a:noFill/>
+                    </a:lnL>
+                    <a:lnR>
+                      <a:noFill/>
+                    </a:lnR>
+                    <a:lnT>
+                      <a:noFill/>
+                    </a:lnT>
+                    <a:lnB>
+                      <a:noFill/>
+                    </a:lnB>
+                  </a:tcPr>
+                </a:tc>
+                <a:tc>
+                  <a:txBody>
+                    <a:bodyPr/>
+                    <a:lstStyle/>
+                    <a:p>
+                      <a:pPr marL="0" marR="0" algn="ctr">
+                        <a:spcBef>
+                          <a:spcPts val="0"/>
+                        </a:spcBef>
+                        <a:spcAft>
+                          <a:spcPts val="0"/>
+                        </a:spcAft>
+                      </a:pPr>
+                      <a:r>
+                        <a:rPr lang="en-US" sz="900">
+                          <a:solidFill>
+                            <a:srgbClr val="000000"/>
+                          </a:solidFill>
+                          <a:effectLst/>
+                          <a:latin typeface="Times New Roman" panose="02020603050405020304" pitchFamily="18" charset="0"/>
+                          <a:ea typeface="Calibri" panose="020F0502020204030204" pitchFamily="34" charset="0"/>
+                          <a:cs typeface="Times New Roman" panose="02020603050405020304" pitchFamily="18" charset="0"/>
+                        </a:rPr>
+                        <a:t>42.7 (196)</a:t>
+                      </a:r>
+                      <a:endParaRPr lang="en-US" sz="900">
+                        <a:effectLst/>
+                        <a:latin typeface="Times New Roman" panose="02020603050405020304" pitchFamily="18" charset="0"/>
+                        <a:ea typeface="Calibri" panose="020F0502020204030204" pitchFamily="34" charset="0"/>
+                        <a:cs typeface="Times New Roman" panose="02020603050405020304" pitchFamily="18" charset="0"/>
+                      </a:endParaRPr>
+                    </a:p>
+                  </a:txBody>
+                  <a:tcPr marL="59053" marR="59053" marT="0" marB="0" anchor="ctr">
+                    <a:lnL>
+                      <a:noFill/>
+                    </a:lnL>
+                    <a:lnR>
+                      <a:noFill/>
+                    </a:lnR>
+                    <a:lnT>
+                      <a:noFill/>
+                    </a:lnT>
+                    <a:lnB>
+                      <a:noFill/>
+                    </a:lnB>
+                  </a:tcPr>
+                </a:tc>
+                <a:tc>
+                  <a:txBody>
+                    <a:bodyPr/>
+                    <a:lstStyle/>
+                    <a:p>
+                      <a:pPr marL="0" marR="0" algn="ctr">
+                        <a:spcBef>
+                          <a:spcPts val="0"/>
+                        </a:spcBef>
+                        <a:spcAft>
+                          <a:spcPts val="0"/>
+                        </a:spcAft>
+                      </a:pPr>
+                      <a:r>
+                        <a:rPr lang="en-US" sz="900">
+                          <a:solidFill>
+                            <a:srgbClr val="000000"/>
+                          </a:solidFill>
+                          <a:effectLst/>
+                          <a:latin typeface="Times New Roman" panose="02020603050405020304" pitchFamily="18" charset="0"/>
+                          <a:ea typeface="Calibri" panose="020F0502020204030204" pitchFamily="34" charset="0"/>
+                          <a:cs typeface="Times New Roman" panose="02020603050405020304" pitchFamily="18" charset="0"/>
+                        </a:rPr>
+                        <a:t>41.03 (16)</a:t>
+                      </a:r>
+                      <a:endParaRPr lang="en-US" sz="900">
+                        <a:effectLst/>
+                        <a:latin typeface="Times New Roman" panose="02020603050405020304" pitchFamily="18" charset="0"/>
+                        <a:ea typeface="Calibri" panose="020F0502020204030204" pitchFamily="34" charset="0"/>
+                        <a:cs typeface="Times New Roman" panose="02020603050405020304" pitchFamily="18" charset="0"/>
+                      </a:endParaRPr>
+                    </a:p>
+                  </a:txBody>
+                  <a:tcPr marL="59053" marR="59053" marT="0" marB="0" anchor="ctr">
+                    <a:lnL>
+                      <a:noFill/>
+                    </a:lnL>
+                    <a:lnR>
+                      <a:noFill/>
+                    </a:lnR>
+                    <a:lnT>
+                      <a:noFill/>
+                    </a:lnT>
+                    <a:lnB>
+                      <a:noFill/>
+                    </a:lnB>
+                  </a:tcPr>
+                </a:tc>
+                <a:tc>
+                  <a:txBody>
+                    <a:bodyPr/>
+                    <a:lstStyle/>
+                    <a:p>
+                      <a:pPr marL="0" marR="0" algn="ctr">
+                        <a:spcBef>
+                          <a:spcPts val="0"/>
+                        </a:spcBef>
+                        <a:spcAft>
+                          <a:spcPts val="0"/>
+                        </a:spcAft>
+                      </a:pPr>
+                      <a:r>
+                        <a:rPr lang="en-US" sz="900">
+                          <a:solidFill>
+                            <a:srgbClr val="000000"/>
+                          </a:solidFill>
+                          <a:effectLst/>
+                          <a:latin typeface="Times New Roman" panose="02020603050405020304" pitchFamily="18" charset="0"/>
+                          <a:ea typeface="Calibri" panose="020F0502020204030204" pitchFamily="34" charset="0"/>
+                          <a:cs typeface="Times New Roman" panose="02020603050405020304" pitchFamily="18" charset="0"/>
+                        </a:rPr>
+                        <a:t>42.86 (180)</a:t>
+                      </a:r>
+                      <a:endParaRPr lang="en-US" sz="900">
+                        <a:effectLst/>
+                        <a:latin typeface="Times New Roman" panose="02020603050405020304" pitchFamily="18" charset="0"/>
+                        <a:ea typeface="Calibri" panose="020F0502020204030204" pitchFamily="34" charset="0"/>
+                        <a:cs typeface="Times New Roman" panose="02020603050405020304" pitchFamily="18" charset="0"/>
+                      </a:endParaRPr>
+                    </a:p>
+                  </a:txBody>
+                  <a:tcPr marL="59053" marR="59053" marT="0" marB="0" anchor="ctr">
+                    <a:lnL>
+                      <a:noFill/>
+                    </a:lnL>
+                    <a:lnR>
+                      <a:noFill/>
+                    </a:lnR>
+                    <a:lnT>
+                      <a:noFill/>
+                    </a:lnT>
+                    <a:lnB>
+                      <a:noFill/>
+                    </a:lnB>
+                  </a:tcPr>
+                </a:tc>
+                <a:extLst>
+                  <a:ext uri="{0D108BD9-81ED-4DB2-BD59-A6C34878D82A}">
+                    <a16:rowId xmlns:a16="http://schemas.microsoft.com/office/drawing/2014/main" val="2973088368"/>
+                  </a:ext>
+                </a:extLst>
+              </a:tr>
+              <a:tr h="189189">
+                <a:tc>
+                  <a:txBody>
+                    <a:bodyPr/>
+                    <a:lstStyle/>
+                    <a:p>
+                      <a:pPr marL="0" marR="0">
+                        <a:spcBef>
+                          <a:spcPts val="0"/>
+                        </a:spcBef>
+                        <a:spcAft>
+                          <a:spcPts val="0"/>
+                        </a:spcAft>
+                      </a:pPr>
+                      <a:r>
+                        <a:rPr lang="en-US" sz="900">
+                          <a:solidFill>
+                            <a:srgbClr val="000000"/>
+                          </a:solidFill>
+                          <a:effectLst/>
+                          <a:latin typeface="Times New Roman" panose="02020603050405020304" pitchFamily="18" charset="0"/>
+                          <a:ea typeface="Times New Roman" panose="02020603050405020304" pitchFamily="18" charset="0"/>
+                          <a:cs typeface="Times New Roman" panose="02020603050405020304" pitchFamily="18" charset="0"/>
+                        </a:rPr>
+                        <a:t>    &gt;40000</a:t>
+                      </a:r>
+                      <a:endParaRPr lang="en-US" sz="900">
+                        <a:effectLst/>
+                        <a:latin typeface="Times New Roman" panose="02020603050405020304" pitchFamily="18" charset="0"/>
+                        <a:ea typeface="Calibri" panose="020F0502020204030204" pitchFamily="34" charset="0"/>
+                        <a:cs typeface="Times New Roman" panose="02020603050405020304" pitchFamily="18" charset="0"/>
+                      </a:endParaRPr>
+                    </a:p>
+                  </a:txBody>
+                  <a:tcPr marL="59053" marR="59053" marT="0" marB="0" anchor="ctr">
+                    <a:lnL>
+                      <a:noFill/>
+                    </a:lnL>
+                    <a:lnR>
+                      <a:noFill/>
+                    </a:lnR>
+                    <a:lnT>
+                      <a:noFill/>
+                    </a:lnT>
+                    <a:lnB>
+                      <a:noFill/>
+                    </a:lnB>
+                  </a:tcPr>
+                </a:tc>
+                <a:tc>
+                  <a:txBody>
+                    <a:bodyPr/>
+                    <a:lstStyle/>
+                    <a:p>
+                      <a:pPr marL="0" marR="0" algn="ctr">
+                        <a:spcBef>
+                          <a:spcPts val="0"/>
+                        </a:spcBef>
+                        <a:spcAft>
+                          <a:spcPts val="0"/>
+                        </a:spcAft>
+                      </a:pPr>
+                      <a:r>
+                        <a:rPr lang="en-US" sz="900">
+                          <a:solidFill>
+                            <a:srgbClr val="000000"/>
+                          </a:solidFill>
+                          <a:effectLst/>
+                          <a:latin typeface="Times New Roman" panose="02020603050405020304" pitchFamily="18" charset="0"/>
+                          <a:ea typeface="Calibri" panose="020F0502020204030204" pitchFamily="34" charset="0"/>
+                          <a:cs typeface="Times New Roman" panose="02020603050405020304" pitchFamily="18" charset="0"/>
+                        </a:rPr>
+                        <a:t>35.73 (164)</a:t>
+                      </a:r>
+                      <a:endParaRPr lang="en-US" sz="900">
+                        <a:effectLst/>
+                        <a:latin typeface="Times New Roman" panose="02020603050405020304" pitchFamily="18" charset="0"/>
+                        <a:ea typeface="Calibri" panose="020F0502020204030204" pitchFamily="34" charset="0"/>
+                        <a:cs typeface="Times New Roman" panose="02020603050405020304" pitchFamily="18" charset="0"/>
+                      </a:endParaRPr>
+                    </a:p>
+                  </a:txBody>
+                  <a:tcPr marL="59053" marR="59053" marT="0" marB="0" anchor="ctr">
+                    <a:lnL>
+                      <a:noFill/>
+                    </a:lnL>
+                    <a:lnR>
+                      <a:noFill/>
+                    </a:lnR>
+                    <a:lnT>
+                      <a:noFill/>
+                    </a:lnT>
+                    <a:lnB>
+                      <a:noFill/>
+                    </a:lnB>
+                  </a:tcPr>
+                </a:tc>
+                <a:tc>
+                  <a:txBody>
+                    <a:bodyPr/>
+                    <a:lstStyle/>
+                    <a:p>
+                      <a:pPr marL="0" marR="0" algn="ctr">
+                        <a:spcBef>
+                          <a:spcPts val="0"/>
+                        </a:spcBef>
+                        <a:spcAft>
+                          <a:spcPts val="0"/>
+                        </a:spcAft>
+                      </a:pPr>
+                      <a:r>
+                        <a:rPr lang="en-US" sz="900">
+                          <a:solidFill>
+                            <a:srgbClr val="000000"/>
+                          </a:solidFill>
+                          <a:effectLst/>
+                          <a:latin typeface="Times New Roman" panose="02020603050405020304" pitchFamily="18" charset="0"/>
+                          <a:ea typeface="Calibri" panose="020F0502020204030204" pitchFamily="34" charset="0"/>
+                          <a:cs typeface="Times New Roman" panose="02020603050405020304" pitchFamily="18" charset="0"/>
+                        </a:rPr>
+                        <a:t>23.08 (9)</a:t>
+                      </a:r>
+                      <a:endParaRPr lang="en-US" sz="900">
+                        <a:effectLst/>
+                        <a:latin typeface="Times New Roman" panose="02020603050405020304" pitchFamily="18" charset="0"/>
+                        <a:ea typeface="Calibri" panose="020F0502020204030204" pitchFamily="34" charset="0"/>
+                        <a:cs typeface="Times New Roman" panose="02020603050405020304" pitchFamily="18" charset="0"/>
+                      </a:endParaRPr>
+                    </a:p>
+                  </a:txBody>
+                  <a:tcPr marL="59053" marR="59053" marT="0" marB="0" anchor="ctr">
+                    <a:lnL>
+                      <a:noFill/>
+                    </a:lnL>
+                    <a:lnR>
+                      <a:noFill/>
+                    </a:lnR>
+                    <a:lnT>
+                      <a:noFill/>
+                    </a:lnT>
+                    <a:lnB>
+                      <a:noFill/>
+                    </a:lnB>
+                  </a:tcPr>
+                </a:tc>
+                <a:tc>
+                  <a:txBody>
+                    <a:bodyPr/>
+                    <a:lstStyle/>
+                    <a:p>
+                      <a:pPr marL="0" marR="0" algn="ctr">
+                        <a:spcBef>
+                          <a:spcPts val="0"/>
+                        </a:spcBef>
+                        <a:spcAft>
+                          <a:spcPts val="0"/>
+                        </a:spcAft>
+                      </a:pPr>
+                      <a:r>
+                        <a:rPr lang="en-US" sz="900">
+                          <a:solidFill>
+                            <a:srgbClr val="000000"/>
+                          </a:solidFill>
+                          <a:effectLst/>
+                          <a:latin typeface="Times New Roman" panose="02020603050405020304" pitchFamily="18" charset="0"/>
+                          <a:ea typeface="Calibri" panose="020F0502020204030204" pitchFamily="34" charset="0"/>
+                          <a:cs typeface="Times New Roman" panose="02020603050405020304" pitchFamily="18" charset="0"/>
+                        </a:rPr>
+                        <a:t>36.9 (155)</a:t>
+                      </a:r>
+                      <a:endParaRPr lang="en-US" sz="900">
+                        <a:effectLst/>
+                        <a:latin typeface="Times New Roman" panose="02020603050405020304" pitchFamily="18" charset="0"/>
+                        <a:ea typeface="Calibri" panose="020F0502020204030204" pitchFamily="34" charset="0"/>
+                        <a:cs typeface="Times New Roman" panose="02020603050405020304" pitchFamily="18" charset="0"/>
+                      </a:endParaRPr>
+                    </a:p>
+                  </a:txBody>
+                  <a:tcPr marL="59053" marR="59053" marT="0" marB="0" anchor="ctr">
+                    <a:lnL>
+                      <a:noFill/>
+                    </a:lnL>
+                    <a:lnR>
+                      <a:noFill/>
+                    </a:lnR>
+                    <a:lnT>
+                      <a:noFill/>
+                    </a:lnT>
+                    <a:lnB>
+                      <a:noFill/>
+                    </a:lnB>
+                  </a:tcPr>
+                </a:tc>
+                <a:extLst>
+                  <a:ext uri="{0D108BD9-81ED-4DB2-BD59-A6C34878D82A}">
+                    <a16:rowId xmlns:a16="http://schemas.microsoft.com/office/drawing/2014/main" val="2511423930"/>
+                  </a:ext>
+                </a:extLst>
+              </a:tr>
+              <a:tr h="189189">
+                <a:tc>
+                  <a:txBody>
+                    <a:bodyPr/>
+                    <a:lstStyle/>
+                    <a:p>
+                      <a:pPr marL="0" marR="0">
+                        <a:spcBef>
+                          <a:spcPts val="0"/>
+                        </a:spcBef>
+                        <a:spcAft>
+                          <a:spcPts val="0"/>
+                        </a:spcAft>
+                      </a:pPr>
+                      <a:r>
+                        <a:rPr lang="en-US" sz="900" b="1">
+                          <a:solidFill>
+                            <a:srgbClr val="000000"/>
+                          </a:solidFill>
+                          <a:effectLst/>
+                          <a:latin typeface="Times New Roman" panose="02020603050405020304" pitchFamily="18" charset="0"/>
+                          <a:ea typeface="Times New Roman" panose="02020603050405020304" pitchFamily="18" charset="0"/>
+                          <a:cs typeface="Times New Roman" panose="02020603050405020304" pitchFamily="18" charset="0"/>
+                        </a:rPr>
+                        <a:t>Smoker </a:t>
+                      </a:r>
+                      <a:r>
+                        <a:rPr lang="en-US" sz="900">
+                          <a:solidFill>
+                            <a:srgbClr val="000000"/>
+                          </a:solidFill>
+                          <a:effectLst/>
+                          <a:latin typeface="Times New Roman" panose="02020603050405020304" pitchFamily="18" charset="0"/>
+                          <a:ea typeface="Times New Roman" panose="02020603050405020304" pitchFamily="18" charset="0"/>
+                          <a:cs typeface="Times New Roman" panose="02020603050405020304" pitchFamily="18" charset="0"/>
+                        </a:rPr>
+                        <a:t>(% (n))</a:t>
+                      </a:r>
+                      <a:endParaRPr lang="en-US" sz="900">
+                        <a:effectLst/>
+                        <a:latin typeface="Times New Roman" panose="02020603050405020304" pitchFamily="18" charset="0"/>
+                        <a:ea typeface="Calibri" panose="020F0502020204030204" pitchFamily="34" charset="0"/>
+                        <a:cs typeface="Times New Roman" panose="02020603050405020304" pitchFamily="18" charset="0"/>
+                      </a:endParaRPr>
+                    </a:p>
+                  </a:txBody>
+                  <a:tcPr marL="59053" marR="59053" marT="0" marB="0" anchor="ctr">
+                    <a:lnL>
+                      <a:noFill/>
+                    </a:lnL>
+                    <a:lnR>
+                      <a:noFill/>
+                    </a:lnR>
+                    <a:lnT>
+                      <a:noFill/>
+                    </a:lnT>
+                    <a:lnB>
+                      <a:noFill/>
+                    </a:lnB>
+                  </a:tcPr>
+                </a:tc>
+                <a:tc>
+                  <a:txBody>
+                    <a:bodyPr/>
+                    <a:lstStyle/>
+                    <a:p>
+                      <a:pPr marL="0" marR="0" algn="ctr">
+                        <a:spcBef>
+                          <a:spcPts val="0"/>
+                        </a:spcBef>
+                        <a:spcAft>
+                          <a:spcPts val="0"/>
+                        </a:spcAft>
+                      </a:pPr>
+                      <a:r>
+                        <a:rPr lang="en-US" sz="900">
+                          <a:solidFill>
+                            <a:srgbClr val="000000"/>
+                          </a:solidFill>
+                          <a:effectLst/>
+                          <a:latin typeface="Times New Roman" panose="02020603050405020304" pitchFamily="18" charset="0"/>
+                          <a:ea typeface="Calibri" panose="020F0502020204030204" pitchFamily="34" charset="0"/>
+                          <a:cs typeface="Times New Roman" panose="02020603050405020304" pitchFamily="18" charset="0"/>
+                        </a:rPr>
+                        <a:t>38.87 (185)</a:t>
+                      </a:r>
+                      <a:endParaRPr lang="en-US" sz="900">
+                        <a:effectLst/>
+                        <a:latin typeface="Times New Roman" panose="02020603050405020304" pitchFamily="18" charset="0"/>
+                        <a:ea typeface="Calibri" panose="020F0502020204030204" pitchFamily="34" charset="0"/>
+                        <a:cs typeface="Times New Roman" panose="02020603050405020304" pitchFamily="18" charset="0"/>
+                      </a:endParaRPr>
+                    </a:p>
+                  </a:txBody>
+                  <a:tcPr marL="59053" marR="59053" marT="0" marB="0" anchor="ctr">
+                    <a:lnL>
+                      <a:noFill/>
+                    </a:lnL>
+                    <a:lnR>
+                      <a:noFill/>
+                    </a:lnR>
+                    <a:lnT>
+                      <a:noFill/>
+                    </a:lnT>
+                    <a:lnB>
+                      <a:noFill/>
+                    </a:lnB>
+                  </a:tcPr>
+                </a:tc>
+                <a:tc>
+                  <a:txBody>
+                    <a:bodyPr/>
+                    <a:lstStyle/>
+                    <a:p>
+                      <a:pPr marL="0" marR="0" algn="ctr">
+                        <a:spcBef>
+                          <a:spcPts val="0"/>
+                        </a:spcBef>
+                        <a:spcAft>
+                          <a:spcPts val="0"/>
+                        </a:spcAft>
+                      </a:pPr>
+                      <a:r>
+                        <a:rPr lang="en-US" sz="900">
+                          <a:solidFill>
+                            <a:srgbClr val="000000"/>
+                          </a:solidFill>
+                          <a:effectLst/>
+                          <a:latin typeface="Times New Roman" panose="02020603050405020304" pitchFamily="18" charset="0"/>
+                          <a:ea typeface="Calibri" panose="020F0502020204030204" pitchFamily="34" charset="0"/>
+                          <a:cs typeface="Times New Roman" panose="02020603050405020304" pitchFamily="18" charset="0"/>
+                        </a:rPr>
+                        <a:t>76.92 (30)</a:t>
+                      </a:r>
+                      <a:endParaRPr lang="en-US" sz="900">
+                        <a:effectLst/>
+                        <a:latin typeface="Times New Roman" panose="02020603050405020304" pitchFamily="18" charset="0"/>
+                        <a:ea typeface="Calibri" panose="020F0502020204030204" pitchFamily="34" charset="0"/>
+                        <a:cs typeface="Times New Roman" panose="02020603050405020304" pitchFamily="18" charset="0"/>
+                      </a:endParaRPr>
+                    </a:p>
+                  </a:txBody>
+                  <a:tcPr marL="59053" marR="59053" marT="0" marB="0" anchor="ctr">
+                    <a:lnL>
+                      <a:noFill/>
+                    </a:lnL>
+                    <a:lnR>
+                      <a:noFill/>
+                    </a:lnR>
+                    <a:lnT>
+                      <a:noFill/>
+                    </a:lnT>
+                    <a:lnB>
+                      <a:noFill/>
+                    </a:lnB>
+                  </a:tcPr>
+                </a:tc>
+                <a:tc>
+                  <a:txBody>
+                    <a:bodyPr/>
+                    <a:lstStyle/>
+                    <a:p>
+                      <a:pPr marL="0" marR="0" algn="ctr">
+                        <a:spcBef>
+                          <a:spcPts val="0"/>
+                        </a:spcBef>
+                        <a:spcAft>
+                          <a:spcPts val="0"/>
+                        </a:spcAft>
+                      </a:pPr>
+                      <a:r>
+                        <a:rPr lang="en-US" sz="900">
+                          <a:solidFill>
+                            <a:srgbClr val="000000"/>
+                          </a:solidFill>
+                          <a:effectLst/>
+                          <a:latin typeface="Times New Roman" panose="02020603050405020304" pitchFamily="18" charset="0"/>
+                          <a:ea typeface="Calibri" panose="020F0502020204030204" pitchFamily="34" charset="0"/>
+                          <a:cs typeface="Times New Roman" panose="02020603050405020304" pitchFamily="18" charset="0"/>
+                        </a:rPr>
+                        <a:t>35.47 (155)</a:t>
+                      </a:r>
+                      <a:endParaRPr lang="en-US" sz="900">
+                        <a:effectLst/>
+                        <a:latin typeface="Times New Roman" panose="02020603050405020304" pitchFamily="18" charset="0"/>
+                        <a:ea typeface="Calibri" panose="020F0502020204030204" pitchFamily="34" charset="0"/>
+                        <a:cs typeface="Times New Roman" panose="02020603050405020304" pitchFamily="18" charset="0"/>
+                      </a:endParaRPr>
+                    </a:p>
+                  </a:txBody>
+                  <a:tcPr marL="59053" marR="59053" marT="0" marB="0" anchor="ctr">
+                    <a:lnL>
+                      <a:noFill/>
+                    </a:lnL>
+                    <a:lnR>
+                      <a:noFill/>
+                    </a:lnR>
+                    <a:lnT>
+                      <a:noFill/>
+                    </a:lnT>
+                    <a:lnB>
+                      <a:noFill/>
+                    </a:lnB>
+                  </a:tcPr>
+                </a:tc>
+                <a:extLst>
+                  <a:ext uri="{0D108BD9-81ED-4DB2-BD59-A6C34878D82A}">
+                    <a16:rowId xmlns:a16="http://schemas.microsoft.com/office/drawing/2014/main" val="1147425221"/>
+                  </a:ext>
+                </a:extLst>
+              </a:tr>
+              <a:tr h="189189">
+                <a:tc>
+                  <a:txBody>
+                    <a:bodyPr/>
+                    <a:lstStyle/>
+                    <a:p>
+                      <a:pPr marL="0" marR="0">
+                        <a:spcBef>
+                          <a:spcPts val="0"/>
+                        </a:spcBef>
+                        <a:spcAft>
+                          <a:spcPts val="0"/>
+                        </a:spcAft>
+                      </a:pPr>
+                      <a:r>
+                        <a:rPr lang="en-US" sz="900" b="1">
+                          <a:solidFill>
+                            <a:srgbClr val="000000"/>
+                          </a:solidFill>
+                          <a:effectLst/>
+                          <a:latin typeface="Times New Roman" panose="02020603050405020304" pitchFamily="18" charset="0"/>
+                          <a:ea typeface="Times New Roman" panose="02020603050405020304" pitchFamily="18" charset="0"/>
+                          <a:cs typeface="Times New Roman" panose="02020603050405020304" pitchFamily="18" charset="0"/>
+                        </a:rPr>
+                        <a:t>Alcohol consumption </a:t>
+                      </a:r>
+                      <a:r>
+                        <a:rPr lang="en-US" sz="900">
+                          <a:solidFill>
+                            <a:srgbClr val="000000"/>
+                          </a:solidFill>
+                          <a:effectLst/>
+                          <a:latin typeface="Times New Roman" panose="02020603050405020304" pitchFamily="18" charset="0"/>
+                          <a:ea typeface="Times New Roman" panose="02020603050405020304" pitchFamily="18" charset="0"/>
+                          <a:cs typeface="Times New Roman" panose="02020603050405020304" pitchFamily="18" charset="0"/>
+                        </a:rPr>
+                        <a:t>(% (n))</a:t>
+                      </a:r>
+                      <a:endParaRPr lang="en-US" sz="900">
+                        <a:effectLst/>
+                        <a:latin typeface="Times New Roman" panose="02020603050405020304" pitchFamily="18" charset="0"/>
+                        <a:ea typeface="Calibri" panose="020F0502020204030204" pitchFamily="34" charset="0"/>
+                        <a:cs typeface="Times New Roman" panose="02020603050405020304" pitchFamily="18" charset="0"/>
+                      </a:endParaRPr>
+                    </a:p>
+                  </a:txBody>
+                  <a:tcPr marL="59053" marR="59053" marT="0" marB="0" anchor="ctr">
+                    <a:lnL>
+                      <a:noFill/>
+                    </a:lnL>
+                    <a:lnR>
+                      <a:noFill/>
+                    </a:lnR>
+                    <a:lnT>
+                      <a:noFill/>
+                    </a:lnT>
+                    <a:lnB>
+                      <a:noFill/>
+                    </a:lnB>
+                  </a:tcPr>
+                </a:tc>
+                <a:tc>
+                  <a:txBody>
+                    <a:bodyPr/>
+                    <a:lstStyle/>
+                    <a:p>
+                      <a:pPr marL="0" marR="0" algn="ctr">
+                        <a:spcBef>
+                          <a:spcPts val="0"/>
+                        </a:spcBef>
+                        <a:spcAft>
+                          <a:spcPts val="0"/>
+                        </a:spcAft>
+                      </a:pPr>
+                      <a:r>
+                        <a:rPr lang="en-US" sz="900">
+                          <a:solidFill>
+                            <a:srgbClr val="000000"/>
+                          </a:solidFill>
+                          <a:effectLst/>
+                          <a:latin typeface="Times New Roman" panose="02020603050405020304" pitchFamily="18" charset="0"/>
+                          <a:ea typeface="Calibri" panose="020F0502020204030204" pitchFamily="34" charset="0"/>
+                          <a:cs typeface="Times New Roman" panose="02020603050405020304" pitchFamily="18" charset="0"/>
+                        </a:rPr>
+                        <a:t> </a:t>
+                      </a:r>
+                      <a:endParaRPr lang="en-US" sz="900">
+                        <a:effectLst/>
+                        <a:latin typeface="Times New Roman" panose="02020603050405020304" pitchFamily="18" charset="0"/>
+                        <a:ea typeface="Calibri" panose="020F0502020204030204" pitchFamily="34" charset="0"/>
+                        <a:cs typeface="Times New Roman" panose="02020603050405020304" pitchFamily="18" charset="0"/>
+                      </a:endParaRPr>
+                    </a:p>
+                  </a:txBody>
+                  <a:tcPr marL="59053" marR="59053" marT="0" marB="0" anchor="ctr">
+                    <a:lnL>
+                      <a:noFill/>
+                    </a:lnL>
+                    <a:lnR>
+                      <a:noFill/>
+                    </a:lnR>
+                    <a:lnT>
+                      <a:noFill/>
+                    </a:lnT>
+                    <a:lnB>
+                      <a:noFill/>
+                    </a:lnB>
+                  </a:tcPr>
+                </a:tc>
+                <a:tc>
+                  <a:txBody>
+                    <a:bodyPr/>
+                    <a:lstStyle/>
+                    <a:p>
+                      <a:pPr marL="0" marR="0" algn="ctr">
+                        <a:spcBef>
+                          <a:spcPts val="0"/>
+                        </a:spcBef>
+                        <a:spcAft>
+                          <a:spcPts val="0"/>
+                        </a:spcAft>
+                      </a:pPr>
+                      <a:r>
+                        <a:rPr lang="en-US" sz="900">
+                          <a:solidFill>
+                            <a:srgbClr val="000000"/>
+                          </a:solidFill>
+                          <a:effectLst/>
+                          <a:latin typeface="Times New Roman" panose="02020603050405020304" pitchFamily="18" charset="0"/>
+                          <a:ea typeface="Calibri" panose="020F0502020204030204" pitchFamily="34" charset="0"/>
+                          <a:cs typeface="Times New Roman" panose="02020603050405020304" pitchFamily="18" charset="0"/>
+                        </a:rPr>
+                        <a:t> </a:t>
+                      </a:r>
+                      <a:endParaRPr lang="en-US" sz="900">
+                        <a:effectLst/>
+                        <a:latin typeface="Times New Roman" panose="02020603050405020304" pitchFamily="18" charset="0"/>
+                        <a:ea typeface="Calibri" panose="020F0502020204030204" pitchFamily="34" charset="0"/>
+                        <a:cs typeface="Times New Roman" panose="02020603050405020304" pitchFamily="18" charset="0"/>
+                      </a:endParaRPr>
+                    </a:p>
+                  </a:txBody>
+                  <a:tcPr marL="59053" marR="59053" marT="0" marB="0" anchor="ctr">
+                    <a:lnL>
+                      <a:noFill/>
+                    </a:lnL>
+                    <a:lnR>
+                      <a:noFill/>
+                    </a:lnR>
+                    <a:lnT>
+                      <a:noFill/>
+                    </a:lnT>
+                    <a:lnB>
+                      <a:noFill/>
+                    </a:lnB>
+                  </a:tcPr>
+                </a:tc>
+                <a:tc>
+                  <a:txBody>
+                    <a:bodyPr/>
+                    <a:lstStyle/>
+                    <a:p>
+                      <a:pPr marL="0" marR="0" algn="ctr">
+                        <a:spcBef>
+                          <a:spcPts val="0"/>
+                        </a:spcBef>
+                        <a:spcAft>
+                          <a:spcPts val="0"/>
+                        </a:spcAft>
+                      </a:pPr>
+                      <a:r>
+                        <a:rPr lang="en-US" sz="900">
+                          <a:solidFill>
+                            <a:srgbClr val="000000"/>
+                          </a:solidFill>
+                          <a:effectLst/>
+                          <a:latin typeface="Times New Roman" panose="02020603050405020304" pitchFamily="18" charset="0"/>
+                          <a:ea typeface="Calibri" panose="020F0502020204030204" pitchFamily="34" charset="0"/>
+                          <a:cs typeface="Times New Roman" panose="02020603050405020304" pitchFamily="18" charset="0"/>
+                        </a:rPr>
+                        <a:t> </a:t>
+                      </a:r>
+                      <a:endParaRPr lang="en-US" sz="900">
+                        <a:effectLst/>
+                        <a:latin typeface="Times New Roman" panose="02020603050405020304" pitchFamily="18" charset="0"/>
+                        <a:ea typeface="Calibri" panose="020F0502020204030204" pitchFamily="34" charset="0"/>
+                        <a:cs typeface="Times New Roman" panose="02020603050405020304" pitchFamily="18" charset="0"/>
+                      </a:endParaRPr>
+                    </a:p>
+                  </a:txBody>
+                  <a:tcPr marL="59053" marR="59053" marT="0" marB="0" anchor="ctr">
+                    <a:lnL>
+                      <a:noFill/>
+                    </a:lnL>
+                    <a:lnR>
+                      <a:noFill/>
+                    </a:lnR>
+                    <a:lnT>
+                      <a:noFill/>
+                    </a:lnT>
+                    <a:lnB>
+                      <a:noFill/>
+                    </a:lnB>
+                  </a:tcPr>
+                </a:tc>
+                <a:extLst>
+                  <a:ext uri="{0D108BD9-81ED-4DB2-BD59-A6C34878D82A}">
+                    <a16:rowId xmlns:a16="http://schemas.microsoft.com/office/drawing/2014/main" val="3184436916"/>
+                  </a:ext>
+                </a:extLst>
+              </a:tr>
+              <a:tr h="189189">
+                <a:tc>
+                  <a:txBody>
+                    <a:bodyPr/>
+                    <a:lstStyle/>
+                    <a:p>
+                      <a:pPr marL="0" marR="0">
+                        <a:spcBef>
+                          <a:spcPts val="0"/>
+                        </a:spcBef>
+                        <a:spcAft>
+                          <a:spcPts val="0"/>
+                        </a:spcAft>
+                      </a:pPr>
+                      <a:r>
+                        <a:rPr lang="en-US" sz="900">
+                          <a:solidFill>
+                            <a:srgbClr val="000000"/>
+                          </a:solidFill>
+                          <a:effectLst/>
+                          <a:latin typeface="Times New Roman" panose="02020603050405020304" pitchFamily="18" charset="0"/>
+                          <a:ea typeface="Times New Roman" panose="02020603050405020304" pitchFamily="18" charset="0"/>
+                          <a:cs typeface="Times New Roman" panose="02020603050405020304" pitchFamily="18" charset="0"/>
+                        </a:rPr>
+                        <a:t>   3 or less/week</a:t>
+                      </a:r>
+                      <a:endParaRPr lang="en-US" sz="900">
+                        <a:effectLst/>
+                        <a:latin typeface="Times New Roman" panose="02020603050405020304" pitchFamily="18" charset="0"/>
+                        <a:ea typeface="Calibri" panose="020F0502020204030204" pitchFamily="34" charset="0"/>
+                        <a:cs typeface="Times New Roman" panose="02020603050405020304" pitchFamily="18" charset="0"/>
+                      </a:endParaRPr>
+                    </a:p>
+                  </a:txBody>
+                  <a:tcPr marL="59053" marR="59053" marT="0" marB="0" anchor="ctr">
+                    <a:lnL>
+                      <a:noFill/>
+                    </a:lnL>
+                    <a:lnR>
+                      <a:noFill/>
+                    </a:lnR>
+                    <a:lnT>
+                      <a:noFill/>
+                    </a:lnT>
+                    <a:lnB>
+                      <a:noFill/>
+                    </a:lnB>
+                  </a:tcPr>
+                </a:tc>
+                <a:tc>
+                  <a:txBody>
+                    <a:bodyPr/>
+                    <a:lstStyle/>
+                    <a:p>
+                      <a:pPr marL="0" marR="0" algn="ctr">
+                        <a:spcBef>
+                          <a:spcPts val="0"/>
+                        </a:spcBef>
+                        <a:spcAft>
+                          <a:spcPts val="0"/>
+                        </a:spcAft>
+                      </a:pPr>
+                      <a:r>
+                        <a:rPr lang="en-US" sz="900">
+                          <a:solidFill>
+                            <a:srgbClr val="000000"/>
+                          </a:solidFill>
+                          <a:effectLst/>
+                          <a:latin typeface="Times New Roman" panose="02020603050405020304" pitchFamily="18" charset="0"/>
+                          <a:ea typeface="Calibri" panose="020F0502020204030204" pitchFamily="34" charset="0"/>
+                          <a:cs typeface="Times New Roman" panose="02020603050405020304" pitchFamily="18" charset="0"/>
+                        </a:rPr>
+                        <a:t>93.07 (443)</a:t>
+                      </a:r>
+                      <a:endParaRPr lang="en-US" sz="900">
+                        <a:effectLst/>
+                        <a:latin typeface="Times New Roman" panose="02020603050405020304" pitchFamily="18" charset="0"/>
+                        <a:ea typeface="Calibri" panose="020F0502020204030204" pitchFamily="34" charset="0"/>
+                        <a:cs typeface="Times New Roman" panose="02020603050405020304" pitchFamily="18" charset="0"/>
+                      </a:endParaRPr>
+                    </a:p>
+                  </a:txBody>
+                  <a:tcPr marL="59053" marR="59053" marT="0" marB="0" anchor="ctr">
+                    <a:lnL>
+                      <a:noFill/>
+                    </a:lnL>
+                    <a:lnR>
+                      <a:noFill/>
+                    </a:lnR>
+                    <a:lnT>
+                      <a:noFill/>
+                    </a:lnT>
+                    <a:lnB>
+                      <a:noFill/>
+                    </a:lnB>
+                  </a:tcPr>
+                </a:tc>
+                <a:tc>
+                  <a:txBody>
+                    <a:bodyPr/>
+                    <a:lstStyle/>
+                    <a:p>
+                      <a:pPr marL="0" marR="0" algn="ctr">
+                        <a:spcBef>
+                          <a:spcPts val="0"/>
+                        </a:spcBef>
+                        <a:spcAft>
+                          <a:spcPts val="0"/>
+                        </a:spcAft>
+                      </a:pPr>
+                      <a:r>
+                        <a:rPr lang="en-US" sz="900">
+                          <a:solidFill>
+                            <a:srgbClr val="000000"/>
+                          </a:solidFill>
+                          <a:effectLst/>
+                          <a:latin typeface="Times New Roman" panose="02020603050405020304" pitchFamily="18" charset="0"/>
+                          <a:ea typeface="Calibri" panose="020F0502020204030204" pitchFamily="34" charset="0"/>
+                          <a:cs typeface="Times New Roman" panose="02020603050405020304" pitchFamily="18" charset="0"/>
+                        </a:rPr>
+                        <a:t>94.87 (37)</a:t>
+                      </a:r>
+                      <a:endParaRPr lang="en-US" sz="900">
+                        <a:effectLst/>
+                        <a:latin typeface="Times New Roman" panose="02020603050405020304" pitchFamily="18" charset="0"/>
+                        <a:ea typeface="Calibri" panose="020F0502020204030204" pitchFamily="34" charset="0"/>
+                        <a:cs typeface="Times New Roman" panose="02020603050405020304" pitchFamily="18" charset="0"/>
+                      </a:endParaRPr>
+                    </a:p>
+                  </a:txBody>
+                  <a:tcPr marL="59053" marR="59053" marT="0" marB="0" anchor="ctr">
+                    <a:lnL>
+                      <a:noFill/>
+                    </a:lnL>
+                    <a:lnR>
+                      <a:noFill/>
+                    </a:lnR>
+                    <a:lnT>
+                      <a:noFill/>
+                    </a:lnT>
+                    <a:lnB>
+                      <a:noFill/>
+                    </a:lnB>
+                  </a:tcPr>
+                </a:tc>
+                <a:tc>
+                  <a:txBody>
+                    <a:bodyPr/>
+                    <a:lstStyle/>
+                    <a:p>
+                      <a:pPr marL="0" marR="0" algn="ctr">
+                        <a:spcBef>
+                          <a:spcPts val="0"/>
+                        </a:spcBef>
+                        <a:spcAft>
+                          <a:spcPts val="0"/>
+                        </a:spcAft>
+                      </a:pPr>
+                      <a:r>
+                        <a:rPr lang="en-US" sz="900">
+                          <a:solidFill>
+                            <a:srgbClr val="000000"/>
+                          </a:solidFill>
+                          <a:effectLst/>
+                          <a:latin typeface="Times New Roman" panose="02020603050405020304" pitchFamily="18" charset="0"/>
+                          <a:ea typeface="Calibri" panose="020F0502020204030204" pitchFamily="34" charset="0"/>
+                          <a:cs typeface="Times New Roman" panose="02020603050405020304" pitchFamily="18" charset="0"/>
+                        </a:rPr>
+                        <a:t>92.91 (406)</a:t>
+                      </a:r>
+                      <a:endParaRPr lang="en-US" sz="900">
+                        <a:effectLst/>
+                        <a:latin typeface="Times New Roman" panose="02020603050405020304" pitchFamily="18" charset="0"/>
+                        <a:ea typeface="Calibri" panose="020F0502020204030204" pitchFamily="34" charset="0"/>
+                        <a:cs typeface="Times New Roman" panose="02020603050405020304" pitchFamily="18" charset="0"/>
+                      </a:endParaRPr>
+                    </a:p>
+                  </a:txBody>
+                  <a:tcPr marL="59053" marR="59053" marT="0" marB="0" anchor="ctr">
+                    <a:lnL>
+                      <a:noFill/>
+                    </a:lnL>
+                    <a:lnR>
+                      <a:noFill/>
+                    </a:lnR>
+                    <a:lnT>
+                      <a:noFill/>
+                    </a:lnT>
+                    <a:lnB>
+                      <a:noFill/>
+                    </a:lnB>
+                  </a:tcPr>
+                </a:tc>
+                <a:extLst>
+                  <a:ext uri="{0D108BD9-81ED-4DB2-BD59-A6C34878D82A}">
+                    <a16:rowId xmlns:a16="http://schemas.microsoft.com/office/drawing/2014/main" val="1685439083"/>
+                  </a:ext>
+                </a:extLst>
+              </a:tr>
+              <a:tr h="189189">
+                <a:tc>
+                  <a:txBody>
+                    <a:bodyPr/>
+                    <a:lstStyle/>
+                    <a:p>
+                      <a:pPr marL="0" marR="0">
+                        <a:spcBef>
+                          <a:spcPts val="0"/>
+                        </a:spcBef>
+                        <a:spcAft>
+                          <a:spcPts val="0"/>
+                        </a:spcAft>
+                      </a:pPr>
+                      <a:r>
+                        <a:rPr lang="en-US" sz="900">
+                          <a:solidFill>
+                            <a:srgbClr val="000000"/>
+                          </a:solidFill>
+                          <a:effectLst/>
+                          <a:latin typeface="Times New Roman" panose="02020603050405020304" pitchFamily="18" charset="0"/>
+                          <a:ea typeface="Times New Roman" panose="02020603050405020304" pitchFamily="18" charset="0"/>
+                          <a:cs typeface="Times New Roman" panose="02020603050405020304" pitchFamily="18" charset="0"/>
+                        </a:rPr>
+                        <a:t>   4 or more/week</a:t>
+                      </a:r>
+                      <a:endParaRPr lang="en-US" sz="900">
+                        <a:effectLst/>
+                        <a:latin typeface="Times New Roman" panose="02020603050405020304" pitchFamily="18" charset="0"/>
+                        <a:ea typeface="Calibri" panose="020F0502020204030204" pitchFamily="34" charset="0"/>
+                        <a:cs typeface="Times New Roman" panose="02020603050405020304" pitchFamily="18" charset="0"/>
+                      </a:endParaRPr>
+                    </a:p>
+                  </a:txBody>
+                  <a:tcPr marL="59053" marR="59053" marT="0" marB="0" anchor="ctr">
+                    <a:lnL>
+                      <a:noFill/>
+                    </a:lnL>
+                    <a:lnR>
+                      <a:noFill/>
+                    </a:lnR>
+                    <a:lnT>
+                      <a:noFill/>
+                    </a:lnT>
+                    <a:lnB>
+                      <a:noFill/>
+                    </a:lnB>
+                  </a:tcPr>
+                </a:tc>
+                <a:tc>
+                  <a:txBody>
+                    <a:bodyPr/>
+                    <a:lstStyle/>
+                    <a:p>
+                      <a:pPr marL="0" marR="0" algn="ctr">
+                        <a:spcBef>
+                          <a:spcPts val="0"/>
+                        </a:spcBef>
+                        <a:spcAft>
+                          <a:spcPts val="0"/>
+                        </a:spcAft>
+                      </a:pPr>
+                      <a:r>
+                        <a:rPr lang="en-US" sz="900">
+                          <a:solidFill>
+                            <a:srgbClr val="000000"/>
+                          </a:solidFill>
+                          <a:effectLst/>
+                          <a:latin typeface="Times New Roman" panose="02020603050405020304" pitchFamily="18" charset="0"/>
+                          <a:ea typeface="Calibri" panose="020F0502020204030204" pitchFamily="34" charset="0"/>
+                          <a:cs typeface="Times New Roman" panose="02020603050405020304" pitchFamily="18" charset="0"/>
+                        </a:rPr>
+                        <a:t>6.93 (33)</a:t>
+                      </a:r>
+                      <a:endParaRPr lang="en-US" sz="900">
+                        <a:effectLst/>
+                        <a:latin typeface="Times New Roman" panose="02020603050405020304" pitchFamily="18" charset="0"/>
+                        <a:ea typeface="Calibri" panose="020F0502020204030204" pitchFamily="34" charset="0"/>
+                        <a:cs typeface="Times New Roman" panose="02020603050405020304" pitchFamily="18" charset="0"/>
+                      </a:endParaRPr>
+                    </a:p>
+                  </a:txBody>
+                  <a:tcPr marL="59053" marR="59053" marT="0" marB="0" anchor="ctr">
+                    <a:lnL>
+                      <a:noFill/>
+                    </a:lnL>
+                    <a:lnR>
+                      <a:noFill/>
+                    </a:lnR>
+                    <a:lnT>
+                      <a:noFill/>
+                    </a:lnT>
+                    <a:lnB>
+                      <a:noFill/>
+                    </a:lnB>
+                  </a:tcPr>
+                </a:tc>
+                <a:tc>
+                  <a:txBody>
+                    <a:bodyPr/>
+                    <a:lstStyle/>
+                    <a:p>
+                      <a:pPr marL="0" marR="0" algn="ctr">
+                        <a:spcBef>
+                          <a:spcPts val="0"/>
+                        </a:spcBef>
+                        <a:spcAft>
+                          <a:spcPts val="0"/>
+                        </a:spcAft>
+                      </a:pPr>
+                      <a:r>
+                        <a:rPr lang="en-US" sz="900">
+                          <a:solidFill>
+                            <a:srgbClr val="000000"/>
+                          </a:solidFill>
+                          <a:effectLst/>
+                          <a:latin typeface="Times New Roman" panose="02020603050405020304" pitchFamily="18" charset="0"/>
+                          <a:ea typeface="Calibri" panose="020F0502020204030204" pitchFamily="34" charset="0"/>
+                          <a:cs typeface="Times New Roman" panose="02020603050405020304" pitchFamily="18" charset="0"/>
+                        </a:rPr>
+                        <a:t>5.13 (2)</a:t>
+                      </a:r>
+                      <a:endParaRPr lang="en-US" sz="900">
+                        <a:effectLst/>
+                        <a:latin typeface="Times New Roman" panose="02020603050405020304" pitchFamily="18" charset="0"/>
+                        <a:ea typeface="Calibri" panose="020F0502020204030204" pitchFamily="34" charset="0"/>
+                        <a:cs typeface="Times New Roman" panose="02020603050405020304" pitchFamily="18" charset="0"/>
+                      </a:endParaRPr>
+                    </a:p>
+                  </a:txBody>
+                  <a:tcPr marL="59053" marR="59053" marT="0" marB="0" anchor="ctr">
+                    <a:lnL>
+                      <a:noFill/>
+                    </a:lnL>
+                    <a:lnR>
+                      <a:noFill/>
+                    </a:lnR>
+                    <a:lnT>
+                      <a:noFill/>
+                    </a:lnT>
+                    <a:lnB>
+                      <a:noFill/>
+                    </a:lnB>
+                  </a:tcPr>
+                </a:tc>
+                <a:tc>
+                  <a:txBody>
+                    <a:bodyPr/>
+                    <a:lstStyle/>
+                    <a:p>
+                      <a:pPr marL="0" marR="0" algn="ctr">
+                        <a:spcBef>
+                          <a:spcPts val="0"/>
+                        </a:spcBef>
+                        <a:spcAft>
+                          <a:spcPts val="0"/>
+                        </a:spcAft>
+                      </a:pPr>
+                      <a:r>
+                        <a:rPr lang="en-US" sz="900">
+                          <a:solidFill>
+                            <a:srgbClr val="000000"/>
+                          </a:solidFill>
+                          <a:effectLst/>
+                          <a:latin typeface="Times New Roman" panose="02020603050405020304" pitchFamily="18" charset="0"/>
+                          <a:ea typeface="Calibri" panose="020F0502020204030204" pitchFamily="34" charset="0"/>
+                          <a:cs typeface="Times New Roman" panose="02020603050405020304" pitchFamily="18" charset="0"/>
+                        </a:rPr>
+                        <a:t>7.09 (31)</a:t>
+                      </a:r>
+                      <a:endParaRPr lang="en-US" sz="900">
+                        <a:effectLst/>
+                        <a:latin typeface="Times New Roman" panose="02020603050405020304" pitchFamily="18" charset="0"/>
+                        <a:ea typeface="Calibri" panose="020F0502020204030204" pitchFamily="34" charset="0"/>
+                        <a:cs typeface="Times New Roman" panose="02020603050405020304" pitchFamily="18" charset="0"/>
+                      </a:endParaRPr>
+                    </a:p>
+                  </a:txBody>
+                  <a:tcPr marL="59053" marR="59053" marT="0" marB="0" anchor="ctr">
+                    <a:lnL>
+                      <a:noFill/>
+                    </a:lnL>
+                    <a:lnR>
+                      <a:noFill/>
+                    </a:lnR>
+                    <a:lnT>
+                      <a:noFill/>
+                    </a:lnT>
+                    <a:lnB>
+                      <a:noFill/>
+                    </a:lnB>
+                  </a:tcPr>
+                </a:tc>
+                <a:extLst>
+                  <a:ext uri="{0D108BD9-81ED-4DB2-BD59-A6C34878D82A}">
+                    <a16:rowId xmlns:a16="http://schemas.microsoft.com/office/drawing/2014/main" val="3221594588"/>
+                  </a:ext>
+                </a:extLst>
+              </a:tr>
+              <a:tr h="189189">
+                <a:tc>
+                  <a:txBody>
+                    <a:bodyPr/>
+                    <a:lstStyle/>
+                    <a:p>
+                      <a:pPr marL="0" marR="0">
+                        <a:spcBef>
+                          <a:spcPts val="0"/>
+                        </a:spcBef>
+                        <a:spcAft>
+                          <a:spcPts val="0"/>
+                        </a:spcAft>
+                      </a:pPr>
+                      <a:r>
+                        <a:rPr lang="en-US" sz="900" b="1">
+                          <a:solidFill>
+                            <a:srgbClr val="000000"/>
+                          </a:solidFill>
+                          <a:effectLst/>
+                          <a:latin typeface="Times New Roman" panose="02020603050405020304" pitchFamily="18" charset="0"/>
+                          <a:ea typeface="Times New Roman" panose="02020603050405020304" pitchFamily="18" charset="0"/>
+                          <a:cs typeface="Times New Roman" panose="02020603050405020304" pitchFamily="18" charset="0"/>
+                        </a:rPr>
+                        <a:t>Education </a:t>
+                      </a:r>
+                      <a:r>
+                        <a:rPr lang="en-US" sz="900">
+                          <a:solidFill>
+                            <a:srgbClr val="000000"/>
+                          </a:solidFill>
+                          <a:effectLst/>
+                          <a:latin typeface="Times New Roman" panose="02020603050405020304" pitchFamily="18" charset="0"/>
+                          <a:ea typeface="Times New Roman" panose="02020603050405020304" pitchFamily="18" charset="0"/>
+                          <a:cs typeface="Times New Roman" panose="02020603050405020304" pitchFamily="18" charset="0"/>
+                        </a:rPr>
+                        <a:t>(% (n))</a:t>
+                      </a:r>
+                      <a:endParaRPr lang="en-US" sz="900">
+                        <a:effectLst/>
+                        <a:latin typeface="Times New Roman" panose="02020603050405020304" pitchFamily="18" charset="0"/>
+                        <a:ea typeface="Calibri" panose="020F0502020204030204" pitchFamily="34" charset="0"/>
+                        <a:cs typeface="Times New Roman" panose="02020603050405020304" pitchFamily="18" charset="0"/>
+                      </a:endParaRPr>
+                    </a:p>
+                  </a:txBody>
+                  <a:tcPr marL="59053" marR="59053" marT="0" marB="0" anchor="ctr">
+                    <a:lnL>
+                      <a:noFill/>
+                    </a:lnL>
+                    <a:lnR>
+                      <a:noFill/>
+                    </a:lnR>
+                    <a:lnT>
+                      <a:noFill/>
+                    </a:lnT>
+                    <a:lnB>
+                      <a:noFill/>
+                    </a:lnB>
+                  </a:tcPr>
+                </a:tc>
+                <a:tc>
+                  <a:txBody>
+                    <a:bodyPr/>
+                    <a:lstStyle/>
+                    <a:p>
+                      <a:pPr marL="0" marR="0" algn="ctr">
+                        <a:spcBef>
+                          <a:spcPts val="0"/>
+                        </a:spcBef>
+                        <a:spcAft>
+                          <a:spcPts val="0"/>
+                        </a:spcAft>
+                      </a:pPr>
+                      <a:r>
+                        <a:rPr lang="en-US" sz="900">
+                          <a:solidFill>
+                            <a:srgbClr val="000000"/>
+                          </a:solidFill>
+                          <a:effectLst/>
+                          <a:latin typeface="Times New Roman" panose="02020603050405020304" pitchFamily="18" charset="0"/>
+                          <a:ea typeface="Calibri" panose="020F0502020204030204" pitchFamily="34" charset="0"/>
+                          <a:cs typeface="Times New Roman" panose="02020603050405020304" pitchFamily="18" charset="0"/>
+                        </a:rPr>
+                        <a:t> </a:t>
+                      </a:r>
+                      <a:endParaRPr lang="en-US" sz="900">
+                        <a:effectLst/>
+                        <a:latin typeface="Times New Roman" panose="02020603050405020304" pitchFamily="18" charset="0"/>
+                        <a:ea typeface="Calibri" panose="020F0502020204030204" pitchFamily="34" charset="0"/>
+                        <a:cs typeface="Times New Roman" panose="02020603050405020304" pitchFamily="18" charset="0"/>
+                      </a:endParaRPr>
+                    </a:p>
+                  </a:txBody>
+                  <a:tcPr marL="59053" marR="59053" marT="0" marB="0" anchor="ctr">
+                    <a:lnL>
+                      <a:noFill/>
+                    </a:lnL>
+                    <a:lnR>
+                      <a:noFill/>
+                    </a:lnR>
+                    <a:lnT>
+                      <a:noFill/>
+                    </a:lnT>
+                    <a:lnB>
+                      <a:noFill/>
+                    </a:lnB>
+                  </a:tcPr>
+                </a:tc>
+                <a:tc>
+                  <a:txBody>
+                    <a:bodyPr/>
+                    <a:lstStyle/>
+                    <a:p>
+                      <a:pPr marL="0" marR="0" algn="ctr">
+                        <a:spcBef>
+                          <a:spcPts val="0"/>
+                        </a:spcBef>
+                        <a:spcAft>
+                          <a:spcPts val="0"/>
+                        </a:spcAft>
+                      </a:pPr>
+                      <a:r>
+                        <a:rPr lang="en-US" sz="900">
+                          <a:solidFill>
+                            <a:srgbClr val="000000"/>
+                          </a:solidFill>
+                          <a:effectLst/>
+                          <a:latin typeface="Times New Roman" panose="02020603050405020304" pitchFamily="18" charset="0"/>
+                          <a:ea typeface="Calibri" panose="020F0502020204030204" pitchFamily="34" charset="0"/>
+                          <a:cs typeface="Times New Roman" panose="02020603050405020304" pitchFamily="18" charset="0"/>
+                        </a:rPr>
+                        <a:t> </a:t>
+                      </a:r>
+                      <a:endParaRPr lang="en-US" sz="900">
+                        <a:effectLst/>
+                        <a:latin typeface="Times New Roman" panose="02020603050405020304" pitchFamily="18" charset="0"/>
+                        <a:ea typeface="Calibri" panose="020F0502020204030204" pitchFamily="34" charset="0"/>
+                        <a:cs typeface="Times New Roman" panose="02020603050405020304" pitchFamily="18" charset="0"/>
+                      </a:endParaRPr>
+                    </a:p>
+                  </a:txBody>
+                  <a:tcPr marL="59053" marR="59053" marT="0" marB="0" anchor="ctr">
+                    <a:lnL>
+                      <a:noFill/>
+                    </a:lnL>
+                    <a:lnR>
+                      <a:noFill/>
+                    </a:lnR>
+                    <a:lnT>
+                      <a:noFill/>
+                    </a:lnT>
+                    <a:lnB>
+                      <a:noFill/>
+                    </a:lnB>
+                  </a:tcPr>
+                </a:tc>
+                <a:tc>
+                  <a:txBody>
+                    <a:bodyPr/>
+                    <a:lstStyle/>
+                    <a:p>
+                      <a:pPr marL="0" marR="0" algn="ctr">
+                        <a:spcBef>
+                          <a:spcPts val="0"/>
+                        </a:spcBef>
+                        <a:spcAft>
+                          <a:spcPts val="0"/>
+                        </a:spcAft>
+                      </a:pPr>
+                      <a:r>
+                        <a:rPr lang="en-US" sz="900">
+                          <a:solidFill>
+                            <a:srgbClr val="000000"/>
+                          </a:solidFill>
+                          <a:effectLst/>
+                          <a:latin typeface="Times New Roman" panose="02020603050405020304" pitchFamily="18" charset="0"/>
+                          <a:ea typeface="Calibri" panose="020F0502020204030204" pitchFamily="34" charset="0"/>
+                          <a:cs typeface="Times New Roman" panose="02020603050405020304" pitchFamily="18" charset="0"/>
+                        </a:rPr>
+                        <a:t> </a:t>
+                      </a:r>
+                      <a:endParaRPr lang="en-US" sz="900">
+                        <a:effectLst/>
+                        <a:latin typeface="Times New Roman" panose="02020603050405020304" pitchFamily="18" charset="0"/>
+                        <a:ea typeface="Calibri" panose="020F0502020204030204" pitchFamily="34" charset="0"/>
+                        <a:cs typeface="Times New Roman" panose="02020603050405020304" pitchFamily="18" charset="0"/>
+                      </a:endParaRPr>
+                    </a:p>
+                  </a:txBody>
+                  <a:tcPr marL="59053" marR="59053" marT="0" marB="0" anchor="ctr">
+                    <a:lnL>
+                      <a:noFill/>
+                    </a:lnL>
+                    <a:lnR>
+                      <a:noFill/>
+                    </a:lnR>
+                    <a:lnT>
+                      <a:noFill/>
+                    </a:lnT>
+                    <a:lnB>
+                      <a:noFill/>
+                    </a:lnB>
+                  </a:tcPr>
+                </a:tc>
+                <a:extLst>
+                  <a:ext uri="{0D108BD9-81ED-4DB2-BD59-A6C34878D82A}">
+                    <a16:rowId xmlns:a16="http://schemas.microsoft.com/office/drawing/2014/main" val="2846685095"/>
+                  </a:ext>
+                </a:extLst>
+              </a:tr>
+              <a:tr h="189189">
+                <a:tc>
+                  <a:txBody>
+                    <a:bodyPr/>
+                    <a:lstStyle/>
+                    <a:p>
+                      <a:pPr marL="0" marR="0">
+                        <a:spcBef>
+                          <a:spcPts val="0"/>
+                        </a:spcBef>
+                        <a:spcAft>
+                          <a:spcPts val="0"/>
+                        </a:spcAft>
+                      </a:pPr>
+                      <a:r>
+                        <a:rPr lang="en-US" sz="900">
+                          <a:solidFill>
+                            <a:srgbClr val="000000"/>
+                          </a:solidFill>
+                          <a:effectLst/>
+                          <a:latin typeface="Times New Roman" panose="02020603050405020304" pitchFamily="18" charset="0"/>
+                          <a:ea typeface="Times New Roman" panose="02020603050405020304" pitchFamily="18" charset="0"/>
+                          <a:cs typeface="Times New Roman" panose="02020603050405020304" pitchFamily="18" charset="0"/>
+                        </a:rPr>
+                        <a:t>   1 year college or less</a:t>
+                      </a:r>
+                      <a:endParaRPr lang="en-US" sz="900">
+                        <a:effectLst/>
+                        <a:latin typeface="Times New Roman" panose="02020603050405020304" pitchFamily="18" charset="0"/>
+                        <a:ea typeface="Calibri" panose="020F0502020204030204" pitchFamily="34" charset="0"/>
+                        <a:cs typeface="Times New Roman" panose="02020603050405020304" pitchFamily="18" charset="0"/>
+                      </a:endParaRPr>
+                    </a:p>
+                  </a:txBody>
+                  <a:tcPr marL="59053" marR="59053" marT="0" marB="0" anchor="ctr">
+                    <a:lnL>
+                      <a:noFill/>
+                    </a:lnL>
+                    <a:lnR>
+                      <a:noFill/>
+                    </a:lnR>
+                    <a:lnT>
+                      <a:noFill/>
+                    </a:lnT>
+                    <a:lnB>
+                      <a:noFill/>
+                    </a:lnB>
+                  </a:tcPr>
+                </a:tc>
+                <a:tc>
+                  <a:txBody>
+                    <a:bodyPr/>
+                    <a:lstStyle/>
+                    <a:p>
+                      <a:pPr marL="0" marR="0" algn="ctr">
+                        <a:spcBef>
+                          <a:spcPts val="0"/>
+                        </a:spcBef>
+                        <a:spcAft>
+                          <a:spcPts val="0"/>
+                        </a:spcAft>
+                      </a:pPr>
+                      <a:r>
+                        <a:rPr lang="en-US" sz="900">
+                          <a:solidFill>
+                            <a:srgbClr val="000000"/>
+                          </a:solidFill>
+                          <a:effectLst/>
+                          <a:latin typeface="Times New Roman" panose="02020603050405020304" pitchFamily="18" charset="0"/>
+                          <a:ea typeface="Calibri" panose="020F0502020204030204" pitchFamily="34" charset="0"/>
+                          <a:cs typeface="Times New Roman" panose="02020603050405020304" pitchFamily="18" charset="0"/>
+                        </a:rPr>
+                        <a:t>21.22 (101)</a:t>
+                      </a:r>
+                      <a:endParaRPr lang="en-US" sz="900">
+                        <a:effectLst/>
+                        <a:latin typeface="Times New Roman" panose="02020603050405020304" pitchFamily="18" charset="0"/>
+                        <a:ea typeface="Calibri" panose="020F0502020204030204" pitchFamily="34" charset="0"/>
+                        <a:cs typeface="Times New Roman" panose="02020603050405020304" pitchFamily="18" charset="0"/>
+                      </a:endParaRPr>
+                    </a:p>
+                  </a:txBody>
+                  <a:tcPr marL="59053" marR="59053" marT="0" marB="0" anchor="ctr">
+                    <a:lnL>
+                      <a:noFill/>
+                    </a:lnL>
+                    <a:lnR>
+                      <a:noFill/>
+                    </a:lnR>
+                    <a:lnT>
+                      <a:noFill/>
+                    </a:lnT>
+                    <a:lnB>
+                      <a:noFill/>
+                    </a:lnB>
+                  </a:tcPr>
+                </a:tc>
+                <a:tc>
+                  <a:txBody>
+                    <a:bodyPr/>
+                    <a:lstStyle/>
+                    <a:p>
+                      <a:pPr marL="0" marR="0" algn="ctr">
+                        <a:spcBef>
+                          <a:spcPts val="0"/>
+                        </a:spcBef>
+                        <a:spcAft>
+                          <a:spcPts val="0"/>
+                        </a:spcAft>
+                      </a:pPr>
+                      <a:r>
+                        <a:rPr lang="en-US" sz="900">
+                          <a:solidFill>
+                            <a:srgbClr val="000000"/>
+                          </a:solidFill>
+                          <a:effectLst/>
+                          <a:latin typeface="Times New Roman" panose="02020603050405020304" pitchFamily="18" charset="0"/>
+                          <a:ea typeface="Calibri" panose="020F0502020204030204" pitchFamily="34" charset="0"/>
+                          <a:cs typeface="Times New Roman" panose="02020603050405020304" pitchFamily="18" charset="0"/>
+                        </a:rPr>
+                        <a:t>41.03 (16)</a:t>
+                      </a:r>
+                      <a:endParaRPr lang="en-US" sz="900">
+                        <a:effectLst/>
+                        <a:latin typeface="Times New Roman" panose="02020603050405020304" pitchFamily="18" charset="0"/>
+                        <a:ea typeface="Calibri" panose="020F0502020204030204" pitchFamily="34" charset="0"/>
+                        <a:cs typeface="Times New Roman" panose="02020603050405020304" pitchFamily="18" charset="0"/>
+                      </a:endParaRPr>
+                    </a:p>
+                  </a:txBody>
+                  <a:tcPr marL="59053" marR="59053" marT="0" marB="0" anchor="ctr">
+                    <a:lnL>
+                      <a:noFill/>
+                    </a:lnL>
+                    <a:lnR>
+                      <a:noFill/>
+                    </a:lnR>
+                    <a:lnT>
+                      <a:noFill/>
+                    </a:lnT>
+                    <a:lnB>
+                      <a:noFill/>
+                    </a:lnB>
+                  </a:tcPr>
+                </a:tc>
+                <a:tc>
+                  <a:txBody>
+                    <a:bodyPr/>
+                    <a:lstStyle/>
+                    <a:p>
+                      <a:pPr marL="0" marR="0" algn="ctr">
+                        <a:spcBef>
+                          <a:spcPts val="0"/>
+                        </a:spcBef>
+                        <a:spcAft>
+                          <a:spcPts val="0"/>
+                        </a:spcAft>
+                      </a:pPr>
+                      <a:r>
+                        <a:rPr lang="en-US" sz="900">
+                          <a:solidFill>
+                            <a:srgbClr val="000000"/>
+                          </a:solidFill>
+                          <a:effectLst/>
+                          <a:latin typeface="Times New Roman" panose="02020603050405020304" pitchFamily="18" charset="0"/>
+                          <a:ea typeface="Calibri" panose="020F0502020204030204" pitchFamily="34" charset="0"/>
+                          <a:cs typeface="Times New Roman" panose="02020603050405020304" pitchFamily="18" charset="0"/>
+                        </a:rPr>
+                        <a:t>19.45 (85)</a:t>
+                      </a:r>
+                      <a:endParaRPr lang="en-US" sz="900">
+                        <a:effectLst/>
+                        <a:latin typeface="Times New Roman" panose="02020603050405020304" pitchFamily="18" charset="0"/>
+                        <a:ea typeface="Calibri" panose="020F0502020204030204" pitchFamily="34" charset="0"/>
+                        <a:cs typeface="Times New Roman" panose="02020603050405020304" pitchFamily="18" charset="0"/>
+                      </a:endParaRPr>
+                    </a:p>
+                  </a:txBody>
+                  <a:tcPr marL="59053" marR="59053" marT="0" marB="0" anchor="ctr">
+                    <a:lnL>
+                      <a:noFill/>
+                    </a:lnL>
+                    <a:lnR>
+                      <a:noFill/>
+                    </a:lnR>
+                    <a:lnT>
+                      <a:noFill/>
+                    </a:lnT>
+                    <a:lnB>
+                      <a:noFill/>
+                    </a:lnB>
+                  </a:tcPr>
+                </a:tc>
+                <a:extLst>
+                  <a:ext uri="{0D108BD9-81ED-4DB2-BD59-A6C34878D82A}">
+                    <a16:rowId xmlns:a16="http://schemas.microsoft.com/office/drawing/2014/main" val="893625166"/>
+                  </a:ext>
+                </a:extLst>
+              </a:tr>
+              <a:tr h="189189">
+                <a:tc>
+                  <a:txBody>
+                    <a:bodyPr/>
+                    <a:lstStyle/>
+                    <a:p>
+                      <a:pPr marL="0" marR="0">
+                        <a:spcBef>
+                          <a:spcPts val="0"/>
+                        </a:spcBef>
+                        <a:spcAft>
+                          <a:spcPts val="0"/>
+                        </a:spcAft>
+                      </a:pPr>
+                      <a:r>
+                        <a:rPr lang="en-US" sz="900">
+                          <a:solidFill>
+                            <a:srgbClr val="000000"/>
+                          </a:solidFill>
+                          <a:effectLst/>
+                          <a:latin typeface="Times New Roman" panose="02020603050405020304" pitchFamily="18" charset="0"/>
+                          <a:ea typeface="Times New Roman" panose="02020603050405020304" pitchFamily="18" charset="0"/>
+                          <a:cs typeface="Times New Roman" panose="02020603050405020304" pitchFamily="18" charset="0"/>
+                        </a:rPr>
+                        <a:t>   4 year college or more</a:t>
+                      </a:r>
+                      <a:endParaRPr lang="en-US" sz="900">
+                        <a:effectLst/>
+                        <a:latin typeface="Times New Roman" panose="02020603050405020304" pitchFamily="18" charset="0"/>
+                        <a:ea typeface="Calibri" panose="020F0502020204030204" pitchFamily="34" charset="0"/>
+                        <a:cs typeface="Times New Roman" panose="02020603050405020304" pitchFamily="18" charset="0"/>
+                      </a:endParaRPr>
+                    </a:p>
+                  </a:txBody>
+                  <a:tcPr marL="59053" marR="59053" marT="0" marB="0" anchor="ctr">
+                    <a:lnL>
+                      <a:noFill/>
+                    </a:lnL>
+                    <a:lnR>
+                      <a:noFill/>
+                    </a:lnR>
+                    <a:lnT>
+                      <a:noFill/>
+                    </a:lnT>
+                    <a:lnB>
+                      <a:noFill/>
+                    </a:lnB>
+                  </a:tcPr>
+                </a:tc>
+                <a:tc>
+                  <a:txBody>
+                    <a:bodyPr/>
+                    <a:lstStyle/>
+                    <a:p>
+                      <a:pPr marL="0" marR="0" algn="ctr">
+                        <a:spcBef>
+                          <a:spcPts val="0"/>
+                        </a:spcBef>
+                        <a:spcAft>
+                          <a:spcPts val="0"/>
+                        </a:spcAft>
+                      </a:pPr>
+                      <a:r>
+                        <a:rPr lang="en-US" sz="900">
+                          <a:solidFill>
+                            <a:srgbClr val="000000"/>
+                          </a:solidFill>
+                          <a:effectLst/>
+                          <a:latin typeface="Times New Roman" panose="02020603050405020304" pitchFamily="18" charset="0"/>
+                          <a:ea typeface="Calibri" panose="020F0502020204030204" pitchFamily="34" charset="0"/>
+                          <a:cs typeface="Times New Roman" panose="02020603050405020304" pitchFamily="18" charset="0"/>
+                        </a:rPr>
+                        <a:t>78.78 (375)</a:t>
+                      </a:r>
+                      <a:endParaRPr lang="en-US" sz="900">
+                        <a:effectLst/>
+                        <a:latin typeface="Times New Roman" panose="02020603050405020304" pitchFamily="18" charset="0"/>
+                        <a:ea typeface="Calibri" panose="020F0502020204030204" pitchFamily="34" charset="0"/>
+                        <a:cs typeface="Times New Roman" panose="02020603050405020304" pitchFamily="18" charset="0"/>
+                      </a:endParaRPr>
+                    </a:p>
+                  </a:txBody>
+                  <a:tcPr marL="59053" marR="59053" marT="0" marB="0" anchor="ctr">
+                    <a:lnL>
+                      <a:noFill/>
+                    </a:lnL>
+                    <a:lnR>
+                      <a:noFill/>
+                    </a:lnR>
+                    <a:lnT>
+                      <a:noFill/>
+                    </a:lnT>
+                    <a:lnB>
+                      <a:noFill/>
+                    </a:lnB>
+                  </a:tcPr>
+                </a:tc>
+                <a:tc>
+                  <a:txBody>
+                    <a:bodyPr/>
+                    <a:lstStyle/>
+                    <a:p>
+                      <a:pPr marL="0" marR="0" algn="ctr">
+                        <a:spcBef>
+                          <a:spcPts val="0"/>
+                        </a:spcBef>
+                        <a:spcAft>
+                          <a:spcPts val="0"/>
+                        </a:spcAft>
+                      </a:pPr>
+                      <a:r>
+                        <a:rPr lang="en-US" sz="900">
+                          <a:solidFill>
+                            <a:srgbClr val="000000"/>
+                          </a:solidFill>
+                          <a:effectLst/>
+                          <a:latin typeface="Times New Roman" panose="02020603050405020304" pitchFamily="18" charset="0"/>
+                          <a:ea typeface="Calibri" panose="020F0502020204030204" pitchFamily="34" charset="0"/>
+                          <a:cs typeface="Times New Roman" panose="02020603050405020304" pitchFamily="18" charset="0"/>
+                        </a:rPr>
+                        <a:t>58.97 (23)</a:t>
+                      </a:r>
+                      <a:endParaRPr lang="en-US" sz="900">
+                        <a:effectLst/>
+                        <a:latin typeface="Times New Roman" panose="02020603050405020304" pitchFamily="18" charset="0"/>
+                        <a:ea typeface="Calibri" panose="020F0502020204030204" pitchFamily="34" charset="0"/>
+                        <a:cs typeface="Times New Roman" panose="02020603050405020304" pitchFamily="18" charset="0"/>
+                      </a:endParaRPr>
+                    </a:p>
+                  </a:txBody>
+                  <a:tcPr marL="59053" marR="59053" marT="0" marB="0" anchor="ctr">
+                    <a:lnL>
+                      <a:noFill/>
+                    </a:lnL>
+                    <a:lnR>
+                      <a:noFill/>
+                    </a:lnR>
+                    <a:lnT>
+                      <a:noFill/>
+                    </a:lnT>
+                    <a:lnB>
+                      <a:noFill/>
+                    </a:lnB>
+                  </a:tcPr>
+                </a:tc>
+                <a:tc>
+                  <a:txBody>
+                    <a:bodyPr/>
+                    <a:lstStyle/>
+                    <a:p>
+                      <a:pPr marL="0" marR="0" algn="ctr">
+                        <a:spcBef>
+                          <a:spcPts val="0"/>
+                        </a:spcBef>
+                        <a:spcAft>
+                          <a:spcPts val="0"/>
+                        </a:spcAft>
+                      </a:pPr>
+                      <a:r>
+                        <a:rPr lang="en-US" sz="900">
+                          <a:solidFill>
+                            <a:srgbClr val="000000"/>
+                          </a:solidFill>
+                          <a:effectLst/>
+                          <a:latin typeface="Times New Roman" panose="02020603050405020304" pitchFamily="18" charset="0"/>
+                          <a:ea typeface="Calibri" panose="020F0502020204030204" pitchFamily="34" charset="0"/>
+                          <a:cs typeface="Times New Roman" panose="02020603050405020304" pitchFamily="18" charset="0"/>
+                        </a:rPr>
+                        <a:t>80.55 (352)</a:t>
+                      </a:r>
+                      <a:endParaRPr lang="en-US" sz="900">
+                        <a:effectLst/>
+                        <a:latin typeface="Times New Roman" panose="02020603050405020304" pitchFamily="18" charset="0"/>
+                        <a:ea typeface="Calibri" panose="020F0502020204030204" pitchFamily="34" charset="0"/>
+                        <a:cs typeface="Times New Roman" panose="02020603050405020304" pitchFamily="18" charset="0"/>
+                      </a:endParaRPr>
+                    </a:p>
+                  </a:txBody>
+                  <a:tcPr marL="59053" marR="59053" marT="0" marB="0" anchor="ctr">
+                    <a:lnL>
+                      <a:noFill/>
+                    </a:lnL>
+                    <a:lnR>
+                      <a:noFill/>
+                    </a:lnR>
+                    <a:lnT>
+                      <a:noFill/>
+                    </a:lnT>
+                    <a:lnB>
+                      <a:noFill/>
+                    </a:lnB>
+                  </a:tcPr>
+                </a:tc>
+                <a:extLst>
+                  <a:ext uri="{0D108BD9-81ED-4DB2-BD59-A6C34878D82A}">
+                    <a16:rowId xmlns:a16="http://schemas.microsoft.com/office/drawing/2014/main" val="1537125653"/>
+                  </a:ext>
+                </a:extLst>
+              </a:tr>
+              <a:tr h="189189">
+                <a:tc>
+                  <a:txBody>
+                    <a:bodyPr/>
+                    <a:lstStyle/>
+                    <a:p>
+                      <a:pPr marL="0" marR="0">
+                        <a:spcBef>
+                          <a:spcPts val="0"/>
+                        </a:spcBef>
+                        <a:spcAft>
+                          <a:spcPts val="0"/>
+                        </a:spcAft>
+                      </a:pPr>
+                      <a:r>
+                        <a:rPr lang="en-US" sz="900" b="1">
+                          <a:solidFill>
+                            <a:srgbClr val="000000"/>
+                          </a:solidFill>
+                          <a:effectLst/>
+                          <a:latin typeface="Times New Roman" panose="02020603050405020304" pitchFamily="18" charset="0"/>
+                          <a:ea typeface="Times New Roman" panose="02020603050405020304" pitchFamily="18" charset="0"/>
+                          <a:cs typeface="Times New Roman" panose="02020603050405020304" pitchFamily="18" charset="0"/>
+                        </a:rPr>
+                        <a:t>Adherence </a:t>
+                      </a:r>
+                      <a:r>
+                        <a:rPr lang="en-US" sz="900">
+                          <a:solidFill>
+                            <a:srgbClr val="000000"/>
+                          </a:solidFill>
+                          <a:effectLst/>
+                          <a:latin typeface="Times New Roman" panose="02020603050405020304" pitchFamily="18" charset="0"/>
+                          <a:ea typeface="Times New Roman" panose="02020603050405020304" pitchFamily="18" charset="0"/>
+                          <a:cs typeface="Times New Roman" panose="02020603050405020304" pitchFamily="18" charset="0"/>
+                        </a:rPr>
+                        <a:t>(% (n))</a:t>
+                      </a:r>
+                      <a:endParaRPr lang="en-US" sz="900">
+                        <a:effectLst/>
+                        <a:latin typeface="Times New Roman" panose="02020603050405020304" pitchFamily="18" charset="0"/>
+                        <a:ea typeface="Calibri" panose="020F0502020204030204" pitchFamily="34" charset="0"/>
+                        <a:cs typeface="Times New Roman" panose="02020603050405020304" pitchFamily="18" charset="0"/>
+                      </a:endParaRPr>
+                    </a:p>
+                  </a:txBody>
+                  <a:tcPr marL="59053" marR="59053" marT="0" marB="0" anchor="ctr">
+                    <a:lnL>
+                      <a:noFill/>
+                    </a:lnL>
+                    <a:lnR>
+                      <a:noFill/>
+                    </a:lnR>
+                    <a:lnT>
+                      <a:noFill/>
+                    </a:lnT>
+                    <a:lnB>
+                      <a:noFill/>
+                    </a:lnB>
+                  </a:tcPr>
+                </a:tc>
+                <a:tc>
+                  <a:txBody>
+                    <a:bodyPr/>
+                    <a:lstStyle/>
+                    <a:p>
+                      <a:pPr marL="0" marR="0" algn="ctr">
+                        <a:spcBef>
+                          <a:spcPts val="0"/>
+                        </a:spcBef>
+                        <a:spcAft>
+                          <a:spcPts val="0"/>
+                        </a:spcAft>
+                      </a:pPr>
+                      <a:r>
+                        <a:rPr lang="en-US" sz="900">
+                          <a:solidFill>
+                            <a:srgbClr val="000000"/>
+                          </a:solidFill>
+                          <a:effectLst/>
+                          <a:latin typeface="Times New Roman" panose="02020603050405020304" pitchFamily="18" charset="0"/>
+                          <a:ea typeface="Calibri" panose="020F0502020204030204" pitchFamily="34" charset="0"/>
+                          <a:cs typeface="Times New Roman" panose="02020603050405020304" pitchFamily="18" charset="0"/>
+                        </a:rPr>
+                        <a:t> </a:t>
+                      </a:r>
+                      <a:endParaRPr lang="en-US" sz="900">
+                        <a:effectLst/>
+                        <a:latin typeface="Times New Roman" panose="02020603050405020304" pitchFamily="18" charset="0"/>
+                        <a:ea typeface="Calibri" panose="020F0502020204030204" pitchFamily="34" charset="0"/>
+                        <a:cs typeface="Times New Roman" panose="02020603050405020304" pitchFamily="18" charset="0"/>
+                      </a:endParaRPr>
+                    </a:p>
+                  </a:txBody>
+                  <a:tcPr marL="59053" marR="59053" marT="0" marB="0" anchor="ctr">
+                    <a:lnL>
+                      <a:noFill/>
+                    </a:lnL>
+                    <a:lnR>
+                      <a:noFill/>
+                    </a:lnR>
+                    <a:lnT>
+                      <a:noFill/>
+                    </a:lnT>
+                    <a:lnB>
+                      <a:noFill/>
+                    </a:lnB>
+                  </a:tcPr>
+                </a:tc>
+                <a:tc>
+                  <a:txBody>
+                    <a:bodyPr/>
+                    <a:lstStyle/>
+                    <a:p>
+                      <a:pPr marL="0" marR="0" algn="ctr">
+                        <a:spcBef>
+                          <a:spcPts val="0"/>
+                        </a:spcBef>
+                        <a:spcAft>
+                          <a:spcPts val="0"/>
+                        </a:spcAft>
+                      </a:pPr>
+                      <a:r>
+                        <a:rPr lang="en-US" sz="900">
+                          <a:solidFill>
+                            <a:srgbClr val="000000"/>
+                          </a:solidFill>
+                          <a:effectLst/>
+                          <a:latin typeface="Times New Roman" panose="02020603050405020304" pitchFamily="18" charset="0"/>
+                          <a:ea typeface="Calibri" panose="020F0502020204030204" pitchFamily="34" charset="0"/>
+                          <a:cs typeface="Times New Roman" panose="02020603050405020304" pitchFamily="18" charset="0"/>
+                        </a:rPr>
+                        <a:t> </a:t>
+                      </a:r>
+                      <a:endParaRPr lang="en-US" sz="900">
+                        <a:effectLst/>
+                        <a:latin typeface="Times New Roman" panose="02020603050405020304" pitchFamily="18" charset="0"/>
+                        <a:ea typeface="Calibri" panose="020F0502020204030204" pitchFamily="34" charset="0"/>
+                        <a:cs typeface="Times New Roman" panose="02020603050405020304" pitchFamily="18" charset="0"/>
+                      </a:endParaRPr>
+                    </a:p>
+                  </a:txBody>
+                  <a:tcPr marL="59053" marR="59053" marT="0" marB="0" anchor="ctr">
+                    <a:lnL>
+                      <a:noFill/>
+                    </a:lnL>
+                    <a:lnR>
+                      <a:noFill/>
+                    </a:lnR>
+                    <a:lnT>
+                      <a:noFill/>
+                    </a:lnT>
+                    <a:lnB>
+                      <a:noFill/>
+                    </a:lnB>
+                  </a:tcPr>
+                </a:tc>
+                <a:tc>
+                  <a:txBody>
+                    <a:bodyPr/>
+                    <a:lstStyle/>
+                    <a:p>
+                      <a:pPr marL="0" marR="0" algn="ctr">
+                        <a:spcBef>
+                          <a:spcPts val="0"/>
+                        </a:spcBef>
+                        <a:spcAft>
+                          <a:spcPts val="0"/>
+                        </a:spcAft>
+                      </a:pPr>
+                      <a:r>
+                        <a:rPr lang="en-US" sz="900">
+                          <a:solidFill>
+                            <a:srgbClr val="000000"/>
+                          </a:solidFill>
+                          <a:effectLst/>
+                          <a:latin typeface="Times New Roman" panose="02020603050405020304" pitchFamily="18" charset="0"/>
+                          <a:ea typeface="Calibri" panose="020F0502020204030204" pitchFamily="34" charset="0"/>
+                          <a:cs typeface="Times New Roman" panose="02020603050405020304" pitchFamily="18" charset="0"/>
+                        </a:rPr>
+                        <a:t> </a:t>
+                      </a:r>
+                      <a:endParaRPr lang="en-US" sz="900">
+                        <a:effectLst/>
+                        <a:latin typeface="Times New Roman" panose="02020603050405020304" pitchFamily="18" charset="0"/>
+                        <a:ea typeface="Calibri" panose="020F0502020204030204" pitchFamily="34" charset="0"/>
+                        <a:cs typeface="Times New Roman" panose="02020603050405020304" pitchFamily="18" charset="0"/>
+                      </a:endParaRPr>
+                    </a:p>
+                  </a:txBody>
+                  <a:tcPr marL="59053" marR="59053" marT="0" marB="0" anchor="ctr">
+                    <a:lnL>
+                      <a:noFill/>
+                    </a:lnL>
+                    <a:lnR>
+                      <a:noFill/>
+                    </a:lnR>
+                    <a:lnT>
+                      <a:noFill/>
+                    </a:lnT>
+                    <a:lnB>
+                      <a:noFill/>
+                    </a:lnB>
+                  </a:tcPr>
+                </a:tc>
+                <a:extLst>
+                  <a:ext uri="{0D108BD9-81ED-4DB2-BD59-A6C34878D82A}">
+                    <a16:rowId xmlns:a16="http://schemas.microsoft.com/office/drawing/2014/main" val="2721052950"/>
+                  </a:ext>
+                </a:extLst>
+              </a:tr>
+              <a:tr h="189189">
+                <a:tc>
+                  <a:txBody>
+                    <a:bodyPr/>
+                    <a:lstStyle/>
+                    <a:p>
+                      <a:pPr marL="0" marR="0">
+                        <a:spcBef>
+                          <a:spcPts val="0"/>
+                        </a:spcBef>
+                        <a:spcAft>
+                          <a:spcPts val="0"/>
+                        </a:spcAft>
+                      </a:pPr>
+                      <a:r>
+                        <a:rPr lang="en-US" sz="900">
+                          <a:solidFill>
+                            <a:srgbClr val="000000"/>
+                          </a:solidFill>
+                          <a:effectLst/>
+                          <a:latin typeface="Times New Roman" panose="02020603050405020304" pitchFamily="18" charset="0"/>
+                          <a:ea typeface="Times New Roman" panose="02020603050405020304" pitchFamily="18" charset="0"/>
+                          <a:cs typeface="Times New Roman" panose="02020603050405020304" pitchFamily="18" charset="0"/>
+                        </a:rPr>
+                        <a:t>   100%</a:t>
+                      </a:r>
+                      <a:endParaRPr lang="en-US" sz="900">
+                        <a:effectLst/>
+                        <a:latin typeface="Times New Roman" panose="02020603050405020304" pitchFamily="18" charset="0"/>
+                        <a:ea typeface="Calibri" panose="020F0502020204030204" pitchFamily="34" charset="0"/>
+                        <a:cs typeface="Times New Roman" panose="02020603050405020304" pitchFamily="18" charset="0"/>
+                      </a:endParaRPr>
+                    </a:p>
+                  </a:txBody>
+                  <a:tcPr marL="59053" marR="59053" marT="0" marB="0" anchor="ctr">
+                    <a:lnL>
+                      <a:noFill/>
+                    </a:lnL>
+                    <a:lnR>
+                      <a:noFill/>
+                    </a:lnR>
+                    <a:lnT>
+                      <a:noFill/>
+                    </a:lnT>
+                    <a:lnB>
+                      <a:noFill/>
+                    </a:lnB>
+                  </a:tcPr>
+                </a:tc>
+                <a:tc>
+                  <a:txBody>
+                    <a:bodyPr/>
+                    <a:lstStyle/>
+                    <a:p>
+                      <a:pPr marL="0" marR="0" algn="ctr">
+                        <a:spcBef>
+                          <a:spcPts val="0"/>
+                        </a:spcBef>
+                        <a:spcAft>
+                          <a:spcPts val="0"/>
+                        </a:spcAft>
+                      </a:pPr>
+                      <a:r>
+                        <a:rPr lang="en-US" sz="900">
+                          <a:solidFill>
+                            <a:srgbClr val="000000"/>
+                          </a:solidFill>
+                          <a:effectLst/>
+                          <a:latin typeface="Times New Roman" panose="02020603050405020304" pitchFamily="18" charset="0"/>
+                          <a:ea typeface="Calibri" panose="020F0502020204030204" pitchFamily="34" charset="0"/>
+                          <a:cs typeface="Times New Roman" panose="02020603050405020304" pitchFamily="18" charset="0"/>
+                        </a:rPr>
+                        <a:t>10.5 (50)</a:t>
+                      </a:r>
+                      <a:endParaRPr lang="en-US" sz="900">
+                        <a:effectLst/>
+                        <a:latin typeface="Times New Roman" panose="02020603050405020304" pitchFamily="18" charset="0"/>
+                        <a:ea typeface="Calibri" panose="020F0502020204030204" pitchFamily="34" charset="0"/>
+                        <a:cs typeface="Times New Roman" panose="02020603050405020304" pitchFamily="18" charset="0"/>
+                      </a:endParaRPr>
+                    </a:p>
+                  </a:txBody>
+                  <a:tcPr marL="59053" marR="59053" marT="0" marB="0" anchor="ctr">
+                    <a:lnL>
+                      <a:noFill/>
+                    </a:lnL>
+                    <a:lnR>
+                      <a:noFill/>
+                    </a:lnR>
+                    <a:lnT>
+                      <a:noFill/>
+                    </a:lnT>
+                    <a:lnB>
+                      <a:noFill/>
+                    </a:lnB>
+                  </a:tcPr>
+                </a:tc>
+                <a:tc>
+                  <a:txBody>
+                    <a:bodyPr/>
+                    <a:lstStyle/>
+                    <a:p>
+                      <a:pPr marL="0" marR="0" algn="ctr">
+                        <a:spcBef>
+                          <a:spcPts val="0"/>
+                        </a:spcBef>
+                        <a:spcAft>
+                          <a:spcPts val="0"/>
+                        </a:spcAft>
+                      </a:pPr>
+                      <a:r>
+                        <a:rPr lang="en-US" sz="900">
+                          <a:solidFill>
+                            <a:srgbClr val="000000"/>
+                          </a:solidFill>
+                          <a:effectLst/>
+                          <a:latin typeface="Times New Roman" panose="02020603050405020304" pitchFamily="18" charset="0"/>
+                          <a:ea typeface="Calibri" panose="020F0502020204030204" pitchFamily="34" charset="0"/>
+                          <a:cs typeface="Times New Roman" panose="02020603050405020304" pitchFamily="18" charset="0"/>
+                        </a:rPr>
+                        <a:t>2.56 (1)</a:t>
+                      </a:r>
+                      <a:endParaRPr lang="en-US" sz="900">
+                        <a:effectLst/>
+                        <a:latin typeface="Times New Roman" panose="02020603050405020304" pitchFamily="18" charset="0"/>
+                        <a:ea typeface="Calibri" panose="020F0502020204030204" pitchFamily="34" charset="0"/>
+                        <a:cs typeface="Times New Roman" panose="02020603050405020304" pitchFamily="18" charset="0"/>
+                      </a:endParaRPr>
+                    </a:p>
+                  </a:txBody>
+                  <a:tcPr marL="59053" marR="59053" marT="0" marB="0" anchor="ctr">
+                    <a:lnL>
+                      <a:noFill/>
+                    </a:lnL>
+                    <a:lnR>
+                      <a:noFill/>
+                    </a:lnR>
+                    <a:lnT>
+                      <a:noFill/>
+                    </a:lnT>
+                    <a:lnB>
+                      <a:noFill/>
+                    </a:lnB>
+                  </a:tcPr>
+                </a:tc>
+                <a:tc>
+                  <a:txBody>
+                    <a:bodyPr/>
+                    <a:lstStyle/>
+                    <a:p>
+                      <a:pPr marL="0" marR="0" algn="ctr">
+                        <a:spcBef>
+                          <a:spcPts val="0"/>
+                        </a:spcBef>
+                        <a:spcAft>
+                          <a:spcPts val="0"/>
+                        </a:spcAft>
+                      </a:pPr>
+                      <a:r>
+                        <a:rPr lang="en-US" sz="900">
+                          <a:solidFill>
+                            <a:srgbClr val="000000"/>
+                          </a:solidFill>
+                          <a:effectLst/>
+                          <a:latin typeface="Times New Roman" panose="02020603050405020304" pitchFamily="18" charset="0"/>
+                          <a:ea typeface="Calibri" panose="020F0502020204030204" pitchFamily="34" charset="0"/>
+                          <a:cs typeface="Times New Roman" panose="02020603050405020304" pitchFamily="18" charset="0"/>
+                        </a:rPr>
+                        <a:t>11.21 (49)</a:t>
+                      </a:r>
+                      <a:endParaRPr lang="en-US" sz="900">
+                        <a:effectLst/>
+                        <a:latin typeface="Times New Roman" panose="02020603050405020304" pitchFamily="18" charset="0"/>
+                        <a:ea typeface="Calibri" panose="020F0502020204030204" pitchFamily="34" charset="0"/>
+                        <a:cs typeface="Times New Roman" panose="02020603050405020304" pitchFamily="18" charset="0"/>
+                      </a:endParaRPr>
+                    </a:p>
+                  </a:txBody>
+                  <a:tcPr marL="59053" marR="59053" marT="0" marB="0" anchor="ctr">
+                    <a:lnL>
+                      <a:noFill/>
+                    </a:lnL>
+                    <a:lnR>
+                      <a:noFill/>
+                    </a:lnR>
+                    <a:lnT>
+                      <a:noFill/>
+                    </a:lnT>
+                    <a:lnB>
+                      <a:noFill/>
+                    </a:lnB>
+                  </a:tcPr>
+                </a:tc>
+                <a:extLst>
+                  <a:ext uri="{0D108BD9-81ED-4DB2-BD59-A6C34878D82A}">
+                    <a16:rowId xmlns:a16="http://schemas.microsoft.com/office/drawing/2014/main" val="447678040"/>
+                  </a:ext>
+                </a:extLst>
+              </a:tr>
+              <a:tr h="189189">
+                <a:tc>
+                  <a:txBody>
+                    <a:bodyPr/>
+                    <a:lstStyle/>
+                    <a:p>
+                      <a:pPr marL="0" marR="0">
+                        <a:spcBef>
+                          <a:spcPts val="0"/>
+                        </a:spcBef>
+                        <a:spcAft>
+                          <a:spcPts val="0"/>
+                        </a:spcAft>
+                      </a:pPr>
+                      <a:r>
+                        <a:rPr lang="en-US" sz="900">
+                          <a:solidFill>
+                            <a:srgbClr val="000000"/>
+                          </a:solidFill>
+                          <a:effectLst/>
+                          <a:latin typeface="Times New Roman" panose="02020603050405020304" pitchFamily="18" charset="0"/>
+                          <a:ea typeface="Times New Roman" panose="02020603050405020304" pitchFamily="18" charset="0"/>
+                          <a:cs typeface="Times New Roman" panose="02020603050405020304" pitchFamily="18" charset="0"/>
+                        </a:rPr>
+                        <a:t>   &lt;100%</a:t>
+                      </a:r>
+                      <a:endParaRPr lang="en-US" sz="900">
+                        <a:effectLst/>
+                        <a:latin typeface="Times New Roman" panose="02020603050405020304" pitchFamily="18" charset="0"/>
+                        <a:ea typeface="Calibri" panose="020F0502020204030204" pitchFamily="34" charset="0"/>
+                        <a:cs typeface="Times New Roman" panose="02020603050405020304" pitchFamily="18" charset="0"/>
+                      </a:endParaRPr>
+                    </a:p>
+                  </a:txBody>
+                  <a:tcPr marL="59053" marR="59053" marT="0" marB="0" anchor="ctr">
+                    <a:lnL>
+                      <a:noFill/>
+                    </a:lnL>
+                    <a:lnR>
+                      <a:noFill/>
+                    </a:lnR>
+                    <a:lnT>
+                      <a:noFill/>
+                    </a:lnT>
+                    <a:lnB w="12700" cap="flat" cmpd="sng" algn="ctr">
+                      <a:solidFill>
+                        <a:srgbClr val="000000"/>
+                      </a:solidFill>
+                      <a:prstDash val="solid"/>
+                      <a:round/>
+                      <a:headEnd type="none" w="med" len="med"/>
+                      <a:tailEnd type="none" w="med" len="med"/>
+                    </a:lnB>
+                  </a:tcPr>
+                </a:tc>
+                <a:tc>
+                  <a:txBody>
+                    <a:bodyPr/>
+                    <a:lstStyle/>
+                    <a:p>
+                      <a:pPr marL="0" marR="0" algn="ctr">
+                        <a:spcBef>
+                          <a:spcPts val="0"/>
+                        </a:spcBef>
+                        <a:spcAft>
+                          <a:spcPts val="0"/>
+                        </a:spcAft>
+                      </a:pPr>
+                      <a:r>
+                        <a:rPr lang="en-US" sz="900">
+                          <a:solidFill>
+                            <a:srgbClr val="000000"/>
+                          </a:solidFill>
+                          <a:effectLst/>
+                          <a:latin typeface="Times New Roman" panose="02020603050405020304" pitchFamily="18" charset="0"/>
+                          <a:ea typeface="Calibri" panose="020F0502020204030204" pitchFamily="34" charset="0"/>
+                          <a:cs typeface="Times New Roman" panose="02020603050405020304" pitchFamily="18" charset="0"/>
+                        </a:rPr>
+                        <a:t>89.5 (426)</a:t>
+                      </a:r>
+                      <a:endParaRPr lang="en-US" sz="900">
+                        <a:effectLst/>
+                        <a:latin typeface="Times New Roman" panose="02020603050405020304" pitchFamily="18" charset="0"/>
+                        <a:ea typeface="Calibri" panose="020F0502020204030204" pitchFamily="34" charset="0"/>
+                        <a:cs typeface="Times New Roman" panose="02020603050405020304" pitchFamily="18" charset="0"/>
+                      </a:endParaRPr>
+                    </a:p>
+                  </a:txBody>
+                  <a:tcPr marL="59053" marR="59053" marT="0" marB="0" anchor="ctr">
+                    <a:lnL>
+                      <a:noFill/>
+                    </a:lnL>
+                    <a:lnR>
+                      <a:noFill/>
+                    </a:lnR>
+                    <a:lnT>
+                      <a:noFill/>
+                    </a:lnT>
+                    <a:lnB w="12700" cap="flat" cmpd="sng" algn="ctr">
+                      <a:solidFill>
+                        <a:srgbClr val="000000"/>
+                      </a:solidFill>
+                      <a:prstDash val="solid"/>
+                      <a:round/>
+                      <a:headEnd type="none" w="med" len="med"/>
+                      <a:tailEnd type="none" w="med" len="med"/>
+                    </a:lnB>
+                  </a:tcPr>
+                </a:tc>
+                <a:tc>
+                  <a:txBody>
+                    <a:bodyPr/>
+                    <a:lstStyle/>
+                    <a:p>
+                      <a:pPr marL="0" marR="0" algn="ctr">
+                        <a:spcBef>
+                          <a:spcPts val="0"/>
+                        </a:spcBef>
+                        <a:spcAft>
+                          <a:spcPts val="0"/>
+                        </a:spcAft>
+                      </a:pPr>
+                      <a:r>
+                        <a:rPr lang="en-US" sz="900">
+                          <a:solidFill>
+                            <a:srgbClr val="000000"/>
+                          </a:solidFill>
+                          <a:effectLst/>
+                          <a:latin typeface="Times New Roman" panose="02020603050405020304" pitchFamily="18" charset="0"/>
+                          <a:ea typeface="Calibri" panose="020F0502020204030204" pitchFamily="34" charset="0"/>
+                          <a:cs typeface="Times New Roman" panose="02020603050405020304" pitchFamily="18" charset="0"/>
+                        </a:rPr>
+                        <a:t>97.44 (38)</a:t>
+                      </a:r>
+                      <a:endParaRPr lang="en-US" sz="900">
+                        <a:effectLst/>
+                        <a:latin typeface="Times New Roman" panose="02020603050405020304" pitchFamily="18" charset="0"/>
+                        <a:ea typeface="Calibri" panose="020F0502020204030204" pitchFamily="34" charset="0"/>
+                        <a:cs typeface="Times New Roman" panose="02020603050405020304" pitchFamily="18" charset="0"/>
+                      </a:endParaRPr>
+                    </a:p>
+                  </a:txBody>
+                  <a:tcPr marL="59053" marR="59053" marT="0" marB="0" anchor="ctr">
+                    <a:lnL>
+                      <a:noFill/>
+                    </a:lnL>
+                    <a:lnR>
+                      <a:noFill/>
+                    </a:lnR>
+                    <a:lnT>
+                      <a:noFill/>
+                    </a:lnT>
+                    <a:lnB w="12700" cap="flat" cmpd="sng" algn="ctr">
+                      <a:solidFill>
+                        <a:srgbClr val="000000"/>
+                      </a:solidFill>
+                      <a:prstDash val="solid"/>
+                      <a:round/>
+                      <a:headEnd type="none" w="med" len="med"/>
+                      <a:tailEnd type="none" w="med" len="med"/>
+                    </a:lnB>
+                  </a:tcPr>
+                </a:tc>
+                <a:tc>
+                  <a:txBody>
+                    <a:bodyPr/>
+                    <a:lstStyle/>
+                    <a:p>
+                      <a:pPr marL="0" marR="0" algn="ctr">
+                        <a:spcBef>
+                          <a:spcPts val="0"/>
+                        </a:spcBef>
+                        <a:spcAft>
+                          <a:spcPts val="0"/>
+                        </a:spcAft>
+                      </a:pPr>
+                      <a:r>
+                        <a:rPr lang="en-US" sz="900" dirty="0">
+                          <a:solidFill>
+                            <a:srgbClr val="000000"/>
+                          </a:solidFill>
+                          <a:effectLst/>
+                          <a:latin typeface="Times New Roman" panose="02020603050405020304" pitchFamily="18" charset="0"/>
+                          <a:ea typeface="Calibri" panose="020F0502020204030204" pitchFamily="34" charset="0"/>
+                          <a:cs typeface="Times New Roman" panose="02020603050405020304" pitchFamily="18" charset="0"/>
+                        </a:rPr>
+                        <a:t>88.79 (388)</a:t>
+                      </a:r>
+                      <a:endParaRPr lang="en-US" sz="900" dirty="0">
+                        <a:effectLst/>
+                        <a:latin typeface="Times New Roman" panose="02020603050405020304" pitchFamily="18" charset="0"/>
+                        <a:ea typeface="Calibri" panose="020F0502020204030204" pitchFamily="34" charset="0"/>
+                        <a:cs typeface="Times New Roman" panose="02020603050405020304" pitchFamily="18" charset="0"/>
+                      </a:endParaRPr>
+                    </a:p>
+                  </a:txBody>
+                  <a:tcPr marL="59053" marR="59053" marT="0" marB="0" anchor="ctr">
+                    <a:lnL>
+                      <a:noFill/>
+                    </a:lnL>
+                    <a:lnR>
+                      <a:noFill/>
+                    </a:lnR>
+                    <a:lnT>
+                      <a:noFill/>
+                    </a:lnT>
+                    <a:lnB w="12700" cap="flat" cmpd="sng" algn="ctr">
+                      <a:solidFill>
+                        <a:srgbClr val="000000"/>
+                      </a:solidFill>
+                      <a:prstDash val="solid"/>
+                      <a:round/>
+                      <a:headEnd type="none" w="med" len="med"/>
+                      <a:tailEnd type="none" w="med" len="med"/>
+                    </a:lnB>
+                  </a:tcPr>
+                </a:tc>
+                <a:extLst>
+                  <a:ext uri="{0D108BD9-81ED-4DB2-BD59-A6C34878D82A}">
+                    <a16:rowId xmlns:a16="http://schemas.microsoft.com/office/drawing/2014/main" val="2116991919"/>
+                  </a:ext>
+                </a:extLst>
+              </a:tr>
+            </a:tbl>
+          </a:graphicData>
+        </a:graphic>
+      </p:graphicFrame>
       <p:sp>
         <p:nvSpPr>
-          <p:cNvPr id="3" name="Content Placeholder 2"/>
-          <p:cNvSpPr>
-            <a:spLocks noGrp="1"/>
-          </p:cNvSpPr>
-          <p:nvPr>
-            <p:ph idx="1"/>
-          </p:nvPr>
+          <p:cNvPr id="6" name="TextBox 5"/>
+          <p:cNvSpPr txBox="1"/>
+          <p:nvPr/>
         </p:nvSpPr>
-        <p:spPr/>
+        <p:spPr>
+          <a:xfrm>
+            <a:off x="6680275" y="2495370"/>
+            <a:ext cx="4906994" cy="2596386"/>
+          </a:xfrm>
+          <a:prstGeom prst="rect">
+            <a:avLst/>
+          </a:prstGeom>
+          <a:noFill/>
+        </p:spPr>
         <p:txBody>
-          <a:bodyPr/>
+          <a:bodyPr wrap="square" rtlCol="0">
+            <a:spAutoFit/>
+          </a:bodyPr>
           <a:lstStyle/>
           <a:p>
-            <a:endParaRPr lang="en-US"/>
+            <a:r>
+              <a:rPr lang="en-US" dirty="0" smtClean="0"/>
+              <a:t>Original Cohort = 26520</a:t>
+            </a:r>
+          </a:p>
+          <a:p>
+            <a:pPr marL="285750" indent="-285750">
+              <a:buFont typeface="Arial" panose="020B0604020202020204" pitchFamily="34" charset="0"/>
+              <a:buChar char="•"/>
+            </a:pPr>
+            <a:r>
+              <a:rPr lang="en-US" dirty="0" smtClean="0"/>
+              <a:t>2 people were removed due to incorrect procedure</a:t>
+            </a:r>
+          </a:p>
+          <a:p>
+            <a:pPr marL="285750" indent="-285750">
+              <a:buFont typeface="Arial" panose="020B0604020202020204" pitchFamily="34" charset="0"/>
+              <a:buChar char="•"/>
+            </a:pPr>
+            <a:r>
+              <a:rPr lang="en-US" dirty="0" smtClean="0"/>
+              <a:t>Complete case cohort consisted of 21346</a:t>
+            </a:r>
+          </a:p>
+          <a:p>
+            <a:pPr marL="285750" indent="-285750">
+              <a:buFont typeface="Arial" panose="020B0604020202020204" pitchFamily="34" charset="0"/>
+              <a:buChar char="•"/>
+            </a:pPr>
+            <a:r>
+              <a:rPr lang="en-US" dirty="0" smtClean="0"/>
+              <a:t>Observed mortality rate was measured using the 4424 people from period 39.</a:t>
+            </a:r>
+          </a:p>
+          <a:p>
+            <a:pPr marL="285750" indent="-285750">
+              <a:buFont typeface="Arial" panose="020B0604020202020204" pitchFamily="34" charset="0"/>
+              <a:buChar char="•"/>
+            </a:pPr>
+            <a:r>
+              <a:rPr lang="en-US" dirty="0" smtClean="0"/>
+              <a:t>Predicted mortality rate was measured using the 3478 people from period 39 who had compete case.</a:t>
+            </a:r>
           </a:p>
         </p:txBody>
       </p:sp>
@@ -3225,10 +8057,77 @@
         </p:nvSpPr>
         <p:spPr/>
         <p:txBody>
-          <a:bodyPr/>
+          <a:bodyPr>
+            <a:normAutofit fontScale="92500" lnSpcReduction="10000"/>
+          </a:bodyPr>
           <a:lstStyle/>
           <a:p>
-            <a:endParaRPr lang="en-US"/>
+            <a:r>
+              <a:rPr lang="en-US" dirty="0" smtClean="0"/>
+              <a:t>Logistic Regression</a:t>
+            </a:r>
+          </a:p>
+          <a:p>
+            <a:pPr lvl="1"/>
+            <a:r>
+              <a:rPr lang="en-US" dirty="0" smtClean="0"/>
+              <a:t>30 day mortality as outcome</a:t>
+            </a:r>
+          </a:p>
+          <a:p>
+            <a:pPr lvl="1"/>
+            <a:r>
+              <a:rPr lang="en-US" dirty="0" smtClean="0"/>
+              <a:t>Controlling for ASA, procedure type, and BMI</a:t>
+            </a:r>
+          </a:p>
+          <a:p>
+            <a:pPr lvl="1"/>
+            <a:r>
+              <a:rPr lang="en-US" dirty="0" smtClean="0"/>
+              <a:t>Estimate predicted mortality rates by averaging the predicted mortality rate for each individual by hospital</a:t>
+            </a:r>
+          </a:p>
+          <a:p>
+            <a:endParaRPr lang="en-US" dirty="0"/>
+          </a:p>
+          <a:p>
+            <a:r>
+              <a:rPr lang="en-US" dirty="0" smtClean="0"/>
+              <a:t>Bootstrapping</a:t>
+            </a:r>
+          </a:p>
+          <a:p>
+            <a:pPr lvl="1"/>
+            <a:r>
+              <a:rPr lang="en-US" dirty="0" smtClean="0"/>
+              <a:t>Get the 95% confidence interval associated with each predicted mortality rate</a:t>
+            </a:r>
+          </a:p>
+          <a:p>
+            <a:pPr lvl="1"/>
+            <a:endParaRPr lang="en-US" dirty="0"/>
+          </a:p>
+          <a:p>
+            <a:r>
+              <a:rPr lang="en-US" dirty="0" smtClean="0"/>
+              <a:t>Albumin Analysis</a:t>
+            </a:r>
+          </a:p>
+          <a:p>
+            <a:pPr lvl="1"/>
+            <a:r>
+              <a:rPr lang="en-US" dirty="0" smtClean="0"/>
+              <a:t>Logistic Regression</a:t>
+            </a:r>
+          </a:p>
+          <a:p>
+            <a:pPr lvl="1"/>
+            <a:r>
+              <a:rPr lang="en-US" dirty="0" smtClean="0"/>
+              <a:t>Controlling for Albumin, procedure type, and BMI</a:t>
+            </a:r>
+            <a:endParaRPr lang="en-US" dirty="0"/>
           </a:p>
         </p:txBody>
       </p:sp>
@@ -3285,25 +8184,4347 @@
           </a:p>
         </p:txBody>
       </p:sp>
-      <p:sp>
-        <p:nvSpPr>
-          <p:cNvPr id="3" name="Content Placeholder 2"/>
-          <p:cNvSpPr>
-            <a:spLocks noGrp="1"/>
-          </p:cNvSpPr>
+      <p:graphicFrame>
+        <p:nvGraphicFramePr>
+          <p:cNvPr id="4" name="Table 3"/>
+          <p:cNvGraphicFramePr>
+            <a:graphicFrameLocks noGrp="1"/>
+          </p:cNvGraphicFramePr>
           <p:nvPr>
-            <p:ph idx="1"/>
+            <p:extLst>
+              <p:ext uri="{D42A27DB-BD31-4B8C-83A1-F6EECF244321}">
+                <p14:modId xmlns:p14="http://schemas.microsoft.com/office/powerpoint/2010/main" val="2509388448"/>
+              </p:ext>
+            </p:extLst>
           </p:nvPr>
-        </p:nvSpPr>
-        <p:spPr/>
-        <p:txBody>
-          <a:bodyPr/>
-          <a:lstStyle/>
-          <a:p>
-            <a:endParaRPr lang="en-US"/>
-          </a:p>
-        </p:txBody>
-      </p:sp>
+        </p:nvGraphicFramePr>
+        <p:xfrm>
+          <a:off x="1427535" y="2221037"/>
+          <a:ext cx="8957709" cy="2753723"/>
+        </p:xfrm>
+        <a:graphic>
+          <a:graphicData uri="http://schemas.openxmlformats.org/drawingml/2006/table">
+            <a:tbl>
+              <a:tblPr firstRow="1" firstCol="1" bandRow="1"/>
+              <a:tblGrid>
+                <a:gridCol w="996137">
+                  <a:extLst>
+                    <a:ext uri="{9D8B030D-6E8A-4147-A177-3AD203B41FA5}">
+                      <a16:colId xmlns:a16="http://schemas.microsoft.com/office/drawing/2014/main" val="1575425384"/>
+                    </a:ext>
+                  </a:extLst>
+                </a:gridCol>
+                <a:gridCol w="835551">
+                  <a:extLst>
+                    <a:ext uri="{9D8B030D-6E8A-4147-A177-3AD203B41FA5}">
+                      <a16:colId xmlns:a16="http://schemas.microsoft.com/office/drawing/2014/main" val="907222912"/>
+                    </a:ext>
+                  </a:extLst>
+                </a:gridCol>
+                <a:gridCol w="835551">
+                  <a:extLst>
+                    <a:ext uri="{9D8B030D-6E8A-4147-A177-3AD203B41FA5}">
+                      <a16:colId xmlns:a16="http://schemas.microsoft.com/office/drawing/2014/main" val="4058549008"/>
+                    </a:ext>
+                  </a:extLst>
+                </a:gridCol>
+                <a:gridCol w="1161742">
+                  <a:extLst>
+                    <a:ext uri="{9D8B030D-6E8A-4147-A177-3AD203B41FA5}">
+                      <a16:colId xmlns:a16="http://schemas.microsoft.com/office/drawing/2014/main" val="2640617652"/>
+                    </a:ext>
+                  </a:extLst>
+                </a:gridCol>
+                <a:gridCol w="1139160">
+                  <a:extLst>
+                    <a:ext uri="{9D8B030D-6E8A-4147-A177-3AD203B41FA5}">
+                      <a16:colId xmlns:a16="http://schemas.microsoft.com/office/drawing/2014/main" val="2562675054"/>
+                    </a:ext>
+                  </a:extLst>
+                </a:gridCol>
+                <a:gridCol w="1505497">
+                  <a:extLst>
+                    <a:ext uri="{9D8B030D-6E8A-4147-A177-3AD203B41FA5}">
+                      <a16:colId xmlns:a16="http://schemas.microsoft.com/office/drawing/2014/main" val="386090238"/>
+                    </a:ext>
+                  </a:extLst>
+                </a:gridCol>
+                <a:gridCol w="1129123">
+                  <a:extLst>
+                    <a:ext uri="{9D8B030D-6E8A-4147-A177-3AD203B41FA5}">
+                      <a16:colId xmlns:a16="http://schemas.microsoft.com/office/drawing/2014/main" val="1008757624"/>
+                    </a:ext>
+                  </a:extLst>
+                </a:gridCol>
+                <a:gridCol w="1354948">
+                  <a:extLst>
+                    <a:ext uri="{9D8B030D-6E8A-4147-A177-3AD203B41FA5}">
+                      <a16:colId xmlns:a16="http://schemas.microsoft.com/office/drawing/2014/main" val="1652431188"/>
+                    </a:ext>
+                  </a:extLst>
+                </a:gridCol>
+              </a:tblGrid>
+              <a:tr h="274609">
+                <a:tc gridSpan="8">
+                  <a:txBody>
+                    <a:bodyPr/>
+                    <a:lstStyle/>
+                    <a:p>
+                      <a:pPr marL="0" marR="0" algn="ctr">
+                        <a:spcBef>
+                          <a:spcPts val="0"/>
+                        </a:spcBef>
+                        <a:spcAft>
+                          <a:spcPts val="0"/>
+                        </a:spcAft>
+                      </a:pPr>
+                      <a:r>
+                        <a:rPr lang="en-US" sz="1600" b="1" dirty="0">
+                          <a:solidFill>
+                            <a:srgbClr val="000000"/>
+                          </a:solidFill>
+                          <a:effectLst/>
+                          <a:latin typeface="Times New Roman" panose="02020603050405020304" pitchFamily="18" charset="0"/>
+                          <a:ea typeface="Times New Roman" panose="02020603050405020304" pitchFamily="18" charset="0"/>
+                          <a:cs typeface="Times New Roman" panose="02020603050405020304" pitchFamily="18" charset="0"/>
+                        </a:rPr>
+                        <a:t>Table Two: Death Rates by Hospital</a:t>
+                      </a:r>
+                      <a:endParaRPr lang="en-US" sz="1400" dirty="0">
+                        <a:effectLst/>
+                        <a:latin typeface="Times New Roman" panose="02020603050405020304" pitchFamily="18" charset="0"/>
+                        <a:ea typeface="Calibri" panose="020F0502020204030204" pitchFamily="34" charset="0"/>
+                        <a:cs typeface="Times New Roman" panose="02020603050405020304" pitchFamily="18" charset="0"/>
+                      </a:endParaRPr>
+                    </a:p>
+                  </a:txBody>
+                  <a:tcPr marL="68580" marR="68580" marT="0" marB="0">
+                    <a:lnL>
+                      <a:noFill/>
+                    </a:lnL>
+                    <a:lnR>
+                      <a:noFill/>
+                    </a:lnR>
+                    <a:lnT>
+                      <a:noFill/>
+                    </a:lnT>
+                    <a:lnB w="31750" cap="flat" cmpd="dbl" algn="ctr">
+                      <a:solidFill>
+                        <a:srgbClr val="000000"/>
+                      </a:solidFill>
+                      <a:prstDash val="solid"/>
+                      <a:round/>
+                      <a:headEnd type="none" w="med" len="med"/>
+                      <a:tailEnd type="none" w="med" len="med"/>
+                    </a:lnB>
+                    <a:solidFill>
+                      <a:srgbClr val="FFFFFF"/>
+                    </a:solidFill>
+                  </a:tcPr>
+                </a:tc>
+                <a:tc hMerge="1">
+                  <a:txBody>
+                    <a:bodyPr/>
+                    <a:lstStyle/>
+                    <a:p>
+                      <a:endParaRPr lang="en-US"/>
+                    </a:p>
+                  </a:txBody>
+                  <a:tcPr/>
+                </a:tc>
+                <a:tc hMerge="1">
+                  <a:txBody>
+                    <a:bodyPr/>
+                    <a:lstStyle/>
+                    <a:p>
+                      <a:endParaRPr lang="en-US"/>
+                    </a:p>
+                  </a:txBody>
+                  <a:tcPr/>
+                </a:tc>
+                <a:tc hMerge="1">
+                  <a:txBody>
+                    <a:bodyPr/>
+                    <a:lstStyle/>
+                    <a:p>
+                      <a:endParaRPr lang="en-US"/>
+                    </a:p>
+                  </a:txBody>
+                  <a:tcPr/>
+                </a:tc>
+                <a:tc hMerge="1">
+                  <a:txBody>
+                    <a:bodyPr/>
+                    <a:lstStyle/>
+                    <a:p>
+                      <a:endParaRPr lang="en-US"/>
+                    </a:p>
+                  </a:txBody>
+                  <a:tcPr/>
+                </a:tc>
+                <a:tc hMerge="1">
+                  <a:txBody>
+                    <a:bodyPr/>
+                    <a:lstStyle/>
+                    <a:p>
+                      <a:endParaRPr lang="en-US"/>
+                    </a:p>
+                  </a:txBody>
+                  <a:tcPr/>
+                </a:tc>
+                <a:tc hMerge="1">
+                  <a:txBody>
+                    <a:bodyPr/>
+                    <a:lstStyle/>
+                    <a:p>
+                      <a:endParaRPr lang="en-US"/>
+                    </a:p>
+                  </a:txBody>
+                  <a:tcPr/>
+                </a:tc>
+                <a:tc hMerge="1">
+                  <a:txBody>
+                    <a:bodyPr/>
+                    <a:lstStyle/>
+                    <a:p>
+                      <a:endParaRPr lang="en-US"/>
+                    </a:p>
+                  </a:txBody>
+                  <a:tcPr/>
+                </a:tc>
+                <a:extLst>
+                  <a:ext uri="{0D108BD9-81ED-4DB2-BD59-A6C34878D82A}">
+                    <a16:rowId xmlns:a16="http://schemas.microsoft.com/office/drawing/2014/main" val="3997800127"/>
+                  </a:ext>
+                </a:extLst>
+              </a:tr>
+              <a:tr h="503450">
+                <a:tc>
+                  <a:txBody>
+                    <a:bodyPr/>
+                    <a:lstStyle/>
+                    <a:p>
+                      <a:pPr marL="0" marR="0">
+                        <a:spcBef>
+                          <a:spcPts val="0"/>
+                        </a:spcBef>
+                        <a:spcAft>
+                          <a:spcPts val="0"/>
+                        </a:spcAft>
+                      </a:pPr>
+                      <a:r>
+                        <a:rPr lang="en-US" sz="1400" b="1">
+                          <a:solidFill>
+                            <a:srgbClr val="000000"/>
+                          </a:solidFill>
+                          <a:effectLst/>
+                          <a:latin typeface="Times New Roman" panose="02020603050405020304" pitchFamily="18" charset="0"/>
+                          <a:ea typeface="Times New Roman" panose="02020603050405020304" pitchFamily="18" charset="0"/>
+                          <a:cs typeface="Times New Roman" panose="02020603050405020304" pitchFamily="18" charset="0"/>
+                        </a:rPr>
+                        <a:t>Hospital</a:t>
+                      </a:r>
+                      <a:endParaRPr lang="en-US" sz="1400">
+                        <a:effectLst/>
+                        <a:latin typeface="Times New Roman" panose="02020603050405020304" pitchFamily="18" charset="0"/>
+                        <a:ea typeface="Calibri" panose="020F0502020204030204" pitchFamily="34" charset="0"/>
+                        <a:cs typeface="Times New Roman" panose="02020603050405020304" pitchFamily="18" charset="0"/>
+                      </a:endParaRPr>
+                    </a:p>
+                  </a:txBody>
+                  <a:tcPr marL="68580" marR="68580" marT="0" marB="0">
+                    <a:lnL>
+                      <a:noFill/>
+                    </a:lnL>
+                    <a:lnR>
+                      <a:noFill/>
+                    </a:lnR>
+                    <a:lnT w="31750" cap="flat" cmpd="dbl" algn="ctr">
+                      <a:solidFill>
+                        <a:srgbClr val="000000"/>
+                      </a:solidFill>
+                      <a:prstDash val="solid"/>
+                      <a:round/>
+                      <a:headEnd type="none" w="med" len="med"/>
+                      <a:tailEnd type="none" w="med" len="med"/>
+                    </a:lnT>
+                    <a:lnB w="12700" cap="flat" cmpd="sng" algn="ctr">
+                      <a:solidFill>
+                        <a:srgbClr val="000000"/>
+                      </a:solidFill>
+                      <a:prstDash val="solid"/>
+                      <a:round/>
+                      <a:headEnd type="none" w="med" len="med"/>
+                      <a:tailEnd type="none" w="med" len="med"/>
+                    </a:lnB>
+                    <a:solidFill>
+                      <a:srgbClr val="FFFFFF"/>
+                    </a:solidFill>
+                  </a:tcPr>
+                </a:tc>
+                <a:tc>
+                  <a:txBody>
+                    <a:bodyPr/>
+                    <a:lstStyle/>
+                    <a:p>
+                      <a:pPr marL="0" marR="0" algn="ctr">
+                        <a:spcBef>
+                          <a:spcPts val="0"/>
+                        </a:spcBef>
+                        <a:spcAft>
+                          <a:spcPts val="0"/>
+                        </a:spcAft>
+                      </a:pPr>
+                      <a:r>
+                        <a:rPr lang="en-US" sz="1400" b="1">
+                          <a:solidFill>
+                            <a:srgbClr val="000000"/>
+                          </a:solidFill>
+                          <a:effectLst/>
+                          <a:latin typeface="Times New Roman" panose="02020603050405020304" pitchFamily="18" charset="0"/>
+                          <a:ea typeface="Times New Roman" panose="02020603050405020304" pitchFamily="18" charset="0"/>
+                          <a:cs typeface="Times New Roman" panose="02020603050405020304" pitchFamily="18" charset="0"/>
+                        </a:rPr>
+                        <a:t>Number</a:t>
+                      </a:r>
+                      <a:endParaRPr lang="en-US" sz="1400">
+                        <a:effectLst/>
+                        <a:latin typeface="Times New Roman" panose="02020603050405020304" pitchFamily="18" charset="0"/>
+                        <a:ea typeface="Calibri" panose="020F0502020204030204" pitchFamily="34" charset="0"/>
+                        <a:cs typeface="Times New Roman" panose="02020603050405020304" pitchFamily="18" charset="0"/>
+                      </a:endParaRPr>
+                    </a:p>
+                    <a:p>
+                      <a:pPr marL="0" marR="0" algn="ctr">
+                        <a:spcBef>
+                          <a:spcPts val="0"/>
+                        </a:spcBef>
+                        <a:spcAft>
+                          <a:spcPts val="0"/>
+                        </a:spcAft>
+                      </a:pPr>
+                      <a:r>
+                        <a:rPr lang="en-US" sz="1400" b="1">
+                          <a:solidFill>
+                            <a:srgbClr val="000000"/>
+                          </a:solidFill>
+                          <a:effectLst/>
+                          <a:latin typeface="Times New Roman" panose="02020603050405020304" pitchFamily="18" charset="0"/>
+                          <a:ea typeface="Times New Roman" panose="02020603050405020304" pitchFamily="18" charset="0"/>
+                          <a:cs typeface="Times New Roman" panose="02020603050405020304" pitchFamily="18" charset="0"/>
+                        </a:rPr>
+                        <a:t>Died</a:t>
+                      </a:r>
+                      <a:endParaRPr lang="en-US" sz="1400">
+                        <a:effectLst/>
+                        <a:latin typeface="Times New Roman" panose="02020603050405020304" pitchFamily="18" charset="0"/>
+                        <a:ea typeface="Calibri" panose="020F0502020204030204" pitchFamily="34" charset="0"/>
+                        <a:cs typeface="Times New Roman" panose="02020603050405020304" pitchFamily="18" charset="0"/>
+                      </a:endParaRPr>
+                    </a:p>
+                  </a:txBody>
+                  <a:tcPr marL="68580" marR="68580" marT="0" marB="0">
+                    <a:lnL>
+                      <a:noFill/>
+                    </a:lnL>
+                    <a:lnR>
+                      <a:noFill/>
+                    </a:lnR>
+                    <a:lnT w="31750" cap="flat" cmpd="dbl" algn="ctr">
+                      <a:solidFill>
+                        <a:srgbClr val="000000"/>
+                      </a:solidFill>
+                      <a:prstDash val="solid"/>
+                      <a:round/>
+                      <a:headEnd type="none" w="med" len="med"/>
+                      <a:tailEnd type="none" w="med" len="med"/>
+                    </a:lnT>
+                    <a:lnB w="12700" cap="flat" cmpd="sng" algn="ctr">
+                      <a:solidFill>
+                        <a:srgbClr val="000000"/>
+                      </a:solidFill>
+                      <a:prstDash val="solid"/>
+                      <a:round/>
+                      <a:headEnd type="none" w="med" len="med"/>
+                      <a:tailEnd type="none" w="med" len="med"/>
+                    </a:lnB>
+                    <a:solidFill>
+                      <a:srgbClr val="FFFFFF"/>
+                    </a:solidFill>
+                  </a:tcPr>
+                </a:tc>
+                <a:tc>
+                  <a:txBody>
+                    <a:bodyPr/>
+                    <a:lstStyle/>
+                    <a:p>
+                      <a:pPr marL="0" marR="0" algn="ctr">
+                        <a:spcBef>
+                          <a:spcPts val="0"/>
+                        </a:spcBef>
+                        <a:spcAft>
+                          <a:spcPts val="0"/>
+                        </a:spcAft>
+                      </a:pPr>
+                      <a:r>
+                        <a:rPr lang="en-US" sz="1400" b="1">
+                          <a:solidFill>
+                            <a:srgbClr val="000000"/>
+                          </a:solidFill>
+                          <a:effectLst/>
+                          <a:latin typeface="Times New Roman" panose="02020603050405020304" pitchFamily="18" charset="0"/>
+                          <a:ea typeface="Times New Roman" panose="02020603050405020304" pitchFamily="18" charset="0"/>
+                          <a:cs typeface="Times New Roman" panose="02020603050405020304" pitchFamily="18" charset="0"/>
+                        </a:rPr>
+                        <a:t>Number</a:t>
+                      </a:r>
+                      <a:endParaRPr lang="en-US" sz="1400">
+                        <a:effectLst/>
+                        <a:latin typeface="Times New Roman" panose="02020603050405020304" pitchFamily="18" charset="0"/>
+                        <a:ea typeface="Calibri" panose="020F0502020204030204" pitchFamily="34" charset="0"/>
+                        <a:cs typeface="Times New Roman" panose="02020603050405020304" pitchFamily="18" charset="0"/>
+                      </a:endParaRPr>
+                    </a:p>
+                    <a:p>
+                      <a:pPr marL="0" marR="0" algn="ctr">
+                        <a:spcBef>
+                          <a:spcPts val="0"/>
+                        </a:spcBef>
+                        <a:spcAft>
+                          <a:spcPts val="0"/>
+                        </a:spcAft>
+                      </a:pPr>
+                      <a:r>
+                        <a:rPr lang="en-US" sz="1400" b="1">
+                          <a:solidFill>
+                            <a:srgbClr val="000000"/>
+                          </a:solidFill>
+                          <a:effectLst/>
+                          <a:latin typeface="Times New Roman" panose="02020603050405020304" pitchFamily="18" charset="0"/>
+                          <a:ea typeface="Times New Roman" panose="02020603050405020304" pitchFamily="18" charset="0"/>
+                          <a:cs typeface="Times New Roman" panose="02020603050405020304" pitchFamily="18" charset="0"/>
+                        </a:rPr>
+                        <a:t>Seen</a:t>
+                      </a:r>
+                      <a:endParaRPr lang="en-US" sz="1400">
+                        <a:effectLst/>
+                        <a:latin typeface="Times New Roman" panose="02020603050405020304" pitchFamily="18" charset="0"/>
+                        <a:ea typeface="Calibri" panose="020F0502020204030204" pitchFamily="34" charset="0"/>
+                        <a:cs typeface="Times New Roman" panose="02020603050405020304" pitchFamily="18" charset="0"/>
+                      </a:endParaRPr>
+                    </a:p>
+                  </a:txBody>
+                  <a:tcPr marL="68580" marR="68580" marT="0" marB="0">
+                    <a:lnL>
+                      <a:noFill/>
+                    </a:lnL>
+                    <a:lnR>
+                      <a:noFill/>
+                    </a:lnR>
+                    <a:lnT w="31750" cap="flat" cmpd="dbl" algn="ctr">
+                      <a:solidFill>
+                        <a:srgbClr val="000000"/>
+                      </a:solidFill>
+                      <a:prstDash val="solid"/>
+                      <a:round/>
+                      <a:headEnd type="none" w="med" len="med"/>
+                      <a:tailEnd type="none" w="med" len="med"/>
+                    </a:lnT>
+                    <a:lnB w="12700" cap="flat" cmpd="sng" algn="ctr">
+                      <a:solidFill>
+                        <a:srgbClr val="000000"/>
+                      </a:solidFill>
+                      <a:prstDash val="solid"/>
+                      <a:round/>
+                      <a:headEnd type="none" w="med" len="med"/>
+                      <a:tailEnd type="none" w="med" len="med"/>
+                    </a:lnB>
+                    <a:solidFill>
+                      <a:srgbClr val="FFFFFF"/>
+                    </a:solidFill>
+                  </a:tcPr>
+                </a:tc>
+                <a:tc>
+                  <a:txBody>
+                    <a:bodyPr/>
+                    <a:lstStyle/>
+                    <a:p>
+                      <a:pPr marL="0" marR="0" algn="ctr">
+                        <a:spcBef>
+                          <a:spcPts val="0"/>
+                        </a:spcBef>
+                        <a:spcAft>
+                          <a:spcPts val="0"/>
+                        </a:spcAft>
+                      </a:pPr>
+                      <a:r>
+                        <a:rPr lang="en-US" sz="1400" b="1">
+                          <a:solidFill>
+                            <a:srgbClr val="000000"/>
+                          </a:solidFill>
+                          <a:effectLst/>
+                          <a:latin typeface="Times New Roman" panose="02020603050405020304" pitchFamily="18" charset="0"/>
+                          <a:ea typeface="Times New Roman" panose="02020603050405020304" pitchFamily="18" charset="0"/>
+                          <a:cs typeface="Times New Roman" panose="02020603050405020304" pitchFamily="18" charset="0"/>
+                        </a:rPr>
+                        <a:t>Observed</a:t>
+                      </a:r>
+                      <a:endParaRPr lang="en-US" sz="1400">
+                        <a:effectLst/>
+                        <a:latin typeface="Times New Roman" panose="02020603050405020304" pitchFamily="18" charset="0"/>
+                        <a:ea typeface="Calibri" panose="020F0502020204030204" pitchFamily="34" charset="0"/>
+                        <a:cs typeface="Times New Roman" panose="02020603050405020304" pitchFamily="18" charset="0"/>
+                      </a:endParaRPr>
+                    </a:p>
+                    <a:p>
+                      <a:pPr marL="0" marR="0" algn="ctr">
+                        <a:spcBef>
+                          <a:spcPts val="0"/>
+                        </a:spcBef>
+                        <a:spcAft>
+                          <a:spcPts val="0"/>
+                        </a:spcAft>
+                      </a:pPr>
+                      <a:r>
+                        <a:rPr lang="en-US" sz="1400" b="1">
+                          <a:solidFill>
+                            <a:srgbClr val="000000"/>
+                          </a:solidFill>
+                          <a:effectLst/>
+                          <a:latin typeface="Times New Roman" panose="02020603050405020304" pitchFamily="18" charset="0"/>
+                          <a:ea typeface="Times New Roman" panose="02020603050405020304" pitchFamily="18" charset="0"/>
+                          <a:cs typeface="Times New Roman" panose="02020603050405020304" pitchFamily="18" charset="0"/>
+                        </a:rPr>
+                        <a:t>Death Rate</a:t>
+                      </a:r>
+                      <a:endParaRPr lang="en-US" sz="1400">
+                        <a:effectLst/>
+                        <a:latin typeface="Times New Roman" panose="02020603050405020304" pitchFamily="18" charset="0"/>
+                        <a:ea typeface="Calibri" panose="020F0502020204030204" pitchFamily="34" charset="0"/>
+                        <a:cs typeface="Times New Roman" panose="02020603050405020304" pitchFamily="18" charset="0"/>
+                      </a:endParaRPr>
+                    </a:p>
+                  </a:txBody>
+                  <a:tcPr marL="68580" marR="68580" marT="0" marB="0">
+                    <a:lnL>
+                      <a:noFill/>
+                    </a:lnL>
+                    <a:lnR>
+                      <a:noFill/>
+                    </a:lnR>
+                    <a:lnT w="31750" cap="flat" cmpd="dbl" algn="ctr">
+                      <a:solidFill>
+                        <a:srgbClr val="000000"/>
+                      </a:solidFill>
+                      <a:prstDash val="solid"/>
+                      <a:round/>
+                      <a:headEnd type="none" w="med" len="med"/>
+                      <a:tailEnd type="none" w="med" len="med"/>
+                    </a:lnT>
+                    <a:lnB w="12700" cap="flat" cmpd="sng" algn="ctr">
+                      <a:solidFill>
+                        <a:srgbClr val="000000"/>
+                      </a:solidFill>
+                      <a:prstDash val="solid"/>
+                      <a:round/>
+                      <a:headEnd type="none" w="med" len="med"/>
+                      <a:tailEnd type="none" w="med" len="med"/>
+                    </a:lnB>
+                    <a:solidFill>
+                      <a:srgbClr val="FFFFFF"/>
+                    </a:solidFill>
+                  </a:tcPr>
+                </a:tc>
+                <a:tc>
+                  <a:txBody>
+                    <a:bodyPr/>
+                    <a:lstStyle/>
+                    <a:p>
+                      <a:pPr marL="0" marR="0" algn="ctr">
+                        <a:spcBef>
+                          <a:spcPts val="0"/>
+                        </a:spcBef>
+                        <a:spcAft>
+                          <a:spcPts val="0"/>
+                        </a:spcAft>
+                      </a:pPr>
+                      <a:r>
+                        <a:rPr lang="en-US" sz="1400" b="1">
+                          <a:solidFill>
+                            <a:srgbClr val="000000"/>
+                          </a:solidFill>
+                          <a:effectLst/>
+                          <a:latin typeface="Times New Roman" panose="02020603050405020304" pitchFamily="18" charset="0"/>
+                          <a:ea typeface="Times New Roman" panose="02020603050405020304" pitchFamily="18" charset="0"/>
+                          <a:cs typeface="Times New Roman" panose="02020603050405020304" pitchFamily="18" charset="0"/>
+                        </a:rPr>
+                        <a:t>Predicted</a:t>
+                      </a:r>
+                      <a:endParaRPr lang="en-US" sz="1400">
+                        <a:effectLst/>
+                        <a:latin typeface="Times New Roman" panose="02020603050405020304" pitchFamily="18" charset="0"/>
+                        <a:ea typeface="Calibri" panose="020F0502020204030204" pitchFamily="34" charset="0"/>
+                        <a:cs typeface="Times New Roman" panose="02020603050405020304" pitchFamily="18" charset="0"/>
+                      </a:endParaRPr>
+                    </a:p>
+                    <a:p>
+                      <a:pPr marL="0" marR="0" algn="ctr">
+                        <a:spcBef>
+                          <a:spcPts val="0"/>
+                        </a:spcBef>
+                        <a:spcAft>
+                          <a:spcPts val="0"/>
+                        </a:spcAft>
+                      </a:pPr>
+                      <a:r>
+                        <a:rPr lang="en-US" sz="1400" b="1">
+                          <a:solidFill>
+                            <a:srgbClr val="000000"/>
+                          </a:solidFill>
+                          <a:effectLst/>
+                          <a:latin typeface="Times New Roman" panose="02020603050405020304" pitchFamily="18" charset="0"/>
+                          <a:ea typeface="Times New Roman" panose="02020603050405020304" pitchFamily="18" charset="0"/>
+                          <a:cs typeface="Times New Roman" panose="02020603050405020304" pitchFamily="18" charset="0"/>
+                        </a:rPr>
+                        <a:t>Death Rate</a:t>
+                      </a:r>
+                      <a:endParaRPr lang="en-US" sz="1400">
+                        <a:effectLst/>
+                        <a:latin typeface="Times New Roman" panose="02020603050405020304" pitchFamily="18" charset="0"/>
+                        <a:ea typeface="Calibri" panose="020F0502020204030204" pitchFamily="34" charset="0"/>
+                        <a:cs typeface="Times New Roman" panose="02020603050405020304" pitchFamily="18" charset="0"/>
+                      </a:endParaRPr>
+                    </a:p>
+                  </a:txBody>
+                  <a:tcPr marL="68580" marR="68580" marT="0" marB="0">
+                    <a:lnL>
+                      <a:noFill/>
+                    </a:lnL>
+                    <a:lnR>
+                      <a:noFill/>
+                    </a:lnR>
+                    <a:lnT w="31750" cap="flat" cmpd="dbl" algn="ctr">
+                      <a:solidFill>
+                        <a:srgbClr val="000000"/>
+                      </a:solidFill>
+                      <a:prstDash val="solid"/>
+                      <a:round/>
+                      <a:headEnd type="none" w="med" len="med"/>
+                      <a:tailEnd type="none" w="med" len="med"/>
+                    </a:lnT>
+                    <a:lnB w="12700" cap="flat" cmpd="sng" algn="ctr">
+                      <a:solidFill>
+                        <a:srgbClr val="000000"/>
+                      </a:solidFill>
+                      <a:prstDash val="solid"/>
+                      <a:round/>
+                      <a:headEnd type="none" w="med" len="med"/>
+                      <a:tailEnd type="none" w="med" len="med"/>
+                    </a:lnB>
+                    <a:solidFill>
+                      <a:srgbClr val="FFFFFF"/>
+                    </a:solidFill>
+                  </a:tcPr>
+                </a:tc>
+                <a:tc>
+                  <a:txBody>
+                    <a:bodyPr/>
+                    <a:lstStyle/>
+                    <a:p>
+                      <a:pPr marL="0" marR="0" algn="ctr">
+                        <a:spcBef>
+                          <a:spcPts val="0"/>
+                        </a:spcBef>
+                        <a:spcAft>
+                          <a:spcPts val="0"/>
+                        </a:spcAft>
+                      </a:pPr>
+                      <a:r>
+                        <a:rPr lang="en-US" sz="1400" b="1" dirty="0">
+                          <a:solidFill>
+                            <a:srgbClr val="000000"/>
+                          </a:solidFill>
+                          <a:effectLst/>
+                          <a:latin typeface="Times New Roman" panose="02020603050405020304" pitchFamily="18" charset="0"/>
+                          <a:ea typeface="Times New Roman" panose="02020603050405020304" pitchFamily="18" charset="0"/>
+                          <a:cs typeface="Times New Roman" panose="02020603050405020304" pitchFamily="18" charset="0"/>
+                        </a:rPr>
+                        <a:t>95% CI of</a:t>
+                      </a:r>
+                      <a:endParaRPr lang="en-US" sz="1400" dirty="0">
+                        <a:effectLst/>
+                        <a:latin typeface="Times New Roman" panose="02020603050405020304" pitchFamily="18" charset="0"/>
+                        <a:ea typeface="Calibri" panose="020F0502020204030204" pitchFamily="34" charset="0"/>
+                        <a:cs typeface="Times New Roman" panose="02020603050405020304" pitchFamily="18" charset="0"/>
+                      </a:endParaRPr>
+                    </a:p>
+                    <a:p>
+                      <a:pPr marL="0" marR="0" algn="ctr">
+                        <a:spcBef>
+                          <a:spcPts val="0"/>
+                        </a:spcBef>
+                        <a:spcAft>
+                          <a:spcPts val="0"/>
+                        </a:spcAft>
+                      </a:pPr>
+                      <a:r>
+                        <a:rPr lang="en-US" sz="1400" b="1" dirty="0">
+                          <a:solidFill>
+                            <a:srgbClr val="000000"/>
+                          </a:solidFill>
+                          <a:effectLst/>
+                          <a:latin typeface="Times New Roman" panose="02020603050405020304" pitchFamily="18" charset="0"/>
+                          <a:ea typeface="Times New Roman" panose="02020603050405020304" pitchFamily="18" charset="0"/>
+                          <a:cs typeface="Times New Roman" panose="02020603050405020304" pitchFamily="18" charset="0"/>
+                        </a:rPr>
+                        <a:t>Pre. Death Rate</a:t>
+                      </a:r>
+                      <a:endParaRPr lang="en-US" sz="1400" dirty="0">
+                        <a:effectLst/>
+                        <a:latin typeface="Times New Roman" panose="02020603050405020304" pitchFamily="18" charset="0"/>
+                        <a:ea typeface="Calibri" panose="020F0502020204030204" pitchFamily="34" charset="0"/>
+                        <a:cs typeface="Times New Roman" panose="02020603050405020304" pitchFamily="18" charset="0"/>
+                      </a:endParaRPr>
+                    </a:p>
+                  </a:txBody>
+                  <a:tcPr marL="68580" marR="68580" marT="0" marB="0">
+                    <a:lnL>
+                      <a:noFill/>
+                    </a:lnL>
+                    <a:lnR>
+                      <a:noFill/>
+                    </a:lnR>
+                    <a:lnT w="31750" cap="flat" cmpd="dbl" algn="ctr">
+                      <a:solidFill>
+                        <a:srgbClr val="000000"/>
+                      </a:solidFill>
+                      <a:prstDash val="solid"/>
+                      <a:round/>
+                      <a:headEnd type="none" w="med" len="med"/>
+                      <a:tailEnd type="none" w="med" len="med"/>
+                    </a:lnT>
+                    <a:lnB w="12700" cap="flat" cmpd="sng" algn="ctr">
+                      <a:solidFill>
+                        <a:srgbClr val="000000"/>
+                      </a:solidFill>
+                      <a:prstDash val="solid"/>
+                      <a:round/>
+                      <a:headEnd type="none" w="med" len="med"/>
+                      <a:tailEnd type="none" w="med" len="med"/>
+                    </a:lnB>
+                    <a:solidFill>
+                      <a:srgbClr val="FFFFFF"/>
+                    </a:solidFill>
+                  </a:tcPr>
+                </a:tc>
+                <a:tc>
+                  <a:txBody>
+                    <a:bodyPr/>
+                    <a:lstStyle/>
+                    <a:p>
+                      <a:pPr marL="0" marR="0" algn="ctr">
+                        <a:spcBef>
+                          <a:spcPts val="0"/>
+                        </a:spcBef>
+                        <a:spcAft>
+                          <a:spcPts val="0"/>
+                        </a:spcAft>
+                      </a:pPr>
+                      <a:r>
+                        <a:rPr lang="en-US" sz="1400" b="1">
+                          <a:solidFill>
+                            <a:srgbClr val="000000"/>
+                          </a:solidFill>
+                          <a:effectLst/>
+                          <a:latin typeface="Times New Roman" panose="02020603050405020304" pitchFamily="18" charset="0"/>
+                          <a:ea typeface="Times New Roman" panose="02020603050405020304" pitchFamily="18" charset="0"/>
+                          <a:cs typeface="Times New Roman" panose="02020603050405020304" pitchFamily="18" charset="0"/>
+                        </a:rPr>
+                        <a:t>Obs./Pre.</a:t>
+                      </a:r>
+                      <a:endParaRPr lang="en-US" sz="1400">
+                        <a:effectLst/>
+                        <a:latin typeface="Times New Roman" panose="02020603050405020304" pitchFamily="18" charset="0"/>
+                        <a:ea typeface="Calibri" panose="020F0502020204030204" pitchFamily="34" charset="0"/>
+                        <a:cs typeface="Times New Roman" panose="02020603050405020304" pitchFamily="18" charset="0"/>
+                      </a:endParaRPr>
+                    </a:p>
+                    <a:p>
+                      <a:pPr marL="0" marR="0" algn="ctr">
+                        <a:spcBef>
+                          <a:spcPts val="0"/>
+                        </a:spcBef>
+                        <a:spcAft>
+                          <a:spcPts val="0"/>
+                        </a:spcAft>
+                      </a:pPr>
+                      <a:r>
+                        <a:rPr lang="en-US" sz="1400" b="1">
+                          <a:solidFill>
+                            <a:srgbClr val="000000"/>
+                          </a:solidFill>
+                          <a:effectLst/>
+                          <a:latin typeface="Times New Roman" panose="02020603050405020304" pitchFamily="18" charset="0"/>
+                          <a:ea typeface="Times New Roman" panose="02020603050405020304" pitchFamily="18" charset="0"/>
+                          <a:cs typeface="Times New Roman" panose="02020603050405020304" pitchFamily="18" charset="0"/>
+                        </a:rPr>
+                        <a:t>Death Rate</a:t>
+                      </a:r>
+                      <a:endParaRPr lang="en-US" sz="1400">
+                        <a:effectLst/>
+                        <a:latin typeface="Times New Roman" panose="02020603050405020304" pitchFamily="18" charset="0"/>
+                        <a:ea typeface="Calibri" panose="020F0502020204030204" pitchFamily="34" charset="0"/>
+                        <a:cs typeface="Times New Roman" panose="02020603050405020304" pitchFamily="18" charset="0"/>
+                      </a:endParaRPr>
+                    </a:p>
+                  </a:txBody>
+                  <a:tcPr marL="68580" marR="68580" marT="0" marB="0">
+                    <a:lnL>
+                      <a:noFill/>
+                    </a:lnL>
+                    <a:lnR>
+                      <a:noFill/>
+                    </a:lnR>
+                    <a:lnT w="31750" cap="flat" cmpd="dbl" algn="ctr">
+                      <a:solidFill>
+                        <a:srgbClr val="000000"/>
+                      </a:solidFill>
+                      <a:prstDash val="solid"/>
+                      <a:round/>
+                      <a:headEnd type="none" w="med" len="med"/>
+                      <a:tailEnd type="none" w="med" len="med"/>
+                    </a:lnT>
+                    <a:lnB w="12700" cap="flat" cmpd="sng" algn="ctr">
+                      <a:solidFill>
+                        <a:srgbClr val="000000"/>
+                      </a:solidFill>
+                      <a:prstDash val="solid"/>
+                      <a:round/>
+                      <a:headEnd type="none" w="med" len="med"/>
+                      <a:tailEnd type="none" w="med" len="med"/>
+                    </a:lnB>
+                    <a:solidFill>
+                      <a:srgbClr val="FFFFFF"/>
+                    </a:solidFill>
+                  </a:tcPr>
+                </a:tc>
+                <a:tc>
+                  <a:txBody>
+                    <a:bodyPr/>
+                    <a:lstStyle/>
+                    <a:p>
+                      <a:pPr marL="0" marR="0" algn="ctr">
+                        <a:spcBef>
+                          <a:spcPts val="0"/>
+                        </a:spcBef>
+                        <a:spcAft>
+                          <a:spcPts val="0"/>
+                        </a:spcAft>
+                      </a:pPr>
+                      <a:r>
+                        <a:rPr lang="en-US" sz="1400" b="1">
+                          <a:solidFill>
+                            <a:srgbClr val="000000"/>
+                          </a:solidFill>
+                          <a:effectLst/>
+                          <a:latin typeface="Times New Roman" panose="02020603050405020304" pitchFamily="18" charset="0"/>
+                          <a:ea typeface="Times New Roman" panose="02020603050405020304" pitchFamily="18" charset="0"/>
+                          <a:cs typeface="Times New Roman" panose="02020603050405020304" pitchFamily="18" charset="0"/>
+                        </a:rPr>
+                        <a:t>High or Low</a:t>
+                      </a:r>
+                      <a:endParaRPr lang="en-US" sz="1400">
+                        <a:effectLst/>
+                        <a:latin typeface="Times New Roman" panose="02020603050405020304" pitchFamily="18" charset="0"/>
+                        <a:ea typeface="Calibri" panose="020F0502020204030204" pitchFamily="34" charset="0"/>
+                        <a:cs typeface="Times New Roman" panose="02020603050405020304" pitchFamily="18" charset="0"/>
+                      </a:endParaRPr>
+                    </a:p>
+                    <a:p>
+                      <a:pPr marL="0" marR="0" algn="ctr">
+                        <a:spcBef>
+                          <a:spcPts val="0"/>
+                        </a:spcBef>
+                        <a:spcAft>
+                          <a:spcPts val="0"/>
+                        </a:spcAft>
+                      </a:pPr>
+                      <a:r>
+                        <a:rPr lang="en-US" sz="1400" b="1">
+                          <a:solidFill>
+                            <a:srgbClr val="000000"/>
+                          </a:solidFill>
+                          <a:effectLst/>
+                          <a:latin typeface="Times New Roman" panose="02020603050405020304" pitchFamily="18" charset="0"/>
+                          <a:ea typeface="Times New Roman" panose="02020603050405020304" pitchFamily="18" charset="0"/>
+                          <a:cs typeface="Times New Roman" panose="02020603050405020304" pitchFamily="18" charset="0"/>
+                        </a:rPr>
+                        <a:t>Ratio?</a:t>
+                      </a:r>
+                      <a:endParaRPr lang="en-US" sz="1400">
+                        <a:effectLst/>
+                        <a:latin typeface="Times New Roman" panose="02020603050405020304" pitchFamily="18" charset="0"/>
+                        <a:ea typeface="Calibri" panose="020F0502020204030204" pitchFamily="34" charset="0"/>
+                        <a:cs typeface="Times New Roman" panose="02020603050405020304" pitchFamily="18" charset="0"/>
+                      </a:endParaRPr>
+                    </a:p>
+                  </a:txBody>
+                  <a:tcPr marL="68580" marR="68580" marT="0" marB="0">
+                    <a:lnL>
+                      <a:noFill/>
+                    </a:lnL>
+                    <a:lnR>
+                      <a:noFill/>
+                    </a:lnR>
+                    <a:lnT w="31750" cap="flat" cmpd="dbl" algn="ctr">
+                      <a:solidFill>
+                        <a:srgbClr val="000000"/>
+                      </a:solidFill>
+                      <a:prstDash val="solid"/>
+                      <a:round/>
+                      <a:headEnd type="none" w="med" len="med"/>
+                      <a:tailEnd type="none" w="med" len="med"/>
+                    </a:lnT>
+                    <a:lnB w="12700" cap="flat" cmpd="sng" algn="ctr">
+                      <a:solidFill>
+                        <a:srgbClr val="000000"/>
+                      </a:solidFill>
+                      <a:prstDash val="solid"/>
+                      <a:round/>
+                      <a:headEnd type="none" w="med" len="med"/>
+                      <a:tailEnd type="none" w="med" len="med"/>
+                    </a:lnB>
+                    <a:solidFill>
+                      <a:srgbClr val="FFFFFF"/>
+                    </a:solidFill>
+                  </a:tcPr>
+                </a:tc>
+                <a:extLst>
+                  <a:ext uri="{0D108BD9-81ED-4DB2-BD59-A6C34878D82A}">
+                    <a16:rowId xmlns:a16="http://schemas.microsoft.com/office/drawing/2014/main" val="786995058"/>
+                  </a:ext>
+                </a:extLst>
+              </a:tr>
+              <a:tr h="246958">
+                <a:tc>
+                  <a:txBody>
+                    <a:bodyPr/>
+                    <a:lstStyle/>
+                    <a:p>
+                      <a:pPr marL="0" marR="0" algn="ctr">
+                        <a:spcBef>
+                          <a:spcPts val="0"/>
+                        </a:spcBef>
+                        <a:spcAft>
+                          <a:spcPts val="0"/>
+                        </a:spcAft>
+                      </a:pPr>
+                      <a:r>
+                        <a:rPr lang="en-US" sz="1400" b="1">
+                          <a:solidFill>
+                            <a:srgbClr val="000000"/>
+                          </a:solidFill>
+                          <a:effectLst/>
+                          <a:latin typeface="Times New Roman" panose="02020603050405020304" pitchFamily="18" charset="0"/>
+                          <a:ea typeface="Times New Roman" panose="02020603050405020304" pitchFamily="18" charset="0"/>
+                          <a:cs typeface="Times New Roman" panose="02020603050405020304" pitchFamily="18" charset="0"/>
+                        </a:rPr>
+                        <a:t>7</a:t>
+                      </a:r>
+                      <a:endParaRPr lang="en-US" sz="1400">
+                        <a:effectLst/>
+                        <a:latin typeface="Times New Roman" panose="02020603050405020304" pitchFamily="18" charset="0"/>
+                        <a:ea typeface="Calibri" panose="020F0502020204030204" pitchFamily="34" charset="0"/>
+                        <a:cs typeface="Times New Roman" panose="02020603050405020304" pitchFamily="18" charset="0"/>
+                      </a:endParaRPr>
+                    </a:p>
+                  </a:txBody>
+                  <a:tcPr marL="68580" marR="68580" marT="0" marB="0">
+                    <a:lnL>
+                      <a:noFill/>
+                    </a:lnL>
+                    <a:lnR>
+                      <a:noFill/>
+                    </a:lnR>
+                    <a:lnT w="12700" cap="flat" cmpd="sng" algn="ctr">
+                      <a:solidFill>
+                        <a:srgbClr val="000000"/>
+                      </a:solidFill>
+                      <a:prstDash val="solid"/>
+                      <a:round/>
+                      <a:headEnd type="none" w="med" len="med"/>
+                      <a:tailEnd type="none" w="med" len="med"/>
+                    </a:lnT>
+                    <a:lnB>
+                      <a:noFill/>
+                    </a:lnB>
+                    <a:solidFill>
+                      <a:srgbClr val="FFFFFF"/>
+                    </a:solidFill>
+                  </a:tcPr>
+                </a:tc>
+                <a:tc>
+                  <a:txBody>
+                    <a:bodyPr/>
+                    <a:lstStyle/>
+                    <a:p>
+                      <a:pPr marL="0" marR="0" algn="ctr">
+                        <a:spcBef>
+                          <a:spcPts val="0"/>
+                        </a:spcBef>
+                        <a:spcAft>
+                          <a:spcPts val="0"/>
+                        </a:spcAft>
+                      </a:pPr>
+                      <a:r>
+                        <a:rPr lang="en-US" sz="1400">
+                          <a:solidFill>
+                            <a:srgbClr val="000000"/>
+                          </a:solidFill>
+                          <a:effectLst/>
+                          <a:latin typeface="Times New Roman" panose="02020603050405020304" pitchFamily="18" charset="0"/>
+                          <a:ea typeface="Times New Roman" panose="02020603050405020304" pitchFamily="18" charset="0"/>
+                          <a:cs typeface="Times New Roman" panose="02020603050405020304" pitchFamily="18" charset="0"/>
+                        </a:rPr>
+                        <a:t>7</a:t>
+                      </a:r>
+                      <a:endParaRPr lang="en-US" sz="1400">
+                        <a:effectLst/>
+                        <a:latin typeface="Times New Roman" panose="02020603050405020304" pitchFamily="18" charset="0"/>
+                        <a:ea typeface="Calibri" panose="020F0502020204030204" pitchFamily="34" charset="0"/>
+                        <a:cs typeface="Times New Roman" panose="02020603050405020304" pitchFamily="18" charset="0"/>
+                      </a:endParaRPr>
+                    </a:p>
+                  </a:txBody>
+                  <a:tcPr marL="68580" marR="68580" marT="0" marB="0">
+                    <a:lnL>
+                      <a:noFill/>
+                    </a:lnL>
+                    <a:lnR>
+                      <a:noFill/>
+                    </a:lnR>
+                    <a:lnT w="12700" cap="flat" cmpd="sng" algn="ctr">
+                      <a:solidFill>
+                        <a:srgbClr val="000000"/>
+                      </a:solidFill>
+                      <a:prstDash val="solid"/>
+                      <a:round/>
+                      <a:headEnd type="none" w="med" len="med"/>
+                      <a:tailEnd type="none" w="med" len="med"/>
+                    </a:lnT>
+                    <a:lnB>
+                      <a:noFill/>
+                    </a:lnB>
+                    <a:solidFill>
+                      <a:srgbClr val="FFFFFF"/>
+                    </a:solidFill>
+                  </a:tcPr>
+                </a:tc>
+                <a:tc>
+                  <a:txBody>
+                    <a:bodyPr/>
+                    <a:lstStyle/>
+                    <a:p>
+                      <a:pPr marL="0" marR="0" algn="ctr">
+                        <a:spcBef>
+                          <a:spcPts val="0"/>
+                        </a:spcBef>
+                        <a:spcAft>
+                          <a:spcPts val="0"/>
+                        </a:spcAft>
+                      </a:pPr>
+                      <a:r>
+                        <a:rPr lang="en-US" sz="1400">
+                          <a:solidFill>
+                            <a:srgbClr val="000000"/>
+                          </a:solidFill>
+                          <a:effectLst/>
+                          <a:latin typeface="Times New Roman" panose="02020603050405020304" pitchFamily="18" charset="0"/>
+                          <a:ea typeface="Times New Roman" panose="02020603050405020304" pitchFamily="18" charset="0"/>
+                          <a:cs typeface="Times New Roman" panose="02020603050405020304" pitchFamily="18" charset="0"/>
+                        </a:rPr>
+                        <a:t>105</a:t>
+                      </a:r>
+                      <a:endParaRPr lang="en-US" sz="1400">
+                        <a:effectLst/>
+                        <a:latin typeface="Times New Roman" panose="02020603050405020304" pitchFamily="18" charset="0"/>
+                        <a:ea typeface="Calibri" panose="020F0502020204030204" pitchFamily="34" charset="0"/>
+                        <a:cs typeface="Times New Roman" panose="02020603050405020304" pitchFamily="18" charset="0"/>
+                      </a:endParaRPr>
+                    </a:p>
+                  </a:txBody>
+                  <a:tcPr marL="68580" marR="68580" marT="0" marB="0">
+                    <a:lnL>
+                      <a:noFill/>
+                    </a:lnL>
+                    <a:lnR>
+                      <a:noFill/>
+                    </a:lnR>
+                    <a:lnT w="12700" cap="flat" cmpd="sng" algn="ctr">
+                      <a:solidFill>
+                        <a:srgbClr val="000000"/>
+                      </a:solidFill>
+                      <a:prstDash val="solid"/>
+                      <a:round/>
+                      <a:headEnd type="none" w="med" len="med"/>
+                      <a:tailEnd type="none" w="med" len="med"/>
+                    </a:lnT>
+                    <a:lnB>
+                      <a:noFill/>
+                    </a:lnB>
+                    <a:solidFill>
+                      <a:srgbClr val="FFFFFF"/>
+                    </a:solidFill>
+                  </a:tcPr>
+                </a:tc>
+                <a:tc>
+                  <a:txBody>
+                    <a:bodyPr/>
+                    <a:lstStyle/>
+                    <a:p>
+                      <a:pPr marL="0" marR="0" algn="ctr">
+                        <a:spcBef>
+                          <a:spcPts val="0"/>
+                        </a:spcBef>
+                        <a:spcAft>
+                          <a:spcPts val="0"/>
+                        </a:spcAft>
+                      </a:pPr>
+                      <a:r>
+                        <a:rPr lang="en-US" sz="1400">
+                          <a:solidFill>
+                            <a:srgbClr val="000000"/>
+                          </a:solidFill>
+                          <a:effectLst/>
+                          <a:latin typeface="Times New Roman" panose="02020603050405020304" pitchFamily="18" charset="0"/>
+                          <a:ea typeface="Times New Roman" panose="02020603050405020304" pitchFamily="18" charset="0"/>
+                          <a:cs typeface="Times New Roman" panose="02020603050405020304" pitchFamily="18" charset="0"/>
+                        </a:rPr>
+                        <a:t>6.67</a:t>
+                      </a:r>
+                      <a:endParaRPr lang="en-US" sz="1400">
+                        <a:effectLst/>
+                        <a:latin typeface="Times New Roman" panose="02020603050405020304" pitchFamily="18" charset="0"/>
+                        <a:ea typeface="Calibri" panose="020F0502020204030204" pitchFamily="34" charset="0"/>
+                        <a:cs typeface="Times New Roman" panose="02020603050405020304" pitchFamily="18" charset="0"/>
+                      </a:endParaRPr>
+                    </a:p>
+                  </a:txBody>
+                  <a:tcPr marL="68580" marR="68580" marT="0" marB="0">
+                    <a:lnL>
+                      <a:noFill/>
+                    </a:lnL>
+                    <a:lnR>
+                      <a:noFill/>
+                    </a:lnR>
+                    <a:lnT w="12700" cap="flat" cmpd="sng" algn="ctr">
+                      <a:solidFill>
+                        <a:srgbClr val="000000"/>
+                      </a:solidFill>
+                      <a:prstDash val="solid"/>
+                      <a:round/>
+                      <a:headEnd type="none" w="med" len="med"/>
+                      <a:tailEnd type="none" w="med" len="med"/>
+                    </a:lnT>
+                    <a:lnB>
+                      <a:noFill/>
+                    </a:lnB>
+                    <a:solidFill>
+                      <a:srgbClr val="FFFFFF"/>
+                    </a:solidFill>
+                  </a:tcPr>
+                </a:tc>
+                <a:tc>
+                  <a:txBody>
+                    <a:bodyPr/>
+                    <a:lstStyle/>
+                    <a:p>
+                      <a:pPr marL="0" marR="0" algn="ctr">
+                        <a:spcBef>
+                          <a:spcPts val="0"/>
+                        </a:spcBef>
+                        <a:spcAft>
+                          <a:spcPts val="0"/>
+                        </a:spcAft>
+                      </a:pPr>
+                      <a:r>
+                        <a:rPr lang="en-US" sz="1400">
+                          <a:solidFill>
+                            <a:srgbClr val="000000"/>
+                          </a:solidFill>
+                          <a:effectLst/>
+                          <a:latin typeface="Times New Roman" panose="02020603050405020304" pitchFamily="18" charset="0"/>
+                          <a:ea typeface="Times New Roman" panose="02020603050405020304" pitchFamily="18" charset="0"/>
+                          <a:cs typeface="Times New Roman" panose="02020603050405020304" pitchFamily="18" charset="0"/>
+                        </a:rPr>
+                        <a:t>3.12</a:t>
+                      </a:r>
+                      <a:endParaRPr lang="en-US" sz="1400">
+                        <a:effectLst/>
+                        <a:latin typeface="Times New Roman" panose="02020603050405020304" pitchFamily="18" charset="0"/>
+                        <a:ea typeface="Calibri" panose="020F0502020204030204" pitchFamily="34" charset="0"/>
+                        <a:cs typeface="Times New Roman" panose="02020603050405020304" pitchFamily="18" charset="0"/>
+                      </a:endParaRPr>
+                    </a:p>
+                  </a:txBody>
+                  <a:tcPr marL="68580" marR="68580" marT="0" marB="0">
+                    <a:lnL>
+                      <a:noFill/>
+                    </a:lnL>
+                    <a:lnR>
+                      <a:noFill/>
+                    </a:lnR>
+                    <a:lnT w="12700" cap="flat" cmpd="sng" algn="ctr">
+                      <a:solidFill>
+                        <a:srgbClr val="000000"/>
+                      </a:solidFill>
+                      <a:prstDash val="solid"/>
+                      <a:round/>
+                      <a:headEnd type="none" w="med" len="med"/>
+                      <a:tailEnd type="none" w="med" len="med"/>
+                    </a:lnT>
+                    <a:lnB>
+                      <a:noFill/>
+                    </a:lnB>
+                    <a:solidFill>
+                      <a:srgbClr val="FFFFFF"/>
+                    </a:solidFill>
+                  </a:tcPr>
+                </a:tc>
+                <a:tc>
+                  <a:txBody>
+                    <a:bodyPr/>
+                    <a:lstStyle/>
+                    <a:p>
+                      <a:pPr marL="0" marR="0" algn="ctr">
+                        <a:spcBef>
+                          <a:spcPts val="0"/>
+                        </a:spcBef>
+                        <a:spcAft>
+                          <a:spcPts val="0"/>
+                        </a:spcAft>
+                      </a:pPr>
+                      <a:r>
+                        <a:rPr lang="en-US" sz="1400">
+                          <a:solidFill>
+                            <a:srgbClr val="000000"/>
+                          </a:solidFill>
+                          <a:effectLst/>
+                          <a:latin typeface="Times New Roman" panose="02020603050405020304" pitchFamily="18" charset="0"/>
+                          <a:ea typeface="Times New Roman" panose="02020603050405020304" pitchFamily="18" charset="0"/>
+                          <a:cs typeface="Times New Roman" panose="02020603050405020304" pitchFamily="18" charset="0"/>
+                        </a:rPr>
+                        <a:t>(2.89, 3.35)</a:t>
+                      </a:r>
+                      <a:endParaRPr lang="en-US" sz="1400">
+                        <a:effectLst/>
+                        <a:latin typeface="Times New Roman" panose="02020603050405020304" pitchFamily="18" charset="0"/>
+                        <a:ea typeface="Calibri" panose="020F0502020204030204" pitchFamily="34" charset="0"/>
+                        <a:cs typeface="Times New Roman" panose="02020603050405020304" pitchFamily="18" charset="0"/>
+                      </a:endParaRPr>
+                    </a:p>
+                  </a:txBody>
+                  <a:tcPr marL="68580" marR="68580" marT="0" marB="0">
+                    <a:lnL>
+                      <a:noFill/>
+                    </a:lnL>
+                    <a:lnR>
+                      <a:noFill/>
+                    </a:lnR>
+                    <a:lnT w="12700" cap="flat" cmpd="sng" algn="ctr">
+                      <a:solidFill>
+                        <a:srgbClr val="000000"/>
+                      </a:solidFill>
+                      <a:prstDash val="solid"/>
+                      <a:round/>
+                      <a:headEnd type="none" w="med" len="med"/>
+                      <a:tailEnd type="none" w="med" len="med"/>
+                    </a:lnT>
+                    <a:lnB>
+                      <a:noFill/>
+                    </a:lnB>
+                    <a:solidFill>
+                      <a:srgbClr val="FFFFFF"/>
+                    </a:solidFill>
+                  </a:tcPr>
+                </a:tc>
+                <a:tc>
+                  <a:txBody>
+                    <a:bodyPr/>
+                    <a:lstStyle/>
+                    <a:p>
+                      <a:pPr marL="0" marR="0" algn="ctr">
+                        <a:spcBef>
+                          <a:spcPts val="0"/>
+                        </a:spcBef>
+                        <a:spcAft>
+                          <a:spcPts val="0"/>
+                        </a:spcAft>
+                      </a:pPr>
+                      <a:r>
+                        <a:rPr lang="en-US" sz="1400">
+                          <a:solidFill>
+                            <a:srgbClr val="000000"/>
+                          </a:solidFill>
+                          <a:effectLst/>
+                          <a:latin typeface="Times New Roman" panose="02020603050405020304" pitchFamily="18" charset="0"/>
+                          <a:ea typeface="Times New Roman" panose="02020603050405020304" pitchFamily="18" charset="0"/>
+                          <a:cs typeface="Times New Roman" panose="02020603050405020304" pitchFamily="18" charset="0"/>
+                        </a:rPr>
+                        <a:t>2.14</a:t>
+                      </a:r>
+                      <a:endParaRPr lang="en-US" sz="1400">
+                        <a:effectLst/>
+                        <a:latin typeface="Times New Roman" panose="02020603050405020304" pitchFamily="18" charset="0"/>
+                        <a:ea typeface="Calibri" panose="020F0502020204030204" pitchFamily="34" charset="0"/>
+                        <a:cs typeface="Times New Roman" panose="02020603050405020304" pitchFamily="18" charset="0"/>
+                      </a:endParaRPr>
+                    </a:p>
+                  </a:txBody>
+                  <a:tcPr marL="68580" marR="68580" marT="0" marB="0">
+                    <a:lnL>
+                      <a:noFill/>
+                    </a:lnL>
+                    <a:lnR>
+                      <a:noFill/>
+                    </a:lnR>
+                    <a:lnT w="12700" cap="flat" cmpd="sng" algn="ctr">
+                      <a:solidFill>
+                        <a:srgbClr val="000000"/>
+                      </a:solidFill>
+                      <a:prstDash val="solid"/>
+                      <a:round/>
+                      <a:headEnd type="none" w="med" len="med"/>
+                      <a:tailEnd type="none" w="med" len="med"/>
+                    </a:lnT>
+                    <a:lnB>
+                      <a:noFill/>
+                    </a:lnB>
+                    <a:solidFill>
+                      <a:srgbClr val="FFFFFF"/>
+                    </a:solidFill>
+                  </a:tcPr>
+                </a:tc>
+                <a:tc>
+                  <a:txBody>
+                    <a:bodyPr/>
+                    <a:lstStyle/>
+                    <a:p>
+                      <a:pPr marL="0" marR="0" algn="ctr">
+                        <a:spcBef>
+                          <a:spcPts val="0"/>
+                        </a:spcBef>
+                        <a:spcAft>
+                          <a:spcPts val="0"/>
+                        </a:spcAft>
+                      </a:pPr>
+                      <a:r>
+                        <a:rPr lang="en-US" sz="1400">
+                          <a:solidFill>
+                            <a:srgbClr val="000000"/>
+                          </a:solidFill>
+                          <a:effectLst/>
+                          <a:latin typeface="Times New Roman" panose="02020603050405020304" pitchFamily="18" charset="0"/>
+                          <a:ea typeface="Calibri" panose="020F0502020204030204" pitchFamily="34" charset="0"/>
+                          <a:cs typeface="Times New Roman" panose="02020603050405020304" pitchFamily="18" charset="0"/>
+                        </a:rPr>
+                        <a:t>≥ 1.20</a:t>
+                      </a:r>
+                      <a:endParaRPr lang="en-US" sz="1400">
+                        <a:effectLst/>
+                        <a:latin typeface="Times New Roman" panose="02020603050405020304" pitchFamily="18" charset="0"/>
+                        <a:ea typeface="Calibri" panose="020F0502020204030204" pitchFamily="34" charset="0"/>
+                        <a:cs typeface="Times New Roman" panose="02020603050405020304" pitchFamily="18" charset="0"/>
+                      </a:endParaRPr>
+                    </a:p>
+                  </a:txBody>
+                  <a:tcPr marL="68580" marR="68580" marT="0" marB="0">
+                    <a:lnL>
+                      <a:noFill/>
+                    </a:lnL>
+                    <a:lnR>
+                      <a:noFill/>
+                    </a:lnR>
+                    <a:lnT w="12700" cap="flat" cmpd="sng" algn="ctr">
+                      <a:solidFill>
+                        <a:srgbClr val="000000"/>
+                      </a:solidFill>
+                      <a:prstDash val="solid"/>
+                      <a:round/>
+                      <a:headEnd type="none" w="med" len="med"/>
+                      <a:tailEnd type="none" w="med" len="med"/>
+                    </a:lnT>
+                    <a:lnB>
+                      <a:noFill/>
+                    </a:lnB>
+                    <a:solidFill>
+                      <a:srgbClr val="FFFFFF"/>
+                    </a:solidFill>
+                  </a:tcPr>
+                </a:tc>
+                <a:extLst>
+                  <a:ext uri="{0D108BD9-81ED-4DB2-BD59-A6C34878D82A}">
+                    <a16:rowId xmlns:a16="http://schemas.microsoft.com/office/drawing/2014/main" val="447901275"/>
+                  </a:ext>
+                </a:extLst>
+              </a:tr>
+              <a:tr h="246958">
+                <a:tc>
+                  <a:txBody>
+                    <a:bodyPr/>
+                    <a:lstStyle/>
+                    <a:p>
+                      <a:pPr marL="0" marR="0" algn="ctr">
+                        <a:spcBef>
+                          <a:spcPts val="0"/>
+                        </a:spcBef>
+                        <a:spcAft>
+                          <a:spcPts val="0"/>
+                        </a:spcAft>
+                      </a:pPr>
+                      <a:r>
+                        <a:rPr lang="en-US" sz="1400" b="1">
+                          <a:solidFill>
+                            <a:srgbClr val="000000"/>
+                          </a:solidFill>
+                          <a:effectLst/>
+                          <a:latin typeface="Times New Roman" panose="02020603050405020304" pitchFamily="18" charset="0"/>
+                          <a:ea typeface="Times New Roman" panose="02020603050405020304" pitchFamily="18" charset="0"/>
+                          <a:cs typeface="Times New Roman" panose="02020603050405020304" pitchFamily="18" charset="0"/>
+                        </a:rPr>
+                        <a:t>17</a:t>
+                      </a:r>
+                      <a:endParaRPr lang="en-US" sz="1400">
+                        <a:effectLst/>
+                        <a:latin typeface="Times New Roman" panose="02020603050405020304" pitchFamily="18" charset="0"/>
+                        <a:ea typeface="Calibri" panose="020F0502020204030204" pitchFamily="34" charset="0"/>
+                        <a:cs typeface="Times New Roman" panose="02020603050405020304" pitchFamily="18" charset="0"/>
+                      </a:endParaRPr>
+                    </a:p>
+                  </a:txBody>
+                  <a:tcPr marL="68580" marR="68580" marT="0" marB="0">
+                    <a:lnL>
+                      <a:noFill/>
+                    </a:lnL>
+                    <a:lnR>
+                      <a:noFill/>
+                    </a:lnR>
+                    <a:lnT>
+                      <a:noFill/>
+                    </a:lnT>
+                    <a:lnB>
+                      <a:noFill/>
+                    </a:lnB>
+                    <a:solidFill>
+                      <a:srgbClr val="FFFFFF"/>
+                    </a:solidFill>
+                  </a:tcPr>
+                </a:tc>
+                <a:tc>
+                  <a:txBody>
+                    <a:bodyPr/>
+                    <a:lstStyle/>
+                    <a:p>
+                      <a:pPr marL="0" marR="0" algn="ctr">
+                        <a:spcBef>
+                          <a:spcPts val="0"/>
+                        </a:spcBef>
+                        <a:spcAft>
+                          <a:spcPts val="0"/>
+                        </a:spcAft>
+                      </a:pPr>
+                      <a:r>
+                        <a:rPr lang="en-US" sz="1400">
+                          <a:solidFill>
+                            <a:srgbClr val="000000"/>
+                          </a:solidFill>
+                          <a:effectLst/>
+                          <a:latin typeface="Times New Roman" panose="02020603050405020304" pitchFamily="18" charset="0"/>
+                          <a:ea typeface="Times New Roman" panose="02020603050405020304" pitchFamily="18" charset="0"/>
+                          <a:cs typeface="Times New Roman" panose="02020603050405020304" pitchFamily="18" charset="0"/>
+                        </a:rPr>
+                        <a:t>13</a:t>
+                      </a:r>
+                      <a:endParaRPr lang="en-US" sz="1400">
+                        <a:effectLst/>
+                        <a:latin typeface="Times New Roman" panose="02020603050405020304" pitchFamily="18" charset="0"/>
+                        <a:ea typeface="Calibri" panose="020F0502020204030204" pitchFamily="34" charset="0"/>
+                        <a:cs typeface="Times New Roman" panose="02020603050405020304" pitchFamily="18" charset="0"/>
+                      </a:endParaRPr>
+                    </a:p>
+                  </a:txBody>
+                  <a:tcPr marL="68580" marR="68580" marT="0" marB="0">
+                    <a:lnL>
+                      <a:noFill/>
+                    </a:lnL>
+                    <a:lnR>
+                      <a:noFill/>
+                    </a:lnR>
+                    <a:lnT>
+                      <a:noFill/>
+                    </a:lnT>
+                    <a:lnB>
+                      <a:noFill/>
+                    </a:lnB>
+                    <a:solidFill>
+                      <a:srgbClr val="FFFFFF"/>
+                    </a:solidFill>
+                  </a:tcPr>
+                </a:tc>
+                <a:tc>
+                  <a:txBody>
+                    <a:bodyPr/>
+                    <a:lstStyle/>
+                    <a:p>
+                      <a:pPr marL="0" marR="0" algn="ctr">
+                        <a:spcBef>
+                          <a:spcPts val="0"/>
+                        </a:spcBef>
+                        <a:spcAft>
+                          <a:spcPts val="0"/>
+                        </a:spcAft>
+                      </a:pPr>
+                      <a:r>
+                        <a:rPr lang="en-US" sz="1400">
+                          <a:solidFill>
+                            <a:srgbClr val="000000"/>
+                          </a:solidFill>
+                          <a:effectLst/>
+                          <a:latin typeface="Times New Roman" panose="02020603050405020304" pitchFamily="18" charset="0"/>
+                          <a:ea typeface="Times New Roman" panose="02020603050405020304" pitchFamily="18" charset="0"/>
+                          <a:cs typeface="Times New Roman" panose="02020603050405020304" pitchFamily="18" charset="0"/>
+                        </a:rPr>
+                        <a:t>93</a:t>
+                      </a:r>
+                      <a:endParaRPr lang="en-US" sz="1400">
+                        <a:effectLst/>
+                        <a:latin typeface="Times New Roman" panose="02020603050405020304" pitchFamily="18" charset="0"/>
+                        <a:ea typeface="Calibri" panose="020F0502020204030204" pitchFamily="34" charset="0"/>
+                        <a:cs typeface="Times New Roman" panose="02020603050405020304" pitchFamily="18" charset="0"/>
+                      </a:endParaRPr>
+                    </a:p>
+                  </a:txBody>
+                  <a:tcPr marL="68580" marR="68580" marT="0" marB="0">
+                    <a:lnL>
+                      <a:noFill/>
+                    </a:lnL>
+                    <a:lnR>
+                      <a:noFill/>
+                    </a:lnR>
+                    <a:lnT>
+                      <a:noFill/>
+                    </a:lnT>
+                    <a:lnB>
+                      <a:noFill/>
+                    </a:lnB>
+                    <a:solidFill>
+                      <a:srgbClr val="FFFFFF"/>
+                    </a:solidFill>
+                  </a:tcPr>
+                </a:tc>
+                <a:tc>
+                  <a:txBody>
+                    <a:bodyPr/>
+                    <a:lstStyle/>
+                    <a:p>
+                      <a:pPr marL="0" marR="0" algn="ctr">
+                        <a:spcBef>
+                          <a:spcPts val="0"/>
+                        </a:spcBef>
+                        <a:spcAft>
+                          <a:spcPts val="0"/>
+                        </a:spcAft>
+                      </a:pPr>
+                      <a:r>
+                        <a:rPr lang="en-US" sz="1400">
+                          <a:solidFill>
+                            <a:srgbClr val="000000"/>
+                          </a:solidFill>
+                          <a:effectLst/>
+                          <a:latin typeface="Times New Roman" panose="02020603050405020304" pitchFamily="18" charset="0"/>
+                          <a:ea typeface="Times New Roman" panose="02020603050405020304" pitchFamily="18" charset="0"/>
+                          <a:cs typeface="Times New Roman" panose="02020603050405020304" pitchFamily="18" charset="0"/>
+                        </a:rPr>
+                        <a:t>13.98</a:t>
+                      </a:r>
+                      <a:endParaRPr lang="en-US" sz="1400">
+                        <a:effectLst/>
+                        <a:latin typeface="Times New Roman" panose="02020603050405020304" pitchFamily="18" charset="0"/>
+                        <a:ea typeface="Calibri" panose="020F0502020204030204" pitchFamily="34" charset="0"/>
+                        <a:cs typeface="Times New Roman" panose="02020603050405020304" pitchFamily="18" charset="0"/>
+                      </a:endParaRPr>
+                    </a:p>
+                  </a:txBody>
+                  <a:tcPr marL="68580" marR="68580" marT="0" marB="0">
+                    <a:lnL>
+                      <a:noFill/>
+                    </a:lnL>
+                    <a:lnR>
+                      <a:noFill/>
+                    </a:lnR>
+                    <a:lnT>
+                      <a:noFill/>
+                    </a:lnT>
+                    <a:lnB>
+                      <a:noFill/>
+                    </a:lnB>
+                    <a:solidFill>
+                      <a:srgbClr val="FFFFFF"/>
+                    </a:solidFill>
+                  </a:tcPr>
+                </a:tc>
+                <a:tc>
+                  <a:txBody>
+                    <a:bodyPr/>
+                    <a:lstStyle/>
+                    <a:p>
+                      <a:pPr marL="0" marR="0" algn="ctr">
+                        <a:spcBef>
+                          <a:spcPts val="0"/>
+                        </a:spcBef>
+                        <a:spcAft>
+                          <a:spcPts val="0"/>
+                        </a:spcAft>
+                      </a:pPr>
+                      <a:r>
+                        <a:rPr lang="en-US" sz="1400">
+                          <a:solidFill>
+                            <a:srgbClr val="000000"/>
+                          </a:solidFill>
+                          <a:effectLst/>
+                          <a:latin typeface="Times New Roman" panose="02020603050405020304" pitchFamily="18" charset="0"/>
+                          <a:ea typeface="Times New Roman" panose="02020603050405020304" pitchFamily="18" charset="0"/>
+                          <a:cs typeface="Times New Roman" panose="02020603050405020304" pitchFamily="18" charset="0"/>
+                        </a:rPr>
+                        <a:t>3.48</a:t>
+                      </a:r>
+                      <a:endParaRPr lang="en-US" sz="1400">
+                        <a:effectLst/>
+                        <a:latin typeface="Times New Roman" panose="02020603050405020304" pitchFamily="18" charset="0"/>
+                        <a:ea typeface="Calibri" panose="020F0502020204030204" pitchFamily="34" charset="0"/>
+                        <a:cs typeface="Times New Roman" panose="02020603050405020304" pitchFamily="18" charset="0"/>
+                      </a:endParaRPr>
+                    </a:p>
+                  </a:txBody>
+                  <a:tcPr marL="68580" marR="68580" marT="0" marB="0">
+                    <a:lnL>
+                      <a:noFill/>
+                    </a:lnL>
+                    <a:lnR>
+                      <a:noFill/>
+                    </a:lnR>
+                    <a:lnT>
+                      <a:noFill/>
+                    </a:lnT>
+                    <a:lnB>
+                      <a:noFill/>
+                    </a:lnB>
+                    <a:solidFill>
+                      <a:srgbClr val="FFFFFF"/>
+                    </a:solidFill>
+                  </a:tcPr>
+                </a:tc>
+                <a:tc>
+                  <a:txBody>
+                    <a:bodyPr/>
+                    <a:lstStyle/>
+                    <a:p>
+                      <a:pPr marL="0" marR="0" algn="ctr">
+                        <a:spcBef>
+                          <a:spcPts val="0"/>
+                        </a:spcBef>
+                        <a:spcAft>
+                          <a:spcPts val="0"/>
+                        </a:spcAft>
+                      </a:pPr>
+                      <a:r>
+                        <a:rPr lang="en-US" sz="1400">
+                          <a:solidFill>
+                            <a:srgbClr val="000000"/>
+                          </a:solidFill>
+                          <a:effectLst/>
+                          <a:latin typeface="Times New Roman" panose="02020603050405020304" pitchFamily="18" charset="0"/>
+                          <a:ea typeface="Times New Roman" panose="02020603050405020304" pitchFamily="18" charset="0"/>
+                          <a:cs typeface="Times New Roman" panose="02020603050405020304" pitchFamily="18" charset="0"/>
+                        </a:rPr>
+                        <a:t>(3.22, 3.75)</a:t>
+                      </a:r>
+                      <a:endParaRPr lang="en-US" sz="1400">
+                        <a:effectLst/>
+                        <a:latin typeface="Times New Roman" panose="02020603050405020304" pitchFamily="18" charset="0"/>
+                        <a:ea typeface="Calibri" panose="020F0502020204030204" pitchFamily="34" charset="0"/>
+                        <a:cs typeface="Times New Roman" panose="02020603050405020304" pitchFamily="18" charset="0"/>
+                      </a:endParaRPr>
+                    </a:p>
+                  </a:txBody>
+                  <a:tcPr marL="68580" marR="68580" marT="0" marB="0">
+                    <a:lnL>
+                      <a:noFill/>
+                    </a:lnL>
+                    <a:lnR>
+                      <a:noFill/>
+                    </a:lnR>
+                    <a:lnT>
+                      <a:noFill/>
+                    </a:lnT>
+                    <a:lnB>
+                      <a:noFill/>
+                    </a:lnB>
+                    <a:solidFill>
+                      <a:srgbClr val="FFFFFF"/>
+                    </a:solidFill>
+                  </a:tcPr>
+                </a:tc>
+                <a:tc>
+                  <a:txBody>
+                    <a:bodyPr/>
+                    <a:lstStyle/>
+                    <a:p>
+                      <a:pPr marL="0" marR="0" algn="ctr">
+                        <a:spcBef>
+                          <a:spcPts val="0"/>
+                        </a:spcBef>
+                        <a:spcAft>
+                          <a:spcPts val="0"/>
+                        </a:spcAft>
+                      </a:pPr>
+                      <a:r>
+                        <a:rPr lang="en-US" sz="1400">
+                          <a:solidFill>
+                            <a:srgbClr val="000000"/>
+                          </a:solidFill>
+                          <a:effectLst/>
+                          <a:latin typeface="Times New Roman" panose="02020603050405020304" pitchFamily="18" charset="0"/>
+                          <a:ea typeface="Times New Roman" panose="02020603050405020304" pitchFamily="18" charset="0"/>
+                          <a:cs typeface="Times New Roman" panose="02020603050405020304" pitchFamily="18" charset="0"/>
+                        </a:rPr>
+                        <a:t>4.02</a:t>
+                      </a:r>
+                      <a:endParaRPr lang="en-US" sz="1400">
+                        <a:effectLst/>
+                        <a:latin typeface="Times New Roman" panose="02020603050405020304" pitchFamily="18" charset="0"/>
+                        <a:ea typeface="Calibri" panose="020F0502020204030204" pitchFamily="34" charset="0"/>
+                        <a:cs typeface="Times New Roman" panose="02020603050405020304" pitchFamily="18" charset="0"/>
+                      </a:endParaRPr>
+                    </a:p>
+                  </a:txBody>
+                  <a:tcPr marL="68580" marR="68580" marT="0" marB="0">
+                    <a:lnL>
+                      <a:noFill/>
+                    </a:lnL>
+                    <a:lnR>
+                      <a:noFill/>
+                    </a:lnR>
+                    <a:lnT>
+                      <a:noFill/>
+                    </a:lnT>
+                    <a:lnB>
+                      <a:noFill/>
+                    </a:lnB>
+                    <a:solidFill>
+                      <a:srgbClr val="FFFFFF"/>
+                    </a:solidFill>
+                  </a:tcPr>
+                </a:tc>
+                <a:tc>
+                  <a:txBody>
+                    <a:bodyPr/>
+                    <a:lstStyle/>
+                    <a:p>
+                      <a:pPr marL="0" marR="0" algn="ctr">
+                        <a:spcBef>
+                          <a:spcPts val="0"/>
+                        </a:spcBef>
+                        <a:spcAft>
+                          <a:spcPts val="0"/>
+                        </a:spcAft>
+                      </a:pPr>
+                      <a:r>
+                        <a:rPr lang="en-US" sz="1400">
+                          <a:solidFill>
+                            <a:srgbClr val="000000"/>
+                          </a:solidFill>
+                          <a:effectLst/>
+                          <a:latin typeface="Times New Roman" panose="02020603050405020304" pitchFamily="18" charset="0"/>
+                          <a:ea typeface="Calibri" panose="020F0502020204030204" pitchFamily="34" charset="0"/>
+                          <a:cs typeface="Times New Roman" panose="02020603050405020304" pitchFamily="18" charset="0"/>
+                        </a:rPr>
+                        <a:t>≥ 1.20</a:t>
+                      </a:r>
+                      <a:endParaRPr lang="en-US" sz="1400">
+                        <a:effectLst/>
+                        <a:latin typeface="Times New Roman" panose="02020603050405020304" pitchFamily="18" charset="0"/>
+                        <a:ea typeface="Calibri" panose="020F0502020204030204" pitchFamily="34" charset="0"/>
+                        <a:cs typeface="Times New Roman" panose="02020603050405020304" pitchFamily="18" charset="0"/>
+                      </a:endParaRPr>
+                    </a:p>
+                  </a:txBody>
+                  <a:tcPr marL="68580" marR="68580" marT="0" marB="0">
+                    <a:lnL>
+                      <a:noFill/>
+                    </a:lnL>
+                    <a:lnR>
+                      <a:noFill/>
+                    </a:lnR>
+                    <a:lnT>
+                      <a:noFill/>
+                    </a:lnT>
+                    <a:lnB>
+                      <a:noFill/>
+                    </a:lnB>
+                    <a:solidFill>
+                      <a:srgbClr val="FFFFFF"/>
+                    </a:solidFill>
+                  </a:tcPr>
+                </a:tc>
+                <a:extLst>
+                  <a:ext uri="{0D108BD9-81ED-4DB2-BD59-A6C34878D82A}">
+                    <a16:rowId xmlns:a16="http://schemas.microsoft.com/office/drawing/2014/main" val="453103560"/>
+                  </a:ext>
+                </a:extLst>
+              </a:tr>
+              <a:tr h="246958">
+                <a:tc>
+                  <a:txBody>
+                    <a:bodyPr/>
+                    <a:lstStyle/>
+                    <a:p>
+                      <a:pPr marL="0" marR="0" algn="ctr">
+                        <a:spcBef>
+                          <a:spcPts val="0"/>
+                        </a:spcBef>
+                        <a:spcAft>
+                          <a:spcPts val="0"/>
+                        </a:spcAft>
+                      </a:pPr>
+                      <a:r>
+                        <a:rPr lang="en-US" sz="1400" b="1">
+                          <a:solidFill>
+                            <a:srgbClr val="000000"/>
+                          </a:solidFill>
+                          <a:effectLst/>
+                          <a:latin typeface="Times New Roman" panose="02020603050405020304" pitchFamily="18" charset="0"/>
+                          <a:ea typeface="Times New Roman" panose="02020603050405020304" pitchFamily="18" charset="0"/>
+                          <a:cs typeface="Times New Roman" panose="02020603050405020304" pitchFamily="18" charset="0"/>
+                        </a:rPr>
+                        <a:t>19</a:t>
+                      </a:r>
+                      <a:endParaRPr lang="en-US" sz="1400">
+                        <a:effectLst/>
+                        <a:latin typeface="Times New Roman" panose="02020603050405020304" pitchFamily="18" charset="0"/>
+                        <a:ea typeface="Calibri" panose="020F0502020204030204" pitchFamily="34" charset="0"/>
+                        <a:cs typeface="Times New Roman" panose="02020603050405020304" pitchFamily="18" charset="0"/>
+                      </a:endParaRPr>
+                    </a:p>
+                  </a:txBody>
+                  <a:tcPr marL="68580" marR="68580" marT="0" marB="0">
+                    <a:lnL>
+                      <a:noFill/>
+                    </a:lnL>
+                    <a:lnR>
+                      <a:noFill/>
+                    </a:lnR>
+                    <a:lnT>
+                      <a:noFill/>
+                    </a:lnT>
+                    <a:lnB>
+                      <a:noFill/>
+                    </a:lnB>
+                    <a:solidFill>
+                      <a:srgbClr val="FFFFFF"/>
+                    </a:solidFill>
+                  </a:tcPr>
+                </a:tc>
+                <a:tc>
+                  <a:txBody>
+                    <a:bodyPr/>
+                    <a:lstStyle/>
+                    <a:p>
+                      <a:pPr marL="0" marR="0" algn="ctr">
+                        <a:spcBef>
+                          <a:spcPts val="0"/>
+                        </a:spcBef>
+                        <a:spcAft>
+                          <a:spcPts val="0"/>
+                        </a:spcAft>
+                      </a:pPr>
+                      <a:r>
+                        <a:rPr lang="en-US" sz="1400">
+                          <a:solidFill>
+                            <a:srgbClr val="000000"/>
+                          </a:solidFill>
+                          <a:effectLst/>
+                          <a:latin typeface="Times New Roman" panose="02020603050405020304" pitchFamily="18" charset="0"/>
+                          <a:ea typeface="Times New Roman" panose="02020603050405020304" pitchFamily="18" charset="0"/>
+                          <a:cs typeface="Times New Roman" panose="02020603050405020304" pitchFamily="18" charset="0"/>
+                        </a:rPr>
+                        <a:t>0</a:t>
+                      </a:r>
+                      <a:endParaRPr lang="en-US" sz="1400">
+                        <a:effectLst/>
+                        <a:latin typeface="Times New Roman" panose="02020603050405020304" pitchFamily="18" charset="0"/>
+                        <a:ea typeface="Calibri" panose="020F0502020204030204" pitchFamily="34" charset="0"/>
+                        <a:cs typeface="Times New Roman" panose="02020603050405020304" pitchFamily="18" charset="0"/>
+                      </a:endParaRPr>
+                    </a:p>
+                  </a:txBody>
+                  <a:tcPr marL="68580" marR="68580" marT="0" marB="0">
+                    <a:lnL>
+                      <a:noFill/>
+                    </a:lnL>
+                    <a:lnR>
+                      <a:noFill/>
+                    </a:lnR>
+                    <a:lnT>
+                      <a:noFill/>
+                    </a:lnT>
+                    <a:lnB>
+                      <a:noFill/>
+                    </a:lnB>
+                    <a:solidFill>
+                      <a:srgbClr val="FFFFFF"/>
+                    </a:solidFill>
+                  </a:tcPr>
+                </a:tc>
+                <a:tc>
+                  <a:txBody>
+                    <a:bodyPr/>
+                    <a:lstStyle/>
+                    <a:p>
+                      <a:pPr marL="0" marR="0" algn="ctr">
+                        <a:spcBef>
+                          <a:spcPts val="0"/>
+                        </a:spcBef>
+                        <a:spcAft>
+                          <a:spcPts val="0"/>
+                        </a:spcAft>
+                      </a:pPr>
+                      <a:r>
+                        <a:rPr lang="en-US" sz="1400">
+                          <a:solidFill>
+                            <a:srgbClr val="000000"/>
+                          </a:solidFill>
+                          <a:effectLst/>
+                          <a:latin typeface="Times New Roman" panose="02020603050405020304" pitchFamily="18" charset="0"/>
+                          <a:ea typeface="Times New Roman" panose="02020603050405020304" pitchFamily="18" charset="0"/>
+                          <a:cs typeface="Times New Roman" panose="02020603050405020304" pitchFamily="18" charset="0"/>
+                        </a:rPr>
+                        <a:t>113</a:t>
+                      </a:r>
+                      <a:endParaRPr lang="en-US" sz="1400">
+                        <a:effectLst/>
+                        <a:latin typeface="Times New Roman" panose="02020603050405020304" pitchFamily="18" charset="0"/>
+                        <a:ea typeface="Calibri" panose="020F0502020204030204" pitchFamily="34" charset="0"/>
+                        <a:cs typeface="Times New Roman" panose="02020603050405020304" pitchFamily="18" charset="0"/>
+                      </a:endParaRPr>
+                    </a:p>
+                  </a:txBody>
+                  <a:tcPr marL="68580" marR="68580" marT="0" marB="0">
+                    <a:lnL>
+                      <a:noFill/>
+                    </a:lnL>
+                    <a:lnR>
+                      <a:noFill/>
+                    </a:lnR>
+                    <a:lnT>
+                      <a:noFill/>
+                    </a:lnT>
+                    <a:lnB>
+                      <a:noFill/>
+                    </a:lnB>
+                    <a:solidFill>
+                      <a:srgbClr val="FFFFFF"/>
+                    </a:solidFill>
+                  </a:tcPr>
+                </a:tc>
+                <a:tc>
+                  <a:txBody>
+                    <a:bodyPr/>
+                    <a:lstStyle/>
+                    <a:p>
+                      <a:pPr marL="0" marR="0" algn="ctr">
+                        <a:spcBef>
+                          <a:spcPts val="0"/>
+                        </a:spcBef>
+                        <a:spcAft>
+                          <a:spcPts val="0"/>
+                        </a:spcAft>
+                      </a:pPr>
+                      <a:r>
+                        <a:rPr lang="en-US" sz="1400">
+                          <a:solidFill>
+                            <a:srgbClr val="000000"/>
+                          </a:solidFill>
+                          <a:effectLst/>
+                          <a:latin typeface="Times New Roman" panose="02020603050405020304" pitchFamily="18" charset="0"/>
+                          <a:ea typeface="Times New Roman" panose="02020603050405020304" pitchFamily="18" charset="0"/>
+                          <a:cs typeface="Times New Roman" panose="02020603050405020304" pitchFamily="18" charset="0"/>
+                        </a:rPr>
+                        <a:t>0</a:t>
+                      </a:r>
+                      <a:endParaRPr lang="en-US" sz="1400">
+                        <a:effectLst/>
+                        <a:latin typeface="Times New Roman" panose="02020603050405020304" pitchFamily="18" charset="0"/>
+                        <a:ea typeface="Calibri" panose="020F0502020204030204" pitchFamily="34" charset="0"/>
+                        <a:cs typeface="Times New Roman" panose="02020603050405020304" pitchFamily="18" charset="0"/>
+                      </a:endParaRPr>
+                    </a:p>
+                  </a:txBody>
+                  <a:tcPr marL="68580" marR="68580" marT="0" marB="0">
+                    <a:lnL>
+                      <a:noFill/>
+                    </a:lnL>
+                    <a:lnR>
+                      <a:noFill/>
+                    </a:lnR>
+                    <a:lnT>
+                      <a:noFill/>
+                    </a:lnT>
+                    <a:lnB>
+                      <a:noFill/>
+                    </a:lnB>
+                    <a:solidFill>
+                      <a:srgbClr val="FFFFFF"/>
+                    </a:solidFill>
+                  </a:tcPr>
+                </a:tc>
+                <a:tc>
+                  <a:txBody>
+                    <a:bodyPr/>
+                    <a:lstStyle/>
+                    <a:p>
+                      <a:pPr marL="0" marR="0" algn="ctr">
+                        <a:spcBef>
+                          <a:spcPts val="0"/>
+                        </a:spcBef>
+                        <a:spcAft>
+                          <a:spcPts val="0"/>
+                        </a:spcAft>
+                      </a:pPr>
+                      <a:r>
+                        <a:rPr lang="en-US" sz="1400">
+                          <a:solidFill>
+                            <a:srgbClr val="000000"/>
+                          </a:solidFill>
+                          <a:effectLst/>
+                          <a:latin typeface="Times New Roman" panose="02020603050405020304" pitchFamily="18" charset="0"/>
+                          <a:ea typeface="Times New Roman" panose="02020603050405020304" pitchFamily="18" charset="0"/>
+                          <a:cs typeface="Times New Roman" panose="02020603050405020304" pitchFamily="18" charset="0"/>
+                        </a:rPr>
+                        <a:t>3.13</a:t>
+                      </a:r>
+                      <a:endParaRPr lang="en-US" sz="1400">
+                        <a:effectLst/>
+                        <a:latin typeface="Times New Roman" panose="02020603050405020304" pitchFamily="18" charset="0"/>
+                        <a:ea typeface="Calibri" panose="020F0502020204030204" pitchFamily="34" charset="0"/>
+                        <a:cs typeface="Times New Roman" panose="02020603050405020304" pitchFamily="18" charset="0"/>
+                      </a:endParaRPr>
+                    </a:p>
+                  </a:txBody>
+                  <a:tcPr marL="68580" marR="68580" marT="0" marB="0">
+                    <a:lnL>
+                      <a:noFill/>
+                    </a:lnL>
+                    <a:lnR>
+                      <a:noFill/>
+                    </a:lnR>
+                    <a:lnT>
+                      <a:noFill/>
+                    </a:lnT>
+                    <a:lnB>
+                      <a:noFill/>
+                    </a:lnB>
+                    <a:solidFill>
+                      <a:srgbClr val="FFFFFF"/>
+                    </a:solidFill>
+                  </a:tcPr>
+                </a:tc>
+                <a:tc>
+                  <a:txBody>
+                    <a:bodyPr/>
+                    <a:lstStyle/>
+                    <a:p>
+                      <a:pPr marL="0" marR="0" algn="ctr">
+                        <a:spcBef>
+                          <a:spcPts val="0"/>
+                        </a:spcBef>
+                        <a:spcAft>
+                          <a:spcPts val="0"/>
+                        </a:spcAft>
+                      </a:pPr>
+                      <a:r>
+                        <a:rPr lang="en-US" sz="1400">
+                          <a:solidFill>
+                            <a:srgbClr val="000000"/>
+                          </a:solidFill>
+                          <a:effectLst/>
+                          <a:latin typeface="Times New Roman" panose="02020603050405020304" pitchFamily="18" charset="0"/>
+                          <a:ea typeface="Times New Roman" panose="02020603050405020304" pitchFamily="18" charset="0"/>
+                          <a:cs typeface="Times New Roman" panose="02020603050405020304" pitchFamily="18" charset="0"/>
+                        </a:rPr>
+                        <a:t>(2.89, 3.37)</a:t>
+                      </a:r>
+                      <a:endParaRPr lang="en-US" sz="1400">
+                        <a:effectLst/>
+                        <a:latin typeface="Times New Roman" panose="02020603050405020304" pitchFamily="18" charset="0"/>
+                        <a:ea typeface="Calibri" panose="020F0502020204030204" pitchFamily="34" charset="0"/>
+                        <a:cs typeface="Times New Roman" panose="02020603050405020304" pitchFamily="18" charset="0"/>
+                      </a:endParaRPr>
+                    </a:p>
+                  </a:txBody>
+                  <a:tcPr marL="68580" marR="68580" marT="0" marB="0">
+                    <a:lnL>
+                      <a:noFill/>
+                    </a:lnL>
+                    <a:lnR>
+                      <a:noFill/>
+                    </a:lnR>
+                    <a:lnT>
+                      <a:noFill/>
+                    </a:lnT>
+                    <a:lnB>
+                      <a:noFill/>
+                    </a:lnB>
+                    <a:solidFill>
+                      <a:srgbClr val="FFFFFF"/>
+                    </a:solidFill>
+                  </a:tcPr>
+                </a:tc>
+                <a:tc>
+                  <a:txBody>
+                    <a:bodyPr/>
+                    <a:lstStyle/>
+                    <a:p>
+                      <a:pPr marL="0" marR="0" algn="ctr">
+                        <a:spcBef>
+                          <a:spcPts val="0"/>
+                        </a:spcBef>
+                        <a:spcAft>
+                          <a:spcPts val="0"/>
+                        </a:spcAft>
+                      </a:pPr>
+                      <a:r>
+                        <a:rPr lang="en-US" sz="1400">
+                          <a:solidFill>
+                            <a:srgbClr val="000000"/>
+                          </a:solidFill>
+                          <a:effectLst/>
+                          <a:latin typeface="Times New Roman" panose="02020603050405020304" pitchFamily="18" charset="0"/>
+                          <a:ea typeface="Times New Roman" panose="02020603050405020304" pitchFamily="18" charset="0"/>
+                          <a:cs typeface="Times New Roman" panose="02020603050405020304" pitchFamily="18" charset="0"/>
+                        </a:rPr>
+                        <a:t>0</a:t>
+                      </a:r>
+                      <a:endParaRPr lang="en-US" sz="1400">
+                        <a:effectLst/>
+                        <a:latin typeface="Times New Roman" panose="02020603050405020304" pitchFamily="18" charset="0"/>
+                        <a:ea typeface="Calibri" panose="020F0502020204030204" pitchFamily="34" charset="0"/>
+                        <a:cs typeface="Times New Roman" panose="02020603050405020304" pitchFamily="18" charset="0"/>
+                      </a:endParaRPr>
+                    </a:p>
+                  </a:txBody>
+                  <a:tcPr marL="68580" marR="68580" marT="0" marB="0">
+                    <a:lnL>
+                      <a:noFill/>
+                    </a:lnL>
+                    <a:lnR>
+                      <a:noFill/>
+                    </a:lnR>
+                    <a:lnT>
+                      <a:noFill/>
+                    </a:lnT>
+                    <a:lnB>
+                      <a:noFill/>
+                    </a:lnB>
+                    <a:solidFill>
+                      <a:srgbClr val="FFFFFF"/>
+                    </a:solidFill>
+                  </a:tcPr>
+                </a:tc>
+                <a:tc>
+                  <a:txBody>
+                    <a:bodyPr/>
+                    <a:lstStyle/>
+                    <a:p>
+                      <a:pPr marL="0" marR="0" algn="ctr">
+                        <a:spcBef>
+                          <a:spcPts val="0"/>
+                        </a:spcBef>
+                        <a:spcAft>
+                          <a:spcPts val="0"/>
+                        </a:spcAft>
+                      </a:pPr>
+                      <a:r>
+                        <a:rPr lang="en-US" sz="1400">
+                          <a:solidFill>
+                            <a:srgbClr val="000000"/>
+                          </a:solidFill>
+                          <a:effectLst/>
+                          <a:latin typeface="Times New Roman" panose="02020603050405020304" pitchFamily="18" charset="0"/>
+                          <a:ea typeface="Calibri" panose="020F0502020204030204" pitchFamily="34" charset="0"/>
+                          <a:cs typeface="Times New Roman" panose="02020603050405020304" pitchFamily="18" charset="0"/>
+                        </a:rPr>
+                        <a:t>≤ 0.80</a:t>
+                      </a:r>
+                      <a:endParaRPr lang="en-US" sz="1400">
+                        <a:effectLst/>
+                        <a:latin typeface="Times New Roman" panose="02020603050405020304" pitchFamily="18" charset="0"/>
+                        <a:ea typeface="Calibri" panose="020F0502020204030204" pitchFamily="34" charset="0"/>
+                        <a:cs typeface="Times New Roman" panose="02020603050405020304" pitchFamily="18" charset="0"/>
+                      </a:endParaRPr>
+                    </a:p>
+                  </a:txBody>
+                  <a:tcPr marL="68580" marR="68580" marT="0" marB="0">
+                    <a:lnL>
+                      <a:noFill/>
+                    </a:lnL>
+                    <a:lnR>
+                      <a:noFill/>
+                    </a:lnR>
+                    <a:lnT>
+                      <a:noFill/>
+                    </a:lnT>
+                    <a:lnB>
+                      <a:noFill/>
+                    </a:lnB>
+                    <a:solidFill>
+                      <a:srgbClr val="FFFFFF"/>
+                    </a:solidFill>
+                  </a:tcPr>
+                </a:tc>
+                <a:extLst>
+                  <a:ext uri="{0D108BD9-81ED-4DB2-BD59-A6C34878D82A}">
+                    <a16:rowId xmlns:a16="http://schemas.microsoft.com/office/drawing/2014/main" val="753717033"/>
+                  </a:ext>
+                </a:extLst>
+              </a:tr>
+              <a:tr h="246958">
+                <a:tc>
+                  <a:txBody>
+                    <a:bodyPr/>
+                    <a:lstStyle/>
+                    <a:p>
+                      <a:pPr marL="0" marR="0" algn="ctr">
+                        <a:spcBef>
+                          <a:spcPts val="0"/>
+                        </a:spcBef>
+                        <a:spcAft>
+                          <a:spcPts val="0"/>
+                        </a:spcAft>
+                      </a:pPr>
+                      <a:r>
+                        <a:rPr lang="en-US" sz="1400" b="1">
+                          <a:solidFill>
+                            <a:srgbClr val="000000"/>
+                          </a:solidFill>
+                          <a:effectLst/>
+                          <a:latin typeface="Times New Roman" panose="02020603050405020304" pitchFamily="18" charset="0"/>
+                          <a:ea typeface="Times New Roman" panose="02020603050405020304" pitchFamily="18" charset="0"/>
+                          <a:cs typeface="Times New Roman" panose="02020603050405020304" pitchFamily="18" charset="0"/>
+                        </a:rPr>
+                        <a:t>32</a:t>
+                      </a:r>
+                      <a:endParaRPr lang="en-US" sz="1400">
+                        <a:effectLst/>
+                        <a:latin typeface="Times New Roman" panose="02020603050405020304" pitchFamily="18" charset="0"/>
+                        <a:ea typeface="Calibri" panose="020F0502020204030204" pitchFamily="34" charset="0"/>
+                        <a:cs typeface="Times New Roman" panose="02020603050405020304" pitchFamily="18" charset="0"/>
+                      </a:endParaRPr>
+                    </a:p>
+                  </a:txBody>
+                  <a:tcPr marL="68580" marR="68580" marT="0" marB="0">
+                    <a:lnL>
+                      <a:noFill/>
+                    </a:lnL>
+                    <a:lnR>
+                      <a:noFill/>
+                    </a:lnR>
+                    <a:lnT>
+                      <a:noFill/>
+                    </a:lnT>
+                    <a:lnB>
+                      <a:noFill/>
+                    </a:lnB>
+                    <a:solidFill>
+                      <a:srgbClr val="FFFFFF"/>
+                    </a:solidFill>
+                  </a:tcPr>
+                </a:tc>
+                <a:tc>
+                  <a:txBody>
+                    <a:bodyPr/>
+                    <a:lstStyle/>
+                    <a:p>
+                      <a:pPr marL="0" marR="0" algn="ctr">
+                        <a:spcBef>
+                          <a:spcPts val="0"/>
+                        </a:spcBef>
+                        <a:spcAft>
+                          <a:spcPts val="0"/>
+                        </a:spcAft>
+                      </a:pPr>
+                      <a:r>
+                        <a:rPr lang="en-US" sz="1400">
+                          <a:solidFill>
+                            <a:srgbClr val="000000"/>
+                          </a:solidFill>
+                          <a:effectLst/>
+                          <a:latin typeface="Times New Roman" panose="02020603050405020304" pitchFamily="18" charset="0"/>
+                          <a:ea typeface="Times New Roman" panose="02020603050405020304" pitchFamily="18" charset="0"/>
+                          <a:cs typeface="Times New Roman" panose="02020603050405020304" pitchFamily="18" charset="0"/>
+                        </a:rPr>
+                        <a:t>0</a:t>
+                      </a:r>
+                      <a:endParaRPr lang="en-US" sz="1400">
+                        <a:effectLst/>
+                        <a:latin typeface="Times New Roman" panose="02020603050405020304" pitchFamily="18" charset="0"/>
+                        <a:ea typeface="Calibri" panose="020F0502020204030204" pitchFamily="34" charset="0"/>
+                        <a:cs typeface="Times New Roman" panose="02020603050405020304" pitchFamily="18" charset="0"/>
+                      </a:endParaRPr>
+                    </a:p>
+                  </a:txBody>
+                  <a:tcPr marL="68580" marR="68580" marT="0" marB="0">
+                    <a:lnL>
+                      <a:noFill/>
+                    </a:lnL>
+                    <a:lnR>
+                      <a:noFill/>
+                    </a:lnR>
+                    <a:lnT>
+                      <a:noFill/>
+                    </a:lnT>
+                    <a:lnB>
+                      <a:noFill/>
+                    </a:lnB>
+                    <a:solidFill>
+                      <a:srgbClr val="FFFFFF"/>
+                    </a:solidFill>
+                  </a:tcPr>
+                </a:tc>
+                <a:tc>
+                  <a:txBody>
+                    <a:bodyPr/>
+                    <a:lstStyle/>
+                    <a:p>
+                      <a:pPr marL="0" marR="0" algn="ctr">
+                        <a:spcBef>
+                          <a:spcPts val="0"/>
+                        </a:spcBef>
+                        <a:spcAft>
+                          <a:spcPts val="0"/>
+                        </a:spcAft>
+                      </a:pPr>
+                      <a:r>
+                        <a:rPr lang="en-US" sz="1400">
+                          <a:solidFill>
+                            <a:srgbClr val="000000"/>
+                          </a:solidFill>
+                          <a:effectLst/>
+                          <a:latin typeface="Times New Roman" panose="02020603050405020304" pitchFamily="18" charset="0"/>
+                          <a:ea typeface="Times New Roman" panose="02020603050405020304" pitchFamily="18" charset="0"/>
+                          <a:cs typeface="Times New Roman" panose="02020603050405020304" pitchFamily="18" charset="0"/>
+                        </a:rPr>
+                        <a:t>93</a:t>
+                      </a:r>
+                      <a:endParaRPr lang="en-US" sz="1400">
+                        <a:effectLst/>
+                        <a:latin typeface="Times New Roman" panose="02020603050405020304" pitchFamily="18" charset="0"/>
+                        <a:ea typeface="Calibri" panose="020F0502020204030204" pitchFamily="34" charset="0"/>
+                        <a:cs typeface="Times New Roman" panose="02020603050405020304" pitchFamily="18" charset="0"/>
+                      </a:endParaRPr>
+                    </a:p>
+                  </a:txBody>
+                  <a:tcPr marL="68580" marR="68580" marT="0" marB="0">
+                    <a:lnL>
+                      <a:noFill/>
+                    </a:lnL>
+                    <a:lnR>
+                      <a:noFill/>
+                    </a:lnR>
+                    <a:lnT>
+                      <a:noFill/>
+                    </a:lnT>
+                    <a:lnB>
+                      <a:noFill/>
+                    </a:lnB>
+                    <a:solidFill>
+                      <a:srgbClr val="FFFFFF"/>
+                    </a:solidFill>
+                  </a:tcPr>
+                </a:tc>
+                <a:tc>
+                  <a:txBody>
+                    <a:bodyPr/>
+                    <a:lstStyle/>
+                    <a:p>
+                      <a:pPr marL="0" marR="0" algn="ctr">
+                        <a:spcBef>
+                          <a:spcPts val="0"/>
+                        </a:spcBef>
+                        <a:spcAft>
+                          <a:spcPts val="0"/>
+                        </a:spcAft>
+                      </a:pPr>
+                      <a:r>
+                        <a:rPr lang="en-US" sz="1400">
+                          <a:solidFill>
+                            <a:srgbClr val="000000"/>
+                          </a:solidFill>
+                          <a:effectLst/>
+                          <a:latin typeface="Times New Roman" panose="02020603050405020304" pitchFamily="18" charset="0"/>
+                          <a:ea typeface="Times New Roman" panose="02020603050405020304" pitchFamily="18" charset="0"/>
+                          <a:cs typeface="Times New Roman" panose="02020603050405020304" pitchFamily="18" charset="0"/>
+                        </a:rPr>
+                        <a:t>0</a:t>
+                      </a:r>
+                      <a:endParaRPr lang="en-US" sz="1400">
+                        <a:effectLst/>
+                        <a:latin typeface="Times New Roman" panose="02020603050405020304" pitchFamily="18" charset="0"/>
+                        <a:ea typeface="Calibri" panose="020F0502020204030204" pitchFamily="34" charset="0"/>
+                        <a:cs typeface="Times New Roman" panose="02020603050405020304" pitchFamily="18" charset="0"/>
+                      </a:endParaRPr>
+                    </a:p>
+                  </a:txBody>
+                  <a:tcPr marL="68580" marR="68580" marT="0" marB="0">
+                    <a:lnL>
+                      <a:noFill/>
+                    </a:lnL>
+                    <a:lnR>
+                      <a:noFill/>
+                    </a:lnR>
+                    <a:lnT>
+                      <a:noFill/>
+                    </a:lnT>
+                    <a:lnB>
+                      <a:noFill/>
+                    </a:lnB>
+                    <a:solidFill>
+                      <a:srgbClr val="FFFFFF"/>
+                    </a:solidFill>
+                  </a:tcPr>
+                </a:tc>
+                <a:tc>
+                  <a:txBody>
+                    <a:bodyPr/>
+                    <a:lstStyle/>
+                    <a:p>
+                      <a:pPr marL="0" marR="0" algn="ctr">
+                        <a:spcBef>
+                          <a:spcPts val="0"/>
+                        </a:spcBef>
+                        <a:spcAft>
+                          <a:spcPts val="0"/>
+                        </a:spcAft>
+                      </a:pPr>
+                      <a:r>
+                        <a:rPr lang="en-US" sz="1400">
+                          <a:solidFill>
+                            <a:srgbClr val="000000"/>
+                          </a:solidFill>
+                          <a:effectLst/>
+                          <a:latin typeface="Times New Roman" panose="02020603050405020304" pitchFamily="18" charset="0"/>
+                          <a:ea typeface="Times New Roman" panose="02020603050405020304" pitchFamily="18" charset="0"/>
+                          <a:cs typeface="Times New Roman" panose="02020603050405020304" pitchFamily="18" charset="0"/>
+                        </a:rPr>
+                        <a:t>3.19</a:t>
+                      </a:r>
+                      <a:endParaRPr lang="en-US" sz="1400">
+                        <a:effectLst/>
+                        <a:latin typeface="Times New Roman" panose="02020603050405020304" pitchFamily="18" charset="0"/>
+                        <a:ea typeface="Calibri" panose="020F0502020204030204" pitchFamily="34" charset="0"/>
+                        <a:cs typeface="Times New Roman" panose="02020603050405020304" pitchFamily="18" charset="0"/>
+                      </a:endParaRPr>
+                    </a:p>
+                  </a:txBody>
+                  <a:tcPr marL="68580" marR="68580" marT="0" marB="0">
+                    <a:lnL>
+                      <a:noFill/>
+                    </a:lnL>
+                    <a:lnR>
+                      <a:noFill/>
+                    </a:lnR>
+                    <a:lnT>
+                      <a:noFill/>
+                    </a:lnT>
+                    <a:lnB>
+                      <a:noFill/>
+                    </a:lnB>
+                    <a:solidFill>
+                      <a:srgbClr val="FFFFFF"/>
+                    </a:solidFill>
+                  </a:tcPr>
+                </a:tc>
+                <a:tc>
+                  <a:txBody>
+                    <a:bodyPr/>
+                    <a:lstStyle/>
+                    <a:p>
+                      <a:pPr marL="0" marR="0" algn="ctr">
+                        <a:spcBef>
+                          <a:spcPts val="0"/>
+                        </a:spcBef>
+                        <a:spcAft>
+                          <a:spcPts val="0"/>
+                        </a:spcAft>
+                      </a:pPr>
+                      <a:r>
+                        <a:rPr lang="en-US" sz="1400">
+                          <a:solidFill>
+                            <a:srgbClr val="000000"/>
+                          </a:solidFill>
+                          <a:effectLst/>
+                          <a:latin typeface="Times New Roman" panose="02020603050405020304" pitchFamily="18" charset="0"/>
+                          <a:ea typeface="Times New Roman" panose="02020603050405020304" pitchFamily="18" charset="0"/>
+                          <a:cs typeface="Times New Roman" panose="02020603050405020304" pitchFamily="18" charset="0"/>
+                        </a:rPr>
+                        <a:t>(2.96, 3.43)</a:t>
+                      </a:r>
+                      <a:endParaRPr lang="en-US" sz="1400">
+                        <a:effectLst/>
+                        <a:latin typeface="Times New Roman" panose="02020603050405020304" pitchFamily="18" charset="0"/>
+                        <a:ea typeface="Calibri" panose="020F0502020204030204" pitchFamily="34" charset="0"/>
+                        <a:cs typeface="Times New Roman" panose="02020603050405020304" pitchFamily="18" charset="0"/>
+                      </a:endParaRPr>
+                    </a:p>
+                  </a:txBody>
+                  <a:tcPr marL="68580" marR="68580" marT="0" marB="0">
+                    <a:lnL>
+                      <a:noFill/>
+                    </a:lnL>
+                    <a:lnR>
+                      <a:noFill/>
+                    </a:lnR>
+                    <a:lnT>
+                      <a:noFill/>
+                    </a:lnT>
+                    <a:lnB>
+                      <a:noFill/>
+                    </a:lnB>
+                    <a:solidFill>
+                      <a:srgbClr val="FFFFFF"/>
+                    </a:solidFill>
+                  </a:tcPr>
+                </a:tc>
+                <a:tc>
+                  <a:txBody>
+                    <a:bodyPr/>
+                    <a:lstStyle/>
+                    <a:p>
+                      <a:pPr marL="0" marR="0" algn="ctr">
+                        <a:spcBef>
+                          <a:spcPts val="0"/>
+                        </a:spcBef>
+                        <a:spcAft>
+                          <a:spcPts val="0"/>
+                        </a:spcAft>
+                      </a:pPr>
+                      <a:r>
+                        <a:rPr lang="en-US" sz="1400">
+                          <a:solidFill>
+                            <a:srgbClr val="000000"/>
+                          </a:solidFill>
+                          <a:effectLst/>
+                          <a:latin typeface="Times New Roman" panose="02020603050405020304" pitchFamily="18" charset="0"/>
+                          <a:ea typeface="Times New Roman" panose="02020603050405020304" pitchFamily="18" charset="0"/>
+                          <a:cs typeface="Times New Roman" panose="02020603050405020304" pitchFamily="18" charset="0"/>
+                        </a:rPr>
+                        <a:t>0</a:t>
+                      </a:r>
+                      <a:endParaRPr lang="en-US" sz="1400">
+                        <a:effectLst/>
+                        <a:latin typeface="Times New Roman" panose="02020603050405020304" pitchFamily="18" charset="0"/>
+                        <a:ea typeface="Calibri" panose="020F0502020204030204" pitchFamily="34" charset="0"/>
+                        <a:cs typeface="Times New Roman" panose="02020603050405020304" pitchFamily="18" charset="0"/>
+                      </a:endParaRPr>
+                    </a:p>
+                  </a:txBody>
+                  <a:tcPr marL="68580" marR="68580" marT="0" marB="0">
+                    <a:lnL>
+                      <a:noFill/>
+                    </a:lnL>
+                    <a:lnR>
+                      <a:noFill/>
+                    </a:lnR>
+                    <a:lnT>
+                      <a:noFill/>
+                    </a:lnT>
+                    <a:lnB>
+                      <a:noFill/>
+                    </a:lnB>
+                    <a:solidFill>
+                      <a:srgbClr val="FFFFFF"/>
+                    </a:solidFill>
+                  </a:tcPr>
+                </a:tc>
+                <a:tc>
+                  <a:txBody>
+                    <a:bodyPr/>
+                    <a:lstStyle/>
+                    <a:p>
+                      <a:pPr marL="0" marR="0" algn="ctr">
+                        <a:spcBef>
+                          <a:spcPts val="0"/>
+                        </a:spcBef>
+                        <a:spcAft>
+                          <a:spcPts val="0"/>
+                        </a:spcAft>
+                      </a:pPr>
+                      <a:r>
+                        <a:rPr lang="en-US" sz="1400">
+                          <a:solidFill>
+                            <a:srgbClr val="000000"/>
+                          </a:solidFill>
+                          <a:effectLst/>
+                          <a:latin typeface="Times New Roman" panose="02020603050405020304" pitchFamily="18" charset="0"/>
+                          <a:ea typeface="Calibri" panose="020F0502020204030204" pitchFamily="34" charset="0"/>
+                          <a:cs typeface="Times New Roman" panose="02020603050405020304" pitchFamily="18" charset="0"/>
+                        </a:rPr>
+                        <a:t>≤ 0.80</a:t>
+                      </a:r>
+                      <a:endParaRPr lang="en-US" sz="1400">
+                        <a:effectLst/>
+                        <a:latin typeface="Times New Roman" panose="02020603050405020304" pitchFamily="18" charset="0"/>
+                        <a:ea typeface="Calibri" panose="020F0502020204030204" pitchFamily="34" charset="0"/>
+                        <a:cs typeface="Times New Roman" panose="02020603050405020304" pitchFamily="18" charset="0"/>
+                      </a:endParaRPr>
+                    </a:p>
+                  </a:txBody>
+                  <a:tcPr marL="68580" marR="68580" marT="0" marB="0">
+                    <a:lnL>
+                      <a:noFill/>
+                    </a:lnL>
+                    <a:lnR>
+                      <a:noFill/>
+                    </a:lnR>
+                    <a:lnT>
+                      <a:noFill/>
+                    </a:lnT>
+                    <a:lnB>
+                      <a:noFill/>
+                    </a:lnB>
+                    <a:solidFill>
+                      <a:srgbClr val="FFFFFF"/>
+                    </a:solidFill>
+                  </a:tcPr>
+                </a:tc>
+                <a:extLst>
+                  <a:ext uri="{0D108BD9-81ED-4DB2-BD59-A6C34878D82A}">
+                    <a16:rowId xmlns:a16="http://schemas.microsoft.com/office/drawing/2014/main" val="2363590464"/>
+                  </a:ext>
+                </a:extLst>
+              </a:tr>
+              <a:tr h="246958">
+                <a:tc>
+                  <a:txBody>
+                    <a:bodyPr/>
+                    <a:lstStyle/>
+                    <a:p>
+                      <a:pPr marL="0" marR="0" algn="ctr">
+                        <a:spcBef>
+                          <a:spcPts val="0"/>
+                        </a:spcBef>
+                        <a:spcAft>
+                          <a:spcPts val="0"/>
+                        </a:spcAft>
+                      </a:pPr>
+                      <a:r>
+                        <a:rPr lang="en-US" sz="1400" b="1">
+                          <a:solidFill>
+                            <a:srgbClr val="000000"/>
+                          </a:solidFill>
+                          <a:effectLst/>
+                          <a:latin typeface="Times New Roman" panose="02020603050405020304" pitchFamily="18" charset="0"/>
+                          <a:ea typeface="Times New Roman" panose="02020603050405020304" pitchFamily="18" charset="0"/>
+                          <a:cs typeface="Times New Roman" panose="02020603050405020304" pitchFamily="18" charset="0"/>
+                        </a:rPr>
+                        <a:t>33</a:t>
+                      </a:r>
+                      <a:endParaRPr lang="en-US" sz="1400">
+                        <a:effectLst/>
+                        <a:latin typeface="Times New Roman" panose="02020603050405020304" pitchFamily="18" charset="0"/>
+                        <a:ea typeface="Calibri" panose="020F0502020204030204" pitchFamily="34" charset="0"/>
+                        <a:cs typeface="Times New Roman" panose="02020603050405020304" pitchFamily="18" charset="0"/>
+                      </a:endParaRPr>
+                    </a:p>
+                  </a:txBody>
+                  <a:tcPr marL="68580" marR="68580" marT="0" marB="0">
+                    <a:lnL>
+                      <a:noFill/>
+                    </a:lnL>
+                    <a:lnR>
+                      <a:noFill/>
+                    </a:lnR>
+                    <a:lnT>
+                      <a:noFill/>
+                    </a:lnT>
+                    <a:lnB>
+                      <a:noFill/>
+                    </a:lnB>
+                    <a:solidFill>
+                      <a:srgbClr val="FFFFFF"/>
+                    </a:solidFill>
+                  </a:tcPr>
+                </a:tc>
+                <a:tc>
+                  <a:txBody>
+                    <a:bodyPr/>
+                    <a:lstStyle/>
+                    <a:p>
+                      <a:pPr marL="0" marR="0" algn="ctr">
+                        <a:spcBef>
+                          <a:spcPts val="0"/>
+                        </a:spcBef>
+                        <a:spcAft>
+                          <a:spcPts val="0"/>
+                        </a:spcAft>
+                      </a:pPr>
+                      <a:r>
+                        <a:rPr lang="en-US" sz="1400">
+                          <a:solidFill>
+                            <a:srgbClr val="000000"/>
+                          </a:solidFill>
+                          <a:effectLst/>
+                          <a:latin typeface="Times New Roman" panose="02020603050405020304" pitchFamily="18" charset="0"/>
+                          <a:ea typeface="Times New Roman" panose="02020603050405020304" pitchFamily="18" charset="0"/>
+                          <a:cs typeface="Times New Roman" panose="02020603050405020304" pitchFamily="18" charset="0"/>
+                        </a:rPr>
+                        <a:t>0</a:t>
+                      </a:r>
+                      <a:endParaRPr lang="en-US" sz="1400">
+                        <a:effectLst/>
+                        <a:latin typeface="Times New Roman" panose="02020603050405020304" pitchFamily="18" charset="0"/>
+                        <a:ea typeface="Calibri" panose="020F0502020204030204" pitchFamily="34" charset="0"/>
+                        <a:cs typeface="Times New Roman" panose="02020603050405020304" pitchFamily="18" charset="0"/>
+                      </a:endParaRPr>
+                    </a:p>
+                  </a:txBody>
+                  <a:tcPr marL="68580" marR="68580" marT="0" marB="0">
+                    <a:lnL>
+                      <a:noFill/>
+                    </a:lnL>
+                    <a:lnR>
+                      <a:noFill/>
+                    </a:lnR>
+                    <a:lnT>
+                      <a:noFill/>
+                    </a:lnT>
+                    <a:lnB>
+                      <a:noFill/>
+                    </a:lnB>
+                    <a:solidFill>
+                      <a:srgbClr val="FFFFFF"/>
+                    </a:solidFill>
+                  </a:tcPr>
+                </a:tc>
+                <a:tc>
+                  <a:txBody>
+                    <a:bodyPr/>
+                    <a:lstStyle/>
+                    <a:p>
+                      <a:pPr marL="0" marR="0" algn="ctr">
+                        <a:spcBef>
+                          <a:spcPts val="0"/>
+                        </a:spcBef>
+                        <a:spcAft>
+                          <a:spcPts val="0"/>
+                        </a:spcAft>
+                      </a:pPr>
+                      <a:r>
+                        <a:rPr lang="en-US" sz="1400">
+                          <a:solidFill>
+                            <a:srgbClr val="000000"/>
+                          </a:solidFill>
+                          <a:effectLst/>
+                          <a:latin typeface="Times New Roman" panose="02020603050405020304" pitchFamily="18" charset="0"/>
+                          <a:ea typeface="Times New Roman" panose="02020603050405020304" pitchFamily="18" charset="0"/>
+                          <a:cs typeface="Times New Roman" panose="02020603050405020304" pitchFamily="18" charset="0"/>
+                        </a:rPr>
+                        <a:t>113</a:t>
+                      </a:r>
+                      <a:endParaRPr lang="en-US" sz="1400">
+                        <a:effectLst/>
+                        <a:latin typeface="Times New Roman" panose="02020603050405020304" pitchFamily="18" charset="0"/>
+                        <a:ea typeface="Calibri" panose="020F0502020204030204" pitchFamily="34" charset="0"/>
+                        <a:cs typeface="Times New Roman" panose="02020603050405020304" pitchFamily="18" charset="0"/>
+                      </a:endParaRPr>
+                    </a:p>
+                  </a:txBody>
+                  <a:tcPr marL="68580" marR="68580" marT="0" marB="0">
+                    <a:lnL>
+                      <a:noFill/>
+                    </a:lnL>
+                    <a:lnR>
+                      <a:noFill/>
+                    </a:lnR>
+                    <a:lnT>
+                      <a:noFill/>
+                    </a:lnT>
+                    <a:lnB>
+                      <a:noFill/>
+                    </a:lnB>
+                    <a:solidFill>
+                      <a:srgbClr val="FFFFFF"/>
+                    </a:solidFill>
+                  </a:tcPr>
+                </a:tc>
+                <a:tc>
+                  <a:txBody>
+                    <a:bodyPr/>
+                    <a:lstStyle/>
+                    <a:p>
+                      <a:pPr marL="0" marR="0" algn="ctr">
+                        <a:spcBef>
+                          <a:spcPts val="0"/>
+                        </a:spcBef>
+                        <a:spcAft>
+                          <a:spcPts val="0"/>
+                        </a:spcAft>
+                      </a:pPr>
+                      <a:r>
+                        <a:rPr lang="en-US" sz="1400">
+                          <a:solidFill>
+                            <a:srgbClr val="000000"/>
+                          </a:solidFill>
+                          <a:effectLst/>
+                          <a:latin typeface="Times New Roman" panose="02020603050405020304" pitchFamily="18" charset="0"/>
+                          <a:ea typeface="Times New Roman" panose="02020603050405020304" pitchFamily="18" charset="0"/>
+                          <a:cs typeface="Times New Roman" panose="02020603050405020304" pitchFamily="18" charset="0"/>
+                        </a:rPr>
+                        <a:t>0</a:t>
+                      </a:r>
+                      <a:endParaRPr lang="en-US" sz="1400">
+                        <a:effectLst/>
+                        <a:latin typeface="Times New Roman" panose="02020603050405020304" pitchFamily="18" charset="0"/>
+                        <a:ea typeface="Calibri" panose="020F0502020204030204" pitchFamily="34" charset="0"/>
+                        <a:cs typeface="Times New Roman" panose="02020603050405020304" pitchFamily="18" charset="0"/>
+                      </a:endParaRPr>
+                    </a:p>
+                  </a:txBody>
+                  <a:tcPr marL="68580" marR="68580" marT="0" marB="0">
+                    <a:lnL>
+                      <a:noFill/>
+                    </a:lnL>
+                    <a:lnR>
+                      <a:noFill/>
+                    </a:lnR>
+                    <a:lnT>
+                      <a:noFill/>
+                    </a:lnT>
+                    <a:lnB>
+                      <a:noFill/>
+                    </a:lnB>
+                    <a:solidFill>
+                      <a:srgbClr val="FFFFFF"/>
+                    </a:solidFill>
+                  </a:tcPr>
+                </a:tc>
+                <a:tc>
+                  <a:txBody>
+                    <a:bodyPr/>
+                    <a:lstStyle/>
+                    <a:p>
+                      <a:pPr marL="0" marR="0" algn="ctr">
+                        <a:spcBef>
+                          <a:spcPts val="0"/>
+                        </a:spcBef>
+                        <a:spcAft>
+                          <a:spcPts val="0"/>
+                        </a:spcAft>
+                      </a:pPr>
+                      <a:r>
+                        <a:rPr lang="en-US" sz="1400">
+                          <a:solidFill>
+                            <a:srgbClr val="000000"/>
+                          </a:solidFill>
+                          <a:effectLst/>
+                          <a:latin typeface="Times New Roman" panose="02020603050405020304" pitchFamily="18" charset="0"/>
+                          <a:ea typeface="Times New Roman" panose="02020603050405020304" pitchFamily="18" charset="0"/>
+                          <a:cs typeface="Times New Roman" panose="02020603050405020304" pitchFamily="18" charset="0"/>
+                        </a:rPr>
+                        <a:t>3.29</a:t>
+                      </a:r>
+                      <a:endParaRPr lang="en-US" sz="1400">
+                        <a:effectLst/>
+                        <a:latin typeface="Times New Roman" panose="02020603050405020304" pitchFamily="18" charset="0"/>
+                        <a:ea typeface="Calibri" panose="020F0502020204030204" pitchFamily="34" charset="0"/>
+                        <a:cs typeface="Times New Roman" panose="02020603050405020304" pitchFamily="18" charset="0"/>
+                      </a:endParaRPr>
+                    </a:p>
+                  </a:txBody>
+                  <a:tcPr marL="68580" marR="68580" marT="0" marB="0">
+                    <a:lnL>
+                      <a:noFill/>
+                    </a:lnL>
+                    <a:lnR>
+                      <a:noFill/>
+                    </a:lnR>
+                    <a:lnT>
+                      <a:noFill/>
+                    </a:lnT>
+                    <a:lnB>
+                      <a:noFill/>
+                    </a:lnB>
+                    <a:solidFill>
+                      <a:srgbClr val="FFFFFF"/>
+                    </a:solidFill>
+                  </a:tcPr>
+                </a:tc>
+                <a:tc>
+                  <a:txBody>
+                    <a:bodyPr/>
+                    <a:lstStyle/>
+                    <a:p>
+                      <a:pPr marL="0" marR="0" algn="ctr">
+                        <a:spcBef>
+                          <a:spcPts val="0"/>
+                        </a:spcBef>
+                        <a:spcAft>
+                          <a:spcPts val="0"/>
+                        </a:spcAft>
+                      </a:pPr>
+                      <a:r>
+                        <a:rPr lang="en-US" sz="1400">
+                          <a:solidFill>
+                            <a:srgbClr val="000000"/>
+                          </a:solidFill>
+                          <a:effectLst/>
+                          <a:latin typeface="Times New Roman" panose="02020603050405020304" pitchFamily="18" charset="0"/>
+                          <a:ea typeface="Times New Roman" panose="02020603050405020304" pitchFamily="18" charset="0"/>
+                          <a:cs typeface="Times New Roman" panose="02020603050405020304" pitchFamily="18" charset="0"/>
+                        </a:rPr>
+                        <a:t>(3.05, 3.54)</a:t>
+                      </a:r>
+                      <a:endParaRPr lang="en-US" sz="1400">
+                        <a:effectLst/>
+                        <a:latin typeface="Times New Roman" panose="02020603050405020304" pitchFamily="18" charset="0"/>
+                        <a:ea typeface="Calibri" panose="020F0502020204030204" pitchFamily="34" charset="0"/>
+                        <a:cs typeface="Times New Roman" panose="02020603050405020304" pitchFamily="18" charset="0"/>
+                      </a:endParaRPr>
+                    </a:p>
+                  </a:txBody>
+                  <a:tcPr marL="68580" marR="68580" marT="0" marB="0">
+                    <a:lnL>
+                      <a:noFill/>
+                    </a:lnL>
+                    <a:lnR>
+                      <a:noFill/>
+                    </a:lnR>
+                    <a:lnT>
+                      <a:noFill/>
+                    </a:lnT>
+                    <a:lnB>
+                      <a:noFill/>
+                    </a:lnB>
+                    <a:solidFill>
+                      <a:srgbClr val="FFFFFF"/>
+                    </a:solidFill>
+                  </a:tcPr>
+                </a:tc>
+                <a:tc>
+                  <a:txBody>
+                    <a:bodyPr/>
+                    <a:lstStyle/>
+                    <a:p>
+                      <a:pPr marL="0" marR="0" algn="ctr">
+                        <a:spcBef>
+                          <a:spcPts val="0"/>
+                        </a:spcBef>
+                        <a:spcAft>
+                          <a:spcPts val="0"/>
+                        </a:spcAft>
+                      </a:pPr>
+                      <a:r>
+                        <a:rPr lang="en-US" sz="1400">
+                          <a:solidFill>
+                            <a:srgbClr val="000000"/>
+                          </a:solidFill>
+                          <a:effectLst/>
+                          <a:latin typeface="Times New Roman" panose="02020603050405020304" pitchFamily="18" charset="0"/>
+                          <a:ea typeface="Times New Roman" panose="02020603050405020304" pitchFamily="18" charset="0"/>
+                          <a:cs typeface="Times New Roman" panose="02020603050405020304" pitchFamily="18" charset="0"/>
+                        </a:rPr>
+                        <a:t>0</a:t>
+                      </a:r>
+                      <a:endParaRPr lang="en-US" sz="1400">
+                        <a:effectLst/>
+                        <a:latin typeface="Times New Roman" panose="02020603050405020304" pitchFamily="18" charset="0"/>
+                        <a:ea typeface="Calibri" panose="020F0502020204030204" pitchFamily="34" charset="0"/>
+                        <a:cs typeface="Times New Roman" panose="02020603050405020304" pitchFamily="18" charset="0"/>
+                      </a:endParaRPr>
+                    </a:p>
+                  </a:txBody>
+                  <a:tcPr marL="68580" marR="68580" marT="0" marB="0">
+                    <a:lnL>
+                      <a:noFill/>
+                    </a:lnL>
+                    <a:lnR>
+                      <a:noFill/>
+                    </a:lnR>
+                    <a:lnT>
+                      <a:noFill/>
+                    </a:lnT>
+                    <a:lnB>
+                      <a:noFill/>
+                    </a:lnB>
+                    <a:solidFill>
+                      <a:srgbClr val="FFFFFF"/>
+                    </a:solidFill>
+                  </a:tcPr>
+                </a:tc>
+                <a:tc>
+                  <a:txBody>
+                    <a:bodyPr/>
+                    <a:lstStyle/>
+                    <a:p>
+                      <a:pPr marL="0" marR="0" algn="ctr">
+                        <a:spcBef>
+                          <a:spcPts val="0"/>
+                        </a:spcBef>
+                        <a:spcAft>
+                          <a:spcPts val="0"/>
+                        </a:spcAft>
+                      </a:pPr>
+                      <a:r>
+                        <a:rPr lang="en-US" sz="1400">
+                          <a:solidFill>
+                            <a:srgbClr val="000000"/>
+                          </a:solidFill>
+                          <a:effectLst/>
+                          <a:latin typeface="Times New Roman" panose="02020603050405020304" pitchFamily="18" charset="0"/>
+                          <a:ea typeface="Calibri" panose="020F0502020204030204" pitchFamily="34" charset="0"/>
+                          <a:cs typeface="Times New Roman" panose="02020603050405020304" pitchFamily="18" charset="0"/>
+                        </a:rPr>
+                        <a:t>≤ 0.80</a:t>
+                      </a:r>
+                      <a:endParaRPr lang="en-US" sz="1400">
+                        <a:effectLst/>
+                        <a:latin typeface="Times New Roman" panose="02020603050405020304" pitchFamily="18" charset="0"/>
+                        <a:ea typeface="Calibri" panose="020F0502020204030204" pitchFamily="34" charset="0"/>
+                        <a:cs typeface="Times New Roman" panose="02020603050405020304" pitchFamily="18" charset="0"/>
+                      </a:endParaRPr>
+                    </a:p>
+                  </a:txBody>
+                  <a:tcPr marL="68580" marR="68580" marT="0" marB="0">
+                    <a:lnL>
+                      <a:noFill/>
+                    </a:lnL>
+                    <a:lnR>
+                      <a:noFill/>
+                    </a:lnR>
+                    <a:lnT>
+                      <a:noFill/>
+                    </a:lnT>
+                    <a:lnB>
+                      <a:noFill/>
+                    </a:lnB>
+                    <a:solidFill>
+                      <a:srgbClr val="FFFFFF"/>
+                    </a:solidFill>
+                  </a:tcPr>
+                </a:tc>
+                <a:extLst>
+                  <a:ext uri="{0D108BD9-81ED-4DB2-BD59-A6C34878D82A}">
+                    <a16:rowId xmlns:a16="http://schemas.microsoft.com/office/drawing/2014/main" val="3995169720"/>
+                  </a:ext>
+                </a:extLst>
+              </a:tr>
+              <a:tr h="246958">
+                <a:tc>
+                  <a:txBody>
+                    <a:bodyPr/>
+                    <a:lstStyle/>
+                    <a:p>
+                      <a:pPr marL="0" marR="0" algn="ctr">
+                        <a:spcBef>
+                          <a:spcPts val="0"/>
+                        </a:spcBef>
+                        <a:spcAft>
+                          <a:spcPts val="0"/>
+                        </a:spcAft>
+                      </a:pPr>
+                      <a:r>
+                        <a:rPr lang="en-US" sz="1400" b="1">
+                          <a:solidFill>
+                            <a:srgbClr val="000000"/>
+                          </a:solidFill>
+                          <a:effectLst/>
+                          <a:latin typeface="Times New Roman" panose="02020603050405020304" pitchFamily="18" charset="0"/>
+                          <a:ea typeface="Times New Roman" panose="02020603050405020304" pitchFamily="18" charset="0"/>
+                          <a:cs typeface="Times New Roman" panose="02020603050405020304" pitchFamily="18" charset="0"/>
+                        </a:rPr>
+                        <a:t>34</a:t>
+                      </a:r>
+                      <a:endParaRPr lang="en-US" sz="1400">
+                        <a:effectLst/>
+                        <a:latin typeface="Times New Roman" panose="02020603050405020304" pitchFamily="18" charset="0"/>
+                        <a:ea typeface="Calibri" panose="020F0502020204030204" pitchFamily="34" charset="0"/>
+                        <a:cs typeface="Times New Roman" panose="02020603050405020304" pitchFamily="18" charset="0"/>
+                      </a:endParaRPr>
+                    </a:p>
+                  </a:txBody>
+                  <a:tcPr marL="68580" marR="68580" marT="0" marB="0">
+                    <a:lnL>
+                      <a:noFill/>
+                    </a:lnL>
+                    <a:lnR>
+                      <a:noFill/>
+                    </a:lnR>
+                    <a:lnT>
+                      <a:noFill/>
+                    </a:lnT>
+                    <a:lnB>
+                      <a:noFill/>
+                    </a:lnB>
+                    <a:solidFill>
+                      <a:srgbClr val="FFFFFF"/>
+                    </a:solidFill>
+                  </a:tcPr>
+                </a:tc>
+                <a:tc>
+                  <a:txBody>
+                    <a:bodyPr/>
+                    <a:lstStyle/>
+                    <a:p>
+                      <a:pPr marL="0" marR="0" algn="ctr">
+                        <a:spcBef>
+                          <a:spcPts val="0"/>
+                        </a:spcBef>
+                        <a:spcAft>
+                          <a:spcPts val="0"/>
+                        </a:spcAft>
+                      </a:pPr>
+                      <a:r>
+                        <a:rPr lang="en-US" sz="1400">
+                          <a:solidFill>
+                            <a:srgbClr val="000000"/>
+                          </a:solidFill>
+                          <a:effectLst/>
+                          <a:latin typeface="Times New Roman" panose="02020603050405020304" pitchFamily="18" charset="0"/>
+                          <a:ea typeface="Times New Roman" panose="02020603050405020304" pitchFamily="18" charset="0"/>
+                          <a:cs typeface="Times New Roman" panose="02020603050405020304" pitchFamily="18" charset="0"/>
+                        </a:rPr>
+                        <a:t>14</a:t>
+                      </a:r>
+                      <a:endParaRPr lang="en-US" sz="1400">
+                        <a:effectLst/>
+                        <a:latin typeface="Times New Roman" panose="02020603050405020304" pitchFamily="18" charset="0"/>
+                        <a:ea typeface="Calibri" panose="020F0502020204030204" pitchFamily="34" charset="0"/>
+                        <a:cs typeface="Times New Roman" panose="02020603050405020304" pitchFamily="18" charset="0"/>
+                      </a:endParaRPr>
+                    </a:p>
+                  </a:txBody>
+                  <a:tcPr marL="68580" marR="68580" marT="0" marB="0">
+                    <a:lnL>
+                      <a:noFill/>
+                    </a:lnL>
+                    <a:lnR>
+                      <a:noFill/>
+                    </a:lnR>
+                    <a:lnT>
+                      <a:noFill/>
+                    </a:lnT>
+                    <a:lnB>
+                      <a:noFill/>
+                    </a:lnB>
+                    <a:solidFill>
+                      <a:srgbClr val="FFFFFF"/>
+                    </a:solidFill>
+                  </a:tcPr>
+                </a:tc>
+                <a:tc>
+                  <a:txBody>
+                    <a:bodyPr/>
+                    <a:lstStyle/>
+                    <a:p>
+                      <a:pPr marL="0" marR="0" algn="ctr">
+                        <a:spcBef>
+                          <a:spcPts val="0"/>
+                        </a:spcBef>
+                        <a:spcAft>
+                          <a:spcPts val="0"/>
+                        </a:spcAft>
+                      </a:pPr>
+                      <a:r>
+                        <a:rPr lang="en-US" sz="1400">
+                          <a:solidFill>
+                            <a:srgbClr val="000000"/>
+                          </a:solidFill>
+                          <a:effectLst/>
+                          <a:latin typeface="Times New Roman" panose="02020603050405020304" pitchFamily="18" charset="0"/>
+                          <a:ea typeface="Times New Roman" panose="02020603050405020304" pitchFamily="18" charset="0"/>
+                          <a:cs typeface="Times New Roman" panose="02020603050405020304" pitchFamily="18" charset="0"/>
+                        </a:rPr>
+                        <a:t>99</a:t>
+                      </a:r>
+                      <a:endParaRPr lang="en-US" sz="1400">
+                        <a:effectLst/>
+                        <a:latin typeface="Times New Roman" panose="02020603050405020304" pitchFamily="18" charset="0"/>
+                        <a:ea typeface="Calibri" panose="020F0502020204030204" pitchFamily="34" charset="0"/>
+                        <a:cs typeface="Times New Roman" panose="02020603050405020304" pitchFamily="18" charset="0"/>
+                      </a:endParaRPr>
+                    </a:p>
+                  </a:txBody>
+                  <a:tcPr marL="68580" marR="68580" marT="0" marB="0">
+                    <a:lnL>
+                      <a:noFill/>
+                    </a:lnL>
+                    <a:lnR>
+                      <a:noFill/>
+                    </a:lnR>
+                    <a:lnT>
+                      <a:noFill/>
+                    </a:lnT>
+                    <a:lnB>
+                      <a:noFill/>
+                    </a:lnB>
+                    <a:solidFill>
+                      <a:srgbClr val="FFFFFF"/>
+                    </a:solidFill>
+                  </a:tcPr>
+                </a:tc>
+                <a:tc>
+                  <a:txBody>
+                    <a:bodyPr/>
+                    <a:lstStyle/>
+                    <a:p>
+                      <a:pPr marL="0" marR="0" algn="ctr">
+                        <a:spcBef>
+                          <a:spcPts val="0"/>
+                        </a:spcBef>
+                        <a:spcAft>
+                          <a:spcPts val="0"/>
+                        </a:spcAft>
+                      </a:pPr>
+                      <a:r>
+                        <a:rPr lang="en-US" sz="1400">
+                          <a:solidFill>
+                            <a:srgbClr val="000000"/>
+                          </a:solidFill>
+                          <a:effectLst/>
+                          <a:latin typeface="Times New Roman" panose="02020603050405020304" pitchFamily="18" charset="0"/>
+                          <a:ea typeface="Times New Roman" panose="02020603050405020304" pitchFamily="18" charset="0"/>
+                          <a:cs typeface="Times New Roman" panose="02020603050405020304" pitchFamily="18" charset="0"/>
+                        </a:rPr>
+                        <a:t>14.14</a:t>
+                      </a:r>
+                      <a:endParaRPr lang="en-US" sz="1400">
+                        <a:effectLst/>
+                        <a:latin typeface="Times New Roman" panose="02020603050405020304" pitchFamily="18" charset="0"/>
+                        <a:ea typeface="Calibri" panose="020F0502020204030204" pitchFamily="34" charset="0"/>
+                        <a:cs typeface="Times New Roman" panose="02020603050405020304" pitchFamily="18" charset="0"/>
+                      </a:endParaRPr>
+                    </a:p>
+                  </a:txBody>
+                  <a:tcPr marL="68580" marR="68580" marT="0" marB="0">
+                    <a:lnL>
+                      <a:noFill/>
+                    </a:lnL>
+                    <a:lnR>
+                      <a:noFill/>
+                    </a:lnR>
+                    <a:lnT>
+                      <a:noFill/>
+                    </a:lnT>
+                    <a:lnB>
+                      <a:noFill/>
+                    </a:lnB>
+                    <a:solidFill>
+                      <a:srgbClr val="FFFFFF"/>
+                    </a:solidFill>
+                  </a:tcPr>
+                </a:tc>
+                <a:tc>
+                  <a:txBody>
+                    <a:bodyPr/>
+                    <a:lstStyle/>
+                    <a:p>
+                      <a:pPr marL="0" marR="0" algn="ctr">
+                        <a:spcBef>
+                          <a:spcPts val="0"/>
+                        </a:spcBef>
+                        <a:spcAft>
+                          <a:spcPts val="0"/>
+                        </a:spcAft>
+                      </a:pPr>
+                      <a:r>
+                        <a:rPr lang="en-US" sz="1400">
+                          <a:solidFill>
+                            <a:srgbClr val="000000"/>
+                          </a:solidFill>
+                          <a:effectLst/>
+                          <a:latin typeface="Times New Roman" panose="02020603050405020304" pitchFamily="18" charset="0"/>
+                          <a:ea typeface="Times New Roman" panose="02020603050405020304" pitchFamily="18" charset="0"/>
+                          <a:cs typeface="Times New Roman" panose="02020603050405020304" pitchFamily="18" charset="0"/>
+                        </a:rPr>
+                        <a:t>3.17</a:t>
+                      </a:r>
+                      <a:endParaRPr lang="en-US" sz="1400">
+                        <a:effectLst/>
+                        <a:latin typeface="Times New Roman" panose="02020603050405020304" pitchFamily="18" charset="0"/>
+                        <a:ea typeface="Calibri" panose="020F0502020204030204" pitchFamily="34" charset="0"/>
+                        <a:cs typeface="Times New Roman" panose="02020603050405020304" pitchFamily="18" charset="0"/>
+                      </a:endParaRPr>
+                    </a:p>
+                  </a:txBody>
+                  <a:tcPr marL="68580" marR="68580" marT="0" marB="0">
+                    <a:lnL>
+                      <a:noFill/>
+                    </a:lnL>
+                    <a:lnR>
+                      <a:noFill/>
+                    </a:lnR>
+                    <a:lnT>
+                      <a:noFill/>
+                    </a:lnT>
+                    <a:lnB>
+                      <a:noFill/>
+                    </a:lnB>
+                    <a:solidFill>
+                      <a:srgbClr val="FFFFFF"/>
+                    </a:solidFill>
+                  </a:tcPr>
+                </a:tc>
+                <a:tc>
+                  <a:txBody>
+                    <a:bodyPr/>
+                    <a:lstStyle/>
+                    <a:p>
+                      <a:pPr marL="0" marR="0" algn="ctr">
+                        <a:spcBef>
+                          <a:spcPts val="0"/>
+                        </a:spcBef>
+                        <a:spcAft>
+                          <a:spcPts val="0"/>
+                        </a:spcAft>
+                      </a:pPr>
+                      <a:r>
+                        <a:rPr lang="en-US" sz="1400">
+                          <a:solidFill>
+                            <a:srgbClr val="000000"/>
+                          </a:solidFill>
+                          <a:effectLst/>
+                          <a:latin typeface="Times New Roman" panose="02020603050405020304" pitchFamily="18" charset="0"/>
+                          <a:ea typeface="Times New Roman" panose="02020603050405020304" pitchFamily="18" charset="0"/>
+                          <a:cs typeface="Times New Roman" panose="02020603050405020304" pitchFamily="18" charset="0"/>
+                        </a:rPr>
+                        <a:t>(2.93, 3.41)</a:t>
+                      </a:r>
+                      <a:endParaRPr lang="en-US" sz="1400">
+                        <a:effectLst/>
+                        <a:latin typeface="Times New Roman" panose="02020603050405020304" pitchFamily="18" charset="0"/>
+                        <a:ea typeface="Calibri" panose="020F0502020204030204" pitchFamily="34" charset="0"/>
+                        <a:cs typeface="Times New Roman" panose="02020603050405020304" pitchFamily="18" charset="0"/>
+                      </a:endParaRPr>
+                    </a:p>
+                  </a:txBody>
+                  <a:tcPr marL="68580" marR="68580" marT="0" marB="0">
+                    <a:lnL>
+                      <a:noFill/>
+                    </a:lnL>
+                    <a:lnR>
+                      <a:noFill/>
+                    </a:lnR>
+                    <a:lnT>
+                      <a:noFill/>
+                    </a:lnT>
+                    <a:lnB>
+                      <a:noFill/>
+                    </a:lnB>
+                    <a:solidFill>
+                      <a:srgbClr val="FFFFFF"/>
+                    </a:solidFill>
+                  </a:tcPr>
+                </a:tc>
+                <a:tc>
+                  <a:txBody>
+                    <a:bodyPr/>
+                    <a:lstStyle/>
+                    <a:p>
+                      <a:pPr marL="0" marR="0" algn="ctr">
+                        <a:spcBef>
+                          <a:spcPts val="0"/>
+                        </a:spcBef>
+                        <a:spcAft>
+                          <a:spcPts val="0"/>
+                        </a:spcAft>
+                      </a:pPr>
+                      <a:r>
+                        <a:rPr lang="en-US" sz="1400">
+                          <a:solidFill>
+                            <a:srgbClr val="000000"/>
+                          </a:solidFill>
+                          <a:effectLst/>
+                          <a:latin typeface="Times New Roman" panose="02020603050405020304" pitchFamily="18" charset="0"/>
+                          <a:ea typeface="Times New Roman" panose="02020603050405020304" pitchFamily="18" charset="0"/>
+                          <a:cs typeface="Times New Roman" panose="02020603050405020304" pitchFamily="18" charset="0"/>
+                        </a:rPr>
+                        <a:t>4.46</a:t>
+                      </a:r>
+                      <a:endParaRPr lang="en-US" sz="1400">
+                        <a:effectLst/>
+                        <a:latin typeface="Times New Roman" panose="02020603050405020304" pitchFamily="18" charset="0"/>
+                        <a:ea typeface="Calibri" panose="020F0502020204030204" pitchFamily="34" charset="0"/>
+                        <a:cs typeface="Times New Roman" panose="02020603050405020304" pitchFamily="18" charset="0"/>
+                      </a:endParaRPr>
+                    </a:p>
+                  </a:txBody>
+                  <a:tcPr marL="68580" marR="68580" marT="0" marB="0">
+                    <a:lnL>
+                      <a:noFill/>
+                    </a:lnL>
+                    <a:lnR>
+                      <a:noFill/>
+                    </a:lnR>
+                    <a:lnT>
+                      <a:noFill/>
+                    </a:lnT>
+                    <a:lnB>
+                      <a:noFill/>
+                    </a:lnB>
+                    <a:solidFill>
+                      <a:srgbClr val="FFFFFF"/>
+                    </a:solidFill>
+                  </a:tcPr>
+                </a:tc>
+                <a:tc>
+                  <a:txBody>
+                    <a:bodyPr/>
+                    <a:lstStyle/>
+                    <a:p>
+                      <a:pPr marL="0" marR="0" algn="ctr">
+                        <a:spcBef>
+                          <a:spcPts val="0"/>
+                        </a:spcBef>
+                        <a:spcAft>
+                          <a:spcPts val="0"/>
+                        </a:spcAft>
+                      </a:pPr>
+                      <a:r>
+                        <a:rPr lang="en-US" sz="1400">
+                          <a:solidFill>
+                            <a:srgbClr val="000000"/>
+                          </a:solidFill>
+                          <a:effectLst/>
+                          <a:latin typeface="Times New Roman" panose="02020603050405020304" pitchFamily="18" charset="0"/>
+                          <a:ea typeface="Calibri" panose="020F0502020204030204" pitchFamily="34" charset="0"/>
+                          <a:cs typeface="Times New Roman" panose="02020603050405020304" pitchFamily="18" charset="0"/>
+                        </a:rPr>
+                        <a:t>≥ 1.20</a:t>
+                      </a:r>
+                      <a:endParaRPr lang="en-US" sz="1400">
+                        <a:effectLst/>
+                        <a:latin typeface="Times New Roman" panose="02020603050405020304" pitchFamily="18" charset="0"/>
+                        <a:ea typeface="Calibri" panose="020F0502020204030204" pitchFamily="34" charset="0"/>
+                        <a:cs typeface="Times New Roman" panose="02020603050405020304" pitchFamily="18" charset="0"/>
+                      </a:endParaRPr>
+                    </a:p>
+                  </a:txBody>
+                  <a:tcPr marL="68580" marR="68580" marT="0" marB="0">
+                    <a:lnL>
+                      <a:noFill/>
+                    </a:lnL>
+                    <a:lnR>
+                      <a:noFill/>
+                    </a:lnR>
+                    <a:lnT>
+                      <a:noFill/>
+                    </a:lnT>
+                    <a:lnB>
+                      <a:noFill/>
+                    </a:lnB>
+                    <a:solidFill>
+                      <a:srgbClr val="FFFFFF"/>
+                    </a:solidFill>
+                  </a:tcPr>
+                </a:tc>
+                <a:extLst>
+                  <a:ext uri="{0D108BD9-81ED-4DB2-BD59-A6C34878D82A}">
+                    <a16:rowId xmlns:a16="http://schemas.microsoft.com/office/drawing/2014/main" val="3328767314"/>
+                  </a:ext>
+                </a:extLst>
+              </a:tr>
+              <a:tr h="246958">
+                <a:tc>
+                  <a:txBody>
+                    <a:bodyPr/>
+                    <a:lstStyle/>
+                    <a:p>
+                      <a:pPr marL="0" marR="0" algn="ctr">
+                        <a:spcBef>
+                          <a:spcPts val="0"/>
+                        </a:spcBef>
+                        <a:spcAft>
+                          <a:spcPts val="0"/>
+                        </a:spcAft>
+                      </a:pPr>
+                      <a:r>
+                        <a:rPr lang="en-US" sz="1400" b="1">
+                          <a:solidFill>
+                            <a:srgbClr val="000000"/>
+                          </a:solidFill>
+                          <a:effectLst/>
+                          <a:latin typeface="Times New Roman" panose="02020603050405020304" pitchFamily="18" charset="0"/>
+                          <a:ea typeface="Times New Roman" panose="02020603050405020304" pitchFamily="18" charset="0"/>
+                          <a:cs typeface="Times New Roman" panose="02020603050405020304" pitchFamily="18" charset="0"/>
+                        </a:rPr>
+                        <a:t>42</a:t>
+                      </a:r>
+                      <a:endParaRPr lang="en-US" sz="1400">
+                        <a:effectLst/>
+                        <a:latin typeface="Times New Roman" panose="02020603050405020304" pitchFamily="18" charset="0"/>
+                        <a:ea typeface="Calibri" panose="020F0502020204030204" pitchFamily="34" charset="0"/>
+                        <a:cs typeface="Times New Roman" panose="02020603050405020304" pitchFamily="18" charset="0"/>
+                      </a:endParaRPr>
+                    </a:p>
+                  </a:txBody>
+                  <a:tcPr marL="68580" marR="68580" marT="0" marB="0">
+                    <a:lnL>
+                      <a:noFill/>
+                    </a:lnL>
+                    <a:lnR>
+                      <a:noFill/>
+                    </a:lnR>
+                    <a:lnT>
+                      <a:noFill/>
+                    </a:lnT>
+                    <a:lnB>
+                      <a:noFill/>
+                    </a:lnB>
+                    <a:solidFill>
+                      <a:srgbClr val="FFFFFF"/>
+                    </a:solidFill>
+                  </a:tcPr>
+                </a:tc>
+                <a:tc>
+                  <a:txBody>
+                    <a:bodyPr/>
+                    <a:lstStyle/>
+                    <a:p>
+                      <a:pPr marL="0" marR="0" algn="ctr">
+                        <a:spcBef>
+                          <a:spcPts val="0"/>
+                        </a:spcBef>
+                        <a:spcAft>
+                          <a:spcPts val="0"/>
+                        </a:spcAft>
+                      </a:pPr>
+                      <a:r>
+                        <a:rPr lang="en-US" sz="1400">
+                          <a:solidFill>
+                            <a:srgbClr val="000000"/>
+                          </a:solidFill>
+                          <a:effectLst/>
+                          <a:latin typeface="Times New Roman" panose="02020603050405020304" pitchFamily="18" charset="0"/>
+                          <a:ea typeface="Times New Roman" panose="02020603050405020304" pitchFamily="18" charset="0"/>
+                          <a:cs typeface="Times New Roman" panose="02020603050405020304" pitchFamily="18" charset="0"/>
+                        </a:rPr>
+                        <a:t>0</a:t>
+                      </a:r>
+                      <a:endParaRPr lang="en-US" sz="1400">
+                        <a:effectLst/>
+                        <a:latin typeface="Times New Roman" panose="02020603050405020304" pitchFamily="18" charset="0"/>
+                        <a:ea typeface="Calibri" panose="020F0502020204030204" pitchFamily="34" charset="0"/>
+                        <a:cs typeface="Times New Roman" panose="02020603050405020304" pitchFamily="18" charset="0"/>
+                      </a:endParaRPr>
+                    </a:p>
+                  </a:txBody>
+                  <a:tcPr marL="68580" marR="68580" marT="0" marB="0">
+                    <a:lnL>
+                      <a:noFill/>
+                    </a:lnL>
+                    <a:lnR>
+                      <a:noFill/>
+                    </a:lnR>
+                    <a:lnT>
+                      <a:noFill/>
+                    </a:lnT>
+                    <a:lnB>
+                      <a:noFill/>
+                    </a:lnB>
+                    <a:solidFill>
+                      <a:srgbClr val="FFFFFF"/>
+                    </a:solidFill>
+                  </a:tcPr>
+                </a:tc>
+                <a:tc>
+                  <a:txBody>
+                    <a:bodyPr/>
+                    <a:lstStyle/>
+                    <a:p>
+                      <a:pPr marL="0" marR="0" algn="ctr">
+                        <a:spcBef>
+                          <a:spcPts val="0"/>
+                        </a:spcBef>
+                        <a:spcAft>
+                          <a:spcPts val="0"/>
+                        </a:spcAft>
+                      </a:pPr>
+                      <a:r>
+                        <a:rPr lang="en-US" sz="1400">
+                          <a:solidFill>
+                            <a:srgbClr val="000000"/>
+                          </a:solidFill>
+                          <a:effectLst/>
+                          <a:latin typeface="Times New Roman" panose="02020603050405020304" pitchFamily="18" charset="0"/>
+                          <a:ea typeface="Times New Roman" panose="02020603050405020304" pitchFamily="18" charset="0"/>
+                          <a:cs typeface="Times New Roman" panose="02020603050405020304" pitchFamily="18" charset="0"/>
+                        </a:rPr>
+                        <a:t>107</a:t>
+                      </a:r>
+                      <a:endParaRPr lang="en-US" sz="1400">
+                        <a:effectLst/>
+                        <a:latin typeface="Times New Roman" panose="02020603050405020304" pitchFamily="18" charset="0"/>
+                        <a:ea typeface="Calibri" panose="020F0502020204030204" pitchFamily="34" charset="0"/>
+                        <a:cs typeface="Times New Roman" panose="02020603050405020304" pitchFamily="18" charset="0"/>
+                      </a:endParaRPr>
+                    </a:p>
+                  </a:txBody>
+                  <a:tcPr marL="68580" marR="68580" marT="0" marB="0">
+                    <a:lnL>
+                      <a:noFill/>
+                    </a:lnL>
+                    <a:lnR>
+                      <a:noFill/>
+                    </a:lnR>
+                    <a:lnT>
+                      <a:noFill/>
+                    </a:lnT>
+                    <a:lnB>
+                      <a:noFill/>
+                    </a:lnB>
+                    <a:solidFill>
+                      <a:srgbClr val="FFFFFF"/>
+                    </a:solidFill>
+                  </a:tcPr>
+                </a:tc>
+                <a:tc>
+                  <a:txBody>
+                    <a:bodyPr/>
+                    <a:lstStyle/>
+                    <a:p>
+                      <a:pPr marL="0" marR="0" algn="ctr">
+                        <a:spcBef>
+                          <a:spcPts val="0"/>
+                        </a:spcBef>
+                        <a:spcAft>
+                          <a:spcPts val="0"/>
+                        </a:spcAft>
+                      </a:pPr>
+                      <a:r>
+                        <a:rPr lang="en-US" sz="1400">
+                          <a:solidFill>
+                            <a:srgbClr val="000000"/>
+                          </a:solidFill>
+                          <a:effectLst/>
+                          <a:latin typeface="Times New Roman" panose="02020603050405020304" pitchFamily="18" charset="0"/>
+                          <a:ea typeface="Times New Roman" panose="02020603050405020304" pitchFamily="18" charset="0"/>
+                          <a:cs typeface="Times New Roman" panose="02020603050405020304" pitchFamily="18" charset="0"/>
+                        </a:rPr>
+                        <a:t>0</a:t>
+                      </a:r>
+                      <a:endParaRPr lang="en-US" sz="1400">
+                        <a:effectLst/>
+                        <a:latin typeface="Times New Roman" panose="02020603050405020304" pitchFamily="18" charset="0"/>
+                        <a:ea typeface="Calibri" panose="020F0502020204030204" pitchFamily="34" charset="0"/>
+                        <a:cs typeface="Times New Roman" panose="02020603050405020304" pitchFamily="18" charset="0"/>
+                      </a:endParaRPr>
+                    </a:p>
+                  </a:txBody>
+                  <a:tcPr marL="68580" marR="68580" marT="0" marB="0">
+                    <a:lnL>
+                      <a:noFill/>
+                    </a:lnL>
+                    <a:lnR>
+                      <a:noFill/>
+                    </a:lnR>
+                    <a:lnT>
+                      <a:noFill/>
+                    </a:lnT>
+                    <a:lnB>
+                      <a:noFill/>
+                    </a:lnB>
+                    <a:solidFill>
+                      <a:srgbClr val="FFFFFF"/>
+                    </a:solidFill>
+                  </a:tcPr>
+                </a:tc>
+                <a:tc>
+                  <a:txBody>
+                    <a:bodyPr/>
+                    <a:lstStyle/>
+                    <a:p>
+                      <a:pPr marL="0" marR="0" algn="ctr">
+                        <a:spcBef>
+                          <a:spcPts val="0"/>
+                        </a:spcBef>
+                        <a:spcAft>
+                          <a:spcPts val="0"/>
+                        </a:spcAft>
+                      </a:pPr>
+                      <a:r>
+                        <a:rPr lang="en-US" sz="1400">
+                          <a:solidFill>
+                            <a:srgbClr val="000000"/>
+                          </a:solidFill>
+                          <a:effectLst/>
+                          <a:latin typeface="Times New Roman" panose="02020603050405020304" pitchFamily="18" charset="0"/>
+                          <a:ea typeface="Times New Roman" panose="02020603050405020304" pitchFamily="18" charset="0"/>
+                          <a:cs typeface="Times New Roman" panose="02020603050405020304" pitchFamily="18" charset="0"/>
+                        </a:rPr>
+                        <a:t>2.97</a:t>
+                      </a:r>
+                      <a:endParaRPr lang="en-US" sz="1400">
+                        <a:effectLst/>
+                        <a:latin typeface="Times New Roman" panose="02020603050405020304" pitchFamily="18" charset="0"/>
+                        <a:ea typeface="Calibri" panose="020F0502020204030204" pitchFamily="34" charset="0"/>
+                        <a:cs typeface="Times New Roman" panose="02020603050405020304" pitchFamily="18" charset="0"/>
+                      </a:endParaRPr>
+                    </a:p>
+                  </a:txBody>
+                  <a:tcPr marL="68580" marR="68580" marT="0" marB="0">
+                    <a:lnL>
+                      <a:noFill/>
+                    </a:lnL>
+                    <a:lnR>
+                      <a:noFill/>
+                    </a:lnR>
+                    <a:lnT>
+                      <a:noFill/>
+                    </a:lnT>
+                    <a:lnB>
+                      <a:noFill/>
+                    </a:lnB>
+                    <a:solidFill>
+                      <a:srgbClr val="FFFFFF"/>
+                    </a:solidFill>
+                  </a:tcPr>
+                </a:tc>
+                <a:tc>
+                  <a:txBody>
+                    <a:bodyPr/>
+                    <a:lstStyle/>
+                    <a:p>
+                      <a:pPr marL="0" marR="0" algn="ctr">
+                        <a:spcBef>
+                          <a:spcPts val="0"/>
+                        </a:spcBef>
+                        <a:spcAft>
+                          <a:spcPts val="0"/>
+                        </a:spcAft>
+                      </a:pPr>
+                      <a:r>
+                        <a:rPr lang="en-US" sz="1400">
+                          <a:solidFill>
+                            <a:srgbClr val="000000"/>
+                          </a:solidFill>
+                          <a:effectLst/>
+                          <a:latin typeface="Times New Roman" panose="02020603050405020304" pitchFamily="18" charset="0"/>
+                          <a:ea typeface="Times New Roman" panose="02020603050405020304" pitchFamily="18" charset="0"/>
+                          <a:cs typeface="Times New Roman" panose="02020603050405020304" pitchFamily="18" charset="0"/>
+                        </a:rPr>
+                        <a:t>(2.74, 3.20)</a:t>
+                      </a:r>
+                      <a:endParaRPr lang="en-US" sz="1400">
+                        <a:effectLst/>
+                        <a:latin typeface="Times New Roman" panose="02020603050405020304" pitchFamily="18" charset="0"/>
+                        <a:ea typeface="Calibri" panose="020F0502020204030204" pitchFamily="34" charset="0"/>
+                        <a:cs typeface="Times New Roman" panose="02020603050405020304" pitchFamily="18" charset="0"/>
+                      </a:endParaRPr>
+                    </a:p>
+                  </a:txBody>
+                  <a:tcPr marL="68580" marR="68580" marT="0" marB="0">
+                    <a:lnL>
+                      <a:noFill/>
+                    </a:lnL>
+                    <a:lnR>
+                      <a:noFill/>
+                    </a:lnR>
+                    <a:lnT>
+                      <a:noFill/>
+                    </a:lnT>
+                    <a:lnB>
+                      <a:noFill/>
+                    </a:lnB>
+                    <a:solidFill>
+                      <a:srgbClr val="FFFFFF"/>
+                    </a:solidFill>
+                  </a:tcPr>
+                </a:tc>
+                <a:tc>
+                  <a:txBody>
+                    <a:bodyPr/>
+                    <a:lstStyle/>
+                    <a:p>
+                      <a:pPr marL="0" marR="0" algn="ctr">
+                        <a:spcBef>
+                          <a:spcPts val="0"/>
+                        </a:spcBef>
+                        <a:spcAft>
+                          <a:spcPts val="0"/>
+                        </a:spcAft>
+                      </a:pPr>
+                      <a:r>
+                        <a:rPr lang="en-US" sz="1400">
+                          <a:solidFill>
+                            <a:srgbClr val="000000"/>
+                          </a:solidFill>
+                          <a:effectLst/>
+                          <a:latin typeface="Times New Roman" panose="02020603050405020304" pitchFamily="18" charset="0"/>
+                          <a:ea typeface="Times New Roman" panose="02020603050405020304" pitchFamily="18" charset="0"/>
+                          <a:cs typeface="Times New Roman" panose="02020603050405020304" pitchFamily="18" charset="0"/>
+                        </a:rPr>
+                        <a:t>0</a:t>
+                      </a:r>
+                      <a:endParaRPr lang="en-US" sz="1400">
+                        <a:effectLst/>
+                        <a:latin typeface="Times New Roman" panose="02020603050405020304" pitchFamily="18" charset="0"/>
+                        <a:ea typeface="Calibri" panose="020F0502020204030204" pitchFamily="34" charset="0"/>
+                        <a:cs typeface="Times New Roman" panose="02020603050405020304" pitchFamily="18" charset="0"/>
+                      </a:endParaRPr>
+                    </a:p>
+                  </a:txBody>
+                  <a:tcPr marL="68580" marR="68580" marT="0" marB="0">
+                    <a:lnL>
+                      <a:noFill/>
+                    </a:lnL>
+                    <a:lnR>
+                      <a:noFill/>
+                    </a:lnR>
+                    <a:lnT>
+                      <a:noFill/>
+                    </a:lnT>
+                    <a:lnB>
+                      <a:noFill/>
+                    </a:lnB>
+                    <a:solidFill>
+                      <a:srgbClr val="FFFFFF"/>
+                    </a:solidFill>
+                  </a:tcPr>
+                </a:tc>
+                <a:tc>
+                  <a:txBody>
+                    <a:bodyPr/>
+                    <a:lstStyle/>
+                    <a:p>
+                      <a:pPr marL="0" marR="0" algn="ctr">
+                        <a:spcBef>
+                          <a:spcPts val="0"/>
+                        </a:spcBef>
+                        <a:spcAft>
+                          <a:spcPts val="0"/>
+                        </a:spcAft>
+                      </a:pPr>
+                      <a:r>
+                        <a:rPr lang="en-US" sz="1400">
+                          <a:solidFill>
+                            <a:srgbClr val="000000"/>
+                          </a:solidFill>
+                          <a:effectLst/>
+                          <a:latin typeface="Times New Roman" panose="02020603050405020304" pitchFamily="18" charset="0"/>
+                          <a:ea typeface="Calibri" panose="020F0502020204030204" pitchFamily="34" charset="0"/>
+                          <a:cs typeface="Times New Roman" panose="02020603050405020304" pitchFamily="18" charset="0"/>
+                        </a:rPr>
+                        <a:t>≤ 0.80</a:t>
+                      </a:r>
+                      <a:endParaRPr lang="en-US" sz="1400">
+                        <a:effectLst/>
+                        <a:latin typeface="Times New Roman" panose="02020603050405020304" pitchFamily="18" charset="0"/>
+                        <a:ea typeface="Calibri" panose="020F0502020204030204" pitchFamily="34" charset="0"/>
+                        <a:cs typeface="Times New Roman" panose="02020603050405020304" pitchFamily="18" charset="0"/>
+                      </a:endParaRPr>
+                    </a:p>
+                  </a:txBody>
+                  <a:tcPr marL="68580" marR="68580" marT="0" marB="0">
+                    <a:lnL>
+                      <a:noFill/>
+                    </a:lnL>
+                    <a:lnR>
+                      <a:noFill/>
+                    </a:lnR>
+                    <a:lnT>
+                      <a:noFill/>
+                    </a:lnT>
+                    <a:lnB>
+                      <a:noFill/>
+                    </a:lnB>
+                    <a:solidFill>
+                      <a:srgbClr val="FFFFFF"/>
+                    </a:solidFill>
+                  </a:tcPr>
+                </a:tc>
+                <a:extLst>
+                  <a:ext uri="{0D108BD9-81ED-4DB2-BD59-A6C34878D82A}">
+                    <a16:rowId xmlns:a16="http://schemas.microsoft.com/office/drawing/2014/main" val="3113127323"/>
+                  </a:ext>
+                </a:extLst>
+              </a:tr>
+              <a:tr h="246958">
+                <a:tc>
+                  <a:txBody>
+                    <a:bodyPr/>
+                    <a:lstStyle/>
+                    <a:p>
+                      <a:pPr marL="0" marR="0" algn="ctr">
+                        <a:spcBef>
+                          <a:spcPts val="0"/>
+                        </a:spcBef>
+                        <a:spcAft>
+                          <a:spcPts val="0"/>
+                        </a:spcAft>
+                      </a:pPr>
+                      <a:r>
+                        <a:rPr lang="en-US" sz="1400" b="1">
+                          <a:solidFill>
+                            <a:srgbClr val="000000"/>
+                          </a:solidFill>
+                          <a:effectLst/>
+                          <a:latin typeface="Times New Roman" panose="02020603050405020304" pitchFamily="18" charset="0"/>
+                          <a:ea typeface="Times New Roman" panose="02020603050405020304" pitchFamily="18" charset="0"/>
+                          <a:cs typeface="Times New Roman" panose="02020603050405020304" pitchFamily="18" charset="0"/>
+                        </a:rPr>
+                        <a:t>44</a:t>
+                      </a:r>
+                      <a:endParaRPr lang="en-US" sz="1400">
+                        <a:effectLst/>
+                        <a:latin typeface="Times New Roman" panose="02020603050405020304" pitchFamily="18" charset="0"/>
+                        <a:ea typeface="Calibri" panose="020F0502020204030204" pitchFamily="34" charset="0"/>
+                        <a:cs typeface="Times New Roman" panose="02020603050405020304" pitchFamily="18" charset="0"/>
+                      </a:endParaRPr>
+                    </a:p>
+                  </a:txBody>
+                  <a:tcPr marL="68580" marR="68580" marT="0" marB="0">
+                    <a:lnL>
+                      <a:noFill/>
+                    </a:lnL>
+                    <a:lnR>
+                      <a:noFill/>
+                    </a:lnR>
+                    <a:lnT>
+                      <a:noFill/>
+                    </a:lnT>
+                    <a:lnB w="12700" cap="flat" cmpd="sng" algn="ctr">
+                      <a:solidFill>
+                        <a:srgbClr val="000000"/>
+                      </a:solidFill>
+                      <a:prstDash val="solid"/>
+                      <a:round/>
+                      <a:headEnd type="none" w="med" len="med"/>
+                      <a:tailEnd type="none" w="med" len="med"/>
+                    </a:lnB>
+                    <a:solidFill>
+                      <a:srgbClr val="FFFFFF"/>
+                    </a:solidFill>
+                  </a:tcPr>
+                </a:tc>
+                <a:tc>
+                  <a:txBody>
+                    <a:bodyPr/>
+                    <a:lstStyle/>
+                    <a:p>
+                      <a:pPr marL="0" marR="0" algn="ctr">
+                        <a:spcBef>
+                          <a:spcPts val="0"/>
+                        </a:spcBef>
+                        <a:spcAft>
+                          <a:spcPts val="0"/>
+                        </a:spcAft>
+                      </a:pPr>
+                      <a:r>
+                        <a:rPr lang="en-US" sz="1400">
+                          <a:solidFill>
+                            <a:srgbClr val="000000"/>
+                          </a:solidFill>
+                          <a:effectLst/>
+                          <a:latin typeface="Times New Roman" panose="02020603050405020304" pitchFamily="18" charset="0"/>
+                          <a:ea typeface="Times New Roman" panose="02020603050405020304" pitchFamily="18" charset="0"/>
+                          <a:cs typeface="Times New Roman" panose="02020603050405020304" pitchFamily="18" charset="0"/>
+                        </a:rPr>
+                        <a:t>0</a:t>
+                      </a:r>
+                      <a:endParaRPr lang="en-US" sz="1400">
+                        <a:effectLst/>
+                        <a:latin typeface="Times New Roman" panose="02020603050405020304" pitchFamily="18" charset="0"/>
+                        <a:ea typeface="Calibri" panose="020F0502020204030204" pitchFamily="34" charset="0"/>
+                        <a:cs typeface="Times New Roman" panose="02020603050405020304" pitchFamily="18" charset="0"/>
+                      </a:endParaRPr>
+                    </a:p>
+                  </a:txBody>
+                  <a:tcPr marL="68580" marR="68580" marT="0" marB="0">
+                    <a:lnL>
+                      <a:noFill/>
+                    </a:lnL>
+                    <a:lnR>
+                      <a:noFill/>
+                    </a:lnR>
+                    <a:lnT>
+                      <a:noFill/>
+                    </a:lnT>
+                    <a:lnB w="12700" cap="flat" cmpd="sng" algn="ctr">
+                      <a:solidFill>
+                        <a:srgbClr val="000000"/>
+                      </a:solidFill>
+                      <a:prstDash val="solid"/>
+                      <a:round/>
+                      <a:headEnd type="none" w="med" len="med"/>
+                      <a:tailEnd type="none" w="med" len="med"/>
+                    </a:lnB>
+                    <a:solidFill>
+                      <a:srgbClr val="FFFFFF"/>
+                    </a:solidFill>
+                  </a:tcPr>
+                </a:tc>
+                <a:tc>
+                  <a:txBody>
+                    <a:bodyPr/>
+                    <a:lstStyle/>
+                    <a:p>
+                      <a:pPr marL="0" marR="0" algn="ctr">
+                        <a:spcBef>
+                          <a:spcPts val="0"/>
+                        </a:spcBef>
+                        <a:spcAft>
+                          <a:spcPts val="0"/>
+                        </a:spcAft>
+                      </a:pPr>
+                      <a:r>
+                        <a:rPr lang="en-US" sz="1400">
+                          <a:solidFill>
+                            <a:srgbClr val="000000"/>
+                          </a:solidFill>
+                          <a:effectLst/>
+                          <a:latin typeface="Times New Roman" panose="02020603050405020304" pitchFamily="18" charset="0"/>
+                          <a:ea typeface="Times New Roman" panose="02020603050405020304" pitchFamily="18" charset="0"/>
+                          <a:cs typeface="Times New Roman" panose="02020603050405020304" pitchFamily="18" charset="0"/>
+                        </a:rPr>
+                        <a:t>98</a:t>
+                      </a:r>
+                      <a:endParaRPr lang="en-US" sz="1400">
+                        <a:effectLst/>
+                        <a:latin typeface="Times New Roman" panose="02020603050405020304" pitchFamily="18" charset="0"/>
+                        <a:ea typeface="Calibri" panose="020F0502020204030204" pitchFamily="34" charset="0"/>
+                        <a:cs typeface="Times New Roman" panose="02020603050405020304" pitchFamily="18" charset="0"/>
+                      </a:endParaRPr>
+                    </a:p>
+                  </a:txBody>
+                  <a:tcPr marL="68580" marR="68580" marT="0" marB="0">
+                    <a:lnL>
+                      <a:noFill/>
+                    </a:lnL>
+                    <a:lnR>
+                      <a:noFill/>
+                    </a:lnR>
+                    <a:lnT>
+                      <a:noFill/>
+                    </a:lnT>
+                    <a:lnB w="12700" cap="flat" cmpd="sng" algn="ctr">
+                      <a:solidFill>
+                        <a:srgbClr val="000000"/>
+                      </a:solidFill>
+                      <a:prstDash val="solid"/>
+                      <a:round/>
+                      <a:headEnd type="none" w="med" len="med"/>
+                      <a:tailEnd type="none" w="med" len="med"/>
+                    </a:lnB>
+                    <a:solidFill>
+                      <a:srgbClr val="FFFFFF"/>
+                    </a:solidFill>
+                  </a:tcPr>
+                </a:tc>
+                <a:tc>
+                  <a:txBody>
+                    <a:bodyPr/>
+                    <a:lstStyle/>
+                    <a:p>
+                      <a:pPr marL="0" marR="0" algn="ctr">
+                        <a:spcBef>
+                          <a:spcPts val="0"/>
+                        </a:spcBef>
+                        <a:spcAft>
+                          <a:spcPts val="0"/>
+                        </a:spcAft>
+                      </a:pPr>
+                      <a:r>
+                        <a:rPr lang="en-US" sz="1400">
+                          <a:solidFill>
+                            <a:srgbClr val="000000"/>
+                          </a:solidFill>
+                          <a:effectLst/>
+                          <a:latin typeface="Times New Roman" panose="02020603050405020304" pitchFamily="18" charset="0"/>
+                          <a:ea typeface="Times New Roman" panose="02020603050405020304" pitchFamily="18" charset="0"/>
+                          <a:cs typeface="Times New Roman" panose="02020603050405020304" pitchFamily="18" charset="0"/>
+                        </a:rPr>
+                        <a:t>0</a:t>
+                      </a:r>
+                      <a:endParaRPr lang="en-US" sz="1400">
+                        <a:effectLst/>
+                        <a:latin typeface="Times New Roman" panose="02020603050405020304" pitchFamily="18" charset="0"/>
+                        <a:ea typeface="Calibri" panose="020F0502020204030204" pitchFamily="34" charset="0"/>
+                        <a:cs typeface="Times New Roman" panose="02020603050405020304" pitchFamily="18" charset="0"/>
+                      </a:endParaRPr>
+                    </a:p>
+                  </a:txBody>
+                  <a:tcPr marL="68580" marR="68580" marT="0" marB="0">
+                    <a:lnL>
+                      <a:noFill/>
+                    </a:lnL>
+                    <a:lnR>
+                      <a:noFill/>
+                    </a:lnR>
+                    <a:lnT>
+                      <a:noFill/>
+                    </a:lnT>
+                    <a:lnB w="12700" cap="flat" cmpd="sng" algn="ctr">
+                      <a:solidFill>
+                        <a:srgbClr val="000000"/>
+                      </a:solidFill>
+                      <a:prstDash val="solid"/>
+                      <a:round/>
+                      <a:headEnd type="none" w="med" len="med"/>
+                      <a:tailEnd type="none" w="med" len="med"/>
+                    </a:lnB>
+                    <a:solidFill>
+                      <a:srgbClr val="FFFFFF"/>
+                    </a:solidFill>
+                  </a:tcPr>
+                </a:tc>
+                <a:tc>
+                  <a:txBody>
+                    <a:bodyPr/>
+                    <a:lstStyle/>
+                    <a:p>
+                      <a:pPr marL="0" marR="0" algn="ctr">
+                        <a:spcBef>
+                          <a:spcPts val="0"/>
+                        </a:spcBef>
+                        <a:spcAft>
+                          <a:spcPts val="0"/>
+                        </a:spcAft>
+                      </a:pPr>
+                      <a:r>
+                        <a:rPr lang="en-US" sz="1400">
+                          <a:solidFill>
+                            <a:srgbClr val="000000"/>
+                          </a:solidFill>
+                          <a:effectLst/>
+                          <a:latin typeface="Times New Roman" panose="02020603050405020304" pitchFamily="18" charset="0"/>
+                          <a:ea typeface="Times New Roman" panose="02020603050405020304" pitchFamily="18" charset="0"/>
+                          <a:cs typeface="Times New Roman" panose="02020603050405020304" pitchFamily="18" charset="0"/>
+                        </a:rPr>
+                        <a:t>3.20</a:t>
+                      </a:r>
+                      <a:endParaRPr lang="en-US" sz="1400">
+                        <a:effectLst/>
+                        <a:latin typeface="Times New Roman" panose="02020603050405020304" pitchFamily="18" charset="0"/>
+                        <a:ea typeface="Calibri" panose="020F0502020204030204" pitchFamily="34" charset="0"/>
+                        <a:cs typeface="Times New Roman" panose="02020603050405020304" pitchFamily="18" charset="0"/>
+                      </a:endParaRPr>
+                    </a:p>
+                  </a:txBody>
+                  <a:tcPr marL="68580" marR="68580" marT="0" marB="0">
+                    <a:lnL>
+                      <a:noFill/>
+                    </a:lnL>
+                    <a:lnR>
+                      <a:noFill/>
+                    </a:lnR>
+                    <a:lnT>
+                      <a:noFill/>
+                    </a:lnT>
+                    <a:lnB w="12700" cap="flat" cmpd="sng" algn="ctr">
+                      <a:solidFill>
+                        <a:srgbClr val="000000"/>
+                      </a:solidFill>
+                      <a:prstDash val="solid"/>
+                      <a:round/>
+                      <a:headEnd type="none" w="med" len="med"/>
+                      <a:tailEnd type="none" w="med" len="med"/>
+                    </a:lnB>
+                    <a:solidFill>
+                      <a:srgbClr val="FFFFFF"/>
+                    </a:solidFill>
+                  </a:tcPr>
+                </a:tc>
+                <a:tc>
+                  <a:txBody>
+                    <a:bodyPr/>
+                    <a:lstStyle/>
+                    <a:p>
+                      <a:pPr marL="0" marR="0" algn="ctr">
+                        <a:spcBef>
+                          <a:spcPts val="0"/>
+                        </a:spcBef>
+                        <a:spcAft>
+                          <a:spcPts val="0"/>
+                        </a:spcAft>
+                      </a:pPr>
+                      <a:r>
+                        <a:rPr lang="en-US" sz="1400">
+                          <a:solidFill>
+                            <a:srgbClr val="000000"/>
+                          </a:solidFill>
+                          <a:effectLst/>
+                          <a:latin typeface="Times New Roman" panose="02020603050405020304" pitchFamily="18" charset="0"/>
+                          <a:ea typeface="Times New Roman" panose="02020603050405020304" pitchFamily="18" charset="0"/>
+                          <a:cs typeface="Times New Roman" panose="02020603050405020304" pitchFamily="18" charset="0"/>
+                        </a:rPr>
+                        <a:t>(2.97, 3.44)</a:t>
+                      </a:r>
+                      <a:endParaRPr lang="en-US" sz="1400">
+                        <a:effectLst/>
+                        <a:latin typeface="Times New Roman" panose="02020603050405020304" pitchFamily="18" charset="0"/>
+                        <a:ea typeface="Calibri" panose="020F0502020204030204" pitchFamily="34" charset="0"/>
+                        <a:cs typeface="Times New Roman" panose="02020603050405020304" pitchFamily="18" charset="0"/>
+                      </a:endParaRPr>
+                    </a:p>
+                  </a:txBody>
+                  <a:tcPr marL="68580" marR="68580" marT="0" marB="0">
+                    <a:lnL>
+                      <a:noFill/>
+                    </a:lnL>
+                    <a:lnR>
+                      <a:noFill/>
+                    </a:lnR>
+                    <a:lnT>
+                      <a:noFill/>
+                    </a:lnT>
+                    <a:lnB w="12700" cap="flat" cmpd="sng" algn="ctr">
+                      <a:solidFill>
+                        <a:srgbClr val="000000"/>
+                      </a:solidFill>
+                      <a:prstDash val="solid"/>
+                      <a:round/>
+                      <a:headEnd type="none" w="med" len="med"/>
+                      <a:tailEnd type="none" w="med" len="med"/>
+                    </a:lnB>
+                    <a:solidFill>
+                      <a:srgbClr val="FFFFFF"/>
+                    </a:solidFill>
+                  </a:tcPr>
+                </a:tc>
+                <a:tc>
+                  <a:txBody>
+                    <a:bodyPr/>
+                    <a:lstStyle/>
+                    <a:p>
+                      <a:pPr marL="0" marR="0" algn="ctr">
+                        <a:spcBef>
+                          <a:spcPts val="0"/>
+                        </a:spcBef>
+                        <a:spcAft>
+                          <a:spcPts val="0"/>
+                        </a:spcAft>
+                      </a:pPr>
+                      <a:r>
+                        <a:rPr lang="en-US" sz="1400">
+                          <a:solidFill>
+                            <a:srgbClr val="000000"/>
+                          </a:solidFill>
+                          <a:effectLst/>
+                          <a:latin typeface="Times New Roman" panose="02020603050405020304" pitchFamily="18" charset="0"/>
+                          <a:ea typeface="Times New Roman" panose="02020603050405020304" pitchFamily="18" charset="0"/>
+                          <a:cs typeface="Times New Roman" panose="02020603050405020304" pitchFamily="18" charset="0"/>
+                        </a:rPr>
+                        <a:t>0</a:t>
+                      </a:r>
+                      <a:endParaRPr lang="en-US" sz="1400">
+                        <a:effectLst/>
+                        <a:latin typeface="Times New Roman" panose="02020603050405020304" pitchFamily="18" charset="0"/>
+                        <a:ea typeface="Calibri" panose="020F0502020204030204" pitchFamily="34" charset="0"/>
+                        <a:cs typeface="Times New Roman" panose="02020603050405020304" pitchFamily="18" charset="0"/>
+                      </a:endParaRPr>
+                    </a:p>
+                  </a:txBody>
+                  <a:tcPr marL="68580" marR="68580" marT="0" marB="0">
+                    <a:lnL>
+                      <a:noFill/>
+                    </a:lnL>
+                    <a:lnR>
+                      <a:noFill/>
+                    </a:lnR>
+                    <a:lnT>
+                      <a:noFill/>
+                    </a:lnT>
+                    <a:lnB w="12700" cap="flat" cmpd="sng" algn="ctr">
+                      <a:solidFill>
+                        <a:srgbClr val="000000"/>
+                      </a:solidFill>
+                      <a:prstDash val="solid"/>
+                      <a:round/>
+                      <a:headEnd type="none" w="med" len="med"/>
+                      <a:tailEnd type="none" w="med" len="med"/>
+                    </a:lnB>
+                    <a:solidFill>
+                      <a:srgbClr val="FFFFFF"/>
+                    </a:solidFill>
+                  </a:tcPr>
+                </a:tc>
+                <a:tc>
+                  <a:txBody>
+                    <a:bodyPr/>
+                    <a:lstStyle/>
+                    <a:p>
+                      <a:pPr marL="0" marR="0" algn="ctr">
+                        <a:spcBef>
+                          <a:spcPts val="0"/>
+                        </a:spcBef>
+                        <a:spcAft>
+                          <a:spcPts val="0"/>
+                        </a:spcAft>
+                      </a:pPr>
+                      <a:r>
+                        <a:rPr lang="en-US" sz="1400" dirty="0">
+                          <a:solidFill>
+                            <a:srgbClr val="000000"/>
+                          </a:solidFill>
+                          <a:effectLst/>
+                          <a:latin typeface="Times New Roman" panose="02020603050405020304" pitchFamily="18" charset="0"/>
+                          <a:ea typeface="Calibri" panose="020F0502020204030204" pitchFamily="34" charset="0"/>
+                          <a:cs typeface="Times New Roman" panose="02020603050405020304" pitchFamily="18" charset="0"/>
+                        </a:rPr>
+                        <a:t>≤ 0.80</a:t>
+                      </a:r>
+                      <a:endParaRPr lang="en-US" sz="1400" dirty="0">
+                        <a:effectLst/>
+                        <a:latin typeface="Times New Roman" panose="02020603050405020304" pitchFamily="18" charset="0"/>
+                        <a:ea typeface="Calibri" panose="020F0502020204030204" pitchFamily="34" charset="0"/>
+                        <a:cs typeface="Times New Roman" panose="02020603050405020304" pitchFamily="18" charset="0"/>
+                      </a:endParaRPr>
+                    </a:p>
+                  </a:txBody>
+                  <a:tcPr marL="68580" marR="68580" marT="0" marB="0">
+                    <a:lnL>
+                      <a:noFill/>
+                    </a:lnL>
+                    <a:lnR>
+                      <a:noFill/>
+                    </a:lnR>
+                    <a:lnT>
+                      <a:noFill/>
+                    </a:lnT>
+                    <a:lnB w="12700" cap="flat" cmpd="sng" algn="ctr">
+                      <a:solidFill>
+                        <a:srgbClr val="000000"/>
+                      </a:solidFill>
+                      <a:prstDash val="solid"/>
+                      <a:round/>
+                      <a:headEnd type="none" w="med" len="med"/>
+                      <a:tailEnd type="none" w="med" len="med"/>
+                    </a:lnB>
+                    <a:solidFill>
+                      <a:srgbClr val="FFFFFF"/>
+                    </a:solidFill>
+                  </a:tcPr>
+                </a:tc>
+                <a:extLst>
+                  <a:ext uri="{0D108BD9-81ED-4DB2-BD59-A6C34878D82A}">
+                    <a16:rowId xmlns:a16="http://schemas.microsoft.com/office/drawing/2014/main" val="1059403386"/>
+                  </a:ext>
+                </a:extLst>
+              </a:tr>
+            </a:tbl>
+          </a:graphicData>
+        </a:graphic>
+      </p:graphicFrame>
     </p:spTree>
     <p:extLst>
       <p:ext uri="{BB962C8B-B14F-4D97-AF65-F5344CB8AC3E}">
@@ -3350,36 +12571,41 @@
           <a:lstStyle/>
           <a:p>
             <a:r>
-              <a:rPr lang="en-US" smtClean="0"/>
-              <a:t>Conclusions/Limitations</a:t>
+              <a:rPr lang="en-US" dirty="0" smtClean="0"/>
+              <a:t>Results</a:t>
             </a:r>
             <a:endParaRPr lang="en-US" dirty="0"/>
           </a:p>
         </p:txBody>
       </p:sp>
-      <p:sp>
-        <p:nvSpPr>
-          <p:cNvPr id="3" name="Content Placeholder 2"/>
-          <p:cNvSpPr>
-            <a:spLocks noGrp="1"/>
-          </p:cNvSpPr>
-          <p:nvPr>
-            <p:ph idx="1"/>
-          </p:nvPr>
-        </p:nvSpPr>
-        <p:spPr/>
-        <p:txBody>
-          <a:bodyPr/>
-          <a:lstStyle/>
-          <a:p>
-            <a:endParaRPr lang="en-US"/>
-          </a:p>
-        </p:txBody>
-      </p:sp>
+      <p:pic>
+        <p:nvPicPr>
+          <p:cNvPr id="4" name="Picture 3"/>
+          <p:cNvPicPr>
+            <a:picLocks noChangeAspect="1"/>
+          </p:cNvPicPr>
+          <p:nvPr/>
+        </p:nvPicPr>
+        <p:blipFill>
+          <a:blip r:embed="rId2"/>
+          <a:stretch>
+            <a:fillRect/>
+          </a:stretch>
+        </p:blipFill>
+        <p:spPr>
+          <a:xfrm>
+            <a:off x="1152144" y="1578619"/>
+            <a:ext cx="7657431" cy="4776461"/>
+          </a:xfrm>
+          <a:prstGeom prst="rect">
+            <a:avLst/>
+          </a:prstGeom>
+        </p:spPr>
+      </p:pic>
     </p:spTree>
     <p:extLst>
       <p:ext uri="{BB962C8B-B14F-4D97-AF65-F5344CB8AC3E}">
-        <p14:creationId xmlns:p14="http://schemas.microsoft.com/office/powerpoint/2010/main" val="3932425180"/>
+        <p14:creationId xmlns:p14="http://schemas.microsoft.com/office/powerpoint/2010/main" val="1430899456"/>
       </p:ext>
     </p:extLst>
   </p:cSld>
@@ -3421,7 +12647,11 @@
           <a:bodyPr/>
           <a:lstStyle/>
           <a:p>
-            <a:endParaRPr lang="en-US"/>
+            <a:r>
+              <a:rPr lang="en-US" dirty="0" smtClean="0"/>
+              <a:t>Conclusions</a:t>
+            </a:r>
+            <a:endParaRPr lang="en-US" dirty="0"/>
           </a:p>
         </p:txBody>
       </p:sp>
@@ -3440,14 +12670,149 @@
           <a:bodyPr/>
           <a:lstStyle/>
           <a:p>
-            <a:endParaRPr lang="en-US"/>
+            <a:r>
+              <a:rPr lang="en-US" dirty="0" smtClean="0"/>
+              <a:t>Hospitals 7, 17, 34 should be investigated due to their much higher observed mortality rate compared to their predicted mortality rate</a:t>
+            </a:r>
+          </a:p>
+          <a:p>
+            <a:endParaRPr lang="en-US" dirty="0"/>
+          </a:p>
+          <a:p>
+            <a:r>
+              <a:rPr lang="en-US" dirty="0" smtClean="0"/>
+              <a:t>Hospitals </a:t>
+            </a:r>
+            <a:r>
+              <a:rPr lang="en-US" dirty="0"/>
+              <a:t>19,32,33,42, and 44 </a:t>
+            </a:r>
+            <a:r>
+              <a:rPr lang="en-US" dirty="0" smtClean="0"/>
+              <a:t>should be investigated due to their much lower observed mortality rate compared to their predicted mortality rate. </a:t>
+            </a:r>
+          </a:p>
+          <a:p>
+            <a:endParaRPr lang="en-US" dirty="0"/>
+          </a:p>
+          <a:p>
+            <a:r>
+              <a:rPr lang="en-US" dirty="0" smtClean="0"/>
+              <a:t>Albumin is not associated with mortality rate</a:t>
+            </a:r>
+            <a:endParaRPr lang="en-US" dirty="0"/>
           </a:p>
         </p:txBody>
       </p:sp>
     </p:spTree>
     <p:extLst>
       <p:ext uri="{BB962C8B-B14F-4D97-AF65-F5344CB8AC3E}">
-        <p14:creationId xmlns:p14="http://schemas.microsoft.com/office/powerpoint/2010/main" val="1430899456"/>
+        <p14:creationId xmlns:p14="http://schemas.microsoft.com/office/powerpoint/2010/main" val="3932425180"/>
+      </p:ext>
+    </p:extLst>
+  </p:cSld>
+  <p:clrMapOvr>
+    <a:masterClrMapping/>
+  </p:clrMapOvr>
+</p:sld>
+</file>
+
+<file path=ppt/slides/slide8.xml><?xml version="1.0" encoding="utf-8"?>
+<p:sld xmlns:a="http://schemas.openxmlformats.org/drawingml/2006/main" xmlns:r="http://schemas.openxmlformats.org/officeDocument/2006/relationships" xmlns:p="http://schemas.openxmlformats.org/presentationml/2006/main">
+  <p:cSld>
+    <p:spTree>
+      <p:nvGrpSpPr>
+        <p:cNvPr id="1" name=""/>
+        <p:cNvGrpSpPr/>
+        <p:nvPr/>
+      </p:nvGrpSpPr>
+      <p:grpSpPr>
+        <a:xfrm>
+          <a:off x="0" y="0"/>
+          <a:ext cx="0" cy="0"/>
+          <a:chOff x="0" y="0"/>
+          <a:chExt cx="0" cy="0"/>
+        </a:xfrm>
+      </p:grpSpPr>
+      <p:sp>
+        <p:nvSpPr>
+          <p:cNvPr id="2" name="Title 1"/>
+          <p:cNvSpPr>
+            <a:spLocks noGrp="1"/>
+          </p:cNvSpPr>
+          <p:nvPr>
+            <p:ph type="title"/>
+          </p:nvPr>
+        </p:nvSpPr>
+        <p:spPr/>
+        <p:txBody>
+          <a:bodyPr/>
+          <a:lstStyle/>
+          <a:p>
+            <a:r>
+              <a:rPr lang="en-US" dirty="0" smtClean="0"/>
+              <a:t>Limitations</a:t>
+            </a:r>
+            <a:endParaRPr lang="en-US" dirty="0"/>
+          </a:p>
+        </p:txBody>
+      </p:sp>
+      <p:sp>
+        <p:nvSpPr>
+          <p:cNvPr id="3" name="Content Placeholder 2"/>
+          <p:cNvSpPr>
+            <a:spLocks noGrp="1"/>
+          </p:cNvSpPr>
+          <p:nvPr>
+            <p:ph idx="1"/>
+          </p:nvPr>
+        </p:nvSpPr>
+        <p:spPr/>
+        <p:txBody>
+          <a:bodyPr/>
+          <a:lstStyle/>
+          <a:p>
+            <a:r>
+              <a:rPr lang="en-US" dirty="0" smtClean="0"/>
+              <a:t>Hospital 30 did not have a predicted value estimated</a:t>
+            </a:r>
+          </a:p>
+          <a:p>
+            <a:endParaRPr lang="en-US" dirty="0" smtClean="0"/>
+          </a:p>
+          <a:p>
+            <a:r>
+              <a:rPr lang="en-US" dirty="0" smtClean="0"/>
+              <a:t>Missing data</a:t>
+            </a:r>
+          </a:p>
+          <a:p>
+            <a:pPr lvl="1"/>
+            <a:r>
+              <a:rPr lang="en-US" dirty="0" smtClean="0"/>
+              <a:t>Albumin</a:t>
+            </a:r>
+          </a:p>
+          <a:p>
+            <a:pPr lvl="1"/>
+            <a:r>
+              <a:rPr lang="en-US" dirty="0" smtClean="0"/>
+              <a:t>Slight bias due to different population in observed and the predicted</a:t>
+            </a:r>
+          </a:p>
+          <a:p>
+            <a:pPr lvl="1"/>
+            <a:endParaRPr lang="en-US" dirty="0"/>
+          </a:p>
+          <a:p>
+            <a:endParaRPr lang="en-US" dirty="0"/>
+          </a:p>
+        </p:txBody>
+      </p:sp>
+    </p:spTree>
+    <p:extLst>
+      <p:ext uri="{BB962C8B-B14F-4D97-AF65-F5344CB8AC3E}">
+        <p14:creationId xmlns:p14="http://schemas.microsoft.com/office/powerpoint/2010/main" val="184617889"/>
       </p:ext>
     </p:extLst>
   </p:cSld>
